--- a/JurgenTan_CA1.pptx
+++ b/JurgenTan_CA1.pptx
@@ -6,11 +6,15 @@
   </p:sldMasterIdLst>
   <p:sldIdLst>
     <p:sldId id="256" r:id="rId2"/>
-    <p:sldId id="257" r:id="rId3"/>
-    <p:sldId id="258" r:id="rId4"/>
-    <p:sldId id="259" r:id="rId5"/>
-    <p:sldId id="260" r:id="rId6"/>
-    <p:sldId id="261" r:id="rId7"/>
+    <p:sldId id="262" r:id="rId3"/>
+    <p:sldId id="263" r:id="rId4"/>
+    <p:sldId id="264" r:id="rId5"/>
+    <p:sldId id="257" r:id="rId6"/>
+    <p:sldId id="258" r:id="rId7"/>
+    <p:sldId id="259" r:id="rId8"/>
+    <p:sldId id="265" r:id="rId9"/>
+    <p:sldId id="260" r:id="rId10"/>
+    <p:sldId id="261" r:id="rId11"/>
   </p:sldIdLst>
   <p:sldSz cx="12192000" cy="6858000"/>
   <p:notesSz cx="6858000" cy="9144000"/>
@@ -109,6 +113,11 @@
       </a:defRPr>
     </a:lvl9pPr>
   </p:defaultTextStyle>
+  <p:extLst>
+    <p:ext uri="{EFAFB233-063F-42B5-8137-9DF3F51BA10A}">
+      <p15:sldGuideLst xmlns:p15="http://schemas.microsoft.com/office/powerpoint/2012/main"/>
+    </p:ext>
+  </p:extLst>
 </p:presentation>
 </file>
 
@@ -3348,10 +3357,9 @@
           <a:lstStyle/>
           <a:p>
             <a:r>
-              <a:rPr lang="en-SG" dirty="0"/>
-              <a:t>Programming Data Science	</a:t>
-            </a:r>
-            <a:endParaRPr lang="en-US" dirty="0"/>
+              <a:rPr lang="en-US" dirty="0"/>
+              <a:t>Transport Data Analysis</a:t>
+            </a:r>
           </a:p>
         </p:txBody>
       </p:sp>
@@ -3412,7 +3420,7 @@
 </p:sld>
 </file>
 
-<file path=ppt/slides/slide2.xml><?xml version="1.0" encoding="utf-8"?>
+<file path=ppt/slides/slide10.xml><?xml version="1.0" encoding="utf-8"?>
 <p:sld xmlns:a="http://schemas.openxmlformats.org/drawingml/2006/main" xmlns:r="http://schemas.openxmlformats.org/officeDocument/2006/relationships" xmlns:p="http://schemas.openxmlformats.org/presentationml/2006/main">
   <p:cSld>
     <p:bg>
@@ -3437,68 +3445,186 @@
           <a:chExt cx="0" cy="0"/>
         </a:xfrm>
       </p:grpSpPr>
-      <p:sp>
-        <p:nvSpPr>
-          <p:cNvPr id="2" name="Title 1">
-            <a:extLst>
-              <a:ext uri="{FF2B5EF4-FFF2-40B4-BE49-F238E27FC236}">
-                <a16:creationId xmlns:a16="http://schemas.microsoft.com/office/drawing/2014/main" id="{4A218608-31C1-44E9-8383-CE4345C7EC42}"/>
-              </a:ext>
-            </a:extLst>
-          </p:cNvPr>
-          <p:cNvSpPr>
-            <a:spLocks noGrp="1"/>
-          </p:cNvSpPr>
-          <p:nvPr>
-            <p:ph type="title"/>
+      <p:sp useBgFill="1">
+        <p:nvSpPr>
+          <p:cNvPr id="2052" name="Rectangle 70">
+            <a:extLst>
+              <a:ext uri="{FF2B5EF4-FFF2-40B4-BE49-F238E27FC236}">
+                <a16:creationId xmlns:a16="http://schemas.microsoft.com/office/drawing/2014/main" id="{385E1BDC-A9B0-4A87-82E3-F3187F69A802}"/>
+              </a:ext>
+              <a:ext uri="{C183D7F6-B498-43B3-948B-1728B52AA6E4}">
+                <adec:decorative xmlns:adec="http://schemas.microsoft.com/office/drawing/2017/decorative" val="1"/>
+              </a:ext>
+            </a:extLst>
+          </p:cNvPr>
+          <p:cNvSpPr>
+            <a:spLocks noGrp="1" noRot="1" noChangeAspect="1" noMove="1" noResize="1" noEditPoints="1" noAdjustHandles="1" noChangeArrowheads="1" noChangeShapeType="1" noTextEdit="1"/>
+          </p:cNvSpPr>
+          <p:nvPr>
+            <p:extLst>
+              <p:ext uri="{386F3935-93C4-4BCD-93E2-E3B085C9AB24}">
+                <p16:designElem xmlns:p16="http://schemas.microsoft.com/office/powerpoint/2015/main" val="1"/>
+              </p:ext>
+            </p:extLst>
           </p:nvPr>
         </p:nvSpPr>
         <p:spPr>
           <a:xfrm>
-            <a:off x="838200" y="640080"/>
-            <a:ext cx="2798064" cy="2304288"/>
-          </a:xfrm>
-        </p:spPr>
-        <p:txBody>
-          <a:bodyPr vert="horz" lIns="91440" tIns="45720" rIns="91440" bIns="45720" rtlCol="0" anchor="b">
-            <a:normAutofit/>
-          </a:bodyPr>
-          <a:lstStyle/>
-          <a:p>
-            <a:r>
-              <a:rPr lang="en-US" sz="3100" kern="1200" dirty="0">
-                <a:solidFill>
-                  <a:schemeClr val="tx1"/>
-                </a:solidFill>
-                <a:latin typeface="+mj-lt"/>
-                <a:ea typeface="+mj-ea"/>
-                <a:cs typeface="+mj-cs"/>
-              </a:rPr>
-              <a:t>Price Difference Between The Months From 2015 to 2018 For Category A</a:t>
-            </a:r>
-          </a:p>
-        </p:txBody>
-      </p:sp>
-      <p:sp>
-        <p:nvSpPr>
-          <p:cNvPr id="5" name="TextBox 4">
-            <a:extLst>
-              <a:ext uri="{FF2B5EF4-FFF2-40B4-BE49-F238E27FC236}">
-                <a16:creationId xmlns:a16="http://schemas.microsoft.com/office/drawing/2014/main" id="{15A2AB56-1221-4C94-94AE-D956AC4782D1}"/>
-              </a:ext>
-            </a:extLst>
-          </p:cNvPr>
-          <p:cNvSpPr txBox="1"/>
-          <p:nvPr/>
-        </p:nvSpPr>
-        <p:spPr>
-          <a:xfrm>
-            <a:off x="838200" y="3136392"/>
-            <a:ext cx="2770632" cy="3081528"/>
+            <a:off x="0" y="0"/>
+            <a:ext cx="12192000" cy="6858000"/>
           </a:xfrm>
           <a:prstGeom prst="rect">
             <a:avLst/>
           </a:prstGeom>
+          <a:ln>
+            <a:noFill/>
+          </a:ln>
+        </p:spPr>
+        <p:style>
+          <a:lnRef idx="2">
+            <a:schemeClr val="accent1">
+              <a:shade val="50000"/>
+            </a:schemeClr>
+          </a:lnRef>
+          <a:fillRef idx="1">
+            <a:schemeClr val="accent1"/>
+          </a:fillRef>
+          <a:effectRef idx="0">
+            <a:schemeClr val="accent1"/>
+          </a:effectRef>
+          <a:fontRef idx="minor">
+            <a:schemeClr val="lt1"/>
+          </a:fontRef>
+        </p:style>
+        <p:txBody>
+          <a:bodyPr rtlCol="0" anchor="ctr"/>
+          <a:lstStyle/>
+          <a:p>
+            <a:pPr algn="ctr"/>
+            <a:endParaRPr lang="en-US"/>
+          </a:p>
+        </p:txBody>
+      </p:sp>
+      <p:sp useBgFill="1">
+        <p:nvSpPr>
+          <p:cNvPr id="2053" name="Rectangle 72">
+            <a:extLst>
+              <a:ext uri="{FF2B5EF4-FFF2-40B4-BE49-F238E27FC236}">
+                <a16:creationId xmlns:a16="http://schemas.microsoft.com/office/drawing/2014/main" id="{0990C621-3B8B-4820-8328-D47EF7CE823C}"/>
+              </a:ext>
+              <a:ext uri="{C183D7F6-B498-43B3-948B-1728B52AA6E4}">
+                <adec:decorative xmlns:adec="http://schemas.microsoft.com/office/drawing/2017/decorative" val="1"/>
+              </a:ext>
+            </a:extLst>
+          </p:cNvPr>
+          <p:cNvSpPr>
+            <a:spLocks noGrp="1" noRot="1" noChangeAspect="1" noMove="1" noResize="1" noEditPoints="1" noAdjustHandles="1" noChangeArrowheads="1" noChangeShapeType="1" noTextEdit="1"/>
+          </p:cNvSpPr>
+          <p:nvPr>
+            <p:extLst>
+              <p:ext uri="{386F3935-93C4-4BCD-93E2-E3B085C9AB24}">
+                <p16:designElem xmlns:p16="http://schemas.microsoft.com/office/powerpoint/2015/main" val="1"/>
+              </p:ext>
+            </p:extLst>
+          </p:nvPr>
+        </p:nvSpPr>
+        <p:spPr>
+          <a:xfrm>
+            <a:off x="554416" y="365125"/>
+            <a:ext cx="11167447" cy="2089317"/>
+          </a:xfrm>
+          <a:prstGeom prst="rect">
+            <a:avLst/>
+          </a:prstGeom>
+          <a:ln w="12700">
+            <a:solidFill>
+              <a:srgbClr val="EFEFEF"/>
+            </a:solidFill>
+          </a:ln>
+          <a:effectLst>
+            <a:outerShdw blurRad="50800" dist="38100" dir="2700000" algn="tl" rotWithShape="0">
+              <a:schemeClr val="bg2">
+                <a:lumMod val="85000"/>
+                <a:alpha val="30000"/>
+              </a:schemeClr>
+            </a:outerShdw>
+          </a:effectLst>
+        </p:spPr>
+        <p:style>
+          <a:lnRef idx="2">
+            <a:schemeClr val="accent1">
+              <a:shade val="50000"/>
+            </a:schemeClr>
+          </a:lnRef>
+          <a:fillRef idx="1">
+            <a:schemeClr val="accent1"/>
+          </a:fillRef>
+          <a:effectRef idx="0">
+            <a:schemeClr val="accent1"/>
+          </a:effectRef>
+          <a:fontRef idx="minor">
+            <a:schemeClr val="lt1"/>
+          </a:fontRef>
+        </p:style>
+        <p:txBody>
+          <a:bodyPr rtlCol="0" anchor="ctr"/>
+          <a:lstStyle/>
+          <a:p>
+            <a:pPr marL="0" marR="0" lvl="0" indent="0" algn="ctr" defTabSz="914400" rtl="0" eaLnBrk="1" fontAlgn="auto" latinLnBrk="0" hangingPunct="1">
+              <a:lnSpc>
+                <a:spcPct val="100000"/>
+              </a:lnSpc>
+              <a:spcBef>
+                <a:spcPts val="0"/>
+              </a:spcBef>
+              <a:spcAft>
+                <a:spcPts val="0"/>
+              </a:spcAft>
+              <a:buClrTx/>
+              <a:buSzTx/>
+              <a:buFontTx/>
+              <a:buNone/>
+              <a:tabLst/>
+              <a:defRPr/>
+            </a:pPr>
+            <a:endParaRPr kumimoji="0" lang="en-US" sz="1800" b="0" i="0" u="none" strike="noStrike" kern="1200" cap="none" spc="0" normalizeH="0" baseline="0" noProof="0">
+              <a:ln>
+                <a:noFill/>
+              </a:ln>
+              <a:solidFill>
+                <a:prstClr val="white"/>
+              </a:solidFill>
+              <a:effectLst/>
+              <a:uLnTx/>
+              <a:uFillTx/>
+              <a:latin typeface="Calibri" panose="020F0502020204030204"/>
+              <a:ea typeface="+mn-ea"/>
+              <a:cs typeface="+mn-cs"/>
+            </a:endParaRPr>
+          </a:p>
+        </p:txBody>
+      </p:sp>
+      <p:sp>
+        <p:nvSpPr>
+          <p:cNvPr id="2" name="Title 1">
+            <a:extLst>
+              <a:ext uri="{FF2B5EF4-FFF2-40B4-BE49-F238E27FC236}">
+                <a16:creationId xmlns:a16="http://schemas.microsoft.com/office/drawing/2014/main" id="{4A218608-31C1-44E9-8383-CE4345C7EC42}"/>
+              </a:ext>
+            </a:extLst>
+          </p:cNvPr>
+          <p:cNvSpPr>
+            <a:spLocks noGrp="1"/>
+          </p:cNvSpPr>
+          <p:nvPr>
+            <p:ph type="title"/>
+          </p:nvPr>
+        </p:nvSpPr>
+        <p:spPr>
+          <a:xfrm>
+            <a:off x="1051560" y="586822"/>
+            <a:ext cx="3657600" cy="1645920"/>
+          </a:xfrm>
         </p:spPr>
         <p:txBody>
           <a:bodyPr vert="horz" lIns="91440" tIns="45720" rIns="91440" bIns="45720" rtlCol="0">
@@ -3506,70 +3632,233 @@
           </a:bodyPr>
           <a:lstStyle/>
           <a:p>
-            <a:pPr marL="285750" indent="-228600">
+            <a:r>
+              <a:rPr lang="en-US" sz="3200"/>
+              <a:t>The Number Of Decks In Singapore's HDB Carparks</a:t>
+            </a:r>
+            <a:endParaRPr lang="en-US" sz="3200" kern="1200">
+              <a:latin typeface="+mj-lt"/>
+              <a:ea typeface="+mj-ea"/>
+              <a:cs typeface="+mj-cs"/>
+            </a:endParaRPr>
+          </a:p>
+        </p:txBody>
+      </p:sp>
+      <p:sp>
+        <p:nvSpPr>
+          <p:cNvPr id="2054" name="Rectangle 74">
+            <a:extLst>
+              <a:ext uri="{FF2B5EF4-FFF2-40B4-BE49-F238E27FC236}">
+                <a16:creationId xmlns:a16="http://schemas.microsoft.com/office/drawing/2014/main" id="{C1A2385B-1D2A-4E17-84FA-6CB7F0AAE473}"/>
+              </a:ext>
+              <a:ext uri="{C183D7F6-B498-43B3-948B-1728B52AA6E4}">
+                <adec:decorative xmlns:adec="http://schemas.microsoft.com/office/drawing/2017/decorative" val="1"/>
+              </a:ext>
+            </a:extLst>
+          </p:cNvPr>
+          <p:cNvSpPr>
+            <a:spLocks noGrp="1" noRot="1" noChangeAspect="1" noMove="1" noResize="1" noEditPoints="1" noAdjustHandles="1" noChangeArrowheads="1" noChangeShapeType="1" noTextEdit="1"/>
+          </p:cNvSpPr>
+          <p:nvPr>
+            <p:extLst>
+              <p:ext uri="{386F3935-93C4-4BCD-93E2-E3B085C9AB24}">
+                <p16:designElem xmlns:p16="http://schemas.microsoft.com/office/powerpoint/2015/main" val="1"/>
+              </p:ext>
+            </p:extLst>
+          </p:nvPr>
+        </p:nvSpPr>
+        <p:spPr>
+          <a:xfrm>
+            <a:off x="490408" y="1057739"/>
+            <a:ext cx="128016" cy="704088"/>
+          </a:xfrm>
+          <a:prstGeom prst="rect">
+            <a:avLst/>
+          </a:prstGeom>
+          <a:solidFill>
+            <a:schemeClr val="accent2"/>
+          </a:solidFill>
+          <a:ln>
+            <a:noFill/>
+          </a:ln>
+        </p:spPr>
+        <p:style>
+          <a:lnRef idx="2">
+            <a:schemeClr val="accent1">
+              <a:shade val="50000"/>
+            </a:schemeClr>
+          </a:lnRef>
+          <a:fillRef idx="1">
+            <a:schemeClr val="accent1"/>
+          </a:fillRef>
+          <a:effectRef idx="0">
+            <a:schemeClr val="accent1"/>
+          </a:effectRef>
+          <a:fontRef idx="minor">
+            <a:schemeClr val="lt1"/>
+          </a:fontRef>
+        </p:style>
+        <p:txBody>
+          <a:bodyPr rtlCol="0" anchor="ctr"/>
+          <a:lstStyle/>
+          <a:p>
+            <a:pPr algn="ctr"/>
+            <a:endParaRPr lang="en-US" dirty="0">
+              <a:solidFill>
+                <a:prstClr val="white"/>
+              </a:solidFill>
+              <a:latin typeface="Calibri" panose="020F0502020204030204"/>
+            </a:endParaRPr>
+          </a:p>
+        </p:txBody>
+      </p:sp>
+      <p:sp>
+        <p:nvSpPr>
+          <p:cNvPr id="2055" name="Rectangle 76">
+            <a:extLst>
+              <a:ext uri="{FF2B5EF4-FFF2-40B4-BE49-F238E27FC236}">
+                <a16:creationId xmlns:a16="http://schemas.microsoft.com/office/drawing/2014/main" id="{5E791F2F-79DB-4CC0-9FA1-001E3E91E8B7}"/>
+              </a:ext>
+              <a:ext uri="{C183D7F6-B498-43B3-948B-1728B52AA6E4}">
+                <adec:decorative xmlns:adec="http://schemas.microsoft.com/office/drawing/2017/decorative" val="1"/>
+              </a:ext>
+            </a:extLst>
+          </p:cNvPr>
+          <p:cNvSpPr>
+            <a:spLocks noGrp="1" noRot="1" noChangeAspect="1" noMove="1" noResize="1" noEditPoints="1" noAdjustHandles="1" noChangeArrowheads="1" noChangeShapeType="1" noTextEdit="1"/>
+          </p:cNvSpPr>
+          <p:nvPr>
+            <p:extLst>
+              <p:ext uri="{386F3935-93C4-4BCD-93E2-E3B085C9AB24}">
+                <p16:designElem xmlns:p16="http://schemas.microsoft.com/office/powerpoint/2015/main" val="1"/>
+              </p:ext>
+            </p:extLst>
+          </p:nvPr>
+        </p:nvSpPr>
+        <p:spPr>
+          <a:xfrm rot="5400000">
+            <a:off x="4248113" y="1405210"/>
+            <a:ext cx="1463040" cy="9144"/>
+          </a:xfrm>
+          <a:prstGeom prst="rect">
+            <a:avLst/>
+          </a:prstGeom>
+          <a:solidFill>
+            <a:srgbClr val="D5D5D5"/>
+          </a:solidFill>
+          <a:ln w="3175">
+            <a:noFill/>
+          </a:ln>
+          <a:effectLst/>
+        </p:spPr>
+        <p:style>
+          <a:lnRef idx="2">
+            <a:schemeClr val="accent1">
+              <a:shade val="50000"/>
+            </a:schemeClr>
+          </a:lnRef>
+          <a:fillRef idx="1">
+            <a:schemeClr val="accent1"/>
+          </a:fillRef>
+          <a:effectRef idx="0">
+            <a:schemeClr val="accent1"/>
+          </a:effectRef>
+          <a:fontRef idx="minor">
+            <a:schemeClr val="lt1"/>
+          </a:fontRef>
+        </p:style>
+        <p:txBody>
+          <a:bodyPr rtlCol="0" anchor="ctr"/>
+          <a:lstStyle/>
+          <a:p>
+            <a:pPr marL="0" marR="0" lvl="0" indent="0" algn="ctr" defTabSz="914400" rtl="0" eaLnBrk="1" fontAlgn="auto" latinLnBrk="0" hangingPunct="1">
               <a:lnSpc>
-                <a:spcPct val="90000"/>
+                <a:spcPct val="100000"/>
               </a:lnSpc>
+              <a:spcBef>
+                <a:spcPts val="0"/>
+              </a:spcBef>
               <a:spcAft>
-                <a:spcPts val="600"/>
+                <a:spcPts val="0"/>
               </a:spcAft>
-              <a:buFont typeface="Arial" panose="020B0604020202020204" pitchFamily="34" charset="0"/>
-              <a:buChar char="•"/>
+              <a:buClrTx/>
+              <a:buSzTx/>
+              <a:buFontTx/>
+              <a:buNone/>
+              <a:tabLst/>
+              <a:defRPr/>
             </a:pPr>
-            <a:r>
-              <a:rPr lang="en-US"/>
-              <a:t>Asdasdadsa</a:t>
-            </a:r>
-          </a:p>
-          <a:p>
-            <a:pPr marL="285750" indent="-228600">
-              <a:lnSpc>
-                <a:spcPct val="90000"/>
-              </a:lnSpc>
-              <a:spcAft>
-                <a:spcPts val="600"/>
-              </a:spcAft>
-              <a:buFont typeface="Arial" panose="020B0604020202020204" pitchFamily="34" charset="0"/>
-              <a:buChar char="•"/>
-            </a:pPr>
-            <a:r>
-              <a:rPr lang="en-US"/>
-              <a:t>Asdasd</a:t>
-            </a:r>
-          </a:p>
-          <a:p>
-            <a:pPr marL="285750" indent="-228600">
-              <a:lnSpc>
-                <a:spcPct val="90000"/>
-              </a:lnSpc>
-              <a:spcAft>
-                <a:spcPts val="600"/>
-              </a:spcAft>
-              <a:buFont typeface="Arial" panose="020B0604020202020204" pitchFamily="34" charset="0"/>
-              <a:buChar char="•"/>
-            </a:pPr>
-            <a:r>
-              <a:rPr lang="en-US"/>
-              <a:t>das</a:t>
-            </a:r>
+            <a:endParaRPr kumimoji="0" lang="en-US" sz="1800" b="0" i="0" u="none" strike="noStrike" kern="1200" cap="none" spc="0" normalizeH="0" baseline="0" noProof="0">
+              <a:ln>
+                <a:noFill/>
+              </a:ln>
+              <a:solidFill>
+                <a:prstClr val="white"/>
+              </a:solidFill>
+              <a:effectLst/>
+              <a:uLnTx/>
+              <a:uFillTx/>
+              <a:latin typeface="Calibri" panose="020F0502020204030204"/>
+              <a:ea typeface="+mn-ea"/>
+              <a:cs typeface="+mn-cs"/>
+            </a:endParaRPr>
+          </a:p>
+        </p:txBody>
+      </p:sp>
+      <p:sp>
+        <p:nvSpPr>
+          <p:cNvPr id="3" name="Content Placeholder 2">
+            <a:extLst>
+              <a:ext uri="{FF2B5EF4-FFF2-40B4-BE49-F238E27FC236}">
+                <a16:creationId xmlns:a16="http://schemas.microsoft.com/office/drawing/2014/main" id="{A6DD3B12-764D-405A-AEA8-DD9E1336EA5E}"/>
+              </a:ext>
+            </a:extLst>
+          </p:cNvPr>
+          <p:cNvSpPr>
+            <a:spLocks noGrp="1"/>
+          </p:cNvSpPr>
+          <p:nvPr>
+            <p:ph idx="1"/>
+          </p:nvPr>
+        </p:nvSpPr>
+        <p:spPr>
+          <a:xfrm>
+            <a:off x="5250106" y="586822"/>
+            <a:ext cx="6106742" cy="1645920"/>
+          </a:xfrm>
+        </p:spPr>
+        <p:txBody>
+          <a:bodyPr vert="horz" lIns="91440" tIns="45720" rIns="91440" bIns="45720" rtlCol="0" anchor="ctr">
+            <a:normAutofit/>
+          </a:bodyPr>
+          <a:lstStyle/>
+          <a:p>
+            <a:pPr marL="285750"/>
+            <a:r>
+              <a:rPr lang="en-US" sz="1800" dirty="0"/>
+              <a:t>Most HDB Car Parks are </a:t>
+            </a:r>
+            <a:r>
+              <a:rPr lang="en-US" sz="1800"/>
+              <a:t>1 leveled </a:t>
+            </a:r>
+            <a:endParaRPr lang="en-US" sz="1800" dirty="0"/>
           </a:p>
         </p:txBody>
       </p:sp>
       <p:pic>
         <p:nvPicPr>
-          <p:cNvPr id="1026" name="Picture 2">
-            <a:extLst>
-              <a:ext uri="{FF2B5EF4-FFF2-40B4-BE49-F238E27FC236}">
-                <a16:creationId xmlns:a16="http://schemas.microsoft.com/office/drawing/2014/main" id="{17B69302-28B3-458D-8EA6-8B66FB8AE111}"/>
+          <p:cNvPr id="2050" name="Picture 2">
+            <a:extLst>
+              <a:ext uri="{FF2B5EF4-FFF2-40B4-BE49-F238E27FC236}">
+                <a16:creationId xmlns:a16="http://schemas.microsoft.com/office/drawing/2014/main" id="{DE55DAD0-3FAE-4EAD-A860-6310F56F3A73}"/>
               </a:ext>
             </a:extLst>
           </p:cNvPr>
           <p:cNvPicPr>
-            <a:picLocks noGrp="1" noChangeAspect="1" noChangeArrowheads="1"/>
+            <a:picLocks noChangeAspect="1" noChangeArrowheads="1"/>
           </p:cNvPicPr>
-          <p:nvPr>
-            <p:ph idx="1"/>
-          </p:nvPr>
+          <p:nvPr/>
         </p:nvPicPr>
         <p:blipFill>
           <a:blip r:embed="rId2">
@@ -3585,8 +3874,8 @@
         </p:blipFill>
         <p:spPr bwMode="auto">
           <a:xfrm>
-            <a:off x="4276344" y="1579946"/>
-            <a:ext cx="7251192" cy="3698107"/>
+            <a:off x="5909211" y="2819566"/>
+            <a:ext cx="6136600" cy="3145006"/>
           </a:xfrm>
           <a:prstGeom prst="rect">
             <a:avLst/>
@@ -3603,10 +3892,192 @@
           </a:extLst>
         </p:spPr>
       </p:pic>
+      <p:pic>
+        <p:nvPicPr>
+          <p:cNvPr id="5" name="Picture 4">
+            <a:extLst>
+              <a:ext uri="{FF2B5EF4-FFF2-40B4-BE49-F238E27FC236}">
+                <a16:creationId xmlns:a16="http://schemas.microsoft.com/office/drawing/2014/main" id="{964319EC-1690-422B-B9A6-C7B8E80F1F83}"/>
+              </a:ext>
+            </a:extLst>
+          </p:cNvPr>
+          <p:cNvPicPr>
+            <a:picLocks noChangeAspect="1"/>
+          </p:cNvPicPr>
+          <p:nvPr/>
+        </p:nvPicPr>
+        <p:blipFill>
+          <a:blip r:embed="rId3"/>
+          <a:stretch>
+            <a:fillRect/>
+          </a:stretch>
+        </p:blipFill>
+        <p:spPr>
+          <a:xfrm>
+            <a:off x="146189" y="3965836"/>
+            <a:ext cx="5616833" cy="1351419"/>
+          </a:xfrm>
+          <a:prstGeom prst="rect">
+            <a:avLst/>
+          </a:prstGeom>
+        </p:spPr>
+      </p:pic>
+      <p:pic>
+        <p:nvPicPr>
+          <p:cNvPr id="6" name="Picture 5">
+            <a:extLst>
+              <a:ext uri="{FF2B5EF4-FFF2-40B4-BE49-F238E27FC236}">
+                <a16:creationId xmlns:a16="http://schemas.microsoft.com/office/drawing/2014/main" id="{E811D79E-CEF3-4EAB-817D-7CABA1DFF9AD}"/>
+              </a:ext>
+            </a:extLst>
+          </p:cNvPr>
+          <p:cNvPicPr>
+            <a:picLocks noChangeAspect="1"/>
+          </p:cNvPicPr>
+          <p:nvPr/>
+        </p:nvPicPr>
+        <p:blipFill>
+          <a:blip r:embed="rId4"/>
+          <a:stretch>
+            <a:fillRect/>
+          </a:stretch>
+        </p:blipFill>
+        <p:spPr>
+          <a:xfrm>
+            <a:off x="45714" y="5859797"/>
+            <a:ext cx="5863498" cy="136216"/>
+          </a:xfrm>
+          <a:prstGeom prst="rect">
+            <a:avLst/>
+          </a:prstGeom>
+        </p:spPr>
+      </p:pic>
     </p:spTree>
     <p:extLst>
       <p:ext uri="{BB962C8B-B14F-4D97-AF65-F5344CB8AC3E}">
-        <p14:creationId xmlns:p14="http://schemas.microsoft.com/office/powerpoint/2010/main" val="1083457882"/>
+        <p14:creationId xmlns:p14="http://schemas.microsoft.com/office/powerpoint/2010/main" val="2080557547"/>
+      </p:ext>
+    </p:extLst>
+  </p:cSld>
+  <p:clrMapOvr>
+    <a:masterClrMapping/>
+  </p:clrMapOvr>
+</p:sld>
+</file>
+
+<file path=ppt/slides/slide2.xml><?xml version="1.0" encoding="utf-8"?>
+<p:sld xmlns:a="http://schemas.openxmlformats.org/drawingml/2006/main" xmlns:r="http://schemas.openxmlformats.org/officeDocument/2006/relationships" xmlns:p="http://schemas.openxmlformats.org/presentationml/2006/main">
+  <p:cSld>
+    <p:spTree>
+      <p:nvGrpSpPr>
+        <p:cNvPr id="1" name=""/>
+        <p:cNvGrpSpPr/>
+        <p:nvPr/>
+      </p:nvGrpSpPr>
+      <p:grpSpPr>
+        <a:xfrm>
+          <a:off x="0" y="0"/>
+          <a:ext cx="0" cy="0"/>
+          <a:chOff x="0" y="0"/>
+          <a:chExt cx="0" cy="0"/>
+        </a:xfrm>
+      </p:grpSpPr>
+      <p:sp>
+        <p:nvSpPr>
+          <p:cNvPr id="2" name="Title 1">
+            <a:extLst>
+              <a:ext uri="{FF2B5EF4-FFF2-40B4-BE49-F238E27FC236}">
+                <a16:creationId xmlns:a16="http://schemas.microsoft.com/office/drawing/2014/main" id="{71988273-5B1A-427E-875E-7B5F9EFC7E56}"/>
+              </a:ext>
+            </a:extLst>
+          </p:cNvPr>
+          <p:cNvSpPr>
+            <a:spLocks noGrp="1"/>
+          </p:cNvSpPr>
+          <p:nvPr>
+            <p:ph type="title"/>
+          </p:nvPr>
+        </p:nvSpPr>
+        <p:spPr/>
+        <p:txBody>
+          <a:bodyPr/>
+          <a:lstStyle/>
+          <a:p>
+            <a:r>
+              <a:rPr lang="en-SG" dirty="0"/>
+              <a:t>URLs</a:t>
+            </a:r>
+          </a:p>
+        </p:txBody>
+      </p:sp>
+      <p:sp>
+        <p:nvSpPr>
+          <p:cNvPr id="3" name="Content Placeholder 2">
+            <a:extLst>
+              <a:ext uri="{FF2B5EF4-FFF2-40B4-BE49-F238E27FC236}">
+                <a16:creationId xmlns:a16="http://schemas.microsoft.com/office/drawing/2014/main" id="{EA7FE453-1E75-462F-B41C-294B830962BA}"/>
+              </a:ext>
+            </a:extLst>
+          </p:cNvPr>
+          <p:cNvSpPr>
+            <a:spLocks noGrp="1"/>
+          </p:cNvSpPr>
+          <p:nvPr>
+            <p:ph idx="1"/>
+          </p:nvPr>
+        </p:nvSpPr>
+        <p:spPr/>
+        <p:txBody>
+          <a:bodyPr/>
+          <a:lstStyle/>
+          <a:p>
+            <a:r>
+              <a:rPr lang="en-SG" dirty="0"/>
+              <a:t>COE Results : </a:t>
+            </a:r>
+            <a:r>
+              <a:rPr lang="en-SG" dirty="0">
+                <a:hlinkClick r:id="rId2"/>
+              </a:rPr>
+              <a:t>https://data.gov.sg/dataset/coe-bidding-results</a:t>
+            </a:r>
+            <a:endParaRPr lang="en-SG" dirty="0"/>
+          </a:p>
+          <a:p>
+            <a:r>
+              <a:rPr lang="en-SG" dirty="0"/>
+              <a:t>Driving Licence: </a:t>
+            </a:r>
+            <a:r>
+              <a:rPr lang="en-SG" dirty="0">
+                <a:hlinkClick r:id="rId3"/>
+              </a:rPr>
+              <a:t>https://data.gov.sg/dataset/driving-licence-information-qualified-driving-licence-holders</a:t>
+            </a:r>
+            <a:endParaRPr lang="en-SG" dirty="0"/>
+          </a:p>
+          <a:p>
+            <a:r>
+              <a:rPr lang="en-SG" dirty="0"/>
+              <a:t>HDB Carpark </a:t>
+            </a:r>
+            <a:r>
+              <a:rPr lang="en-SG" dirty="0">
+                <a:hlinkClick r:id="rId4"/>
+              </a:rPr>
+              <a:t>https://data.gov.sg/dataset/hdb-carpark-information</a:t>
+            </a:r>
+            <a:endParaRPr lang="en-SG" dirty="0"/>
+          </a:p>
+          <a:p>
+            <a:endParaRPr lang="en-SG" dirty="0"/>
+          </a:p>
+        </p:txBody>
+      </p:sp>
+    </p:spTree>
+    <p:extLst>
+      <p:ext uri="{BB962C8B-B14F-4D97-AF65-F5344CB8AC3E}">
+        <p14:creationId xmlns:p14="http://schemas.microsoft.com/office/powerpoint/2010/main" val="2605298669"/>
       </p:ext>
     </p:extLst>
   </p:cSld>
@@ -3643,50 +4114,306 @@
       </p:grpSpPr>
       <p:sp>
         <p:nvSpPr>
-          <p:cNvPr id="2" name="Title 1">
-            <a:extLst>
-              <a:ext uri="{FF2B5EF4-FFF2-40B4-BE49-F238E27FC236}">
-                <a16:creationId xmlns:a16="http://schemas.microsoft.com/office/drawing/2014/main" id="{4A218608-31C1-44E9-8383-CE4345C7EC42}"/>
-              </a:ext>
-            </a:extLst>
-          </p:cNvPr>
-          <p:cNvSpPr>
-            <a:spLocks noGrp="1"/>
-          </p:cNvSpPr>
-          <p:nvPr>
-            <p:ph type="title"/>
+          <p:cNvPr id="43" name="Freeform 11">
+            <a:extLst>
+              <a:ext uri="{FF2B5EF4-FFF2-40B4-BE49-F238E27FC236}">
+                <a16:creationId xmlns:a16="http://schemas.microsoft.com/office/drawing/2014/main" id="{A0BF428C-DA8B-4D99-9930-18F7F91D873D}"/>
+              </a:ext>
+              <a:ext uri="{C183D7F6-B498-43B3-948B-1728B52AA6E4}">
+                <adec:decorative xmlns:adec="http://schemas.microsoft.com/office/drawing/2017/decorative" val="1"/>
+              </a:ext>
+            </a:extLst>
+          </p:cNvPr>
+          <p:cNvSpPr>
+            <a:spLocks noGrp="1" noRot="1" noChangeAspect="1" noMove="1" noResize="1" noEditPoints="1" noAdjustHandles="1" noChangeArrowheads="1" noChangeShapeType="1" noTextEdit="1"/>
+          </p:cNvSpPr>
+          <p:nvPr>
+            <p:extLst>
+              <p:ext uri="{386F3935-93C4-4BCD-93E2-E3B085C9AB24}">
+                <p16:designElem xmlns:p16="http://schemas.microsoft.com/office/powerpoint/2015/main" val="1"/>
+              </p:ext>
+            </p:extLst>
           </p:nvPr>
         </p:nvSpPr>
         <p:spPr>
           <a:xfrm>
-            <a:off x="838200" y="640080"/>
-            <a:ext cx="2798064" cy="2304288"/>
-          </a:xfrm>
-        </p:spPr>
-        <p:txBody>
-          <a:bodyPr vert="horz" lIns="91440" tIns="45720" rIns="91440" bIns="45720" rtlCol="0" anchor="b">
+            <a:off x="4876801" y="1690688"/>
+            <a:ext cx="7316944" cy="5167312"/>
+          </a:xfrm>
+          <a:custGeom>
+            <a:avLst/>
+            <a:gdLst>
+              <a:gd name="connsiteX0" fmla="*/ 0 w 7316944"/>
+              <a:gd name="connsiteY0" fmla="*/ 0 h 5167312"/>
+              <a:gd name="connsiteX1" fmla="*/ 7316944 w 7316944"/>
+              <a:gd name="connsiteY1" fmla="*/ 0 h 5167312"/>
+              <a:gd name="connsiteX2" fmla="*/ 7316944 w 7316944"/>
+              <a:gd name="connsiteY2" fmla="*/ 5167312 h 5167312"/>
+              <a:gd name="connsiteX3" fmla="*/ 472697 w 7316944"/>
+              <a:gd name="connsiteY3" fmla="*/ 5167312 h 5167312"/>
+              <a:gd name="connsiteX4" fmla="*/ 2866576 w 7316944"/>
+              <a:gd name="connsiteY4" fmla="*/ 952 h 5167312"/>
+              <a:gd name="connsiteX5" fmla="*/ 0 w 7316944"/>
+              <a:gd name="connsiteY5" fmla="*/ 952 h 5167312"/>
+            </a:gdLst>
+            <a:ahLst/>
+            <a:cxnLst>
+              <a:cxn ang="0">
+                <a:pos x="connsiteX0" y="connsiteY0"/>
+              </a:cxn>
+              <a:cxn ang="0">
+                <a:pos x="connsiteX1" y="connsiteY1"/>
+              </a:cxn>
+              <a:cxn ang="0">
+                <a:pos x="connsiteX2" y="connsiteY2"/>
+              </a:cxn>
+              <a:cxn ang="0">
+                <a:pos x="connsiteX3" y="connsiteY3"/>
+              </a:cxn>
+              <a:cxn ang="0">
+                <a:pos x="connsiteX4" y="connsiteY4"/>
+              </a:cxn>
+              <a:cxn ang="0">
+                <a:pos x="connsiteX5" y="connsiteY5"/>
+              </a:cxn>
+            </a:cxnLst>
+            <a:rect l="l" t="t" r="r" b="b"/>
+            <a:pathLst>
+              <a:path w="7316944" h="5167312">
+                <a:moveTo>
+                  <a:pt x="0" y="0"/>
+                </a:moveTo>
+                <a:lnTo>
+                  <a:pt x="7316944" y="0"/>
+                </a:lnTo>
+                <a:lnTo>
+                  <a:pt x="7316944" y="5167312"/>
+                </a:lnTo>
+                <a:lnTo>
+                  <a:pt x="472697" y="5167312"/>
+                </a:lnTo>
+                <a:lnTo>
+                  <a:pt x="2866576" y="952"/>
+                </a:lnTo>
+                <a:lnTo>
+                  <a:pt x="0" y="952"/>
+                </a:lnTo>
+                <a:close/>
+              </a:path>
+            </a:pathLst>
+          </a:custGeom>
+          <a:solidFill>
+            <a:srgbClr val="A6A6A6">
+              <a:alpha val="70000"/>
+            </a:srgbClr>
+          </a:solidFill>
+          <a:ln>
+            <a:noFill/>
+          </a:ln>
+        </p:spPr>
+        <p:style>
+          <a:lnRef idx="2">
+            <a:schemeClr val="accent1">
+              <a:shade val="50000"/>
+            </a:schemeClr>
+          </a:lnRef>
+          <a:fillRef idx="1">
+            <a:schemeClr val="accent1"/>
+          </a:fillRef>
+          <a:effectRef idx="0">
+            <a:schemeClr val="accent1"/>
+          </a:effectRef>
+          <a:fontRef idx="minor">
+            <a:schemeClr val="lt1"/>
+          </a:fontRef>
+        </p:style>
+        <p:txBody>
+          <a:bodyPr wrap="square" rtlCol="0" anchor="ctr">
+            <a:noAutofit/>
+          </a:bodyPr>
+          <a:lstStyle/>
+          <a:p>
+            <a:pPr algn="ctr"/>
+            <a:endParaRPr lang="en-US"/>
+          </a:p>
+        </p:txBody>
+      </p:sp>
+      <p:sp>
+        <p:nvSpPr>
+          <p:cNvPr id="45" name="Freeform 37">
+            <a:extLst>
+              <a:ext uri="{FF2B5EF4-FFF2-40B4-BE49-F238E27FC236}">
+                <a16:creationId xmlns:a16="http://schemas.microsoft.com/office/drawing/2014/main" id="{A03E2379-8871-408A-95CE-7AAE8FA53AE5}"/>
+              </a:ext>
+              <a:ext uri="{C183D7F6-B498-43B3-948B-1728B52AA6E4}">
+                <adec:decorative xmlns:adec="http://schemas.microsoft.com/office/drawing/2017/decorative" val="1"/>
+              </a:ext>
+            </a:extLst>
+          </p:cNvPr>
+          <p:cNvSpPr>
+            <a:spLocks noGrp="1" noRot="1" noChangeAspect="1" noMove="1" noResize="1" noEditPoints="1" noAdjustHandles="1" noChangeArrowheads="1" noChangeShapeType="1" noTextEdit="1"/>
+          </p:cNvSpPr>
+          <p:nvPr>
+            <p:extLst>
+              <p:ext uri="{386F3935-93C4-4BCD-93E2-E3B085C9AB24}">
+                <p16:designElem xmlns:p16="http://schemas.microsoft.com/office/powerpoint/2015/main" val="1"/>
+              </p:ext>
+            </p:extLst>
+          </p:nvPr>
+        </p:nvSpPr>
+        <p:spPr>
+          <a:xfrm flipV="1">
+            <a:off x="-1746" y="1691164"/>
+            <a:ext cx="7571262" cy="5166360"/>
+          </a:xfrm>
+          <a:custGeom>
+            <a:avLst/>
+            <a:gdLst>
+              <a:gd name="connsiteX0" fmla="*/ 0 w 7571262"/>
+              <a:gd name="connsiteY0" fmla="*/ 5166360 h 5166360"/>
+              <a:gd name="connsiteX1" fmla="*/ 7571262 w 7571262"/>
+              <a:gd name="connsiteY1" fmla="*/ 5166360 h 5166360"/>
+              <a:gd name="connsiteX2" fmla="*/ 5177382 w 7571262"/>
+              <a:gd name="connsiteY2" fmla="*/ 0 h 5166360"/>
+              <a:gd name="connsiteX3" fmla="*/ 5171159 w 7571262"/>
+              <a:gd name="connsiteY3" fmla="*/ 0 h 5166360"/>
+              <a:gd name="connsiteX4" fmla="*/ 3981368 w 7571262"/>
+              <a:gd name="connsiteY4" fmla="*/ 0 h 5166360"/>
+              <a:gd name="connsiteX5" fmla="*/ 2331323 w 7571262"/>
+              <a:gd name="connsiteY5" fmla="*/ 0 h 5166360"/>
+              <a:gd name="connsiteX6" fmla="*/ 0 w 7571262"/>
+              <a:gd name="connsiteY6" fmla="*/ 0 h 5166360"/>
+            </a:gdLst>
+            <a:ahLst/>
+            <a:cxnLst>
+              <a:cxn ang="0">
+                <a:pos x="connsiteX0" y="connsiteY0"/>
+              </a:cxn>
+              <a:cxn ang="0">
+                <a:pos x="connsiteX1" y="connsiteY1"/>
+              </a:cxn>
+              <a:cxn ang="0">
+                <a:pos x="connsiteX2" y="connsiteY2"/>
+              </a:cxn>
+              <a:cxn ang="0">
+                <a:pos x="connsiteX3" y="connsiteY3"/>
+              </a:cxn>
+              <a:cxn ang="0">
+                <a:pos x="connsiteX4" y="connsiteY4"/>
+              </a:cxn>
+              <a:cxn ang="0">
+                <a:pos x="connsiteX5" y="connsiteY5"/>
+              </a:cxn>
+              <a:cxn ang="0">
+                <a:pos x="connsiteX6" y="connsiteY6"/>
+              </a:cxn>
+            </a:cxnLst>
+            <a:rect l="l" t="t" r="r" b="b"/>
+            <a:pathLst>
+              <a:path w="7571262" h="5166360">
+                <a:moveTo>
+                  <a:pt x="0" y="5166360"/>
+                </a:moveTo>
+                <a:lnTo>
+                  <a:pt x="7571262" y="5166360"/>
+                </a:lnTo>
+                <a:lnTo>
+                  <a:pt x="5177382" y="0"/>
+                </a:lnTo>
+                <a:lnTo>
+                  <a:pt x="5171159" y="0"/>
+                </a:lnTo>
+                <a:lnTo>
+                  <a:pt x="3981368" y="0"/>
+                </a:lnTo>
+                <a:lnTo>
+                  <a:pt x="2331323" y="0"/>
+                </a:lnTo>
+                <a:lnTo>
+                  <a:pt x="0" y="0"/>
+                </a:lnTo>
+                <a:close/>
+              </a:path>
+            </a:pathLst>
+          </a:custGeom>
+          <a:solidFill>
+            <a:srgbClr val="404040"/>
+          </a:solidFill>
+          <a:ln>
+            <a:noFill/>
+          </a:ln>
+        </p:spPr>
+        <p:style>
+          <a:lnRef idx="2">
+            <a:schemeClr val="accent1">
+              <a:shade val="50000"/>
+            </a:schemeClr>
+          </a:lnRef>
+          <a:fillRef idx="1">
+            <a:schemeClr val="accent1"/>
+          </a:fillRef>
+          <a:effectRef idx="0">
+            <a:schemeClr val="accent1"/>
+          </a:effectRef>
+          <a:fontRef idx="minor">
+            <a:schemeClr val="lt1"/>
+          </a:fontRef>
+        </p:style>
+        <p:txBody>
+          <a:bodyPr wrap="square" rtlCol="0" anchor="ctr">
+            <a:noAutofit/>
+          </a:bodyPr>
+          <a:lstStyle/>
+          <a:p>
+            <a:pPr algn="ctr"/>
+            <a:endParaRPr lang="en-US"/>
+          </a:p>
+        </p:txBody>
+      </p:sp>
+      <p:sp>
+        <p:nvSpPr>
+          <p:cNvPr id="2" name="Title 1">
+            <a:extLst>
+              <a:ext uri="{FF2B5EF4-FFF2-40B4-BE49-F238E27FC236}">
+                <a16:creationId xmlns:a16="http://schemas.microsoft.com/office/drawing/2014/main" id="{72B4EAD7-F503-49EF-AC01-1F8773E70E5A}"/>
+              </a:ext>
+            </a:extLst>
+          </p:cNvPr>
+          <p:cNvSpPr>
+            <a:spLocks noGrp="1"/>
+          </p:cNvSpPr>
+          <p:nvPr>
+            <p:ph type="title"/>
+          </p:nvPr>
+        </p:nvSpPr>
+        <p:spPr>
+          <a:xfrm>
+            <a:off x="838200" y="365125"/>
+            <a:ext cx="10515600" cy="1325563"/>
+          </a:xfrm>
+          <a:prstGeom prst="ellipse">
+            <a:avLst/>
+          </a:prstGeom>
+        </p:spPr>
+        <p:txBody>
+          <a:bodyPr>
             <a:normAutofit/>
           </a:bodyPr>
           <a:lstStyle/>
           <a:p>
             <a:r>
-              <a:rPr lang="en-US" sz="3100" dirty="0"/>
-              <a:t>The Cost Of Category B From 2015 to 2018</a:t>
-            </a:r>
-            <a:endParaRPr lang="en-US" sz="3100" kern="1200" dirty="0">
-              <a:latin typeface="+mj-lt"/>
-              <a:ea typeface="+mj-ea"/>
-              <a:cs typeface="+mj-cs"/>
-            </a:endParaRPr>
-          </a:p>
-        </p:txBody>
-      </p:sp>
-      <p:sp>
-        <p:nvSpPr>
-          <p:cNvPr id="3" name="Content Placeholder 2">
-            <a:extLst>
-              <a:ext uri="{FF2B5EF4-FFF2-40B4-BE49-F238E27FC236}">
-                <a16:creationId xmlns:a16="http://schemas.microsoft.com/office/drawing/2014/main" id="{E3C6CBFA-4797-4967-970C-1917E7CEABE2}"/>
+              <a:rPr lang="en-SG"/>
+              <a:t>COE Results Dataset</a:t>
+            </a:r>
+          </a:p>
+        </p:txBody>
+      </p:sp>
+      <p:sp>
+        <p:nvSpPr>
+          <p:cNvPr id="9" name="Content Placeholder 8">
+            <a:extLst>
+              <a:ext uri="{FF2B5EF4-FFF2-40B4-BE49-F238E27FC236}">
+                <a16:creationId xmlns:a16="http://schemas.microsoft.com/office/drawing/2014/main" id="{F21CBD08-BFE3-4F3D-8AA2-ECBBD76AE7B3}"/>
               </a:ext>
             </a:extLst>
           </p:cNvPr>
@@ -3699,88 +4426,227 @@
         </p:nvSpPr>
         <p:spPr>
           <a:xfrm>
-            <a:off x="838200" y="3136392"/>
-            <a:ext cx="2770632" cy="3081528"/>
-          </a:xfrm>
-        </p:spPr>
-        <p:txBody>
-          <a:bodyPr vert="horz" lIns="91440" tIns="45720" rIns="91440" bIns="45720" rtlCol="0">
+            <a:off x="838200" y="2015406"/>
+            <a:ext cx="5097779" cy="4065986"/>
+          </a:xfrm>
+        </p:spPr>
+        <p:txBody>
+          <a:bodyPr anchor="t">
             <a:normAutofit/>
           </a:bodyPr>
           <a:lstStyle/>
           <a:p>
-            <a:pPr marL="285750"/>
-            <a:r>
-              <a:rPr lang="en-US" sz="1800"/>
-              <a:t>Asdasdadsa</a:t>
-            </a:r>
-          </a:p>
-          <a:p>
-            <a:pPr marL="285750"/>
-            <a:r>
-              <a:rPr lang="en-US" sz="1800"/>
-              <a:t>Asdasd</a:t>
-            </a:r>
-          </a:p>
-          <a:p>
-            <a:pPr marL="285750"/>
-            <a:r>
-              <a:rPr lang="en-US" sz="1800"/>
-              <a:t>das</a:t>
+            <a:r>
+              <a:rPr lang="en-GB" sz="2000">
+                <a:solidFill>
+                  <a:srgbClr val="FFFFFF"/>
+                </a:solidFill>
+              </a:rPr>
+              <a:t>Bidding Number : 1 (Week 1) &amp; 2 (Week 3)</a:t>
+            </a:r>
+          </a:p>
+          <a:p>
+            <a:r>
+              <a:rPr lang="en-GB" sz="2000">
+                <a:solidFill>
+                  <a:srgbClr val="FFFFFF"/>
+                </a:solidFill>
+              </a:rPr>
+              <a:t>Category A: Car up to 1600CC &amp; 97KW</a:t>
+            </a:r>
+          </a:p>
+          <a:p>
+            <a:r>
+              <a:rPr lang="en-GB" sz="2000">
+                <a:solidFill>
+                  <a:srgbClr val="FFFFFF"/>
+                </a:solidFill>
+              </a:rPr>
+              <a:t>Category B: Car above 1600CC or 97KW</a:t>
+            </a:r>
+          </a:p>
+          <a:p>
+            <a:r>
+              <a:rPr lang="en-GB" sz="2000">
+                <a:solidFill>
+                  <a:srgbClr val="FFFFFF"/>
+                </a:solidFill>
+              </a:rPr>
+              <a:t>Category C: Goods Vehicle &amp; Bus</a:t>
+            </a:r>
+          </a:p>
+          <a:p>
+            <a:r>
+              <a:rPr lang="en-GB" sz="2000">
+                <a:solidFill>
+                  <a:srgbClr val="FFFFFF"/>
+                </a:solidFill>
+              </a:rPr>
+              <a:t>Category D: Motorcycle</a:t>
+            </a:r>
+          </a:p>
+          <a:p>
+            <a:r>
+              <a:rPr lang="en-GB" sz="2000">
+                <a:solidFill>
+                  <a:srgbClr val="FFFFFF"/>
+                </a:solidFill>
+              </a:rPr>
+              <a:t>Category E: Open</a:t>
             </a:r>
           </a:p>
         </p:txBody>
       </p:sp>
       <p:pic>
         <p:nvPicPr>
-          <p:cNvPr id="5122" name="Picture 2">
-            <a:extLst>
-              <a:ext uri="{FF2B5EF4-FFF2-40B4-BE49-F238E27FC236}">
-                <a16:creationId xmlns:a16="http://schemas.microsoft.com/office/drawing/2014/main" id="{BE991F8B-859D-4AEE-9DFB-EE674A97C087}"/>
+          <p:cNvPr id="5" name="Content Placeholder 4">
+            <a:extLst>
+              <a:ext uri="{FF2B5EF4-FFF2-40B4-BE49-F238E27FC236}">
+                <a16:creationId xmlns:a16="http://schemas.microsoft.com/office/drawing/2014/main" id="{96D9773B-A7B8-4A8C-BC41-02F3EE6914C5}"/>
               </a:ext>
             </a:extLst>
           </p:cNvPr>
           <p:cNvPicPr>
-            <a:picLocks noChangeAspect="1" noChangeArrowheads="1"/>
+            <a:picLocks noChangeAspect="1"/>
           </p:cNvPicPr>
           <p:nvPr/>
         </p:nvPicPr>
         <p:blipFill>
-          <a:blip r:embed="rId2">
-            <a:extLst>
-              <a:ext uri="{28A0092B-C50C-407E-A947-70E740481C1C}">
-                <a14:useLocalDpi xmlns:a14="http://schemas.microsoft.com/office/drawing/2010/main" val="0"/>
-              </a:ext>
-            </a:extLst>
-          </a:blip>
+          <a:blip r:embed="rId2"/>
           <a:stretch>
             <a:fillRect/>
           </a:stretch>
         </p:blipFill>
-        <p:spPr bwMode="auto">
+        <p:spPr>
           <a:xfrm>
-            <a:off x="4276344" y="1579946"/>
-            <a:ext cx="7251192" cy="3698107"/>
-          </a:xfrm>
-          <a:prstGeom prst="rect">
+            <a:off x="6585028" y="4342410"/>
+            <a:ext cx="5424795" cy="2150465"/>
+          </a:xfrm>
+          <a:custGeom>
             <a:avLst/>
-          </a:prstGeom>
-          <a:noFill/>
-          <a:extLst>
-            <a:ext uri="{909E8E84-426E-40DD-AFC4-6F175D3DCCD1}">
-              <a14:hiddenFill xmlns:a14="http://schemas.microsoft.com/office/drawing/2010/main">
-                <a:solidFill>
-                  <a:srgbClr val="FFFFFF"/>
-                </a:solidFill>
-              </a14:hiddenFill>
-            </a:ext>
-          </a:extLst>
+            <a:gdLst>
+              <a:gd name="connsiteX0" fmla="*/ 0 w 4636009"/>
+              <a:gd name="connsiteY0" fmla="*/ 0 h 5032375"/>
+              <a:gd name="connsiteX1" fmla="*/ 4636009 w 4636009"/>
+              <a:gd name="connsiteY1" fmla="*/ 0 h 5032375"/>
+              <a:gd name="connsiteX2" fmla="*/ 4636009 w 4636009"/>
+              <a:gd name="connsiteY2" fmla="*/ 5032375 h 5032375"/>
+              <a:gd name="connsiteX3" fmla="*/ 0 w 4636009"/>
+              <a:gd name="connsiteY3" fmla="*/ 5032375 h 5032375"/>
+            </a:gdLst>
+            <a:ahLst/>
+            <a:cxnLst>
+              <a:cxn ang="0">
+                <a:pos x="connsiteX0" y="connsiteY0"/>
+              </a:cxn>
+              <a:cxn ang="0">
+                <a:pos x="connsiteX1" y="connsiteY1"/>
+              </a:cxn>
+              <a:cxn ang="0">
+                <a:pos x="connsiteX2" y="connsiteY2"/>
+              </a:cxn>
+              <a:cxn ang="0">
+                <a:pos x="connsiteX3" y="connsiteY3"/>
+              </a:cxn>
+            </a:cxnLst>
+            <a:rect l="l" t="t" r="r" b="b"/>
+            <a:pathLst>
+              <a:path w="4636009" h="5032375">
+                <a:moveTo>
+                  <a:pt x="0" y="0"/>
+                </a:moveTo>
+                <a:lnTo>
+                  <a:pt x="4636009" y="0"/>
+                </a:lnTo>
+                <a:lnTo>
+                  <a:pt x="4636009" y="5032375"/>
+                </a:lnTo>
+                <a:lnTo>
+                  <a:pt x="0" y="5032375"/>
+                </a:lnTo>
+                <a:close/>
+              </a:path>
+            </a:pathLst>
+          </a:custGeom>
+        </p:spPr>
+      </p:pic>
+      <p:pic>
+        <p:nvPicPr>
+          <p:cNvPr id="6" name="Picture 5">
+            <a:extLst>
+              <a:ext uri="{FF2B5EF4-FFF2-40B4-BE49-F238E27FC236}">
+                <a16:creationId xmlns:a16="http://schemas.microsoft.com/office/drawing/2014/main" id="{3DC03E8C-1573-49B8-8FE1-D1FA23D4B06E}"/>
+              </a:ext>
+            </a:extLst>
+          </p:cNvPr>
+          <p:cNvPicPr>
+            <a:picLocks noChangeAspect="1"/>
+          </p:cNvPicPr>
+          <p:nvPr/>
+        </p:nvPicPr>
+        <p:blipFill>
+          <a:blip r:embed="rId3"/>
+          <a:stretch>
+            <a:fillRect/>
+          </a:stretch>
+        </p:blipFill>
+        <p:spPr>
+          <a:xfrm>
+            <a:off x="7753437" y="2428461"/>
+            <a:ext cx="4256386" cy="984375"/>
+          </a:xfrm>
+          <a:custGeom>
+            <a:avLst/>
+            <a:gdLst>
+              <a:gd name="connsiteX0" fmla="*/ 0 w 4636009"/>
+              <a:gd name="connsiteY0" fmla="*/ 0 h 5032375"/>
+              <a:gd name="connsiteX1" fmla="*/ 4636009 w 4636009"/>
+              <a:gd name="connsiteY1" fmla="*/ 0 h 5032375"/>
+              <a:gd name="connsiteX2" fmla="*/ 4636009 w 4636009"/>
+              <a:gd name="connsiteY2" fmla="*/ 5032375 h 5032375"/>
+              <a:gd name="connsiteX3" fmla="*/ 0 w 4636009"/>
+              <a:gd name="connsiteY3" fmla="*/ 5032375 h 5032375"/>
+            </a:gdLst>
+            <a:ahLst/>
+            <a:cxnLst>
+              <a:cxn ang="0">
+                <a:pos x="connsiteX0" y="connsiteY0"/>
+              </a:cxn>
+              <a:cxn ang="0">
+                <a:pos x="connsiteX1" y="connsiteY1"/>
+              </a:cxn>
+              <a:cxn ang="0">
+                <a:pos x="connsiteX2" y="connsiteY2"/>
+              </a:cxn>
+              <a:cxn ang="0">
+                <a:pos x="connsiteX3" y="connsiteY3"/>
+              </a:cxn>
+            </a:cxnLst>
+            <a:rect l="l" t="t" r="r" b="b"/>
+            <a:pathLst>
+              <a:path w="4636009" h="5032375">
+                <a:moveTo>
+                  <a:pt x="0" y="0"/>
+                </a:moveTo>
+                <a:lnTo>
+                  <a:pt x="4636009" y="0"/>
+                </a:lnTo>
+                <a:lnTo>
+                  <a:pt x="4636009" y="5032375"/>
+                </a:lnTo>
+                <a:lnTo>
+                  <a:pt x="0" y="5032375"/>
+                </a:lnTo>
+                <a:close/>
+              </a:path>
+            </a:pathLst>
+          </a:custGeom>
         </p:spPr>
       </p:pic>
     </p:spTree>
     <p:extLst>
       <p:ext uri="{BB962C8B-B14F-4D97-AF65-F5344CB8AC3E}">
-        <p14:creationId xmlns:p14="http://schemas.microsoft.com/office/powerpoint/2010/main" val="2465704969"/>
+        <p14:creationId xmlns:p14="http://schemas.microsoft.com/office/powerpoint/2010/main" val="398218947"/>
       </p:ext>
     </p:extLst>
   </p:cSld>
@@ -3793,14 +4659,6 @@
 <file path=ppt/slides/slide4.xml><?xml version="1.0" encoding="utf-8"?>
 <p:sld xmlns:a="http://schemas.openxmlformats.org/drawingml/2006/main" xmlns:r="http://schemas.openxmlformats.org/officeDocument/2006/relationships" xmlns:p="http://schemas.openxmlformats.org/presentationml/2006/main">
   <p:cSld>
-    <p:bg>
-      <p:bgPr>
-        <a:solidFill>
-          <a:schemeClr val="bg1"/>
-        </a:solidFill>
-        <a:effectLst/>
-      </p:bgPr>
-    </p:bg>
     <p:spTree>
       <p:nvGrpSpPr>
         <p:cNvPr id="1" name=""/>
@@ -3820,7 +4678,7 @@
           <p:cNvPr id="2" name="Title 1">
             <a:extLst>
               <a:ext uri="{FF2B5EF4-FFF2-40B4-BE49-F238E27FC236}">
-                <a16:creationId xmlns:a16="http://schemas.microsoft.com/office/drawing/2014/main" id="{4A218608-31C1-44E9-8383-CE4345C7EC42}"/>
+                <a16:creationId xmlns:a16="http://schemas.microsoft.com/office/drawing/2014/main" id="{BF110E11-5F13-41BE-91D6-8EC970333694}"/>
               </a:ext>
             </a:extLst>
           </p:cNvPr>
@@ -3831,130 +4689,114 @@
             <p:ph type="title"/>
           </p:nvPr>
         </p:nvSpPr>
+        <p:spPr/>
+        <p:txBody>
+          <a:bodyPr/>
+          <a:lstStyle/>
+          <a:p>
+            <a:r>
+              <a:rPr lang="en-SG" dirty="0"/>
+              <a:t>COE Results Dataset Preparation</a:t>
+            </a:r>
+          </a:p>
+        </p:txBody>
+      </p:sp>
+      <p:pic>
+        <p:nvPicPr>
+          <p:cNvPr id="4" name="Content Placeholder 3">
+            <a:extLst>
+              <a:ext uri="{FF2B5EF4-FFF2-40B4-BE49-F238E27FC236}">
+                <a16:creationId xmlns:a16="http://schemas.microsoft.com/office/drawing/2014/main" id="{B95D487D-D807-4C81-96A3-D4AAD062B41A}"/>
+              </a:ext>
+            </a:extLst>
+          </p:cNvPr>
+          <p:cNvPicPr>
+            <a:picLocks noGrp="1" noChangeAspect="1"/>
+          </p:cNvPicPr>
+          <p:nvPr>
+            <p:ph idx="1"/>
+          </p:nvPr>
+        </p:nvPicPr>
+        <p:blipFill>
+          <a:blip r:embed="rId2"/>
+          <a:stretch>
+            <a:fillRect/>
+          </a:stretch>
+        </p:blipFill>
         <p:spPr>
           <a:xfrm>
-            <a:off x="838200" y="640080"/>
-            <a:ext cx="2798064" cy="2304288"/>
-          </a:xfrm>
-        </p:spPr>
-        <p:txBody>
-          <a:bodyPr vert="horz" lIns="91440" tIns="45720" rIns="91440" bIns="45720" rtlCol="0" anchor="b">
-            <a:normAutofit/>
-          </a:bodyPr>
-          <a:lstStyle/>
-          <a:p>
-            <a:r>
-              <a:rPr lang="en-US" sz="3100" dirty="0"/>
-              <a:t>The Relation Between The Bids Received &amp; Category D</a:t>
-            </a:r>
-            <a:endParaRPr lang="en-US" sz="3100" kern="1200" dirty="0">
-              <a:latin typeface="+mj-lt"/>
-              <a:ea typeface="+mj-ea"/>
-              <a:cs typeface="+mj-cs"/>
-            </a:endParaRPr>
-          </a:p>
-        </p:txBody>
-      </p:sp>
-      <p:sp>
-        <p:nvSpPr>
-          <p:cNvPr id="3" name="Content Placeholder 2">
-            <a:extLst>
-              <a:ext uri="{FF2B5EF4-FFF2-40B4-BE49-F238E27FC236}">
-                <a16:creationId xmlns:a16="http://schemas.microsoft.com/office/drawing/2014/main" id="{642127CD-CBFA-4C28-BE81-324C314823B1}"/>
-              </a:ext>
-            </a:extLst>
-          </p:cNvPr>
-          <p:cNvSpPr>
-            <a:spLocks noGrp="1"/>
-          </p:cNvSpPr>
-          <p:nvPr>
-            <p:ph idx="1"/>
-          </p:nvPr>
-        </p:nvSpPr>
-        <p:spPr>
-          <a:xfrm>
-            <a:off x="838200" y="3136392"/>
-            <a:ext cx="2770632" cy="3081528"/>
-          </a:xfrm>
-        </p:spPr>
-        <p:txBody>
-          <a:bodyPr vert="horz" lIns="91440" tIns="45720" rIns="91440" bIns="45720" rtlCol="0">
-            <a:normAutofit/>
-          </a:bodyPr>
-          <a:lstStyle/>
-          <a:p>
-            <a:pPr marL="285750"/>
-            <a:r>
-              <a:rPr lang="en-US" sz="1800"/>
-              <a:t>Asdasdadsa</a:t>
-            </a:r>
-          </a:p>
-          <a:p>
-            <a:pPr marL="285750"/>
-            <a:r>
-              <a:rPr lang="en-US" sz="1800"/>
-              <a:t>Asdasd</a:t>
-            </a:r>
-          </a:p>
-          <a:p>
-            <a:pPr marL="285750"/>
-            <a:r>
-              <a:rPr lang="en-US" sz="1800"/>
-              <a:t>das</a:t>
-            </a:r>
-          </a:p>
-        </p:txBody>
-      </p:sp>
+            <a:off x="1401618" y="1690688"/>
+            <a:ext cx="4214091" cy="3088409"/>
+          </a:xfrm>
+          <a:prstGeom prst="rect">
+            <a:avLst/>
+          </a:prstGeom>
+        </p:spPr>
+      </p:pic>
       <p:pic>
         <p:nvPicPr>
-          <p:cNvPr id="4098" name="Picture 2">
-            <a:extLst>
-              <a:ext uri="{FF2B5EF4-FFF2-40B4-BE49-F238E27FC236}">
-                <a16:creationId xmlns:a16="http://schemas.microsoft.com/office/drawing/2014/main" id="{DC5C0CF5-AFE8-4A55-B507-4BE25104FB63}"/>
+          <p:cNvPr id="5" name="Picture 4">
+            <a:extLst>
+              <a:ext uri="{FF2B5EF4-FFF2-40B4-BE49-F238E27FC236}">
+                <a16:creationId xmlns:a16="http://schemas.microsoft.com/office/drawing/2014/main" id="{835B518E-A6C5-4107-81C7-8B829829AA87}"/>
               </a:ext>
             </a:extLst>
           </p:cNvPr>
           <p:cNvPicPr>
-            <a:picLocks noChangeAspect="1" noChangeArrowheads="1"/>
+            <a:picLocks noChangeAspect="1"/>
           </p:cNvPicPr>
           <p:nvPr/>
         </p:nvPicPr>
         <p:blipFill>
-          <a:blip r:embed="rId2">
-            <a:extLst>
-              <a:ext uri="{28A0092B-C50C-407E-A947-70E740481C1C}">
-                <a14:useLocalDpi xmlns:a14="http://schemas.microsoft.com/office/drawing/2010/main" val="0"/>
-              </a:ext>
-            </a:extLst>
-          </a:blip>
+          <a:blip r:embed="rId3"/>
           <a:stretch>
             <a:fillRect/>
           </a:stretch>
         </p:blipFill>
-        <p:spPr bwMode="auto">
+        <p:spPr>
           <a:xfrm>
-            <a:off x="4276344" y="1579946"/>
-            <a:ext cx="7251192" cy="3698107"/>
+            <a:off x="1771073" y="4997120"/>
+            <a:ext cx="3744768" cy="1495755"/>
           </a:xfrm>
           <a:prstGeom prst="rect">
             <a:avLst/>
           </a:prstGeom>
-          <a:noFill/>
-          <a:extLst>
-            <a:ext uri="{909E8E84-426E-40DD-AFC4-6F175D3DCCD1}">
-              <a14:hiddenFill xmlns:a14="http://schemas.microsoft.com/office/drawing/2010/main">
-                <a:solidFill>
-                  <a:srgbClr val="FFFFFF"/>
-                </a:solidFill>
-              </a14:hiddenFill>
-            </a:ext>
-          </a:extLst>
+        </p:spPr>
+      </p:pic>
+      <p:pic>
+        <p:nvPicPr>
+          <p:cNvPr id="7" name="Picture 6">
+            <a:extLst>
+              <a:ext uri="{FF2B5EF4-FFF2-40B4-BE49-F238E27FC236}">
+                <a16:creationId xmlns:a16="http://schemas.microsoft.com/office/drawing/2014/main" id="{69624ED2-2840-4219-AFD2-F14EB19BD399}"/>
+              </a:ext>
+            </a:extLst>
+          </p:cNvPr>
+          <p:cNvPicPr>
+            <a:picLocks noChangeAspect="1"/>
+          </p:cNvPicPr>
+          <p:nvPr/>
+        </p:nvPicPr>
+        <p:blipFill>
+          <a:blip r:embed="rId4"/>
+          <a:stretch>
+            <a:fillRect/>
+          </a:stretch>
+        </p:blipFill>
+        <p:spPr>
+          <a:xfrm>
+            <a:off x="6096000" y="1588366"/>
+            <a:ext cx="5172075" cy="5048250"/>
+          </a:xfrm>
+          <a:prstGeom prst="rect">
+            <a:avLst/>
+          </a:prstGeom>
         </p:spPr>
       </p:pic>
     </p:spTree>
     <p:extLst>
       <p:ext uri="{BB962C8B-B14F-4D97-AF65-F5344CB8AC3E}">
-        <p14:creationId xmlns:p14="http://schemas.microsoft.com/office/powerpoint/2010/main" val="3079651743"/>
+        <p14:creationId xmlns:p14="http://schemas.microsoft.com/office/powerpoint/2010/main" val="1357581367"/>
       </p:ext>
     </p:extLst>
   </p:cSld>
@@ -3989,102 +4831,487 @@
           <a:chExt cx="0" cy="0"/>
         </a:xfrm>
       </p:grpSpPr>
-      <p:sp>
-        <p:nvSpPr>
-          <p:cNvPr id="2" name="Title 1">
-            <a:extLst>
-              <a:ext uri="{FF2B5EF4-FFF2-40B4-BE49-F238E27FC236}">
-                <a16:creationId xmlns:a16="http://schemas.microsoft.com/office/drawing/2014/main" id="{4A218608-31C1-44E9-8383-CE4345C7EC42}"/>
-              </a:ext>
-            </a:extLst>
-          </p:cNvPr>
-          <p:cNvSpPr>
-            <a:spLocks noGrp="1"/>
-          </p:cNvSpPr>
-          <p:nvPr>
-            <p:ph type="title"/>
+      <p:sp useBgFill="1">
+        <p:nvSpPr>
+          <p:cNvPr id="137" name="Rectangle 136">
+            <a:extLst>
+              <a:ext uri="{FF2B5EF4-FFF2-40B4-BE49-F238E27FC236}">
+                <a16:creationId xmlns:a16="http://schemas.microsoft.com/office/drawing/2014/main" id="{CD504B3E-2155-480C-A1E5-DBFD02C55BA6}"/>
+              </a:ext>
+              <a:ext uri="{C183D7F6-B498-43B3-948B-1728B52AA6E4}">
+                <adec:decorative xmlns:adec="http://schemas.microsoft.com/office/drawing/2017/decorative" val="1"/>
+              </a:ext>
+            </a:extLst>
+          </p:cNvPr>
+          <p:cNvSpPr>
+            <a:spLocks noGrp="1" noRot="1" noChangeAspect="1" noMove="1" noResize="1" noEditPoints="1" noAdjustHandles="1" noChangeArrowheads="1" noChangeShapeType="1" noTextEdit="1"/>
+          </p:cNvSpPr>
+          <p:nvPr>
+            <p:extLst>
+              <p:ext uri="{386F3935-93C4-4BCD-93E2-E3B085C9AB24}">
+                <p16:designElem xmlns:p16="http://schemas.microsoft.com/office/powerpoint/2015/main" val="1"/>
+              </p:ext>
+            </p:extLst>
           </p:nvPr>
         </p:nvSpPr>
         <p:spPr>
           <a:xfrm>
-            <a:off x="838200" y="640080"/>
-            <a:ext cx="2798064" cy="2304288"/>
-          </a:xfrm>
-        </p:spPr>
-        <p:txBody>
-          <a:bodyPr vert="horz" lIns="91440" tIns="45720" rIns="91440" bIns="45720" rtlCol="0" anchor="b">
+            <a:off x="0" y="0"/>
+            <a:ext cx="12192000" cy="6858000"/>
+          </a:xfrm>
+          <a:prstGeom prst="rect">
+            <a:avLst/>
+          </a:prstGeom>
+          <a:ln>
+            <a:noFill/>
+          </a:ln>
+        </p:spPr>
+        <p:style>
+          <a:lnRef idx="2">
+            <a:schemeClr val="accent1">
+              <a:shade val="50000"/>
+            </a:schemeClr>
+          </a:lnRef>
+          <a:fillRef idx="1">
+            <a:schemeClr val="accent1"/>
+          </a:fillRef>
+          <a:effectRef idx="0">
+            <a:schemeClr val="accent1"/>
+          </a:effectRef>
+          <a:fontRef idx="minor">
+            <a:schemeClr val="lt1"/>
+          </a:fontRef>
+        </p:style>
+        <p:txBody>
+          <a:bodyPr rtlCol="0" anchor="ctr"/>
+          <a:lstStyle/>
+          <a:p>
+            <a:pPr algn="ctr"/>
+            <a:endParaRPr lang="en-US"/>
+          </a:p>
+        </p:txBody>
+      </p:sp>
+      <p:sp useBgFill="1">
+        <p:nvSpPr>
+          <p:cNvPr id="139" name="Rectangle 138">
+            <a:extLst>
+              <a:ext uri="{FF2B5EF4-FFF2-40B4-BE49-F238E27FC236}">
+                <a16:creationId xmlns:a16="http://schemas.microsoft.com/office/drawing/2014/main" id="{0990C621-3B8B-4820-8328-D47EF7CE823C}"/>
+              </a:ext>
+              <a:ext uri="{C183D7F6-B498-43B3-948B-1728B52AA6E4}">
+                <adec:decorative xmlns:adec="http://schemas.microsoft.com/office/drawing/2017/decorative" val="1"/>
+              </a:ext>
+            </a:extLst>
+          </p:cNvPr>
+          <p:cNvSpPr>
+            <a:spLocks noGrp="1" noRot="1" noChangeAspect="1" noMove="1" noResize="1" noEditPoints="1" noAdjustHandles="1" noChangeArrowheads="1" noChangeShapeType="1" noTextEdit="1"/>
+          </p:cNvSpPr>
+          <p:nvPr>
+            <p:extLst>
+              <p:ext uri="{386F3935-93C4-4BCD-93E2-E3B085C9AB24}">
+                <p16:designElem xmlns:p16="http://schemas.microsoft.com/office/powerpoint/2015/main" val="1"/>
+              </p:ext>
+            </p:extLst>
+          </p:nvPr>
+        </p:nvSpPr>
+        <p:spPr>
+          <a:xfrm>
+            <a:off x="554416" y="365125"/>
+            <a:ext cx="11167447" cy="2089317"/>
+          </a:xfrm>
+          <a:prstGeom prst="rect">
+            <a:avLst/>
+          </a:prstGeom>
+          <a:ln w="12700">
+            <a:solidFill>
+              <a:srgbClr val="EFEFEF"/>
+            </a:solidFill>
+          </a:ln>
+          <a:effectLst>
+            <a:outerShdw blurRad="50800" dist="38100" dir="2700000" algn="tl" rotWithShape="0">
+              <a:schemeClr val="bg2">
+                <a:lumMod val="85000"/>
+                <a:alpha val="30000"/>
+              </a:schemeClr>
+            </a:outerShdw>
+          </a:effectLst>
+        </p:spPr>
+        <p:style>
+          <a:lnRef idx="2">
+            <a:schemeClr val="accent1">
+              <a:shade val="50000"/>
+            </a:schemeClr>
+          </a:lnRef>
+          <a:fillRef idx="1">
+            <a:schemeClr val="accent1"/>
+          </a:fillRef>
+          <a:effectRef idx="0">
+            <a:schemeClr val="accent1"/>
+          </a:effectRef>
+          <a:fontRef idx="minor">
+            <a:schemeClr val="lt1"/>
+          </a:fontRef>
+        </p:style>
+        <p:txBody>
+          <a:bodyPr rtlCol="0" anchor="ctr"/>
+          <a:lstStyle/>
+          <a:p>
+            <a:pPr marL="0" marR="0" lvl="0" indent="0" algn="ctr" defTabSz="914400" rtl="0" eaLnBrk="1" fontAlgn="auto" latinLnBrk="0" hangingPunct="1">
+              <a:lnSpc>
+                <a:spcPct val="100000"/>
+              </a:lnSpc>
+              <a:spcBef>
+                <a:spcPts val="0"/>
+              </a:spcBef>
+              <a:spcAft>
+                <a:spcPts val="0"/>
+              </a:spcAft>
+              <a:buClrTx/>
+              <a:buSzTx/>
+              <a:buFontTx/>
+              <a:buNone/>
+              <a:tabLst/>
+              <a:defRPr/>
+            </a:pPr>
+            <a:endParaRPr kumimoji="0" lang="en-US" sz="1800" b="0" i="0" u="none" strike="noStrike" kern="1200" cap="none" spc="0" normalizeH="0" baseline="0" noProof="0">
+              <a:ln>
+                <a:noFill/>
+              </a:ln>
+              <a:solidFill>
+                <a:prstClr val="white"/>
+              </a:solidFill>
+              <a:effectLst/>
+              <a:uLnTx/>
+              <a:uFillTx/>
+              <a:latin typeface="Calibri" panose="020F0502020204030204"/>
+              <a:ea typeface="+mn-ea"/>
+              <a:cs typeface="+mn-cs"/>
+            </a:endParaRPr>
+          </a:p>
+        </p:txBody>
+      </p:sp>
+      <p:sp>
+        <p:nvSpPr>
+          <p:cNvPr id="2" name="Title 1">
+            <a:extLst>
+              <a:ext uri="{FF2B5EF4-FFF2-40B4-BE49-F238E27FC236}">
+                <a16:creationId xmlns:a16="http://schemas.microsoft.com/office/drawing/2014/main" id="{4A218608-31C1-44E9-8383-CE4345C7EC42}"/>
+              </a:ext>
+            </a:extLst>
+          </p:cNvPr>
+          <p:cNvSpPr>
+            <a:spLocks noGrp="1"/>
+          </p:cNvSpPr>
+          <p:nvPr>
+            <p:ph type="title"/>
+          </p:nvPr>
+        </p:nvSpPr>
+        <p:spPr>
+          <a:xfrm>
+            <a:off x="1051560" y="586822"/>
+            <a:ext cx="3538728" cy="1645920"/>
+          </a:xfrm>
+        </p:spPr>
+        <p:txBody>
+          <a:bodyPr vert="horz" lIns="91440" tIns="45720" rIns="91440" bIns="45720" rtlCol="0" anchor="ctr">
             <a:normAutofit/>
           </a:bodyPr>
           <a:lstStyle/>
           <a:p>
             <a:r>
-              <a:rPr lang="en-US" sz="3100" dirty="0"/>
-              <a:t>The Number Of Driving Licenses In The Last Decade</a:t>
-            </a:r>
-            <a:endParaRPr lang="en-US" sz="3100" kern="1200" dirty="0">
-              <a:latin typeface="+mj-lt"/>
-              <a:ea typeface="+mj-ea"/>
-              <a:cs typeface="+mj-cs"/>
-            </a:endParaRPr>
-          </a:p>
-        </p:txBody>
-      </p:sp>
-      <p:sp>
-        <p:nvSpPr>
-          <p:cNvPr id="3" name="Content Placeholder 2">
-            <a:extLst>
-              <a:ext uri="{FF2B5EF4-FFF2-40B4-BE49-F238E27FC236}">
-                <a16:creationId xmlns:a16="http://schemas.microsoft.com/office/drawing/2014/main" id="{078334CF-3C26-4F0A-88F9-73BA5DDACA99}"/>
-              </a:ext>
-            </a:extLst>
-          </p:cNvPr>
-          <p:cNvSpPr>
-            <a:spLocks noGrp="1"/>
-          </p:cNvSpPr>
-          <p:nvPr>
-            <p:ph idx="1"/>
+              <a:rPr lang="en-US" sz="2700" kern="1200">
+                <a:solidFill>
+                  <a:schemeClr val="tx1"/>
+                </a:solidFill>
+                <a:latin typeface="+mj-lt"/>
+                <a:ea typeface="+mj-ea"/>
+                <a:cs typeface="+mj-cs"/>
+              </a:rPr>
+              <a:t>Price Difference Between The Months From 2015 to 2018 For Category A</a:t>
+            </a:r>
+          </a:p>
+        </p:txBody>
+      </p:sp>
+      <p:sp>
+        <p:nvSpPr>
+          <p:cNvPr id="2057" name="Rectangle 140">
+            <a:extLst>
+              <a:ext uri="{FF2B5EF4-FFF2-40B4-BE49-F238E27FC236}">
+                <a16:creationId xmlns:a16="http://schemas.microsoft.com/office/drawing/2014/main" id="{C1A2385B-1D2A-4E17-84FA-6CB7F0AAE473}"/>
+              </a:ext>
+              <a:ext uri="{C183D7F6-B498-43B3-948B-1728B52AA6E4}">
+                <adec:decorative xmlns:adec="http://schemas.microsoft.com/office/drawing/2017/decorative" val="1"/>
+              </a:ext>
+            </a:extLst>
+          </p:cNvPr>
+          <p:cNvSpPr>
+            <a:spLocks noGrp="1" noRot="1" noChangeAspect="1" noMove="1" noResize="1" noEditPoints="1" noAdjustHandles="1" noChangeArrowheads="1" noChangeShapeType="1" noTextEdit="1"/>
+          </p:cNvSpPr>
+          <p:nvPr>
+            <p:extLst>
+              <p:ext uri="{386F3935-93C4-4BCD-93E2-E3B085C9AB24}">
+                <p16:designElem xmlns:p16="http://schemas.microsoft.com/office/powerpoint/2015/main" val="1"/>
+              </p:ext>
+            </p:extLst>
           </p:nvPr>
         </p:nvSpPr>
         <p:spPr>
           <a:xfrm>
-            <a:off x="838200" y="3136392"/>
-            <a:ext cx="2770632" cy="3081528"/>
-          </a:xfrm>
-        </p:spPr>
-        <p:txBody>
-          <a:bodyPr vert="horz" lIns="91440" tIns="45720" rIns="91440" bIns="45720" rtlCol="0">
-            <a:normAutofit/>
+            <a:off x="490408" y="1057739"/>
+            <a:ext cx="128016" cy="704088"/>
+          </a:xfrm>
+          <a:prstGeom prst="rect">
+            <a:avLst/>
+          </a:prstGeom>
+          <a:solidFill>
+            <a:schemeClr val="accent2"/>
+          </a:solidFill>
+          <a:ln>
+            <a:noFill/>
+          </a:ln>
+        </p:spPr>
+        <p:style>
+          <a:lnRef idx="2">
+            <a:schemeClr val="accent1">
+              <a:shade val="50000"/>
+            </a:schemeClr>
+          </a:lnRef>
+          <a:fillRef idx="1">
+            <a:schemeClr val="accent1"/>
+          </a:fillRef>
+          <a:effectRef idx="0">
+            <a:schemeClr val="accent1"/>
+          </a:effectRef>
+          <a:fontRef idx="minor">
+            <a:schemeClr val="lt1"/>
+          </a:fontRef>
+        </p:style>
+        <p:txBody>
+          <a:bodyPr rtlCol="0" anchor="ctr"/>
+          <a:lstStyle/>
+          <a:p>
+            <a:pPr algn="ctr"/>
+            <a:endParaRPr lang="en-US" dirty="0">
+              <a:solidFill>
+                <a:prstClr val="white"/>
+              </a:solidFill>
+              <a:latin typeface="Calibri" panose="020F0502020204030204"/>
+            </a:endParaRPr>
+          </a:p>
+        </p:txBody>
+      </p:sp>
+      <p:sp>
+        <p:nvSpPr>
+          <p:cNvPr id="2058" name="Rectangle 142">
+            <a:extLst>
+              <a:ext uri="{FF2B5EF4-FFF2-40B4-BE49-F238E27FC236}">
+                <a16:creationId xmlns:a16="http://schemas.microsoft.com/office/drawing/2014/main" id="{5E791F2F-79DB-4CC0-9FA1-001E3E91E8B7}"/>
+              </a:ext>
+              <a:ext uri="{C183D7F6-B498-43B3-948B-1728B52AA6E4}">
+                <adec:decorative xmlns:adec="http://schemas.microsoft.com/office/drawing/2017/decorative" val="1"/>
+              </a:ext>
+            </a:extLst>
+          </p:cNvPr>
+          <p:cNvSpPr>
+            <a:spLocks noGrp="1" noRot="1" noChangeAspect="1" noMove="1" noResize="1" noEditPoints="1" noAdjustHandles="1" noChangeArrowheads="1" noChangeShapeType="1" noTextEdit="1"/>
+          </p:cNvSpPr>
+          <p:nvPr>
+            <p:extLst>
+              <p:ext uri="{386F3935-93C4-4BCD-93E2-E3B085C9AB24}">
+                <p16:designElem xmlns:p16="http://schemas.microsoft.com/office/powerpoint/2015/main" val="1"/>
+              </p:ext>
+            </p:extLst>
+          </p:nvPr>
+        </p:nvSpPr>
+        <p:spPr>
+          <a:xfrm rot="5400000">
+            <a:off x="4248113" y="1405210"/>
+            <a:ext cx="1463040" cy="9144"/>
+          </a:xfrm>
+          <a:prstGeom prst="rect">
+            <a:avLst/>
+          </a:prstGeom>
+          <a:solidFill>
+            <a:srgbClr val="D5D5D5"/>
+          </a:solidFill>
+          <a:ln w="3175">
+            <a:noFill/>
+          </a:ln>
+          <a:effectLst/>
+        </p:spPr>
+        <p:style>
+          <a:lnRef idx="2">
+            <a:schemeClr val="accent1">
+              <a:shade val="50000"/>
+            </a:schemeClr>
+          </a:lnRef>
+          <a:fillRef idx="1">
+            <a:schemeClr val="accent1"/>
+          </a:fillRef>
+          <a:effectRef idx="0">
+            <a:schemeClr val="accent1"/>
+          </a:effectRef>
+          <a:fontRef idx="minor">
+            <a:schemeClr val="lt1"/>
+          </a:fontRef>
+        </p:style>
+        <p:txBody>
+          <a:bodyPr rtlCol="0" anchor="ctr"/>
+          <a:lstStyle/>
+          <a:p>
+            <a:pPr marL="0" marR="0" lvl="0" indent="0" algn="ctr" defTabSz="914400" rtl="0" eaLnBrk="1" fontAlgn="auto" latinLnBrk="0" hangingPunct="1">
+              <a:lnSpc>
+                <a:spcPct val="100000"/>
+              </a:lnSpc>
+              <a:spcBef>
+                <a:spcPts val="0"/>
+              </a:spcBef>
+              <a:spcAft>
+                <a:spcPts val="0"/>
+              </a:spcAft>
+              <a:buClrTx/>
+              <a:buSzTx/>
+              <a:buFontTx/>
+              <a:buNone/>
+              <a:tabLst/>
+              <a:defRPr/>
+            </a:pPr>
+            <a:endParaRPr kumimoji="0" lang="en-US" sz="1800" b="0" i="0" u="none" strike="noStrike" kern="1200" cap="none" spc="0" normalizeH="0" baseline="0" noProof="0">
+              <a:ln>
+                <a:noFill/>
+              </a:ln>
+              <a:solidFill>
+                <a:prstClr val="white"/>
+              </a:solidFill>
+              <a:effectLst/>
+              <a:uLnTx/>
+              <a:uFillTx/>
+              <a:latin typeface="Calibri" panose="020F0502020204030204"/>
+              <a:ea typeface="+mn-ea"/>
+              <a:cs typeface="+mn-cs"/>
+            </a:endParaRPr>
+          </a:p>
+        </p:txBody>
+      </p:sp>
+      <p:sp>
+        <p:nvSpPr>
+          <p:cNvPr id="4" name="Content Placeholder 3">
+            <a:extLst>
+              <a:ext uri="{FF2B5EF4-FFF2-40B4-BE49-F238E27FC236}">
+                <a16:creationId xmlns:a16="http://schemas.microsoft.com/office/drawing/2014/main" id="{15BE711E-6779-4F95-BBFC-9AC47CB3CD54}"/>
+              </a:ext>
+            </a:extLst>
+          </p:cNvPr>
+          <p:cNvSpPr>
+            <a:spLocks noGrp="1"/>
+          </p:cNvSpPr>
+          <p:nvPr>
+            <p:ph idx="1"/>
+          </p:nvPr>
+        </p:nvSpPr>
+        <p:spPr>
+          <a:xfrm>
+            <a:off x="5349240" y="586822"/>
+            <a:ext cx="6007608" cy="1645920"/>
+          </a:xfrm>
+        </p:spPr>
+        <p:txBody>
+          <a:bodyPr vert="horz" lIns="91440" tIns="45720" rIns="91440" bIns="45720" rtlCol="0" anchor="ctr">
+            <a:normAutofit fontScale="70000" lnSpcReduction="20000"/>
           </a:bodyPr>
           <a:lstStyle/>
           <a:p>
-            <a:pPr marL="285750"/>
-            <a:r>
-              <a:rPr lang="en-US" sz="1800"/>
-              <a:t>Asdasdadsa</a:t>
-            </a:r>
-          </a:p>
-          <a:p>
-            <a:pPr marL="285750"/>
-            <a:r>
-              <a:rPr lang="en-US" sz="1800"/>
-              <a:t>Asdasd</a:t>
-            </a:r>
-          </a:p>
-          <a:p>
-            <a:pPr marL="285750"/>
-            <a:r>
-              <a:rPr lang="en-US" sz="1800"/>
-              <a:t>das</a:t>
+            <a:pPr marL="285750">
+              <a:spcAft>
+                <a:spcPts val="600"/>
+              </a:spcAft>
+            </a:pPr>
+            <a:r>
+              <a:rPr lang="en-US" sz="1800" dirty="0"/>
+              <a:t>Negative : Cheaper &amp; Positive: More Expensive</a:t>
+            </a:r>
+          </a:p>
+          <a:p>
+            <a:pPr marL="285750">
+              <a:spcAft>
+                <a:spcPts val="600"/>
+              </a:spcAft>
+            </a:pPr>
+            <a:r>
+              <a:rPr lang="en-US" sz="1800" dirty="0"/>
+              <a:t>High Volatility  </a:t>
+            </a:r>
+          </a:p>
+          <a:p>
+            <a:pPr marL="285750">
+              <a:spcAft>
+                <a:spcPts val="600"/>
+              </a:spcAft>
+            </a:pPr>
+            <a:r>
+              <a:rPr lang="en-US" sz="1800" dirty="0"/>
+              <a:t>May – Jul: 2015, 2016 &amp; 2018 Plunge</a:t>
+            </a:r>
+          </a:p>
+          <a:p>
+            <a:pPr marL="285750">
+              <a:spcAft>
+                <a:spcPts val="600"/>
+              </a:spcAft>
+            </a:pPr>
+            <a:r>
+              <a:rPr lang="en-US" sz="1800" dirty="0"/>
+              <a:t>Jun – Aug: 2015, 2016 &amp; 2018 Peak</a:t>
+            </a:r>
+          </a:p>
+          <a:p>
+            <a:pPr marL="285750">
+              <a:spcAft>
+                <a:spcPts val="600"/>
+              </a:spcAft>
+            </a:pPr>
+            <a:r>
+              <a:rPr lang="en-US" sz="1800" dirty="0"/>
+              <a:t>2017 was very unlike the past data</a:t>
             </a:r>
           </a:p>
         </p:txBody>
       </p:sp>
       <p:pic>
         <p:nvPicPr>
-          <p:cNvPr id="3078" name="Picture 6">
-            <a:extLst>
-              <a:ext uri="{FF2B5EF4-FFF2-40B4-BE49-F238E27FC236}">
-                <a16:creationId xmlns:a16="http://schemas.microsoft.com/office/drawing/2014/main" id="{72BD2DF9-9DCC-49F6-A716-A4F07B24B3FF}"/>
+          <p:cNvPr id="3" name="Picture 2">
+            <a:extLst>
+              <a:ext uri="{FF2B5EF4-FFF2-40B4-BE49-F238E27FC236}">
+                <a16:creationId xmlns:a16="http://schemas.microsoft.com/office/drawing/2014/main" id="{7ACB1B9D-3337-4D34-AEFD-32D3B6EE39D6}"/>
+              </a:ext>
+            </a:extLst>
+          </p:cNvPr>
+          <p:cNvPicPr>
+            <a:picLocks noChangeAspect="1"/>
+          </p:cNvPicPr>
+          <p:nvPr/>
+        </p:nvPicPr>
+        <p:blipFill rotWithShape="1">
+          <a:blip r:embed="rId2"/>
+          <a:srcRect r="19274" b="-4"/>
+          <a:stretch/>
+        </p:blipFill>
+        <p:spPr>
+          <a:xfrm>
+            <a:off x="554416" y="2723940"/>
+            <a:ext cx="4326599" cy="3483864"/>
+          </a:xfrm>
+          <a:prstGeom prst="rect">
+            <a:avLst/>
+          </a:prstGeom>
+        </p:spPr>
+      </p:pic>
+      <p:pic>
+        <p:nvPicPr>
+          <p:cNvPr id="6" name="Picture 6">
+            <a:extLst>
+              <a:ext uri="{FF2B5EF4-FFF2-40B4-BE49-F238E27FC236}">
+                <a16:creationId xmlns:a16="http://schemas.microsoft.com/office/drawing/2014/main" id="{3BC998EC-9B60-455D-B466-96A98DB17946}"/>
               </a:ext>
             </a:extLst>
           </p:cNvPr>
@@ -4094,21 +5321,22 @@
           <p:nvPr/>
         </p:nvPicPr>
         <p:blipFill>
-          <a:blip r:embed="rId2">
+          <a:blip r:embed="rId3">
             <a:extLst>
               <a:ext uri="{28A0092B-C50C-407E-A947-70E740481C1C}">
                 <a14:useLocalDpi xmlns:a14="http://schemas.microsoft.com/office/drawing/2010/main" val="0"/>
               </a:ext>
             </a:extLst>
           </a:blip>
+          <a:srcRect/>
           <a:stretch>
             <a:fillRect/>
           </a:stretch>
         </p:blipFill>
         <p:spPr bwMode="auto">
           <a:xfrm>
-            <a:off x="4276344" y="1598074"/>
-            <a:ext cx="7251192" cy="3661852"/>
+            <a:off x="5058553" y="2723940"/>
+            <a:ext cx="6930704" cy="3505984"/>
           </a:xfrm>
           <a:prstGeom prst="rect">
             <a:avLst/>
@@ -4125,10 +5353,40 @@
           </a:extLst>
         </p:spPr>
       </p:pic>
+      <p:pic>
+        <p:nvPicPr>
+          <p:cNvPr id="7" name="Picture 6">
+            <a:extLst>
+              <a:ext uri="{FF2B5EF4-FFF2-40B4-BE49-F238E27FC236}">
+                <a16:creationId xmlns:a16="http://schemas.microsoft.com/office/drawing/2014/main" id="{82EB5FAE-65FF-4B8A-92B9-489E8B2843B7}"/>
+              </a:ext>
+            </a:extLst>
+          </p:cNvPr>
+          <p:cNvPicPr>
+            <a:picLocks noChangeAspect="1"/>
+          </p:cNvPicPr>
+          <p:nvPr/>
+        </p:nvPicPr>
+        <p:blipFill>
+          <a:blip r:embed="rId4"/>
+          <a:stretch>
+            <a:fillRect/>
+          </a:stretch>
+        </p:blipFill>
+        <p:spPr>
+          <a:xfrm>
+            <a:off x="554416" y="6233675"/>
+            <a:ext cx="3238500" cy="619125"/>
+          </a:xfrm>
+          <a:prstGeom prst="rect">
+            <a:avLst/>
+          </a:prstGeom>
+        </p:spPr>
+      </p:pic>
     </p:spTree>
     <p:extLst>
       <p:ext uri="{BB962C8B-B14F-4D97-AF65-F5344CB8AC3E}">
-        <p14:creationId xmlns:p14="http://schemas.microsoft.com/office/powerpoint/2010/main" val="1386022858"/>
+        <p14:creationId xmlns:p14="http://schemas.microsoft.com/office/powerpoint/2010/main" val="1083457882"/>
       </p:ext>
     </p:extLst>
   </p:cSld>
@@ -4163,39 +5421,198 @@
           <a:chExt cx="0" cy="0"/>
         </a:xfrm>
       </p:grpSpPr>
-      <p:sp>
-        <p:nvSpPr>
-          <p:cNvPr id="2" name="Title 1">
-            <a:extLst>
-              <a:ext uri="{FF2B5EF4-FFF2-40B4-BE49-F238E27FC236}">
-                <a16:creationId xmlns:a16="http://schemas.microsoft.com/office/drawing/2014/main" id="{4A218608-31C1-44E9-8383-CE4345C7EC42}"/>
-              </a:ext>
-            </a:extLst>
-          </p:cNvPr>
-          <p:cNvSpPr>
-            <a:spLocks noGrp="1"/>
-          </p:cNvSpPr>
-          <p:nvPr>
-            <p:ph type="title"/>
+      <p:sp useBgFill="1">
+        <p:nvSpPr>
+          <p:cNvPr id="137" name="Rectangle 136">
+            <a:extLst>
+              <a:ext uri="{FF2B5EF4-FFF2-40B4-BE49-F238E27FC236}">
+                <a16:creationId xmlns:a16="http://schemas.microsoft.com/office/drawing/2014/main" id="{385E1BDC-A9B0-4A87-82E3-F3187F69A802}"/>
+              </a:ext>
+              <a:ext uri="{C183D7F6-B498-43B3-948B-1728B52AA6E4}">
+                <adec:decorative xmlns:adec="http://schemas.microsoft.com/office/drawing/2017/decorative" val="1"/>
+              </a:ext>
+            </a:extLst>
+          </p:cNvPr>
+          <p:cNvSpPr>
+            <a:spLocks noGrp="1" noRot="1" noChangeAspect="1" noMove="1" noResize="1" noEditPoints="1" noAdjustHandles="1" noChangeArrowheads="1" noChangeShapeType="1" noTextEdit="1"/>
+          </p:cNvSpPr>
+          <p:nvPr>
+            <p:extLst>
+              <p:ext uri="{386F3935-93C4-4BCD-93E2-E3B085C9AB24}">
+                <p16:designElem xmlns:p16="http://schemas.microsoft.com/office/powerpoint/2015/main" val="1"/>
+              </p:ext>
+            </p:extLst>
           </p:nvPr>
         </p:nvSpPr>
         <p:spPr>
           <a:xfrm>
-            <a:off x="838200" y="640080"/>
-            <a:ext cx="2798064" cy="2304288"/>
-          </a:xfrm>
-        </p:spPr>
-        <p:txBody>
-          <a:bodyPr vert="horz" lIns="91440" tIns="45720" rIns="91440" bIns="45720" rtlCol="0" anchor="b">
+            <a:off x="0" y="0"/>
+            <a:ext cx="12192000" cy="6858000"/>
+          </a:xfrm>
+          <a:prstGeom prst="rect">
+            <a:avLst/>
+          </a:prstGeom>
+          <a:ln>
+            <a:noFill/>
+          </a:ln>
+        </p:spPr>
+        <p:style>
+          <a:lnRef idx="2">
+            <a:schemeClr val="accent1">
+              <a:shade val="50000"/>
+            </a:schemeClr>
+          </a:lnRef>
+          <a:fillRef idx="1">
+            <a:schemeClr val="accent1"/>
+          </a:fillRef>
+          <a:effectRef idx="0">
+            <a:schemeClr val="accent1"/>
+          </a:effectRef>
+          <a:fontRef idx="minor">
+            <a:schemeClr val="lt1"/>
+          </a:fontRef>
+        </p:style>
+        <p:txBody>
+          <a:bodyPr rtlCol="0" anchor="ctr"/>
+          <a:lstStyle/>
+          <a:p>
+            <a:pPr algn="ctr"/>
+            <a:endParaRPr lang="en-US"/>
+          </a:p>
+        </p:txBody>
+      </p:sp>
+      <p:sp useBgFill="1">
+        <p:nvSpPr>
+          <p:cNvPr id="139" name="Rectangle 138">
+            <a:extLst>
+              <a:ext uri="{FF2B5EF4-FFF2-40B4-BE49-F238E27FC236}">
+                <a16:creationId xmlns:a16="http://schemas.microsoft.com/office/drawing/2014/main" id="{0990C621-3B8B-4820-8328-D47EF7CE823C}"/>
+              </a:ext>
+              <a:ext uri="{C183D7F6-B498-43B3-948B-1728B52AA6E4}">
+                <adec:decorative xmlns:adec="http://schemas.microsoft.com/office/drawing/2017/decorative" val="1"/>
+              </a:ext>
+            </a:extLst>
+          </p:cNvPr>
+          <p:cNvSpPr>
+            <a:spLocks noGrp="1" noRot="1" noChangeAspect="1" noMove="1" noResize="1" noEditPoints="1" noAdjustHandles="1" noChangeArrowheads="1" noChangeShapeType="1" noTextEdit="1"/>
+          </p:cNvSpPr>
+          <p:nvPr>
+            <p:extLst>
+              <p:ext uri="{386F3935-93C4-4BCD-93E2-E3B085C9AB24}">
+                <p16:designElem xmlns:p16="http://schemas.microsoft.com/office/powerpoint/2015/main" val="1"/>
+              </p:ext>
+            </p:extLst>
+          </p:nvPr>
+        </p:nvSpPr>
+        <p:spPr>
+          <a:xfrm>
+            <a:off x="554416" y="365125"/>
+            <a:ext cx="11167447" cy="2089317"/>
+          </a:xfrm>
+          <a:prstGeom prst="rect">
+            <a:avLst/>
+          </a:prstGeom>
+          <a:ln w="12700">
+            <a:solidFill>
+              <a:srgbClr val="EFEFEF"/>
+            </a:solidFill>
+          </a:ln>
+          <a:effectLst>
+            <a:outerShdw blurRad="50800" dist="38100" dir="2700000" algn="tl" rotWithShape="0">
+              <a:schemeClr val="bg2">
+                <a:lumMod val="85000"/>
+                <a:alpha val="30000"/>
+              </a:schemeClr>
+            </a:outerShdw>
+          </a:effectLst>
+        </p:spPr>
+        <p:style>
+          <a:lnRef idx="2">
+            <a:schemeClr val="accent1">
+              <a:shade val="50000"/>
+            </a:schemeClr>
+          </a:lnRef>
+          <a:fillRef idx="1">
+            <a:schemeClr val="accent1"/>
+          </a:fillRef>
+          <a:effectRef idx="0">
+            <a:schemeClr val="accent1"/>
+          </a:effectRef>
+          <a:fontRef idx="minor">
+            <a:schemeClr val="lt1"/>
+          </a:fontRef>
+        </p:style>
+        <p:txBody>
+          <a:bodyPr rtlCol="0" anchor="ctr"/>
+          <a:lstStyle/>
+          <a:p>
+            <a:pPr marL="0" marR="0" lvl="0" indent="0" algn="ctr" defTabSz="914400" rtl="0" eaLnBrk="1" fontAlgn="auto" latinLnBrk="0" hangingPunct="1">
+              <a:lnSpc>
+                <a:spcPct val="100000"/>
+              </a:lnSpc>
+              <a:spcBef>
+                <a:spcPts val="0"/>
+              </a:spcBef>
+              <a:spcAft>
+                <a:spcPts val="0"/>
+              </a:spcAft>
+              <a:buClrTx/>
+              <a:buSzTx/>
+              <a:buFontTx/>
+              <a:buNone/>
+              <a:tabLst/>
+              <a:defRPr/>
+            </a:pPr>
+            <a:endParaRPr kumimoji="0" lang="en-US" sz="1800" b="0" i="0" u="none" strike="noStrike" kern="1200" cap="none" spc="0" normalizeH="0" baseline="0" noProof="0">
+              <a:ln>
+                <a:noFill/>
+              </a:ln>
+              <a:solidFill>
+                <a:prstClr val="white"/>
+              </a:solidFill>
+              <a:effectLst/>
+              <a:uLnTx/>
+              <a:uFillTx/>
+              <a:latin typeface="Calibri" panose="020F0502020204030204"/>
+              <a:ea typeface="+mn-ea"/>
+              <a:cs typeface="+mn-cs"/>
+            </a:endParaRPr>
+          </a:p>
+        </p:txBody>
+      </p:sp>
+      <p:sp>
+        <p:nvSpPr>
+          <p:cNvPr id="2" name="Title 1">
+            <a:extLst>
+              <a:ext uri="{FF2B5EF4-FFF2-40B4-BE49-F238E27FC236}">
+                <a16:creationId xmlns:a16="http://schemas.microsoft.com/office/drawing/2014/main" id="{4A218608-31C1-44E9-8383-CE4345C7EC42}"/>
+              </a:ext>
+            </a:extLst>
+          </p:cNvPr>
+          <p:cNvSpPr>
+            <a:spLocks noGrp="1"/>
+          </p:cNvSpPr>
+          <p:nvPr>
+            <p:ph type="title"/>
+          </p:nvPr>
+        </p:nvSpPr>
+        <p:spPr>
+          <a:xfrm>
+            <a:off x="1051560" y="586822"/>
+            <a:ext cx="3657600" cy="1645920"/>
+          </a:xfrm>
+        </p:spPr>
+        <p:txBody>
+          <a:bodyPr vert="horz" lIns="91440" tIns="45720" rIns="91440" bIns="45720" rtlCol="0">
             <a:normAutofit/>
           </a:bodyPr>
           <a:lstStyle/>
           <a:p>
             <a:r>
-              <a:rPr lang="en-US" sz="3100" dirty="0"/>
-              <a:t>The Number Of Decks In Singapore's HDB Carparks</a:t>
-            </a:r>
-            <a:endParaRPr lang="en-US" sz="3100" kern="1200" dirty="0">
+              <a:rPr lang="en-US" sz="3200" dirty="0"/>
+              <a:t>The Cost Of Category B From 2015 to 2018</a:t>
+            </a:r>
+            <a:endParaRPr lang="en-US" sz="3200" kern="1200" dirty="0">
               <a:latin typeface="+mj-lt"/>
               <a:ea typeface="+mj-ea"/>
               <a:cs typeface="+mj-cs"/>
@@ -4205,60 +5622,214 @@
       </p:sp>
       <p:sp>
         <p:nvSpPr>
-          <p:cNvPr id="3" name="Content Placeholder 2">
-            <a:extLst>
-              <a:ext uri="{FF2B5EF4-FFF2-40B4-BE49-F238E27FC236}">
-                <a16:creationId xmlns:a16="http://schemas.microsoft.com/office/drawing/2014/main" id="{A6DD3B12-764D-405A-AEA8-DD9E1336EA5E}"/>
-              </a:ext>
-            </a:extLst>
-          </p:cNvPr>
-          <p:cNvSpPr>
-            <a:spLocks noGrp="1"/>
-          </p:cNvSpPr>
-          <p:nvPr>
-            <p:ph idx="1"/>
+          <p:cNvPr id="141" name="Rectangle 140">
+            <a:extLst>
+              <a:ext uri="{FF2B5EF4-FFF2-40B4-BE49-F238E27FC236}">
+                <a16:creationId xmlns:a16="http://schemas.microsoft.com/office/drawing/2014/main" id="{C1A2385B-1D2A-4E17-84FA-6CB7F0AAE473}"/>
+              </a:ext>
+              <a:ext uri="{C183D7F6-B498-43B3-948B-1728B52AA6E4}">
+                <adec:decorative xmlns:adec="http://schemas.microsoft.com/office/drawing/2017/decorative" val="1"/>
+              </a:ext>
+            </a:extLst>
+          </p:cNvPr>
+          <p:cNvSpPr>
+            <a:spLocks noGrp="1" noRot="1" noChangeAspect="1" noMove="1" noResize="1" noEditPoints="1" noAdjustHandles="1" noChangeArrowheads="1" noChangeShapeType="1" noTextEdit="1"/>
+          </p:cNvSpPr>
+          <p:nvPr>
+            <p:extLst>
+              <p:ext uri="{386F3935-93C4-4BCD-93E2-E3B085C9AB24}">
+                <p16:designElem xmlns:p16="http://schemas.microsoft.com/office/powerpoint/2015/main" val="1"/>
+              </p:ext>
+            </p:extLst>
           </p:nvPr>
         </p:nvSpPr>
         <p:spPr>
           <a:xfrm>
-            <a:off x="838200" y="3136392"/>
-            <a:ext cx="2770632" cy="3081528"/>
-          </a:xfrm>
-        </p:spPr>
-        <p:txBody>
-          <a:bodyPr vert="horz" lIns="91440" tIns="45720" rIns="91440" bIns="45720" rtlCol="0">
+            <a:off x="490408" y="1057739"/>
+            <a:ext cx="128016" cy="704088"/>
+          </a:xfrm>
+          <a:prstGeom prst="rect">
+            <a:avLst/>
+          </a:prstGeom>
+          <a:solidFill>
+            <a:schemeClr val="accent2"/>
+          </a:solidFill>
+          <a:ln>
+            <a:noFill/>
+          </a:ln>
+        </p:spPr>
+        <p:style>
+          <a:lnRef idx="2">
+            <a:schemeClr val="accent1">
+              <a:shade val="50000"/>
+            </a:schemeClr>
+          </a:lnRef>
+          <a:fillRef idx="1">
+            <a:schemeClr val="accent1"/>
+          </a:fillRef>
+          <a:effectRef idx="0">
+            <a:schemeClr val="accent1"/>
+          </a:effectRef>
+          <a:fontRef idx="minor">
+            <a:schemeClr val="lt1"/>
+          </a:fontRef>
+        </p:style>
+        <p:txBody>
+          <a:bodyPr rtlCol="0" anchor="ctr"/>
+          <a:lstStyle/>
+          <a:p>
+            <a:pPr algn="ctr"/>
+            <a:endParaRPr lang="en-US" dirty="0">
+              <a:solidFill>
+                <a:prstClr val="white"/>
+              </a:solidFill>
+              <a:latin typeface="Calibri" panose="020F0502020204030204"/>
+            </a:endParaRPr>
+          </a:p>
+        </p:txBody>
+      </p:sp>
+      <p:sp>
+        <p:nvSpPr>
+          <p:cNvPr id="143" name="Rectangle 142">
+            <a:extLst>
+              <a:ext uri="{FF2B5EF4-FFF2-40B4-BE49-F238E27FC236}">
+                <a16:creationId xmlns:a16="http://schemas.microsoft.com/office/drawing/2014/main" id="{5E791F2F-79DB-4CC0-9FA1-001E3E91E8B7}"/>
+              </a:ext>
+              <a:ext uri="{C183D7F6-B498-43B3-948B-1728B52AA6E4}">
+                <adec:decorative xmlns:adec="http://schemas.microsoft.com/office/drawing/2017/decorative" val="1"/>
+              </a:ext>
+            </a:extLst>
+          </p:cNvPr>
+          <p:cNvSpPr>
+            <a:spLocks noGrp="1" noRot="1" noChangeAspect="1" noMove="1" noResize="1" noEditPoints="1" noAdjustHandles="1" noChangeArrowheads="1" noChangeShapeType="1" noTextEdit="1"/>
+          </p:cNvSpPr>
+          <p:nvPr>
+            <p:extLst>
+              <p:ext uri="{386F3935-93C4-4BCD-93E2-E3B085C9AB24}">
+                <p16:designElem xmlns:p16="http://schemas.microsoft.com/office/powerpoint/2015/main" val="1"/>
+              </p:ext>
+            </p:extLst>
+          </p:nvPr>
+        </p:nvSpPr>
+        <p:spPr>
+          <a:xfrm rot="5400000">
+            <a:off x="4248113" y="1405210"/>
+            <a:ext cx="1463040" cy="9144"/>
+          </a:xfrm>
+          <a:prstGeom prst="rect">
+            <a:avLst/>
+          </a:prstGeom>
+          <a:solidFill>
+            <a:srgbClr val="D5D5D5"/>
+          </a:solidFill>
+          <a:ln w="3175">
+            <a:noFill/>
+          </a:ln>
+          <a:effectLst/>
+        </p:spPr>
+        <p:style>
+          <a:lnRef idx="2">
+            <a:schemeClr val="accent1">
+              <a:shade val="50000"/>
+            </a:schemeClr>
+          </a:lnRef>
+          <a:fillRef idx="1">
+            <a:schemeClr val="accent1"/>
+          </a:fillRef>
+          <a:effectRef idx="0">
+            <a:schemeClr val="accent1"/>
+          </a:effectRef>
+          <a:fontRef idx="minor">
+            <a:schemeClr val="lt1"/>
+          </a:fontRef>
+        </p:style>
+        <p:txBody>
+          <a:bodyPr rtlCol="0" anchor="ctr"/>
+          <a:lstStyle/>
+          <a:p>
+            <a:pPr marL="0" marR="0" lvl="0" indent="0" algn="ctr" defTabSz="914400" rtl="0" eaLnBrk="1" fontAlgn="auto" latinLnBrk="0" hangingPunct="1">
+              <a:lnSpc>
+                <a:spcPct val="100000"/>
+              </a:lnSpc>
+              <a:spcBef>
+                <a:spcPts val="0"/>
+              </a:spcBef>
+              <a:spcAft>
+                <a:spcPts val="0"/>
+              </a:spcAft>
+              <a:buClrTx/>
+              <a:buSzTx/>
+              <a:buFontTx/>
+              <a:buNone/>
+              <a:tabLst/>
+              <a:defRPr/>
+            </a:pPr>
+            <a:endParaRPr kumimoji="0" lang="en-US" sz="1800" b="0" i="0" u="none" strike="noStrike" kern="1200" cap="none" spc="0" normalizeH="0" baseline="0" noProof="0">
+              <a:ln>
+                <a:noFill/>
+              </a:ln>
+              <a:solidFill>
+                <a:prstClr val="white"/>
+              </a:solidFill>
+              <a:effectLst/>
+              <a:uLnTx/>
+              <a:uFillTx/>
+              <a:latin typeface="Calibri" panose="020F0502020204030204"/>
+              <a:ea typeface="+mn-ea"/>
+              <a:cs typeface="+mn-cs"/>
+            </a:endParaRPr>
+          </a:p>
+        </p:txBody>
+      </p:sp>
+      <p:sp>
+        <p:nvSpPr>
+          <p:cNvPr id="3" name="Content Placeholder 2">
+            <a:extLst>
+              <a:ext uri="{FF2B5EF4-FFF2-40B4-BE49-F238E27FC236}">
+                <a16:creationId xmlns:a16="http://schemas.microsoft.com/office/drawing/2014/main" id="{E3C6CBFA-4797-4967-970C-1917E7CEABE2}"/>
+              </a:ext>
+            </a:extLst>
+          </p:cNvPr>
+          <p:cNvSpPr>
+            <a:spLocks noGrp="1"/>
+          </p:cNvSpPr>
+          <p:nvPr>
+            <p:ph idx="1"/>
+          </p:nvPr>
+        </p:nvSpPr>
+        <p:spPr>
+          <a:xfrm>
+            <a:off x="5250106" y="586822"/>
+            <a:ext cx="6106742" cy="1645920"/>
+          </a:xfrm>
+        </p:spPr>
+        <p:txBody>
+          <a:bodyPr vert="horz" lIns="91440" tIns="45720" rIns="91440" bIns="45720" rtlCol="0" anchor="ctr">
             <a:normAutofit/>
           </a:bodyPr>
           <a:lstStyle/>
           <a:p>
             <a:pPr marL="285750"/>
             <a:r>
-              <a:rPr lang="en-US" sz="1800"/>
-              <a:t>Asdasdadsa</a:t>
+              <a:rPr lang="en-US" sz="1800" dirty="0"/>
+              <a:t>2015 Min &amp; 2016 Max is almost the same</a:t>
             </a:r>
           </a:p>
           <a:p>
             <a:pPr marL="285750"/>
             <a:r>
-              <a:rPr lang="en-US" sz="1800"/>
-              <a:t>Asdasd</a:t>
-            </a:r>
-          </a:p>
-          <a:p>
-            <a:pPr marL="285750"/>
-            <a:r>
-              <a:rPr lang="en-US" sz="1800"/>
-              <a:t>das</a:t>
+              <a:rPr lang="en-US" sz="1800" dirty="0"/>
+              <a:t>2017 Min &amp; 2018 Max is almost the same </a:t>
             </a:r>
           </a:p>
         </p:txBody>
       </p:sp>
       <p:pic>
         <p:nvPicPr>
-          <p:cNvPr id="2050" name="Picture 2">
-            <a:extLst>
-              <a:ext uri="{FF2B5EF4-FFF2-40B4-BE49-F238E27FC236}">
-                <a16:creationId xmlns:a16="http://schemas.microsoft.com/office/drawing/2014/main" id="{DE55DAD0-3FAE-4EAD-A860-6310F56F3A73}"/>
+          <p:cNvPr id="3076" name="Picture 4">
+            <a:extLst>
+              <a:ext uri="{FF2B5EF4-FFF2-40B4-BE49-F238E27FC236}">
+                <a16:creationId xmlns:a16="http://schemas.microsoft.com/office/drawing/2014/main" id="{98E03FEF-0FB0-457E-9893-9D8A7C6FCE7A}"/>
               </a:ext>
             </a:extLst>
           </p:cNvPr>
@@ -4281,8 +5852,8 @@
         </p:blipFill>
         <p:spPr bwMode="auto">
           <a:xfrm>
-            <a:off x="4276344" y="1570882"/>
-            <a:ext cx="7251192" cy="3716235"/>
+            <a:off x="5784287" y="2676139"/>
+            <a:ext cx="6278404" cy="3201985"/>
           </a:xfrm>
           <a:prstGeom prst="rect">
             <a:avLst/>
@@ -4299,10 +5870,1713 @@
           </a:extLst>
         </p:spPr>
       </p:pic>
+      <p:pic>
+        <p:nvPicPr>
+          <p:cNvPr id="5" name="Picture 4">
+            <a:extLst>
+              <a:ext uri="{FF2B5EF4-FFF2-40B4-BE49-F238E27FC236}">
+                <a16:creationId xmlns:a16="http://schemas.microsoft.com/office/drawing/2014/main" id="{93D15D48-9767-46EB-ABDF-E1FF88C3280C}"/>
+              </a:ext>
+            </a:extLst>
+          </p:cNvPr>
+          <p:cNvPicPr>
+            <a:picLocks noChangeAspect="1"/>
+          </p:cNvPicPr>
+          <p:nvPr/>
+        </p:nvPicPr>
+        <p:blipFill>
+          <a:blip r:embed="rId3"/>
+          <a:stretch>
+            <a:fillRect/>
+          </a:stretch>
+        </p:blipFill>
+        <p:spPr>
+          <a:xfrm>
+            <a:off x="554416" y="5650874"/>
+            <a:ext cx="5165863" cy="1131403"/>
+          </a:xfrm>
+          <a:prstGeom prst="rect">
+            <a:avLst/>
+          </a:prstGeom>
+        </p:spPr>
+      </p:pic>
+      <p:pic>
+        <p:nvPicPr>
+          <p:cNvPr id="6" name="Picture 5">
+            <a:extLst>
+              <a:ext uri="{FF2B5EF4-FFF2-40B4-BE49-F238E27FC236}">
+                <a16:creationId xmlns:a16="http://schemas.microsoft.com/office/drawing/2014/main" id="{6D3D47D0-9B30-4C47-9AD2-431EE0CD8F3D}"/>
+              </a:ext>
+            </a:extLst>
+          </p:cNvPr>
+          <p:cNvPicPr>
+            <a:picLocks noChangeAspect="1"/>
+          </p:cNvPicPr>
+          <p:nvPr/>
+        </p:nvPicPr>
+        <p:blipFill>
+          <a:blip r:embed="rId4"/>
+          <a:stretch>
+            <a:fillRect/>
+          </a:stretch>
+        </p:blipFill>
+        <p:spPr>
+          <a:xfrm>
+            <a:off x="691096" y="2819567"/>
+            <a:ext cx="4559010" cy="2755584"/>
+          </a:xfrm>
+          <a:prstGeom prst="rect">
+            <a:avLst/>
+          </a:prstGeom>
+        </p:spPr>
+      </p:pic>
     </p:spTree>
     <p:extLst>
       <p:ext uri="{BB962C8B-B14F-4D97-AF65-F5344CB8AC3E}">
-        <p14:creationId xmlns:p14="http://schemas.microsoft.com/office/powerpoint/2010/main" val="2080557547"/>
+        <p14:creationId xmlns:p14="http://schemas.microsoft.com/office/powerpoint/2010/main" val="2465704969"/>
+      </p:ext>
+    </p:extLst>
+  </p:cSld>
+  <p:clrMapOvr>
+    <a:masterClrMapping/>
+  </p:clrMapOvr>
+</p:sld>
+</file>
+
+<file path=ppt/slides/slide7.xml><?xml version="1.0" encoding="utf-8"?>
+<p:sld xmlns:a="http://schemas.openxmlformats.org/drawingml/2006/main" xmlns:r="http://schemas.openxmlformats.org/officeDocument/2006/relationships" xmlns:p="http://schemas.openxmlformats.org/presentationml/2006/main">
+  <p:cSld>
+    <p:bg>
+      <p:bgPr>
+        <a:solidFill>
+          <a:schemeClr val="bg1"/>
+        </a:solidFill>
+        <a:effectLst/>
+      </p:bgPr>
+    </p:bg>
+    <p:spTree>
+      <p:nvGrpSpPr>
+        <p:cNvPr id="1" name=""/>
+        <p:cNvGrpSpPr/>
+        <p:nvPr/>
+      </p:nvGrpSpPr>
+      <p:grpSpPr>
+        <a:xfrm>
+          <a:off x="0" y="0"/>
+          <a:ext cx="0" cy="0"/>
+          <a:chOff x="0" y="0"/>
+          <a:chExt cx="0" cy="0"/>
+        </a:xfrm>
+      </p:grpSpPr>
+      <p:sp useBgFill="1">
+        <p:nvSpPr>
+          <p:cNvPr id="4105" name="Rectangle 75">
+            <a:extLst>
+              <a:ext uri="{FF2B5EF4-FFF2-40B4-BE49-F238E27FC236}">
+                <a16:creationId xmlns:a16="http://schemas.microsoft.com/office/drawing/2014/main" id="{385E1BDC-A9B0-4A87-82E3-F3187F69A802}"/>
+              </a:ext>
+              <a:ext uri="{C183D7F6-B498-43B3-948B-1728B52AA6E4}">
+                <adec:decorative xmlns:adec="http://schemas.microsoft.com/office/drawing/2017/decorative" val="1"/>
+              </a:ext>
+            </a:extLst>
+          </p:cNvPr>
+          <p:cNvSpPr>
+            <a:spLocks noGrp="1" noRot="1" noChangeAspect="1" noMove="1" noResize="1" noEditPoints="1" noAdjustHandles="1" noChangeArrowheads="1" noChangeShapeType="1" noTextEdit="1"/>
+          </p:cNvSpPr>
+          <p:nvPr>
+            <p:extLst>
+              <p:ext uri="{386F3935-93C4-4BCD-93E2-E3B085C9AB24}">
+                <p16:designElem xmlns:p16="http://schemas.microsoft.com/office/powerpoint/2015/main" val="1"/>
+              </p:ext>
+            </p:extLst>
+          </p:nvPr>
+        </p:nvSpPr>
+        <p:spPr>
+          <a:xfrm>
+            <a:off x="0" y="0"/>
+            <a:ext cx="12192000" cy="6858000"/>
+          </a:xfrm>
+          <a:prstGeom prst="rect">
+            <a:avLst/>
+          </a:prstGeom>
+          <a:ln>
+            <a:noFill/>
+          </a:ln>
+        </p:spPr>
+        <p:style>
+          <a:lnRef idx="2">
+            <a:schemeClr val="accent1">
+              <a:shade val="50000"/>
+            </a:schemeClr>
+          </a:lnRef>
+          <a:fillRef idx="1">
+            <a:schemeClr val="accent1"/>
+          </a:fillRef>
+          <a:effectRef idx="0">
+            <a:schemeClr val="accent1"/>
+          </a:effectRef>
+          <a:fontRef idx="minor">
+            <a:schemeClr val="lt1"/>
+          </a:fontRef>
+        </p:style>
+        <p:txBody>
+          <a:bodyPr rtlCol="0" anchor="ctr"/>
+          <a:lstStyle/>
+          <a:p>
+            <a:pPr algn="ctr"/>
+            <a:endParaRPr lang="en-US"/>
+          </a:p>
+        </p:txBody>
+      </p:sp>
+      <p:sp useBgFill="1">
+        <p:nvSpPr>
+          <p:cNvPr id="4106" name="Rectangle 77">
+            <a:extLst>
+              <a:ext uri="{FF2B5EF4-FFF2-40B4-BE49-F238E27FC236}">
+                <a16:creationId xmlns:a16="http://schemas.microsoft.com/office/drawing/2014/main" id="{0990C621-3B8B-4820-8328-D47EF7CE823C}"/>
+              </a:ext>
+              <a:ext uri="{C183D7F6-B498-43B3-948B-1728B52AA6E4}">
+                <adec:decorative xmlns:adec="http://schemas.microsoft.com/office/drawing/2017/decorative" val="1"/>
+              </a:ext>
+            </a:extLst>
+          </p:cNvPr>
+          <p:cNvSpPr>
+            <a:spLocks noGrp="1" noRot="1" noChangeAspect="1" noMove="1" noResize="1" noEditPoints="1" noAdjustHandles="1" noChangeArrowheads="1" noChangeShapeType="1" noTextEdit="1"/>
+          </p:cNvSpPr>
+          <p:nvPr>
+            <p:extLst>
+              <p:ext uri="{386F3935-93C4-4BCD-93E2-E3B085C9AB24}">
+                <p16:designElem xmlns:p16="http://schemas.microsoft.com/office/powerpoint/2015/main" val="1"/>
+              </p:ext>
+            </p:extLst>
+          </p:nvPr>
+        </p:nvSpPr>
+        <p:spPr>
+          <a:xfrm>
+            <a:off x="554416" y="365125"/>
+            <a:ext cx="11167447" cy="2089317"/>
+          </a:xfrm>
+          <a:prstGeom prst="rect">
+            <a:avLst/>
+          </a:prstGeom>
+          <a:ln w="12700">
+            <a:solidFill>
+              <a:srgbClr val="EFEFEF"/>
+            </a:solidFill>
+          </a:ln>
+          <a:effectLst>
+            <a:outerShdw blurRad="50800" dist="38100" dir="2700000" algn="tl" rotWithShape="0">
+              <a:schemeClr val="bg2">
+                <a:lumMod val="85000"/>
+                <a:alpha val="30000"/>
+              </a:schemeClr>
+            </a:outerShdw>
+          </a:effectLst>
+        </p:spPr>
+        <p:style>
+          <a:lnRef idx="2">
+            <a:schemeClr val="accent1">
+              <a:shade val="50000"/>
+            </a:schemeClr>
+          </a:lnRef>
+          <a:fillRef idx="1">
+            <a:schemeClr val="accent1"/>
+          </a:fillRef>
+          <a:effectRef idx="0">
+            <a:schemeClr val="accent1"/>
+          </a:effectRef>
+          <a:fontRef idx="minor">
+            <a:schemeClr val="lt1"/>
+          </a:fontRef>
+        </p:style>
+        <p:txBody>
+          <a:bodyPr rtlCol="0" anchor="ctr"/>
+          <a:lstStyle/>
+          <a:p>
+            <a:pPr marL="0" marR="0" lvl="0" indent="0" algn="ctr" defTabSz="914400" rtl="0" eaLnBrk="1" fontAlgn="auto" latinLnBrk="0" hangingPunct="1">
+              <a:lnSpc>
+                <a:spcPct val="100000"/>
+              </a:lnSpc>
+              <a:spcBef>
+                <a:spcPts val="0"/>
+              </a:spcBef>
+              <a:spcAft>
+                <a:spcPts val="0"/>
+              </a:spcAft>
+              <a:buClrTx/>
+              <a:buSzTx/>
+              <a:buFontTx/>
+              <a:buNone/>
+              <a:tabLst/>
+              <a:defRPr/>
+            </a:pPr>
+            <a:endParaRPr kumimoji="0" lang="en-US" sz="1800" b="0" i="0" u="none" strike="noStrike" kern="1200" cap="none" spc="0" normalizeH="0" baseline="0" noProof="0">
+              <a:ln>
+                <a:noFill/>
+              </a:ln>
+              <a:solidFill>
+                <a:prstClr val="white"/>
+              </a:solidFill>
+              <a:effectLst/>
+              <a:uLnTx/>
+              <a:uFillTx/>
+              <a:latin typeface="Calibri" panose="020F0502020204030204"/>
+              <a:ea typeface="+mn-ea"/>
+              <a:cs typeface="+mn-cs"/>
+            </a:endParaRPr>
+          </a:p>
+        </p:txBody>
+      </p:sp>
+      <p:sp>
+        <p:nvSpPr>
+          <p:cNvPr id="2" name="Title 1">
+            <a:extLst>
+              <a:ext uri="{FF2B5EF4-FFF2-40B4-BE49-F238E27FC236}">
+                <a16:creationId xmlns:a16="http://schemas.microsoft.com/office/drawing/2014/main" id="{4A218608-31C1-44E9-8383-CE4345C7EC42}"/>
+              </a:ext>
+            </a:extLst>
+          </p:cNvPr>
+          <p:cNvSpPr>
+            <a:spLocks noGrp="1"/>
+          </p:cNvSpPr>
+          <p:nvPr>
+            <p:ph type="title"/>
+          </p:nvPr>
+        </p:nvSpPr>
+        <p:spPr>
+          <a:xfrm>
+            <a:off x="1051560" y="586822"/>
+            <a:ext cx="3657600" cy="1645920"/>
+          </a:xfrm>
+        </p:spPr>
+        <p:txBody>
+          <a:bodyPr vert="horz" lIns="91440" tIns="45720" rIns="91440" bIns="45720" rtlCol="0">
+            <a:normAutofit/>
+          </a:bodyPr>
+          <a:lstStyle/>
+          <a:p>
+            <a:r>
+              <a:rPr lang="en-US" sz="3000"/>
+              <a:t>The Relation Between The Bids Received &amp; Category D</a:t>
+            </a:r>
+            <a:endParaRPr lang="en-US" sz="3000" kern="1200">
+              <a:latin typeface="+mj-lt"/>
+              <a:ea typeface="+mj-ea"/>
+              <a:cs typeface="+mj-cs"/>
+            </a:endParaRPr>
+          </a:p>
+        </p:txBody>
+      </p:sp>
+      <p:sp>
+        <p:nvSpPr>
+          <p:cNvPr id="4107" name="Rectangle 79">
+            <a:extLst>
+              <a:ext uri="{FF2B5EF4-FFF2-40B4-BE49-F238E27FC236}">
+                <a16:creationId xmlns:a16="http://schemas.microsoft.com/office/drawing/2014/main" id="{C1A2385B-1D2A-4E17-84FA-6CB7F0AAE473}"/>
+              </a:ext>
+              <a:ext uri="{C183D7F6-B498-43B3-948B-1728B52AA6E4}">
+                <adec:decorative xmlns:adec="http://schemas.microsoft.com/office/drawing/2017/decorative" val="1"/>
+              </a:ext>
+            </a:extLst>
+          </p:cNvPr>
+          <p:cNvSpPr>
+            <a:spLocks noGrp="1" noRot="1" noChangeAspect="1" noMove="1" noResize="1" noEditPoints="1" noAdjustHandles="1" noChangeArrowheads="1" noChangeShapeType="1" noTextEdit="1"/>
+          </p:cNvSpPr>
+          <p:nvPr>
+            <p:extLst>
+              <p:ext uri="{386F3935-93C4-4BCD-93E2-E3B085C9AB24}">
+                <p16:designElem xmlns:p16="http://schemas.microsoft.com/office/powerpoint/2015/main" val="1"/>
+              </p:ext>
+            </p:extLst>
+          </p:nvPr>
+        </p:nvSpPr>
+        <p:spPr>
+          <a:xfrm>
+            <a:off x="490408" y="1057739"/>
+            <a:ext cx="128016" cy="704088"/>
+          </a:xfrm>
+          <a:prstGeom prst="rect">
+            <a:avLst/>
+          </a:prstGeom>
+          <a:solidFill>
+            <a:schemeClr val="accent2"/>
+          </a:solidFill>
+          <a:ln>
+            <a:noFill/>
+          </a:ln>
+        </p:spPr>
+        <p:style>
+          <a:lnRef idx="2">
+            <a:schemeClr val="accent1">
+              <a:shade val="50000"/>
+            </a:schemeClr>
+          </a:lnRef>
+          <a:fillRef idx="1">
+            <a:schemeClr val="accent1"/>
+          </a:fillRef>
+          <a:effectRef idx="0">
+            <a:schemeClr val="accent1"/>
+          </a:effectRef>
+          <a:fontRef idx="minor">
+            <a:schemeClr val="lt1"/>
+          </a:fontRef>
+        </p:style>
+        <p:txBody>
+          <a:bodyPr rtlCol="0" anchor="ctr"/>
+          <a:lstStyle/>
+          <a:p>
+            <a:pPr algn="ctr"/>
+            <a:endParaRPr lang="en-US" dirty="0">
+              <a:solidFill>
+                <a:prstClr val="white"/>
+              </a:solidFill>
+              <a:latin typeface="Calibri" panose="020F0502020204030204"/>
+            </a:endParaRPr>
+          </a:p>
+        </p:txBody>
+      </p:sp>
+      <p:sp>
+        <p:nvSpPr>
+          <p:cNvPr id="4108" name="Rectangle 81">
+            <a:extLst>
+              <a:ext uri="{FF2B5EF4-FFF2-40B4-BE49-F238E27FC236}">
+                <a16:creationId xmlns:a16="http://schemas.microsoft.com/office/drawing/2014/main" id="{5E791F2F-79DB-4CC0-9FA1-001E3E91E8B7}"/>
+              </a:ext>
+              <a:ext uri="{C183D7F6-B498-43B3-948B-1728B52AA6E4}">
+                <adec:decorative xmlns:adec="http://schemas.microsoft.com/office/drawing/2017/decorative" val="1"/>
+              </a:ext>
+            </a:extLst>
+          </p:cNvPr>
+          <p:cNvSpPr>
+            <a:spLocks noGrp="1" noRot="1" noChangeAspect="1" noMove="1" noResize="1" noEditPoints="1" noAdjustHandles="1" noChangeArrowheads="1" noChangeShapeType="1" noTextEdit="1"/>
+          </p:cNvSpPr>
+          <p:nvPr>
+            <p:extLst>
+              <p:ext uri="{386F3935-93C4-4BCD-93E2-E3B085C9AB24}">
+                <p16:designElem xmlns:p16="http://schemas.microsoft.com/office/powerpoint/2015/main" val="1"/>
+              </p:ext>
+            </p:extLst>
+          </p:nvPr>
+        </p:nvSpPr>
+        <p:spPr>
+          <a:xfrm rot="5400000">
+            <a:off x="4248113" y="1405210"/>
+            <a:ext cx="1463040" cy="9144"/>
+          </a:xfrm>
+          <a:prstGeom prst="rect">
+            <a:avLst/>
+          </a:prstGeom>
+          <a:solidFill>
+            <a:srgbClr val="D5D5D5"/>
+          </a:solidFill>
+          <a:ln w="3175">
+            <a:noFill/>
+          </a:ln>
+          <a:effectLst/>
+        </p:spPr>
+        <p:style>
+          <a:lnRef idx="2">
+            <a:schemeClr val="accent1">
+              <a:shade val="50000"/>
+            </a:schemeClr>
+          </a:lnRef>
+          <a:fillRef idx="1">
+            <a:schemeClr val="accent1"/>
+          </a:fillRef>
+          <a:effectRef idx="0">
+            <a:schemeClr val="accent1"/>
+          </a:effectRef>
+          <a:fontRef idx="minor">
+            <a:schemeClr val="lt1"/>
+          </a:fontRef>
+        </p:style>
+        <p:txBody>
+          <a:bodyPr rtlCol="0" anchor="ctr"/>
+          <a:lstStyle/>
+          <a:p>
+            <a:pPr marL="0" marR="0" lvl="0" indent="0" algn="ctr" defTabSz="914400" rtl="0" eaLnBrk="1" fontAlgn="auto" latinLnBrk="0" hangingPunct="1">
+              <a:lnSpc>
+                <a:spcPct val="100000"/>
+              </a:lnSpc>
+              <a:spcBef>
+                <a:spcPts val="0"/>
+              </a:spcBef>
+              <a:spcAft>
+                <a:spcPts val="0"/>
+              </a:spcAft>
+              <a:buClrTx/>
+              <a:buSzTx/>
+              <a:buFontTx/>
+              <a:buNone/>
+              <a:tabLst/>
+              <a:defRPr/>
+            </a:pPr>
+            <a:endParaRPr kumimoji="0" lang="en-US" sz="1800" b="0" i="0" u="none" strike="noStrike" kern="1200" cap="none" spc="0" normalizeH="0" baseline="0" noProof="0">
+              <a:ln>
+                <a:noFill/>
+              </a:ln>
+              <a:solidFill>
+                <a:prstClr val="white"/>
+              </a:solidFill>
+              <a:effectLst/>
+              <a:uLnTx/>
+              <a:uFillTx/>
+              <a:latin typeface="Calibri" panose="020F0502020204030204"/>
+              <a:ea typeface="+mn-ea"/>
+              <a:cs typeface="+mn-cs"/>
+            </a:endParaRPr>
+          </a:p>
+        </p:txBody>
+      </p:sp>
+      <p:sp>
+        <p:nvSpPr>
+          <p:cNvPr id="3" name="Content Placeholder 2">
+            <a:extLst>
+              <a:ext uri="{FF2B5EF4-FFF2-40B4-BE49-F238E27FC236}">
+                <a16:creationId xmlns:a16="http://schemas.microsoft.com/office/drawing/2014/main" id="{642127CD-CBFA-4C28-BE81-324C314823B1}"/>
+              </a:ext>
+            </a:extLst>
+          </p:cNvPr>
+          <p:cNvSpPr>
+            <a:spLocks noGrp="1"/>
+          </p:cNvSpPr>
+          <p:nvPr>
+            <p:ph idx="1"/>
+          </p:nvPr>
+        </p:nvSpPr>
+        <p:spPr>
+          <a:xfrm>
+            <a:off x="5250106" y="586822"/>
+            <a:ext cx="6106742" cy="1645920"/>
+          </a:xfrm>
+        </p:spPr>
+        <p:txBody>
+          <a:bodyPr vert="horz" lIns="91440" tIns="45720" rIns="91440" bIns="45720" rtlCol="0" anchor="ctr">
+            <a:normAutofit/>
+          </a:bodyPr>
+          <a:lstStyle/>
+          <a:p>
+            <a:pPr marL="285750"/>
+            <a:r>
+              <a:rPr lang="en-US" sz="1800" dirty="0"/>
+              <a:t>Negative Gradient, Harsh Decline</a:t>
+            </a:r>
+          </a:p>
+          <a:p>
+            <a:pPr marL="285750"/>
+            <a:r>
+              <a:rPr lang="en-US" sz="1800" dirty="0"/>
+              <a:t>2 Outliers</a:t>
+            </a:r>
+          </a:p>
+          <a:p>
+            <a:pPr marL="285750"/>
+            <a:r>
+              <a:rPr lang="en-US" sz="1800" dirty="0"/>
+              <a:t>Lower Bids = Higher COE Price</a:t>
+            </a:r>
+          </a:p>
+          <a:p>
+            <a:pPr marL="57150" indent="0">
+              <a:buNone/>
+            </a:pPr>
+            <a:r>
+              <a:rPr lang="en-US" sz="1800" dirty="0"/>
+              <a:t> </a:t>
+            </a:r>
+          </a:p>
+          <a:p>
+            <a:pPr marL="285750"/>
+            <a:endParaRPr lang="en-US" sz="1800" dirty="0"/>
+          </a:p>
+        </p:txBody>
+      </p:sp>
+      <p:pic>
+        <p:nvPicPr>
+          <p:cNvPr id="4098" name="Picture 2">
+            <a:extLst>
+              <a:ext uri="{FF2B5EF4-FFF2-40B4-BE49-F238E27FC236}">
+                <a16:creationId xmlns:a16="http://schemas.microsoft.com/office/drawing/2014/main" id="{DC5C0CF5-AFE8-4A55-B507-4BE25104FB63}"/>
+              </a:ext>
+            </a:extLst>
+          </p:cNvPr>
+          <p:cNvPicPr>
+            <a:picLocks noChangeAspect="1" noChangeArrowheads="1"/>
+          </p:cNvPicPr>
+          <p:nvPr/>
+        </p:nvPicPr>
+        <p:blipFill>
+          <a:blip r:embed="rId2">
+            <a:extLst>
+              <a:ext uri="{28A0092B-C50C-407E-A947-70E740481C1C}">
+                <a14:useLocalDpi xmlns:a14="http://schemas.microsoft.com/office/drawing/2010/main" val="0"/>
+              </a:ext>
+            </a:extLst>
+          </a:blip>
+          <a:stretch>
+            <a:fillRect/>
+          </a:stretch>
+        </p:blipFill>
+        <p:spPr bwMode="auto">
+          <a:xfrm>
+            <a:off x="5099904" y="2925356"/>
+            <a:ext cx="6767868" cy="3451611"/>
+          </a:xfrm>
+          <a:prstGeom prst="rect">
+            <a:avLst/>
+          </a:prstGeom>
+          <a:noFill/>
+          <a:extLst>
+            <a:ext uri="{909E8E84-426E-40DD-AFC4-6F175D3DCCD1}">
+              <a14:hiddenFill xmlns:a14="http://schemas.microsoft.com/office/drawing/2010/main">
+                <a:solidFill>
+                  <a:srgbClr val="FFFFFF"/>
+                </a:solidFill>
+              </a14:hiddenFill>
+            </a:ext>
+          </a:extLst>
+        </p:spPr>
+      </p:pic>
+      <p:pic>
+        <p:nvPicPr>
+          <p:cNvPr id="5" name="Picture 4">
+            <a:extLst>
+              <a:ext uri="{FF2B5EF4-FFF2-40B4-BE49-F238E27FC236}">
+                <a16:creationId xmlns:a16="http://schemas.microsoft.com/office/drawing/2014/main" id="{DDDE4D9A-01B2-4EF5-A722-36874FDAE3E9}"/>
+              </a:ext>
+            </a:extLst>
+          </p:cNvPr>
+          <p:cNvPicPr>
+            <a:picLocks noChangeAspect="1"/>
+          </p:cNvPicPr>
+          <p:nvPr/>
+        </p:nvPicPr>
+        <p:blipFill>
+          <a:blip r:embed="rId3"/>
+          <a:stretch>
+            <a:fillRect/>
+          </a:stretch>
+        </p:blipFill>
+        <p:spPr>
+          <a:xfrm>
+            <a:off x="144890" y="5304217"/>
+            <a:ext cx="4810125" cy="276225"/>
+          </a:xfrm>
+          <a:prstGeom prst="rect">
+            <a:avLst/>
+          </a:prstGeom>
+        </p:spPr>
+      </p:pic>
+      <p:pic>
+        <p:nvPicPr>
+          <p:cNvPr id="6" name="Picture 5">
+            <a:extLst>
+              <a:ext uri="{FF2B5EF4-FFF2-40B4-BE49-F238E27FC236}">
+                <a16:creationId xmlns:a16="http://schemas.microsoft.com/office/drawing/2014/main" id="{1AC780F6-0897-4E26-9119-EDE6F8393324}"/>
+              </a:ext>
+            </a:extLst>
+          </p:cNvPr>
+          <p:cNvPicPr>
+            <a:picLocks noChangeAspect="1"/>
+          </p:cNvPicPr>
+          <p:nvPr/>
+        </p:nvPicPr>
+        <p:blipFill>
+          <a:blip r:embed="rId4"/>
+          <a:stretch>
+            <a:fillRect/>
+          </a:stretch>
+        </p:blipFill>
+        <p:spPr>
+          <a:xfrm>
+            <a:off x="172105" y="2925097"/>
+            <a:ext cx="4810125" cy="1919861"/>
+          </a:xfrm>
+          <a:prstGeom prst="rect">
+            <a:avLst/>
+          </a:prstGeom>
+        </p:spPr>
+      </p:pic>
+    </p:spTree>
+    <p:extLst>
+      <p:ext uri="{BB962C8B-B14F-4D97-AF65-F5344CB8AC3E}">
+        <p14:creationId xmlns:p14="http://schemas.microsoft.com/office/powerpoint/2010/main" val="3079651743"/>
+      </p:ext>
+    </p:extLst>
+  </p:cSld>
+  <p:clrMapOvr>
+    <a:masterClrMapping/>
+  </p:clrMapOvr>
+</p:sld>
+</file>
+
+<file path=ppt/slides/slide8.xml><?xml version="1.0" encoding="utf-8"?>
+<p:sld xmlns:a="http://schemas.openxmlformats.org/drawingml/2006/main" xmlns:r="http://schemas.openxmlformats.org/officeDocument/2006/relationships" xmlns:p="http://schemas.openxmlformats.org/presentationml/2006/main">
+  <p:cSld>
+    <p:bg>
+      <p:bgPr>
+        <a:solidFill>
+          <a:schemeClr val="bg1"/>
+        </a:solidFill>
+        <a:effectLst/>
+      </p:bgPr>
+    </p:bg>
+    <p:spTree>
+      <p:nvGrpSpPr>
+        <p:cNvPr id="1" name=""/>
+        <p:cNvGrpSpPr/>
+        <p:nvPr/>
+      </p:nvGrpSpPr>
+      <p:grpSpPr>
+        <a:xfrm>
+          <a:off x="0" y="0"/>
+          <a:ext cx="0" cy="0"/>
+          <a:chOff x="0" y="0"/>
+          <a:chExt cx="0" cy="0"/>
+        </a:xfrm>
+      </p:grpSpPr>
+      <p:sp>
+        <p:nvSpPr>
+          <p:cNvPr id="13" name="Freeform 11">
+            <a:extLst>
+              <a:ext uri="{FF2B5EF4-FFF2-40B4-BE49-F238E27FC236}">
+                <a16:creationId xmlns:a16="http://schemas.microsoft.com/office/drawing/2014/main" id="{A0BF428C-DA8B-4D99-9930-18F7F91D873D}"/>
+              </a:ext>
+              <a:ext uri="{C183D7F6-B498-43B3-948B-1728B52AA6E4}">
+                <adec:decorative xmlns:adec="http://schemas.microsoft.com/office/drawing/2017/decorative" val="1"/>
+              </a:ext>
+            </a:extLst>
+          </p:cNvPr>
+          <p:cNvSpPr>
+            <a:spLocks noGrp="1" noRot="1" noChangeAspect="1" noMove="1" noResize="1" noEditPoints="1" noAdjustHandles="1" noChangeArrowheads="1" noChangeShapeType="1" noTextEdit="1"/>
+          </p:cNvSpPr>
+          <p:nvPr>
+            <p:extLst>
+              <p:ext uri="{386F3935-93C4-4BCD-93E2-E3B085C9AB24}">
+                <p16:designElem xmlns:p16="http://schemas.microsoft.com/office/powerpoint/2015/main" val="1"/>
+              </p:ext>
+            </p:extLst>
+          </p:nvPr>
+        </p:nvSpPr>
+        <p:spPr>
+          <a:xfrm>
+            <a:off x="4876801" y="1690688"/>
+            <a:ext cx="7316944" cy="5167312"/>
+          </a:xfrm>
+          <a:custGeom>
+            <a:avLst/>
+            <a:gdLst>
+              <a:gd name="connsiteX0" fmla="*/ 0 w 7316944"/>
+              <a:gd name="connsiteY0" fmla="*/ 0 h 5167312"/>
+              <a:gd name="connsiteX1" fmla="*/ 7316944 w 7316944"/>
+              <a:gd name="connsiteY1" fmla="*/ 0 h 5167312"/>
+              <a:gd name="connsiteX2" fmla="*/ 7316944 w 7316944"/>
+              <a:gd name="connsiteY2" fmla="*/ 5167312 h 5167312"/>
+              <a:gd name="connsiteX3" fmla="*/ 472697 w 7316944"/>
+              <a:gd name="connsiteY3" fmla="*/ 5167312 h 5167312"/>
+              <a:gd name="connsiteX4" fmla="*/ 2866576 w 7316944"/>
+              <a:gd name="connsiteY4" fmla="*/ 952 h 5167312"/>
+              <a:gd name="connsiteX5" fmla="*/ 0 w 7316944"/>
+              <a:gd name="connsiteY5" fmla="*/ 952 h 5167312"/>
+            </a:gdLst>
+            <a:ahLst/>
+            <a:cxnLst>
+              <a:cxn ang="0">
+                <a:pos x="connsiteX0" y="connsiteY0"/>
+              </a:cxn>
+              <a:cxn ang="0">
+                <a:pos x="connsiteX1" y="connsiteY1"/>
+              </a:cxn>
+              <a:cxn ang="0">
+                <a:pos x="connsiteX2" y="connsiteY2"/>
+              </a:cxn>
+              <a:cxn ang="0">
+                <a:pos x="connsiteX3" y="connsiteY3"/>
+              </a:cxn>
+              <a:cxn ang="0">
+                <a:pos x="connsiteX4" y="connsiteY4"/>
+              </a:cxn>
+              <a:cxn ang="0">
+                <a:pos x="connsiteX5" y="connsiteY5"/>
+              </a:cxn>
+            </a:cxnLst>
+            <a:rect l="l" t="t" r="r" b="b"/>
+            <a:pathLst>
+              <a:path w="7316944" h="5167312">
+                <a:moveTo>
+                  <a:pt x="0" y="0"/>
+                </a:moveTo>
+                <a:lnTo>
+                  <a:pt x="7316944" y="0"/>
+                </a:lnTo>
+                <a:lnTo>
+                  <a:pt x="7316944" y="5167312"/>
+                </a:lnTo>
+                <a:lnTo>
+                  <a:pt x="472697" y="5167312"/>
+                </a:lnTo>
+                <a:lnTo>
+                  <a:pt x="2866576" y="952"/>
+                </a:lnTo>
+                <a:lnTo>
+                  <a:pt x="0" y="952"/>
+                </a:lnTo>
+                <a:close/>
+              </a:path>
+            </a:pathLst>
+          </a:custGeom>
+          <a:solidFill>
+            <a:srgbClr val="A6A6A6">
+              <a:alpha val="70000"/>
+            </a:srgbClr>
+          </a:solidFill>
+          <a:ln>
+            <a:noFill/>
+          </a:ln>
+        </p:spPr>
+        <p:style>
+          <a:lnRef idx="2">
+            <a:schemeClr val="accent1">
+              <a:shade val="50000"/>
+            </a:schemeClr>
+          </a:lnRef>
+          <a:fillRef idx="1">
+            <a:schemeClr val="accent1"/>
+          </a:fillRef>
+          <a:effectRef idx="0">
+            <a:schemeClr val="accent1"/>
+          </a:effectRef>
+          <a:fontRef idx="minor">
+            <a:schemeClr val="lt1"/>
+          </a:fontRef>
+        </p:style>
+        <p:txBody>
+          <a:bodyPr wrap="square" rtlCol="0" anchor="ctr">
+            <a:noAutofit/>
+          </a:bodyPr>
+          <a:lstStyle/>
+          <a:p>
+            <a:pPr algn="ctr"/>
+            <a:endParaRPr lang="en-US"/>
+          </a:p>
+        </p:txBody>
+      </p:sp>
+      <p:sp>
+        <p:nvSpPr>
+          <p:cNvPr id="15" name="Freeform 37">
+            <a:extLst>
+              <a:ext uri="{FF2B5EF4-FFF2-40B4-BE49-F238E27FC236}">
+                <a16:creationId xmlns:a16="http://schemas.microsoft.com/office/drawing/2014/main" id="{A03E2379-8871-408A-95CE-7AAE8FA53AE5}"/>
+              </a:ext>
+              <a:ext uri="{C183D7F6-B498-43B3-948B-1728B52AA6E4}">
+                <adec:decorative xmlns:adec="http://schemas.microsoft.com/office/drawing/2017/decorative" val="1"/>
+              </a:ext>
+            </a:extLst>
+          </p:cNvPr>
+          <p:cNvSpPr>
+            <a:spLocks noGrp="1" noRot="1" noChangeAspect="1" noMove="1" noResize="1" noEditPoints="1" noAdjustHandles="1" noChangeArrowheads="1" noChangeShapeType="1" noTextEdit="1"/>
+          </p:cNvSpPr>
+          <p:nvPr>
+            <p:extLst>
+              <p:ext uri="{386F3935-93C4-4BCD-93E2-E3B085C9AB24}">
+                <p16:designElem xmlns:p16="http://schemas.microsoft.com/office/powerpoint/2015/main" val="1"/>
+              </p:ext>
+            </p:extLst>
+          </p:nvPr>
+        </p:nvSpPr>
+        <p:spPr>
+          <a:xfrm flipV="1">
+            <a:off x="-1746" y="1691164"/>
+            <a:ext cx="7571262" cy="5166360"/>
+          </a:xfrm>
+          <a:custGeom>
+            <a:avLst/>
+            <a:gdLst>
+              <a:gd name="connsiteX0" fmla="*/ 0 w 7571262"/>
+              <a:gd name="connsiteY0" fmla="*/ 5166360 h 5166360"/>
+              <a:gd name="connsiteX1" fmla="*/ 7571262 w 7571262"/>
+              <a:gd name="connsiteY1" fmla="*/ 5166360 h 5166360"/>
+              <a:gd name="connsiteX2" fmla="*/ 5177382 w 7571262"/>
+              <a:gd name="connsiteY2" fmla="*/ 0 h 5166360"/>
+              <a:gd name="connsiteX3" fmla="*/ 5171159 w 7571262"/>
+              <a:gd name="connsiteY3" fmla="*/ 0 h 5166360"/>
+              <a:gd name="connsiteX4" fmla="*/ 3981368 w 7571262"/>
+              <a:gd name="connsiteY4" fmla="*/ 0 h 5166360"/>
+              <a:gd name="connsiteX5" fmla="*/ 2331323 w 7571262"/>
+              <a:gd name="connsiteY5" fmla="*/ 0 h 5166360"/>
+              <a:gd name="connsiteX6" fmla="*/ 0 w 7571262"/>
+              <a:gd name="connsiteY6" fmla="*/ 0 h 5166360"/>
+            </a:gdLst>
+            <a:ahLst/>
+            <a:cxnLst>
+              <a:cxn ang="0">
+                <a:pos x="connsiteX0" y="connsiteY0"/>
+              </a:cxn>
+              <a:cxn ang="0">
+                <a:pos x="connsiteX1" y="connsiteY1"/>
+              </a:cxn>
+              <a:cxn ang="0">
+                <a:pos x="connsiteX2" y="connsiteY2"/>
+              </a:cxn>
+              <a:cxn ang="0">
+                <a:pos x="connsiteX3" y="connsiteY3"/>
+              </a:cxn>
+              <a:cxn ang="0">
+                <a:pos x="connsiteX4" y="connsiteY4"/>
+              </a:cxn>
+              <a:cxn ang="0">
+                <a:pos x="connsiteX5" y="connsiteY5"/>
+              </a:cxn>
+              <a:cxn ang="0">
+                <a:pos x="connsiteX6" y="connsiteY6"/>
+              </a:cxn>
+            </a:cxnLst>
+            <a:rect l="l" t="t" r="r" b="b"/>
+            <a:pathLst>
+              <a:path w="7571262" h="5166360">
+                <a:moveTo>
+                  <a:pt x="0" y="5166360"/>
+                </a:moveTo>
+                <a:lnTo>
+                  <a:pt x="7571262" y="5166360"/>
+                </a:lnTo>
+                <a:lnTo>
+                  <a:pt x="5177382" y="0"/>
+                </a:lnTo>
+                <a:lnTo>
+                  <a:pt x="5171159" y="0"/>
+                </a:lnTo>
+                <a:lnTo>
+                  <a:pt x="3981368" y="0"/>
+                </a:lnTo>
+                <a:lnTo>
+                  <a:pt x="2331323" y="0"/>
+                </a:lnTo>
+                <a:lnTo>
+                  <a:pt x="0" y="0"/>
+                </a:lnTo>
+                <a:close/>
+              </a:path>
+            </a:pathLst>
+          </a:custGeom>
+          <a:solidFill>
+            <a:srgbClr val="404040"/>
+          </a:solidFill>
+          <a:ln>
+            <a:noFill/>
+          </a:ln>
+        </p:spPr>
+        <p:style>
+          <a:lnRef idx="2">
+            <a:schemeClr val="accent1">
+              <a:shade val="50000"/>
+            </a:schemeClr>
+          </a:lnRef>
+          <a:fillRef idx="1">
+            <a:schemeClr val="accent1"/>
+          </a:fillRef>
+          <a:effectRef idx="0">
+            <a:schemeClr val="accent1"/>
+          </a:effectRef>
+          <a:fontRef idx="minor">
+            <a:schemeClr val="lt1"/>
+          </a:fontRef>
+        </p:style>
+        <p:txBody>
+          <a:bodyPr wrap="square" rtlCol="0" anchor="ctr">
+            <a:noAutofit/>
+          </a:bodyPr>
+          <a:lstStyle/>
+          <a:p>
+            <a:pPr algn="ctr"/>
+            <a:endParaRPr lang="en-US"/>
+          </a:p>
+        </p:txBody>
+      </p:sp>
+      <p:sp>
+        <p:nvSpPr>
+          <p:cNvPr id="2" name="Title 1">
+            <a:extLst>
+              <a:ext uri="{FF2B5EF4-FFF2-40B4-BE49-F238E27FC236}">
+                <a16:creationId xmlns:a16="http://schemas.microsoft.com/office/drawing/2014/main" id="{452AB703-D6F1-416B-B24B-A193C1FDEE55}"/>
+              </a:ext>
+            </a:extLst>
+          </p:cNvPr>
+          <p:cNvSpPr>
+            <a:spLocks noGrp="1"/>
+          </p:cNvSpPr>
+          <p:nvPr>
+            <p:ph type="title"/>
+          </p:nvPr>
+        </p:nvSpPr>
+        <p:spPr>
+          <a:xfrm>
+            <a:off x="838200" y="365125"/>
+            <a:ext cx="10515600" cy="1325563"/>
+          </a:xfrm>
+        </p:spPr>
+        <p:txBody>
+          <a:bodyPr>
+            <a:normAutofit/>
+          </a:bodyPr>
+          <a:lstStyle/>
+          <a:p>
+            <a:r>
+              <a:rPr lang="en-SG" dirty="0"/>
+              <a:t>Driving Licence Dataset</a:t>
+            </a:r>
+          </a:p>
+        </p:txBody>
+      </p:sp>
+      <p:sp>
+        <p:nvSpPr>
+          <p:cNvPr id="10" name="Content Placeholder 9">
+            <a:extLst>
+              <a:ext uri="{FF2B5EF4-FFF2-40B4-BE49-F238E27FC236}">
+                <a16:creationId xmlns:a16="http://schemas.microsoft.com/office/drawing/2014/main" id="{14B60C4D-C500-40AA-BB0D-3D4E7B4F2A84}"/>
+              </a:ext>
+            </a:extLst>
+          </p:cNvPr>
+          <p:cNvSpPr>
+            <a:spLocks noGrp="1"/>
+          </p:cNvSpPr>
+          <p:nvPr>
+            <p:ph idx="1"/>
+          </p:nvPr>
+        </p:nvSpPr>
+        <p:spPr>
+          <a:xfrm>
+            <a:off x="838200" y="2015406"/>
+            <a:ext cx="5097779" cy="4065986"/>
+          </a:xfrm>
+        </p:spPr>
+        <p:txBody>
+          <a:bodyPr anchor="t">
+            <a:normAutofit/>
+          </a:bodyPr>
+          <a:lstStyle/>
+          <a:p>
+            <a:r>
+              <a:rPr lang="en-US" sz="2000" dirty="0">
+                <a:solidFill>
+                  <a:srgbClr val="FFFFFF"/>
+                </a:solidFill>
+              </a:rPr>
+              <a:t>End Of The Year</a:t>
+            </a:r>
+          </a:p>
+          <a:p>
+            <a:r>
+              <a:rPr lang="en-US" sz="2000" dirty="0">
+                <a:solidFill>
+                  <a:srgbClr val="FFFFFF"/>
+                </a:solidFill>
+              </a:rPr>
+              <a:t>Total Number</a:t>
+            </a:r>
+          </a:p>
+          <a:p>
+            <a:r>
+              <a:rPr lang="en-US" sz="2000" dirty="0">
+                <a:solidFill>
+                  <a:srgbClr val="FFFFFF"/>
+                </a:solidFill>
+              </a:rPr>
+              <a:t>Overlapping Of Licenses</a:t>
+            </a:r>
+          </a:p>
+        </p:txBody>
+      </p:sp>
+      <p:pic>
+        <p:nvPicPr>
+          <p:cNvPr id="5" name="Content Placeholder 4">
+            <a:extLst>
+              <a:ext uri="{FF2B5EF4-FFF2-40B4-BE49-F238E27FC236}">
+                <a16:creationId xmlns:a16="http://schemas.microsoft.com/office/drawing/2014/main" id="{BE3A6E7C-7F30-4B41-AF5B-379C74A6ADB4}"/>
+              </a:ext>
+            </a:extLst>
+          </p:cNvPr>
+          <p:cNvPicPr>
+            <a:picLocks noChangeAspect="1"/>
+          </p:cNvPicPr>
+          <p:nvPr/>
+        </p:nvPicPr>
+        <p:blipFill>
+          <a:blip r:embed="rId2"/>
+          <a:stretch>
+            <a:fillRect/>
+          </a:stretch>
+        </p:blipFill>
+        <p:spPr>
+          <a:xfrm>
+            <a:off x="8661856" y="2077419"/>
+            <a:ext cx="2152670" cy="3341191"/>
+          </a:xfrm>
+          <a:custGeom>
+            <a:avLst/>
+            <a:gdLst>
+              <a:gd name="connsiteX0" fmla="*/ 0 w 4636009"/>
+              <a:gd name="connsiteY0" fmla="*/ 0 h 5032375"/>
+              <a:gd name="connsiteX1" fmla="*/ 4636009 w 4636009"/>
+              <a:gd name="connsiteY1" fmla="*/ 0 h 5032375"/>
+              <a:gd name="connsiteX2" fmla="*/ 4636009 w 4636009"/>
+              <a:gd name="connsiteY2" fmla="*/ 5032375 h 5032375"/>
+              <a:gd name="connsiteX3" fmla="*/ 0 w 4636009"/>
+              <a:gd name="connsiteY3" fmla="*/ 5032375 h 5032375"/>
+            </a:gdLst>
+            <a:ahLst/>
+            <a:cxnLst>
+              <a:cxn ang="0">
+                <a:pos x="connsiteX0" y="connsiteY0"/>
+              </a:cxn>
+              <a:cxn ang="0">
+                <a:pos x="connsiteX1" y="connsiteY1"/>
+              </a:cxn>
+              <a:cxn ang="0">
+                <a:pos x="connsiteX2" y="connsiteY2"/>
+              </a:cxn>
+              <a:cxn ang="0">
+                <a:pos x="connsiteX3" y="connsiteY3"/>
+              </a:cxn>
+            </a:cxnLst>
+            <a:rect l="l" t="t" r="r" b="b"/>
+            <a:pathLst>
+              <a:path w="4636009" h="5032375">
+                <a:moveTo>
+                  <a:pt x="0" y="0"/>
+                </a:moveTo>
+                <a:lnTo>
+                  <a:pt x="4636009" y="0"/>
+                </a:lnTo>
+                <a:lnTo>
+                  <a:pt x="4636009" y="5032375"/>
+                </a:lnTo>
+                <a:lnTo>
+                  <a:pt x="0" y="5032375"/>
+                </a:lnTo>
+                <a:close/>
+              </a:path>
+            </a:pathLst>
+          </a:custGeom>
+        </p:spPr>
+      </p:pic>
+      <p:pic>
+        <p:nvPicPr>
+          <p:cNvPr id="6" name="Picture 5">
+            <a:extLst>
+              <a:ext uri="{FF2B5EF4-FFF2-40B4-BE49-F238E27FC236}">
+                <a16:creationId xmlns:a16="http://schemas.microsoft.com/office/drawing/2014/main" id="{15EFD3C4-73F1-4925-BE16-FB048382FDBC}"/>
+              </a:ext>
+            </a:extLst>
+          </p:cNvPr>
+          <p:cNvPicPr>
+            <a:picLocks noChangeAspect="1"/>
+          </p:cNvPicPr>
+          <p:nvPr/>
+        </p:nvPicPr>
+        <p:blipFill>
+          <a:blip r:embed="rId3"/>
+          <a:stretch>
+            <a:fillRect/>
+          </a:stretch>
+        </p:blipFill>
+        <p:spPr>
+          <a:xfrm>
+            <a:off x="5935979" y="6081392"/>
+            <a:ext cx="6173007" cy="571002"/>
+          </a:xfrm>
+          <a:custGeom>
+            <a:avLst/>
+            <a:gdLst>
+              <a:gd name="connsiteX0" fmla="*/ 0 w 4636009"/>
+              <a:gd name="connsiteY0" fmla="*/ 0 h 5032375"/>
+              <a:gd name="connsiteX1" fmla="*/ 4636009 w 4636009"/>
+              <a:gd name="connsiteY1" fmla="*/ 0 h 5032375"/>
+              <a:gd name="connsiteX2" fmla="*/ 4636009 w 4636009"/>
+              <a:gd name="connsiteY2" fmla="*/ 5032375 h 5032375"/>
+              <a:gd name="connsiteX3" fmla="*/ 0 w 4636009"/>
+              <a:gd name="connsiteY3" fmla="*/ 5032375 h 5032375"/>
+            </a:gdLst>
+            <a:ahLst/>
+            <a:cxnLst>
+              <a:cxn ang="0">
+                <a:pos x="connsiteX0" y="connsiteY0"/>
+              </a:cxn>
+              <a:cxn ang="0">
+                <a:pos x="connsiteX1" y="connsiteY1"/>
+              </a:cxn>
+              <a:cxn ang="0">
+                <a:pos x="connsiteX2" y="connsiteY2"/>
+              </a:cxn>
+              <a:cxn ang="0">
+                <a:pos x="connsiteX3" y="connsiteY3"/>
+              </a:cxn>
+            </a:cxnLst>
+            <a:rect l="l" t="t" r="r" b="b"/>
+            <a:pathLst>
+              <a:path w="4636009" h="5032375">
+                <a:moveTo>
+                  <a:pt x="0" y="0"/>
+                </a:moveTo>
+                <a:lnTo>
+                  <a:pt x="4636009" y="0"/>
+                </a:lnTo>
+                <a:lnTo>
+                  <a:pt x="4636009" y="5032375"/>
+                </a:lnTo>
+                <a:lnTo>
+                  <a:pt x="0" y="5032375"/>
+                </a:lnTo>
+                <a:close/>
+              </a:path>
+            </a:pathLst>
+          </a:custGeom>
+        </p:spPr>
+      </p:pic>
+    </p:spTree>
+    <p:extLst>
+      <p:ext uri="{BB962C8B-B14F-4D97-AF65-F5344CB8AC3E}">
+        <p14:creationId xmlns:p14="http://schemas.microsoft.com/office/powerpoint/2010/main" val="2877964168"/>
+      </p:ext>
+    </p:extLst>
+  </p:cSld>
+  <p:clrMapOvr>
+    <a:masterClrMapping/>
+  </p:clrMapOvr>
+</p:sld>
+</file>
+
+<file path=ppt/slides/slide9.xml><?xml version="1.0" encoding="utf-8"?>
+<p:sld xmlns:a="http://schemas.openxmlformats.org/drawingml/2006/main" xmlns:r="http://schemas.openxmlformats.org/officeDocument/2006/relationships" xmlns:p="http://schemas.openxmlformats.org/presentationml/2006/main">
+  <p:cSld>
+    <p:bg>
+      <p:bgPr>
+        <a:solidFill>
+          <a:schemeClr val="bg1"/>
+        </a:solidFill>
+        <a:effectLst/>
+      </p:bgPr>
+    </p:bg>
+    <p:spTree>
+      <p:nvGrpSpPr>
+        <p:cNvPr id="1" name=""/>
+        <p:cNvGrpSpPr/>
+        <p:nvPr/>
+      </p:nvGrpSpPr>
+      <p:grpSpPr>
+        <a:xfrm>
+          <a:off x="0" y="0"/>
+          <a:ext cx="0" cy="0"/>
+          <a:chOff x="0" y="0"/>
+          <a:chExt cx="0" cy="0"/>
+        </a:xfrm>
+      </p:grpSpPr>
+      <p:sp useBgFill="1">
+        <p:nvSpPr>
+          <p:cNvPr id="75" name="Rectangle 74">
+            <a:extLst>
+              <a:ext uri="{FF2B5EF4-FFF2-40B4-BE49-F238E27FC236}">
+                <a16:creationId xmlns:a16="http://schemas.microsoft.com/office/drawing/2014/main" id="{385E1BDC-A9B0-4A87-82E3-F3187F69A802}"/>
+              </a:ext>
+              <a:ext uri="{C183D7F6-B498-43B3-948B-1728B52AA6E4}">
+                <adec:decorative xmlns:adec="http://schemas.microsoft.com/office/drawing/2017/decorative" val="1"/>
+              </a:ext>
+            </a:extLst>
+          </p:cNvPr>
+          <p:cNvSpPr>
+            <a:spLocks noGrp="1" noRot="1" noChangeAspect="1" noMove="1" noResize="1" noEditPoints="1" noAdjustHandles="1" noChangeArrowheads="1" noChangeShapeType="1" noTextEdit="1"/>
+          </p:cNvSpPr>
+          <p:nvPr>
+            <p:extLst>
+              <p:ext uri="{386F3935-93C4-4BCD-93E2-E3B085C9AB24}">
+                <p16:designElem xmlns:p16="http://schemas.microsoft.com/office/powerpoint/2015/main" val="1"/>
+              </p:ext>
+            </p:extLst>
+          </p:nvPr>
+        </p:nvSpPr>
+        <p:spPr>
+          <a:xfrm>
+            <a:off x="0" y="0"/>
+            <a:ext cx="12192000" cy="6858000"/>
+          </a:xfrm>
+          <a:prstGeom prst="rect">
+            <a:avLst/>
+          </a:prstGeom>
+          <a:ln>
+            <a:noFill/>
+          </a:ln>
+        </p:spPr>
+        <p:style>
+          <a:lnRef idx="2">
+            <a:schemeClr val="accent1">
+              <a:shade val="50000"/>
+            </a:schemeClr>
+          </a:lnRef>
+          <a:fillRef idx="1">
+            <a:schemeClr val="accent1"/>
+          </a:fillRef>
+          <a:effectRef idx="0">
+            <a:schemeClr val="accent1"/>
+          </a:effectRef>
+          <a:fontRef idx="minor">
+            <a:schemeClr val="lt1"/>
+          </a:fontRef>
+        </p:style>
+        <p:txBody>
+          <a:bodyPr rtlCol="0" anchor="ctr"/>
+          <a:lstStyle/>
+          <a:p>
+            <a:pPr algn="ctr"/>
+            <a:endParaRPr lang="en-US"/>
+          </a:p>
+        </p:txBody>
+      </p:sp>
+      <p:sp useBgFill="1">
+        <p:nvSpPr>
+          <p:cNvPr id="77" name="Rectangle 76">
+            <a:extLst>
+              <a:ext uri="{FF2B5EF4-FFF2-40B4-BE49-F238E27FC236}">
+                <a16:creationId xmlns:a16="http://schemas.microsoft.com/office/drawing/2014/main" id="{0990C621-3B8B-4820-8328-D47EF7CE823C}"/>
+              </a:ext>
+              <a:ext uri="{C183D7F6-B498-43B3-948B-1728B52AA6E4}">
+                <adec:decorative xmlns:adec="http://schemas.microsoft.com/office/drawing/2017/decorative" val="1"/>
+              </a:ext>
+            </a:extLst>
+          </p:cNvPr>
+          <p:cNvSpPr>
+            <a:spLocks noGrp="1" noRot="1" noChangeAspect="1" noMove="1" noResize="1" noEditPoints="1" noAdjustHandles="1" noChangeArrowheads="1" noChangeShapeType="1" noTextEdit="1"/>
+          </p:cNvSpPr>
+          <p:nvPr>
+            <p:extLst>
+              <p:ext uri="{386F3935-93C4-4BCD-93E2-E3B085C9AB24}">
+                <p16:designElem xmlns:p16="http://schemas.microsoft.com/office/powerpoint/2015/main" val="1"/>
+              </p:ext>
+            </p:extLst>
+          </p:nvPr>
+        </p:nvSpPr>
+        <p:spPr>
+          <a:xfrm>
+            <a:off x="554416" y="365125"/>
+            <a:ext cx="11167447" cy="2089317"/>
+          </a:xfrm>
+          <a:prstGeom prst="rect">
+            <a:avLst/>
+          </a:prstGeom>
+          <a:ln w="12700">
+            <a:solidFill>
+              <a:srgbClr val="EFEFEF"/>
+            </a:solidFill>
+          </a:ln>
+          <a:effectLst>
+            <a:outerShdw blurRad="50800" dist="38100" dir="2700000" algn="tl" rotWithShape="0">
+              <a:schemeClr val="bg2">
+                <a:lumMod val="85000"/>
+                <a:alpha val="30000"/>
+              </a:schemeClr>
+            </a:outerShdw>
+          </a:effectLst>
+        </p:spPr>
+        <p:style>
+          <a:lnRef idx="2">
+            <a:schemeClr val="accent1">
+              <a:shade val="50000"/>
+            </a:schemeClr>
+          </a:lnRef>
+          <a:fillRef idx="1">
+            <a:schemeClr val="accent1"/>
+          </a:fillRef>
+          <a:effectRef idx="0">
+            <a:schemeClr val="accent1"/>
+          </a:effectRef>
+          <a:fontRef idx="minor">
+            <a:schemeClr val="lt1"/>
+          </a:fontRef>
+        </p:style>
+        <p:txBody>
+          <a:bodyPr rtlCol="0" anchor="ctr"/>
+          <a:lstStyle/>
+          <a:p>
+            <a:pPr marL="0" marR="0" lvl="0" indent="0" algn="ctr" defTabSz="914400" rtl="0" eaLnBrk="1" fontAlgn="auto" latinLnBrk="0" hangingPunct="1">
+              <a:lnSpc>
+                <a:spcPct val="100000"/>
+              </a:lnSpc>
+              <a:spcBef>
+                <a:spcPts val="0"/>
+              </a:spcBef>
+              <a:spcAft>
+                <a:spcPts val="0"/>
+              </a:spcAft>
+              <a:buClrTx/>
+              <a:buSzTx/>
+              <a:buFontTx/>
+              <a:buNone/>
+              <a:tabLst/>
+              <a:defRPr/>
+            </a:pPr>
+            <a:endParaRPr kumimoji="0" lang="en-US" sz="1800" b="0" i="0" u="none" strike="noStrike" kern="1200" cap="none" spc="0" normalizeH="0" baseline="0" noProof="0">
+              <a:ln>
+                <a:noFill/>
+              </a:ln>
+              <a:solidFill>
+                <a:prstClr val="white"/>
+              </a:solidFill>
+              <a:effectLst/>
+              <a:uLnTx/>
+              <a:uFillTx/>
+              <a:latin typeface="Calibri" panose="020F0502020204030204"/>
+              <a:ea typeface="+mn-ea"/>
+              <a:cs typeface="+mn-cs"/>
+            </a:endParaRPr>
+          </a:p>
+        </p:txBody>
+      </p:sp>
+      <p:sp>
+        <p:nvSpPr>
+          <p:cNvPr id="2" name="Title 1">
+            <a:extLst>
+              <a:ext uri="{FF2B5EF4-FFF2-40B4-BE49-F238E27FC236}">
+                <a16:creationId xmlns:a16="http://schemas.microsoft.com/office/drawing/2014/main" id="{4A218608-31C1-44E9-8383-CE4345C7EC42}"/>
+              </a:ext>
+            </a:extLst>
+          </p:cNvPr>
+          <p:cNvSpPr>
+            <a:spLocks noGrp="1"/>
+          </p:cNvSpPr>
+          <p:nvPr>
+            <p:ph type="title"/>
+          </p:nvPr>
+        </p:nvSpPr>
+        <p:spPr>
+          <a:xfrm>
+            <a:off x="1051560" y="586822"/>
+            <a:ext cx="3657600" cy="1645920"/>
+          </a:xfrm>
+        </p:spPr>
+        <p:txBody>
+          <a:bodyPr vert="horz" lIns="91440" tIns="45720" rIns="91440" bIns="45720" rtlCol="0">
+            <a:normAutofit/>
+          </a:bodyPr>
+          <a:lstStyle/>
+          <a:p>
+            <a:r>
+              <a:rPr lang="en-US" sz="3200"/>
+              <a:t>The Number Of Driving Licenses In The Last Decade</a:t>
+            </a:r>
+            <a:endParaRPr lang="en-US" sz="3200" kern="1200">
+              <a:latin typeface="+mj-lt"/>
+              <a:ea typeface="+mj-ea"/>
+              <a:cs typeface="+mj-cs"/>
+            </a:endParaRPr>
+          </a:p>
+        </p:txBody>
+      </p:sp>
+      <p:sp>
+        <p:nvSpPr>
+          <p:cNvPr id="79" name="Rectangle 78">
+            <a:extLst>
+              <a:ext uri="{FF2B5EF4-FFF2-40B4-BE49-F238E27FC236}">
+                <a16:creationId xmlns:a16="http://schemas.microsoft.com/office/drawing/2014/main" id="{C1A2385B-1D2A-4E17-84FA-6CB7F0AAE473}"/>
+              </a:ext>
+              <a:ext uri="{C183D7F6-B498-43B3-948B-1728B52AA6E4}">
+                <adec:decorative xmlns:adec="http://schemas.microsoft.com/office/drawing/2017/decorative" val="1"/>
+              </a:ext>
+            </a:extLst>
+          </p:cNvPr>
+          <p:cNvSpPr>
+            <a:spLocks noGrp="1" noRot="1" noChangeAspect="1" noMove="1" noResize="1" noEditPoints="1" noAdjustHandles="1" noChangeArrowheads="1" noChangeShapeType="1" noTextEdit="1"/>
+          </p:cNvSpPr>
+          <p:nvPr>
+            <p:extLst>
+              <p:ext uri="{386F3935-93C4-4BCD-93E2-E3B085C9AB24}">
+                <p16:designElem xmlns:p16="http://schemas.microsoft.com/office/powerpoint/2015/main" val="1"/>
+              </p:ext>
+            </p:extLst>
+          </p:nvPr>
+        </p:nvSpPr>
+        <p:spPr>
+          <a:xfrm>
+            <a:off x="490408" y="1057739"/>
+            <a:ext cx="128016" cy="704088"/>
+          </a:xfrm>
+          <a:prstGeom prst="rect">
+            <a:avLst/>
+          </a:prstGeom>
+          <a:solidFill>
+            <a:schemeClr val="accent2"/>
+          </a:solidFill>
+          <a:ln>
+            <a:noFill/>
+          </a:ln>
+        </p:spPr>
+        <p:style>
+          <a:lnRef idx="2">
+            <a:schemeClr val="accent1">
+              <a:shade val="50000"/>
+            </a:schemeClr>
+          </a:lnRef>
+          <a:fillRef idx="1">
+            <a:schemeClr val="accent1"/>
+          </a:fillRef>
+          <a:effectRef idx="0">
+            <a:schemeClr val="accent1"/>
+          </a:effectRef>
+          <a:fontRef idx="minor">
+            <a:schemeClr val="lt1"/>
+          </a:fontRef>
+        </p:style>
+        <p:txBody>
+          <a:bodyPr rtlCol="0" anchor="ctr"/>
+          <a:lstStyle/>
+          <a:p>
+            <a:pPr algn="ctr"/>
+            <a:endParaRPr lang="en-US" dirty="0">
+              <a:solidFill>
+                <a:prstClr val="white"/>
+              </a:solidFill>
+              <a:latin typeface="Calibri" panose="020F0502020204030204"/>
+            </a:endParaRPr>
+          </a:p>
+        </p:txBody>
+      </p:sp>
+      <p:sp>
+        <p:nvSpPr>
+          <p:cNvPr id="81" name="Rectangle 80">
+            <a:extLst>
+              <a:ext uri="{FF2B5EF4-FFF2-40B4-BE49-F238E27FC236}">
+                <a16:creationId xmlns:a16="http://schemas.microsoft.com/office/drawing/2014/main" id="{5E791F2F-79DB-4CC0-9FA1-001E3E91E8B7}"/>
+              </a:ext>
+              <a:ext uri="{C183D7F6-B498-43B3-948B-1728B52AA6E4}">
+                <adec:decorative xmlns:adec="http://schemas.microsoft.com/office/drawing/2017/decorative" val="1"/>
+              </a:ext>
+            </a:extLst>
+          </p:cNvPr>
+          <p:cNvSpPr>
+            <a:spLocks noGrp="1" noRot="1" noChangeAspect="1" noMove="1" noResize="1" noEditPoints="1" noAdjustHandles="1" noChangeArrowheads="1" noChangeShapeType="1" noTextEdit="1"/>
+          </p:cNvSpPr>
+          <p:nvPr>
+            <p:extLst>
+              <p:ext uri="{386F3935-93C4-4BCD-93E2-E3B085C9AB24}">
+                <p16:designElem xmlns:p16="http://schemas.microsoft.com/office/powerpoint/2015/main" val="1"/>
+              </p:ext>
+            </p:extLst>
+          </p:nvPr>
+        </p:nvSpPr>
+        <p:spPr>
+          <a:xfrm rot="5400000">
+            <a:off x="4248113" y="1405210"/>
+            <a:ext cx="1463040" cy="9144"/>
+          </a:xfrm>
+          <a:prstGeom prst="rect">
+            <a:avLst/>
+          </a:prstGeom>
+          <a:solidFill>
+            <a:srgbClr val="D5D5D5"/>
+          </a:solidFill>
+          <a:ln w="3175">
+            <a:noFill/>
+          </a:ln>
+          <a:effectLst/>
+        </p:spPr>
+        <p:style>
+          <a:lnRef idx="2">
+            <a:schemeClr val="accent1">
+              <a:shade val="50000"/>
+            </a:schemeClr>
+          </a:lnRef>
+          <a:fillRef idx="1">
+            <a:schemeClr val="accent1"/>
+          </a:fillRef>
+          <a:effectRef idx="0">
+            <a:schemeClr val="accent1"/>
+          </a:effectRef>
+          <a:fontRef idx="minor">
+            <a:schemeClr val="lt1"/>
+          </a:fontRef>
+        </p:style>
+        <p:txBody>
+          <a:bodyPr rtlCol="0" anchor="ctr"/>
+          <a:lstStyle/>
+          <a:p>
+            <a:pPr marL="0" marR="0" lvl="0" indent="0" algn="ctr" defTabSz="914400" rtl="0" eaLnBrk="1" fontAlgn="auto" latinLnBrk="0" hangingPunct="1">
+              <a:lnSpc>
+                <a:spcPct val="100000"/>
+              </a:lnSpc>
+              <a:spcBef>
+                <a:spcPts val="0"/>
+              </a:spcBef>
+              <a:spcAft>
+                <a:spcPts val="0"/>
+              </a:spcAft>
+              <a:buClrTx/>
+              <a:buSzTx/>
+              <a:buFontTx/>
+              <a:buNone/>
+              <a:tabLst/>
+              <a:defRPr/>
+            </a:pPr>
+            <a:endParaRPr kumimoji="0" lang="en-US" sz="1800" b="0" i="0" u="none" strike="noStrike" kern="1200" cap="none" spc="0" normalizeH="0" baseline="0" noProof="0">
+              <a:ln>
+                <a:noFill/>
+              </a:ln>
+              <a:solidFill>
+                <a:prstClr val="white"/>
+              </a:solidFill>
+              <a:effectLst/>
+              <a:uLnTx/>
+              <a:uFillTx/>
+              <a:latin typeface="Calibri" panose="020F0502020204030204"/>
+              <a:ea typeface="+mn-ea"/>
+              <a:cs typeface="+mn-cs"/>
+            </a:endParaRPr>
+          </a:p>
+        </p:txBody>
+      </p:sp>
+      <p:sp>
+        <p:nvSpPr>
+          <p:cNvPr id="3" name="Content Placeholder 2">
+            <a:extLst>
+              <a:ext uri="{FF2B5EF4-FFF2-40B4-BE49-F238E27FC236}">
+                <a16:creationId xmlns:a16="http://schemas.microsoft.com/office/drawing/2014/main" id="{078334CF-3C26-4F0A-88F9-73BA5DDACA99}"/>
+              </a:ext>
+            </a:extLst>
+          </p:cNvPr>
+          <p:cNvSpPr>
+            <a:spLocks noGrp="1"/>
+          </p:cNvSpPr>
+          <p:nvPr>
+            <p:ph idx="1"/>
+          </p:nvPr>
+        </p:nvSpPr>
+        <p:spPr>
+          <a:xfrm>
+            <a:off x="5250106" y="586822"/>
+            <a:ext cx="6106742" cy="1645920"/>
+          </a:xfrm>
+        </p:spPr>
+        <p:txBody>
+          <a:bodyPr vert="horz" lIns="91440" tIns="45720" rIns="91440" bIns="45720" rtlCol="0" anchor="ctr">
+            <a:normAutofit/>
+          </a:bodyPr>
+          <a:lstStyle/>
+          <a:p>
+            <a:pPr marL="285750"/>
+            <a:r>
+              <a:rPr lang="en-US" sz="1800" dirty="0"/>
+              <a:t>Gradual Increase Over The Years</a:t>
+            </a:r>
+          </a:p>
+        </p:txBody>
+      </p:sp>
+      <p:pic>
+        <p:nvPicPr>
+          <p:cNvPr id="3078" name="Picture 6">
+            <a:extLst>
+              <a:ext uri="{FF2B5EF4-FFF2-40B4-BE49-F238E27FC236}">
+                <a16:creationId xmlns:a16="http://schemas.microsoft.com/office/drawing/2014/main" id="{72BD2DF9-9DCC-49F6-A716-A4F07B24B3FF}"/>
+              </a:ext>
+            </a:extLst>
+          </p:cNvPr>
+          <p:cNvPicPr>
+            <a:picLocks noChangeAspect="1" noChangeArrowheads="1"/>
+          </p:cNvPicPr>
+          <p:nvPr/>
+        </p:nvPicPr>
+        <p:blipFill>
+          <a:blip r:embed="rId2">
+            <a:extLst>
+              <a:ext uri="{28A0092B-C50C-407E-A947-70E740481C1C}">
+                <a14:useLocalDpi xmlns:a14="http://schemas.microsoft.com/office/drawing/2010/main" val="0"/>
+              </a:ext>
+            </a:extLst>
+          </a:blip>
+          <a:stretch>
+            <a:fillRect/>
+          </a:stretch>
+        </p:blipFill>
+        <p:spPr bwMode="auto">
+          <a:xfrm>
+            <a:off x="5508224" y="2819567"/>
+            <a:ext cx="6213640" cy="3137888"/>
+          </a:xfrm>
+          <a:prstGeom prst="rect">
+            <a:avLst/>
+          </a:prstGeom>
+          <a:noFill/>
+          <a:extLst>
+            <a:ext uri="{909E8E84-426E-40DD-AFC4-6F175D3DCCD1}">
+              <a14:hiddenFill xmlns:a14="http://schemas.microsoft.com/office/drawing/2010/main">
+                <a:solidFill>
+                  <a:srgbClr val="FFFFFF"/>
+                </a:solidFill>
+              </a14:hiddenFill>
+            </a:ext>
+          </a:extLst>
+        </p:spPr>
+      </p:pic>
+      <p:pic>
+        <p:nvPicPr>
+          <p:cNvPr id="6" name="Picture 5">
+            <a:extLst>
+              <a:ext uri="{FF2B5EF4-FFF2-40B4-BE49-F238E27FC236}">
+                <a16:creationId xmlns:a16="http://schemas.microsoft.com/office/drawing/2014/main" id="{41FC1A11-7A3F-44A4-AD4E-F75B6F87F4AD}"/>
+              </a:ext>
+            </a:extLst>
+          </p:cNvPr>
+          <p:cNvPicPr>
+            <a:picLocks noChangeAspect="1"/>
+          </p:cNvPicPr>
+          <p:nvPr/>
+        </p:nvPicPr>
+        <p:blipFill>
+          <a:blip r:embed="rId3"/>
+          <a:stretch>
+            <a:fillRect/>
+          </a:stretch>
+        </p:blipFill>
+        <p:spPr>
+          <a:xfrm>
+            <a:off x="59931" y="5457759"/>
+            <a:ext cx="5451229" cy="499696"/>
+          </a:xfrm>
+          <a:prstGeom prst="rect">
+            <a:avLst/>
+          </a:prstGeom>
+        </p:spPr>
+      </p:pic>
+      <p:pic>
+        <p:nvPicPr>
+          <p:cNvPr id="8" name="Picture 7">
+            <a:extLst>
+              <a:ext uri="{FF2B5EF4-FFF2-40B4-BE49-F238E27FC236}">
+                <a16:creationId xmlns:a16="http://schemas.microsoft.com/office/drawing/2014/main" id="{ED07F0B9-55BE-4FE6-B1AC-1DE1CC00B970}"/>
+              </a:ext>
+            </a:extLst>
+          </p:cNvPr>
+          <p:cNvPicPr>
+            <a:picLocks noChangeAspect="1"/>
+          </p:cNvPicPr>
+          <p:nvPr/>
+        </p:nvPicPr>
+        <p:blipFill>
+          <a:blip r:embed="rId4"/>
+          <a:stretch>
+            <a:fillRect/>
+          </a:stretch>
+        </p:blipFill>
+        <p:spPr>
+          <a:xfrm>
+            <a:off x="120764" y="2861920"/>
+            <a:ext cx="5266696" cy="1791651"/>
+          </a:xfrm>
+          <a:prstGeom prst="rect">
+            <a:avLst/>
+          </a:prstGeom>
+        </p:spPr>
+      </p:pic>
+    </p:spTree>
+    <p:extLst>
+      <p:ext uri="{BB962C8B-B14F-4D97-AF65-F5344CB8AC3E}">
+        <p14:creationId xmlns:p14="http://schemas.microsoft.com/office/powerpoint/2010/main" val="1386022858"/>
       </p:ext>
     </p:extLst>
   </p:cSld>

--- a/JurgenTan_CA1.pptx
+++ b/JurgenTan_CA1.pptx
@@ -121,6 +121,3091 @@
 </p:presentation>
 </file>
 
+<file path=ppt/diagrams/colors1.xml><?xml version="1.0" encoding="utf-8"?>
+<dgm:colorsDef xmlns:dgm="http://schemas.openxmlformats.org/drawingml/2006/diagram" xmlns:a="http://schemas.openxmlformats.org/drawingml/2006/main" uniqueId="urn:microsoft.com/office/officeart/2018/5/colors/Iconchunking_neutralicontext_colorful1">
+  <dgm:title val=""/>
+  <dgm:desc val=""/>
+  <dgm:catLst>
+    <dgm:cat type="colorful" pri="10100"/>
+  </dgm:catLst>
+  <dgm:styleLbl name="node0">
+    <dgm:fillClrLst meth="repeat">
+      <a:schemeClr val="accent1"/>
+    </dgm:fillClrLst>
+    <dgm:linClrLst meth="repeat">
+      <a:schemeClr val="lt1"/>
+    </dgm:linClrLst>
+    <dgm:effectClrLst/>
+    <dgm:txLinClrLst/>
+    <dgm:txFillClrLst/>
+    <dgm:txEffectClrLst/>
+  </dgm:styleLbl>
+  <dgm:styleLbl name="node1">
+    <dgm:fillClrLst meth="repeat">
+      <a:schemeClr val="bg1"/>
+    </dgm:fillClrLst>
+    <dgm:linClrLst meth="repeat">
+      <a:schemeClr val="lt1">
+        <a:alpha val="0"/>
+      </a:schemeClr>
+    </dgm:linClrLst>
+    <dgm:effectClrLst/>
+    <dgm:txLinClrLst/>
+    <dgm:txFillClrLst meth="repeat">
+      <a:schemeClr val="dk1"/>
+    </dgm:txFillClrLst>
+    <dgm:txEffectClrLst/>
+  </dgm:styleLbl>
+  <dgm:styleLbl name="alignNode1">
+    <dgm:fillClrLst meth="repeat">
+      <a:schemeClr val="accent2"/>
+      <a:schemeClr val="accent3"/>
+      <a:schemeClr val="accent4"/>
+      <a:schemeClr val="accent5"/>
+      <a:schemeClr val="accent6"/>
+    </dgm:fillClrLst>
+    <dgm:linClrLst meth="repeat">
+      <a:schemeClr val="accent2"/>
+      <a:schemeClr val="accent3"/>
+      <a:schemeClr val="accent4"/>
+      <a:schemeClr val="accent5"/>
+      <a:schemeClr val="accent6"/>
+    </dgm:linClrLst>
+    <dgm:effectClrLst/>
+    <dgm:txLinClrLst/>
+    <dgm:txFillClrLst/>
+    <dgm:txEffectClrLst/>
+  </dgm:styleLbl>
+  <dgm:styleLbl name="lnNode1">
+    <dgm:fillClrLst meth="repeat">
+      <a:schemeClr val="accent2"/>
+      <a:schemeClr val="accent3"/>
+      <a:schemeClr val="accent4"/>
+      <a:schemeClr val="accent5"/>
+      <a:schemeClr val="accent6"/>
+    </dgm:fillClrLst>
+    <dgm:linClrLst meth="repeat">
+      <a:schemeClr val="lt1"/>
+    </dgm:linClrLst>
+    <dgm:effectClrLst/>
+    <dgm:txLinClrLst/>
+    <dgm:txFillClrLst/>
+    <dgm:txEffectClrLst/>
+  </dgm:styleLbl>
+  <dgm:styleLbl name="vennNode1">
+    <dgm:fillClrLst meth="repeat">
+      <a:schemeClr val="accent2">
+        <a:alpha val="50000"/>
+      </a:schemeClr>
+      <a:schemeClr val="accent3">
+        <a:alpha val="50000"/>
+      </a:schemeClr>
+      <a:schemeClr val="accent4">
+        <a:alpha val="50000"/>
+      </a:schemeClr>
+      <a:schemeClr val="accent5">
+        <a:alpha val="50000"/>
+      </a:schemeClr>
+      <a:schemeClr val="accent6">
+        <a:alpha val="50000"/>
+      </a:schemeClr>
+    </dgm:fillClrLst>
+    <dgm:linClrLst meth="repeat">
+      <a:schemeClr val="lt1"/>
+    </dgm:linClrLst>
+    <dgm:effectClrLst/>
+    <dgm:txLinClrLst/>
+    <dgm:txFillClrLst/>
+    <dgm:txEffectClrLst/>
+  </dgm:styleLbl>
+  <dgm:styleLbl name="node2">
+    <dgm:fillClrLst>
+      <a:schemeClr val="accent2"/>
+    </dgm:fillClrLst>
+    <dgm:linClrLst meth="repeat">
+      <a:schemeClr val="lt1"/>
+    </dgm:linClrLst>
+    <dgm:effectClrLst/>
+    <dgm:txLinClrLst/>
+    <dgm:txFillClrLst/>
+    <dgm:txEffectClrLst/>
+  </dgm:styleLbl>
+  <dgm:styleLbl name="node3">
+    <dgm:fillClrLst>
+      <a:schemeClr val="accent3"/>
+    </dgm:fillClrLst>
+    <dgm:linClrLst meth="repeat">
+      <a:schemeClr val="lt1"/>
+    </dgm:linClrLst>
+    <dgm:effectClrLst/>
+    <dgm:txLinClrLst/>
+    <dgm:txFillClrLst/>
+    <dgm:txEffectClrLst/>
+  </dgm:styleLbl>
+  <dgm:styleLbl name="node4">
+    <dgm:fillClrLst>
+      <a:schemeClr val="accent4"/>
+    </dgm:fillClrLst>
+    <dgm:linClrLst meth="repeat">
+      <a:schemeClr val="lt1"/>
+    </dgm:linClrLst>
+    <dgm:effectClrLst/>
+    <dgm:txLinClrLst/>
+    <dgm:txFillClrLst/>
+    <dgm:txEffectClrLst/>
+  </dgm:styleLbl>
+  <dgm:styleLbl name="fgImgPlace1">
+    <dgm:fillClrLst meth="repeat">
+      <a:schemeClr val="accent2">
+        <a:tint val="50000"/>
+      </a:schemeClr>
+      <a:schemeClr val="accent3">
+        <a:tint val="50000"/>
+      </a:schemeClr>
+      <a:schemeClr val="accent4">
+        <a:tint val="50000"/>
+      </a:schemeClr>
+      <a:schemeClr val="accent5">
+        <a:tint val="50000"/>
+      </a:schemeClr>
+      <a:schemeClr val="accent6">
+        <a:tint val="50000"/>
+      </a:schemeClr>
+    </dgm:fillClrLst>
+    <dgm:linClrLst meth="repeat">
+      <a:schemeClr val="lt1"/>
+    </dgm:linClrLst>
+    <dgm:effectClrLst/>
+    <dgm:txLinClrLst/>
+    <dgm:txFillClrLst meth="repeat">
+      <a:schemeClr val="lt1"/>
+    </dgm:txFillClrLst>
+    <dgm:txEffectClrLst/>
+  </dgm:styleLbl>
+  <dgm:styleLbl name="alignImgPlace1">
+    <dgm:fillClrLst>
+      <a:schemeClr val="accent1">
+        <a:tint val="50000"/>
+      </a:schemeClr>
+      <a:schemeClr val="accent2">
+        <a:tint val="20000"/>
+      </a:schemeClr>
+    </dgm:fillClrLst>
+    <dgm:linClrLst meth="repeat">
+      <a:schemeClr val="lt1"/>
+    </dgm:linClrLst>
+    <dgm:effectClrLst/>
+    <dgm:txLinClrLst/>
+    <dgm:txFillClrLst meth="repeat">
+      <a:schemeClr val="lt1"/>
+    </dgm:txFillClrLst>
+    <dgm:txEffectClrLst/>
+  </dgm:styleLbl>
+  <dgm:styleLbl name="bgImgPlace1">
+    <dgm:fillClrLst>
+      <a:schemeClr val="accent1">
+        <a:tint val="50000"/>
+      </a:schemeClr>
+      <a:schemeClr val="accent2">
+        <a:tint val="20000"/>
+      </a:schemeClr>
+    </dgm:fillClrLst>
+    <dgm:linClrLst meth="repeat">
+      <a:schemeClr val="lt1"/>
+    </dgm:linClrLst>
+    <dgm:effectClrLst/>
+    <dgm:txLinClrLst/>
+    <dgm:txFillClrLst meth="repeat">
+      <a:schemeClr val="lt1"/>
+    </dgm:txFillClrLst>
+    <dgm:txEffectClrLst/>
+  </dgm:styleLbl>
+  <dgm:styleLbl name="sibTrans2D1">
+    <dgm:fillClrLst meth="repeat">
+      <a:schemeClr val="accent2"/>
+      <a:schemeClr val="accent3"/>
+      <a:schemeClr val="accent4"/>
+      <a:schemeClr val="accent5"/>
+      <a:schemeClr val="accent6"/>
+    </dgm:fillClrLst>
+    <dgm:linClrLst meth="cycle">
+      <a:schemeClr val="lt1"/>
+    </dgm:linClrLst>
+    <dgm:effectClrLst/>
+    <dgm:txLinClrLst/>
+    <dgm:txFillClrLst/>
+    <dgm:txEffectClrLst/>
+  </dgm:styleLbl>
+  <dgm:styleLbl name="fgSibTrans2D1">
+    <dgm:fillClrLst meth="repeat">
+      <a:schemeClr val="accent2"/>
+      <a:schemeClr val="accent3"/>
+      <a:schemeClr val="accent4"/>
+      <a:schemeClr val="accent5"/>
+      <a:schemeClr val="accent6"/>
+    </dgm:fillClrLst>
+    <dgm:linClrLst meth="cycle">
+      <a:schemeClr val="lt1"/>
+    </dgm:linClrLst>
+    <dgm:effectClrLst/>
+    <dgm:txLinClrLst/>
+    <dgm:txFillClrLst meth="repeat">
+      <a:schemeClr val="lt1"/>
+    </dgm:txFillClrLst>
+    <dgm:txEffectClrLst/>
+  </dgm:styleLbl>
+  <dgm:styleLbl name="bgSibTrans2D1">
+    <dgm:fillClrLst meth="repeat">
+      <a:schemeClr val="accent2"/>
+      <a:schemeClr val="accent3"/>
+      <a:schemeClr val="accent4"/>
+      <a:schemeClr val="accent5"/>
+      <a:schemeClr val="accent6"/>
+    </dgm:fillClrLst>
+    <dgm:linClrLst meth="cycle">
+      <a:schemeClr val="lt1"/>
+    </dgm:linClrLst>
+    <dgm:effectClrLst/>
+    <dgm:txLinClrLst/>
+    <dgm:txFillClrLst meth="repeat">
+      <a:schemeClr val="lt1"/>
+    </dgm:txFillClrLst>
+    <dgm:txEffectClrLst/>
+  </dgm:styleLbl>
+  <dgm:styleLbl name="sibTrans1D1">
+    <dgm:fillClrLst meth="repeat">
+      <a:schemeClr val="accent2"/>
+      <a:schemeClr val="accent3"/>
+      <a:schemeClr val="accent4"/>
+      <a:schemeClr val="accent5"/>
+      <a:schemeClr val="accent6"/>
+    </dgm:fillClrLst>
+    <dgm:linClrLst meth="repeat">
+      <a:schemeClr val="accent2"/>
+      <a:schemeClr val="accent3"/>
+      <a:schemeClr val="accent4"/>
+      <a:schemeClr val="accent5"/>
+      <a:schemeClr val="accent6"/>
+    </dgm:linClrLst>
+    <dgm:effectClrLst/>
+    <dgm:txLinClrLst/>
+    <dgm:txFillClrLst meth="repeat">
+      <a:schemeClr val="tx1"/>
+    </dgm:txFillClrLst>
+    <dgm:txEffectClrLst/>
+  </dgm:styleLbl>
+  <dgm:styleLbl name="callout">
+    <dgm:fillClrLst meth="repeat">
+      <a:schemeClr val="accent2"/>
+    </dgm:fillClrLst>
+    <dgm:linClrLst meth="repeat">
+      <a:schemeClr val="accent2">
+        <a:tint val="50000"/>
+      </a:schemeClr>
+    </dgm:linClrLst>
+    <dgm:effectClrLst/>
+    <dgm:txLinClrLst/>
+    <dgm:txFillClrLst meth="repeat">
+      <a:schemeClr val="tx1"/>
+    </dgm:txFillClrLst>
+    <dgm:txEffectClrLst/>
+  </dgm:styleLbl>
+  <dgm:styleLbl name="asst0">
+    <dgm:fillClrLst meth="repeat">
+      <a:schemeClr val="accent1"/>
+    </dgm:fillClrLst>
+    <dgm:linClrLst meth="repeat">
+      <a:schemeClr val="lt1"/>
+    </dgm:linClrLst>
+    <dgm:effectClrLst/>
+    <dgm:txLinClrLst/>
+    <dgm:txFillClrLst/>
+    <dgm:txEffectClrLst/>
+  </dgm:styleLbl>
+  <dgm:styleLbl name="asst1">
+    <dgm:fillClrLst meth="repeat">
+      <a:schemeClr val="accent2"/>
+    </dgm:fillClrLst>
+    <dgm:linClrLst meth="repeat">
+      <a:schemeClr val="lt1"/>
+    </dgm:linClrLst>
+    <dgm:effectClrLst/>
+    <dgm:txLinClrLst/>
+    <dgm:txFillClrLst/>
+    <dgm:txEffectClrLst/>
+  </dgm:styleLbl>
+  <dgm:styleLbl name="asst2">
+    <dgm:fillClrLst>
+      <a:schemeClr val="accent3"/>
+    </dgm:fillClrLst>
+    <dgm:linClrLst meth="repeat">
+      <a:schemeClr val="lt1"/>
+    </dgm:linClrLst>
+    <dgm:effectClrLst/>
+    <dgm:txLinClrLst/>
+    <dgm:txFillClrLst/>
+    <dgm:txEffectClrLst/>
+  </dgm:styleLbl>
+  <dgm:styleLbl name="asst3">
+    <dgm:fillClrLst>
+      <a:schemeClr val="accent4"/>
+    </dgm:fillClrLst>
+    <dgm:linClrLst meth="repeat">
+      <a:schemeClr val="lt1"/>
+    </dgm:linClrLst>
+    <dgm:effectClrLst/>
+    <dgm:txLinClrLst/>
+    <dgm:txFillClrLst/>
+    <dgm:txEffectClrLst/>
+  </dgm:styleLbl>
+  <dgm:styleLbl name="asst4">
+    <dgm:fillClrLst>
+      <a:schemeClr val="accent5"/>
+    </dgm:fillClrLst>
+    <dgm:linClrLst meth="repeat">
+      <a:schemeClr val="lt1"/>
+    </dgm:linClrLst>
+    <dgm:effectClrLst/>
+    <dgm:txLinClrLst/>
+    <dgm:txFillClrLst/>
+    <dgm:txEffectClrLst/>
+  </dgm:styleLbl>
+  <dgm:styleLbl name="parChTrans2D1">
+    <dgm:fillClrLst meth="repeat">
+      <a:schemeClr val="accent2"/>
+    </dgm:fillClrLst>
+    <dgm:linClrLst meth="repeat">
+      <a:schemeClr val="lt1"/>
+    </dgm:linClrLst>
+    <dgm:effectClrLst/>
+    <dgm:txLinClrLst/>
+    <dgm:txFillClrLst meth="repeat">
+      <a:schemeClr val="lt1"/>
+    </dgm:txFillClrLst>
+    <dgm:txEffectClrLst/>
+  </dgm:styleLbl>
+  <dgm:styleLbl name="parChTrans2D2">
+    <dgm:fillClrLst meth="repeat">
+      <a:schemeClr val="accent3"/>
+    </dgm:fillClrLst>
+    <dgm:linClrLst meth="repeat">
+      <a:schemeClr val="lt1"/>
+    </dgm:linClrLst>
+    <dgm:effectClrLst/>
+    <dgm:txLinClrLst/>
+    <dgm:txFillClrLst/>
+    <dgm:txEffectClrLst/>
+  </dgm:styleLbl>
+  <dgm:styleLbl name="parChTrans2D3">
+    <dgm:fillClrLst meth="repeat">
+      <a:schemeClr val="accent4"/>
+    </dgm:fillClrLst>
+    <dgm:linClrLst meth="repeat">
+      <a:schemeClr val="lt1"/>
+    </dgm:linClrLst>
+    <dgm:effectClrLst/>
+    <dgm:txLinClrLst/>
+    <dgm:txFillClrLst/>
+    <dgm:txEffectClrLst/>
+  </dgm:styleLbl>
+  <dgm:styleLbl name="parChTrans2D4">
+    <dgm:fillClrLst meth="repeat">
+      <a:schemeClr val="accent5"/>
+    </dgm:fillClrLst>
+    <dgm:linClrLst meth="repeat">
+      <a:schemeClr val="lt1"/>
+    </dgm:linClrLst>
+    <dgm:effectClrLst/>
+    <dgm:txLinClrLst/>
+    <dgm:txFillClrLst meth="repeat">
+      <a:schemeClr val="lt1"/>
+    </dgm:txFillClrLst>
+    <dgm:txEffectClrLst/>
+  </dgm:styleLbl>
+  <dgm:styleLbl name="parChTrans1D1">
+    <dgm:fillClrLst meth="repeat">
+      <a:schemeClr val="accent2"/>
+    </dgm:fillClrLst>
+    <dgm:linClrLst meth="repeat">
+      <a:schemeClr val="accent1"/>
+    </dgm:linClrLst>
+    <dgm:effectClrLst/>
+    <dgm:txLinClrLst/>
+    <dgm:txFillClrLst meth="repeat">
+      <a:schemeClr val="tx1"/>
+    </dgm:txFillClrLst>
+    <dgm:txEffectClrLst/>
+  </dgm:styleLbl>
+  <dgm:styleLbl name="parChTrans1D2">
+    <dgm:fillClrLst meth="repeat">
+      <a:schemeClr val="accent3">
+        <a:tint val="90000"/>
+      </a:schemeClr>
+    </dgm:fillClrLst>
+    <dgm:linClrLst meth="repeat">
+      <a:schemeClr val="accent2"/>
+    </dgm:linClrLst>
+    <dgm:effectClrLst/>
+    <dgm:txLinClrLst/>
+    <dgm:txFillClrLst meth="repeat">
+      <a:schemeClr val="tx1"/>
+    </dgm:txFillClrLst>
+    <dgm:txEffectClrLst/>
+  </dgm:styleLbl>
+  <dgm:styleLbl name="parChTrans1D3">
+    <dgm:fillClrLst meth="repeat">
+      <a:schemeClr val="accent4">
+        <a:tint val="70000"/>
+      </a:schemeClr>
+    </dgm:fillClrLst>
+    <dgm:linClrLst meth="repeat">
+      <a:schemeClr val="accent3"/>
+    </dgm:linClrLst>
+    <dgm:effectClrLst/>
+    <dgm:txLinClrLst/>
+    <dgm:txFillClrLst meth="repeat">
+      <a:schemeClr val="tx1"/>
+    </dgm:txFillClrLst>
+    <dgm:txEffectClrLst/>
+  </dgm:styleLbl>
+  <dgm:styleLbl name="parChTrans1D4">
+    <dgm:fillClrLst meth="repeat">
+      <a:schemeClr val="accent5">
+        <a:tint val="50000"/>
+      </a:schemeClr>
+    </dgm:fillClrLst>
+    <dgm:linClrLst meth="repeat">
+      <a:schemeClr val="accent4"/>
+    </dgm:linClrLst>
+    <dgm:effectClrLst/>
+    <dgm:txLinClrLst/>
+    <dgm:txFillClrLst meth="repeat">
+      <a:schemeClr val="tx1"/>
+    </dgm:txFillClrLst>
+    <dgm:txEffectClrLst/>
+  </dgm:styleLbl>
+  <dgm:styleLbl name="fgAcc1">
+    <dgm:fillClrLst meth="repeat">
+      <a:schemeClr val="lt1">
+        <a:alpha val="90000"/>
+      </a:schemeClr>
+    </dgm:fillClrLst>
+    <dgm:linClrLst meth="repeat">
+      <a:schemeClr val="accent2"/>
+      <a:schemeClr val="accent3"/>
+      <a:schemeClr val="accent4"/>
+      <a:schemeClr val="accent5"/>
+      <a:schemeClr val="accent6"/>
+    </dgm:linClrLst>
+    <dgm:effectClrLst/>
+    <dgm:txLinClrLst/>
+    <dgm:txFillClrLst meth="repeat">
+      <a:schemeClr val="dk1"/>
+    </dgm:txFillClrLst>
+    <dgm:txEffectClrLst/>
+  </dgm:styleLbl>
+  <dgm:styleLbl name="conFgAcc1">
+    <dgm:fillClrLst meth="repeat">
+      <a:schemeClr val="lt1">
+        <a:alpha val="90000"/>
+      </a:schemeClr>
+    </dgm:fillClrLst>
+    <dgm:linClrLst meth="repeat">
+      <a:schemeClr val="accent2"/>
+      <a:schemeClr val="accent3"/>
+      <a:schemeClr val="accent4"/>
+      <a:schemeClr val="accent5"/>
+      <a:schemeClr val="accent6"/>
+    </dgm:linClrLst>
+    <dgm:effectClrLst/>
+    <dgm:txLinClrLst/>
+    <dgm:txFillClrLst meth="repeat">
+      <a:schemeClr val="dk1"/>
+    </dgm:txFillClrLst>
+    <dgm:txEffectClrLst/>
+  </dgm:styleLbl>
+  <dgm:styleLbl name="alignAcc1">
+    <dgm:fillClrLst meth="repeat">
+      <a:schemeClr val="lt1">
+        <a:alpha val="90000"/>
+      </a:schemeClr>
+    </dgm:fillClrLst>
+    <dgm:linClrLst meth="repeat">
+      <a:schemeClr val="accent2"/>
+      <a:schemeClr val="accent3"/>
+      <a:schemeClr val="accent4"/>
+      <a:schemeClr val="accent5"/>
+      <a:schemeClr val="accent6"/>
+    </dgm:linClrLst>
+    <dgm:effectClrLst/>
+    <dgm:txLinClrLst/>
+    <dgm:txFillClrLst meth="repeat">
+      <a:schemeClr val="dk1"/>
+    </dgm:txFillClrLst>
+    <dgm:txEffectClrLst/>
+  </dgm:styleLbl>
+  <dgm:styleLbl name="trAlignAcc1">
+    <dgm:fillClrLst meth="repeat">
+      <a:schemeClr val="lt1">
+        <a:alpha val="40000"/>
+      </a:schemeClr>
+    </dgm:fillClrLst>
+    <dgm:linClrLst meth="repeat">
+      <a:schemeClr val="accent1"/>
+    </dgm:linClrLst>
+    <dgm:effectClrLst/>
+    <dgm:txLinClrLst/>
+    <dgm:txFillClrLst meth="repeat">
+      <a:schemeClr val="dk1"/>
+    </dgm:txFillClrLst>
+    <dgm:txEffectClrLst/>
+  </dgm:styleLbl>
+  <dgm:styleLbl name="bgAcc1">
+    <dgm:fillClrLst meth="repeat">
+      <a:schemeClr val="lt1">
+        <a:alpha val="90000"/>
+      </a:schemeClr>
+    </dgm:fillClrLst>
+    <dgm:linClrLst meth="repeat">
+      <a:schemeClr val="accent2"/>
+      <a:schemeClr val="accent3"/>
+      <a:schemeClr val="accent4"/>
+      <a:schemeClr val="accent5"/>
+      <a:schemeClr val="accent6"/>
+    </dgm:linClrLst>
+    <dgm:effectClrLst/>
+    <dgm:txLinClrLst/>
+    <dgm:txFillClrLst meth="repeat">
+      <a:schemeClr val="dk1"/>
+    </dgm:txFillClrLst>
+    <dgm:txEffectClrLst/>
+  </dgm:styleLbl>
+  <dgm:styleLbl name="solidFgAcc1">
+    <dgm:fillClrLst meth="repeat">
+      <a:schemeClr val="lt1"/>
+    </dgm:fillClrLst>
+    <dgm:linClrLst meth="repeat">
+      <a:schemeClr val="accent2"/>
+      <a:schemeClr val="accent3"/>
+      <a:schemeClr val="accent4"/>
+      <a:schemeClr val="accent5"/>
+      <a:schemeClr val="accent6"/>
+    </dgm:linClrLst>
+    <dgm:effectClrLst/>
+    <dgm:txLinClrLst/>
+    <dgm:txFillClrLst meth="repeat">
+      <a:schemeClr val="dk1"/>
+    </dgm:txFillClrLst>
+    <dgm:txEffectClrLst/>
+  </dgm:styleLbl>
+  <dgm:styleLbl name="solidAlignAcc1">
+    <dgm:fillClrLst meth="repeat">
+      <a:schemeClr val="lt1"/>
+    </dgm:fillClrLst>
+    <dgm:linClrLst meth="repeat">
+      <a:schemeClr val="accent2"/>
+      <a:schemeClr val="accent3"/>
+      <a:schemeClr val="accent4"/>
+      <a:schemeClr val="accent5"/>
+      <a:schemeClr val="accent6"/>
+    </dgm:linClrLst>
+    <dgm:effectClrLst/>
+    <dgm:txLinClrLst/>
+    <dgm:txFillClrLst meth="repeat">
+      <a:schemeClr val="dk1"/>
+    </dgm:txFillClrLst>
+    <dgm:txEffectClrLst/>
+  </dgm:styleLbl>
+  <dgm:styleLbl name="solidBgAcc1">
+    <dgm:fillClrLst meth="repeat">
+      <a:schemeClr val="lt1"/>
+    </dgm:fillClrLst>
+    <dgm:linClrLst meth="repeat">
+      <a:schemeClr val="accent2"/>
+      <a:schemeClr val="accent3"/>
+      <a:schemeClr val="accent4"/>
+      <a:schemeClr val="accent5"/>
+      <a:schemeClr val="accent6"/>
+    </dgm:linClrLst>
+    <dgm:effectClrLst/>
+    <dgm:txLinClrLst/>
+    <dgm:txFillClrLst meth="repeat">
+      <a:schemeClr val="dk1"/>
+    </dgm:txFillClrLst>
+    <dgm:txEffectClrLst/>
+  </dgm:styleLbl>
+  <dgm:styleLbl name="fgAccFollowNode1">
+    <dgm:fillClrLst meth="repeat">
+      <a:schemeClr val="accent2">
+        <a:tint val="40000"/>
+        <a:alpha val="90000"/>
+      </a:schemeClr>
+      <a:schemeClr val="accent3">
+        <a:tint val="40000"/>
+        <a:alpha val="90000"/>
+      </a:schemeClr>
+      <a:schemeClr val="accent4">
+        <a:tint val="40000"/>
+        <a:alpha val="90000"/>
+      </a:schemeClr>
+      <a:schemeClr val="accent5">
+        <a:tint val="40000"/>
+        <a:alpha val="90000"/>
+      </a:schemeClr>
+      <a:schemeClr val="accent6">
+        <a:tint val="40000"/>
+        <a:alpha val="90000"/>
+      </a:schemeClr>
+    </dgm:fillClrLst>
+    <dgm:linClrLst meth="repeat">
+      <a:schemeClr val="accent2">
+        <a:tint val="40000"/>
+        <a:alpha val="90000"/>
+      </a:schemeClr>
+      <a:schemeClr val="accent3">
+        <a:tint val="40000"/>
+        <a:alpha val="90000"/>
+      </a:schemeClr>
+      <a:schemeClr val="accent4">
+        <a:tint val="40000"/>
+        <a:alpha val="90000"/>
+      </a:schemeClr>
+      <a:schemeClr val="accent5">
+        <a:tint val="40000"/>
+        <a:alpha val="90000"/>
+      </a:schemeClr>
+      <a:schemeClr val="accent6">
+        <a:tint val="40000"/>
+        <a:alpha val="90000"/>
+      </a:schemeClr>
+    </dgm:linClrLst>
+    <dgm:effectClrLst/>
+    <dgm:txLinClrLst/>
+    <dgm:txFillClrLst meth="repeat">
+      <a:schemeClr val="dk1"/>
+    </dgm:txFillClrLst>
+    <dgm:txEffectClrLst/>
+  </dgm:styleLbl>
+  <dgm:styleLbl name="alignAccFollowNode1">
+    <dgm:fillClrLst meth="repeat">
+      <a:schemeClr val="accent2">
+        <a:tint val="40000"/>
+        <a:alpha val="90000"/>
+      </a:schemeClr>
+      <a:schemeClr val="accent3">
+        <a:tint val="40000"/>
+        <a:alpha val="90000"/>
+      </a:schemeClr>
+      <a:schemeClr val="accent4">
+        <a:tint val="40000"/>
+        <a:alpha val="90000"/>
+      </a:schemeClr>
+      <a:schemeClr val="accent5">
+        <a:tint val="40000"/>
+        <a:alpha val="90000"/>
+      </a:schemeClr>
+      <a:schemeClr val="accent6">
+        <a:tint val="40000"/>
+        <a:alpha val="90000"/>
+      </a:schemeClr>
+    </dgm:fillClrLst>
+    <dgm:linClrLst meth="repeat">
+      <a:schemeClr val="accent2">
+        <a:tint val="40000"/>
+        <a:alpha val="90000"/>
+      </a:schemeClr>
+      <a:schemeClr val="accent3">
+        <a:tint val="40000"/>
+        <a:alpha val="90000"/>
+      </a:schemeClr>
+      <a:schemeClr val="accent4">
+        <a:tint val="40000"/>
+        <a:alpha val="90000"/>
+      </a:schemeClr>
+      <a:schemeClr val="accent5">
+        <a:tint val="40000"/>
+        <a:alpha val="90000"/>
+      </a:schemeClr>
+      <a:schemeClr val="accent6">
+        <a:tint val="40000"/>
+        <a:alpha val="90000"/>
+      </a:schemeClr>
+    </dgm:linClrLst>
+    <dgm:effectClrLst/>
+    <dgm:txLinClrLst/>
+    <dgm:txFillClrLst meth="repeat">
+      <a:schemeClr val="dk1"/>
+    </dgm:txFillClrLst>
+    <dgm:txEffectClrLst/>
+  </dgm:styleLbl>
+  <dgm:styleLbl name="bgAccFollowNode1">
+    <dgm:fillClrLst meth="repeat">
+      <a:schemeClr val="accent2">
+        <a:tint val="40000"/>
+        <a:alpha val="90000"/>
+      </a:schemeClr>
+      <a:schemeClr val="accent3">
+        <a:tint val="40000"/>
+        <a:alpha val="90000"/>
+      </a:schemeClr>
+      <a:schemeClr val="accent4">
+        <a:tint val="40000"/>
+        <a:alpha val="90000"/>
+      </a:schemeClr>
+      <a:schemeClr val="accent5">
+        <a:tint val="40000"/>
+        <a:alpha val="90000"/>
+      </a:schemeClr>
+      <a:schemeClr val="accent6">
+        <a:tint val="40000"/>
+        <a:alpha val="90000"/>
+      </a:schemeClr>
+    </dgm:fillClrLst>
+    <dgm:linClrLst meth="repeat">
+      <a:schemeClr val="accent2">
+        <a:tint val="40000"/>
+        <a:alpha val="90000"/>
+      </a:schemeClr>
+      <a:schemeClr val="accent3">
+        <a:tint val="40000"/>
+        <a:alpha val="90000"/>
+      </a:schemeClr>
+      <a:schemeClr val="accent4">
+        <a:tint val="40000"/>
+        <a:alpha val="90000"/>
+      </a:schemeClr>
+      <a:schemeClr val="accent5">
+        <a:tint val="40000"/>
+        <a:alpha val="90000"/>
+      </a:schemeClr>
+      <a:schemeClr val="accent6">
+        <a:tint val="40000"/>
+        <a:alpha val="90000"/>
+      </a:schemeClr>
+    </dgm:linClrLst>
+    <dgm:effectClrLst/>
+    <dgm:txLinClrLst/>
+    <dgm:txFillClrLst meth="repeat">
+      <a:schemeClr val="dk1"/>
+    </dgm:txFillClrLst>
+    <dgm:txEffectClrLst/>
+  </dgm:styleLbl>
+  <dgm:styleLbl name="fgAcc0">
+    <dgm:fillClrLst meth="repeat">
+      <a:schemeClr val="lt1">
+        <a:alpha val="90000"/>
+      </a:schemeClr>
+    </dgm:fillClrLst>
+    <dgm:linClrLst>
+      <a:schemeClr val="accent1"/>
+    </dgm:linClrLst>
+    <dgm:effectClrLst/>
+    <dgm:txLinClrLst/>
+    <dgm:txFillClrLst meth="repeat">
+      <a:schemeClr val="dk1"/>
+    </dgm:txFillClrLst>
+    <dgm:txEffectClrLst/>
+  </dgm:styleLbl>
+  <dgm:styleLbl name="fgAcc2">
+    <dgm:fillClrLst meth="repeat">
+      <a:schemeClr val="lt1">
+        <a:alpha val="90000"/>
+      </a:schemeClr>
+    </dgm:fillClrLst>
+    <dgm:linClrLst>
+      <a:schemeClr val="accent2"/>
+    </dgm:linClrLst>
+    <dgm:effectClrLst/>
+    <dgm:txLinClrLst/>
+    <dgm:txFillClrLst meth="repeat">
+      <a:schemeClr val="dk1"/>
+    </dgm:txFillClrLst>
+    <dgm:txEffectClrLst/>
+  </dgm:styleLbl>
+  <dgm:styleLbl name="fgAcc3">
+    <dgm:fillClrLst meth="repeat">
+      <a:schemeClr val="lt1">
+        <a:alpha val="90000"/>
+      </a:schemeClr>
+    </dgm:fillClrLst>
+    <dgm:linClrLst>
+      <a:schemeClr val="accent3"/>
+    </dgm:linClrLst>
+    <dgm:effectClrLst/>
+    <dgm:txLinClrLst/>
+    <dgm:txFillClrLst meth="repeat">
+      <a:schemeClr val="dk1"/>
+    </dgm:txFillClrLst>
+    <dgm:txEffectClrLst/>
+  </dgm:styleLbl>
+  <dgm:styleLbl name="fgAcc4">
+    <dgm:fillClrLst meth="repeat">
+      <a:schemeClr val="lt1">
+        <a:alpha val="90000"/>
+      </a:schemeClr>
+    </dgm:fillClrLst>
+    <dgm:linClrLst>
+      <a:schemeClr val="accent4"/>
+    </dgm:linClrLst>
+    <dgm:effectClrLst/>
+    <dgm:txLinClrLst/>
+    <dgm:txFillClrLst meth="repeat">
+      <a:schemeClr val="dk1"/>
+    </dgm:txFillClrLst>
+    <dgm:txEffectClrLst/>
+  </dgm:styleLbl>
+  <dgm:styleLbl name="bgShp">
+    <dgm:fillClrLst meth="repeat">
+      <a:schemeClr val="accent2"/>
+      <a:schemeClr val="accent3"/>
+      <a:schemeClr val="accent4"/>
+      <a:schemeClr val="accent5"/>
+      <a:schemeClr val="accent6"/>
+    </dgm:fillClrLst>
+    <dgm:linClrLst meth="repeat">
+      <a:schemeClr val="lt1">
+        <a:alpha val="0"/>
+      </a:schemeClr>
+    </dgm:linClrLst>
+    <dgm:effectClrLst/>
+    <dgm:txLinClrLst/>
+    <dgm:txFillClrLst/>
+    <dgm:txEffectClrLst/>
+  </dgm:styleLbl>
+  <dgm:styleLbl name="dkBgShp">
+    <dgm:fillClrLst meth="repeat">
+      <a:schemeClr val="accent2">
+        <a:shade val="90000"/>
+      </a:schemeClr>
+    </dgm:fillClrLst>
+    <dgm:linClrLst meth="repeat">
+      <a:schemeClr val="dk1"/>
+    </dgm:linClrLst>
+    <dgm:effectClrLst/>
+    <dgm:txLinClrLst/>
+    <dgm:txFillClrLst meth="repeat">
+      <a:schemeClr val="lt1"/>
+    </dgm:txFillClrLst>
+    <dgm:txEffectClrLst/>
+  </dgm:styleLbl>
+  <dgm:styleLbl name="trBgShp">
+    <dgm:fillClrLst meth="repeat">
+      <a:schemeClr val="accent1">
+        <a:tint val="50000"/>
+        <a:alpha val="40000"/>
+      </a:schemeClr>
+    </dgm:fillClrLst>
+    <dgm:linClrLst meth="repeat">
+      <a:schemeClr val="accent2"/>
+    </dgm:linClrLst>
+    <dgm:effectClrLst/>
+    <dgm:txLinClrLst/>
+    <dgm:txFillClrLst meth="repeat">
+      <a:schemeClr val="lt1"/>
+    </dgm:txFillClrLst>
+    <dgm:txEffectClrLst/>
+  </dgm:styleLbl>
+  <dgm:styleLbl name="fgShp">
+    <dgm:fillClrLst meth="repeat">
+      <a:schemeClr val="accent2">
+        <a:tint val="40000"/>
+      </a:schemeClr>
+    </dgm:fillClrLst>
+    <dgm:linClrLst meth="repeat">
+      <a:schemeClr val="lt1"/>
+    </dgm:linClrLst>
+    <dgm:effectClrLst/>
+    <dgm:txLinClrLst/>
+    <dgm:txFillClrLst meth="repeat">
+      <a:schemeClr val="dk1"/>
+    </dgm:txFillClrLst>
+    <dgm:txEffectClrLst/>
+  </dgm:styleLbl>
+  <dgm:styleLbl name="revTx">
+    <dgm:fillClrLst meth="repeat">
+      <a:schemeClr val="lt1">
+        <a:alpha val="0"/>
+      </a:schemeClr>
+    </dgm:fillClrLst>
+    <dgm:linClrLst meth="repeat">
+      <a:schemeClr val="dk1">
+        <a:alpha val="0"/>
+      </a:schemeClr>
+    </dgm:linClrLst>
+    <dgm:effectClrLst/>
+    <dgm:txLinClrLst/>
+    <dgm:txFillClrLst meth="repeat">
+      <a:schemeClr val="bg1"/>
+    </dgm:txFillClrLst>
+    <dgm:txEffectClrLst/>
+  </dgm:styleLbl>
+</dgm:colorsDef>
+</file>
+
+<file path=ppt/diagrams/data1.xml><?xml version="1.0" encoding="utf-8"?>
+<dgm:dataModel xmlns:dgm="http://schemas.openxmlformats.org/drawingml/2006/diagram" xmlns:a="http://schemas.openxmlformats.org/drawingml/2006/main">
+  <dgm:ptLst>
+    <dgm:pt modelId="{A4CA9842-BEA7-493D-ADBB-914AE5D1E861}" type="doc">
+      <dgm:prSet loTypeId="urn:microsoft.com/office/officeart/2018/2/layout/IconVerticalSolidList" loCatId="icon" qsTypeId="urn:microsoft.com/office/officeart/2005/8/quickstyle/simple1" qsCatId="simple" csTypeId="urn:microsoft.com/office/officeart/2018/5/colors/Iconchunking_neutralicontext_colorful1" csCatId="colorful" phldr="1"/>
+      <dgm:spPr/>
+      <dgm:t>
+        <a:bodyPr/>
+        <a:lstStyle/>
+        <a:p>
+          <a:endParaRPr lang="en-US"/>
+        </a:p>
+      </dgm:t>
+    </dgm:pt>
+    <dgm:pt modelId="{6401B120-868E-4160-B0A7-96CEB9CBB637}">
+      <dgm:prSet/>
+      <dgm:spPr/>
+      <dgm:t>
+        <a:bodyPr/>
+        <a:lstStyle/>
+        <a:p>
+          <a:r>
+            <a:rPr lang="en-SG" dirty="0"/>
+            <a:t>COE Results : </a:t>
+          </a:r>
+          <a:r>
+            <a:rPr lang="en-SG" dirty="0">
+              <a:hlinkClick xmlns:r="http://schemas.openxmlformats.org/officeDocument/2006/relationships" r:id="rId1"/>
+            </a:rPr>
+            <a:t>https://data.gov.sg/dataset/coe-bidding-results</a:t>
+          </a:r>
+          <a:endParaRPr lang="en-US" dirty="0"/>
+        </a:p>
+      </dgm:t>
+    </dgm:pt>
+    <dgm:pt modelId="{4241E753-3475-4427-922D-7E4558360B2A}" type="parTrans" cxnId="{D4560FAE-60D9-448E-8975-E0E2A563039D}">
+      <dgm:prSet/>
+      <dgm:spPr/>
+      <dgm:t>
+        <a:bodyPr/>
+        <a:lstStyle/>
+        <a:p>
+          <a:endParaRPr lang="en-US"/>
+        </a:p>
+      </dgm:t>
+    </dgm:pt>
+    <dgm:pt modelId="{E9BCA625-0301-4E94-9830-8D755F09DED3}" type="sibTrans" cxnId="{D4560FAE-60D9-448E-8975-E0E2A563039D}">
+      <dgm:prSet/>
+      <dgm:spPr/>
+      <dgm:t>
+        <a:bodyPr/>
+        <a:lstStyle/>
+        <a:p>
+          <a:endParaRPr lang="en-US"/>
+        </a:p>
+      </dgm:t>
+    </dgm:pt>
+    <dgm:pt modelId="{7DD4319C-8FBE-4066-9730-F4FE647253AF}">
+      <dgm:prSet/>
+      <dgm:spPr/>
+      <dgm:t>
+        <a:bodyPr/>
+        <a:lstStyle/>
+        <a:p>
+          <a:r>
+            <a:rPr lang="en-SG"/>
+            <a:t>Driving Licence: </a:t>
+          </a:r>
+          <a:r>
+            <a:rPr lang="en-SG">
+              <a:hlinkClick xmlns:r="http://schemas.openxmlformats.org/officeDocument/2006/relationships" r:id="rId2"/>
+            </a:rPr>
+            <a:t>https://data.gov.sg/dataset/driving-licence-information-qualified-driving-licence-holders</a:t>
+          </a:r>
+          <a:endParaRPr lang="en-US"/>
+        </a:p>
+      </dgm:t>
+    </dgm:pt>
+    <dgm:pt modelId="{02F1B15B-32DF-410E-95CB-04EE231A7B0D}" type="parTrans" cxnId="{06B8FB5C-D271-4038-927C-0B780A3DDEEC}">
+      <dgm:prSet/>
+      <dgm:spPr/>
+      <dgm:t>
+        <a:bodyPr/>
+        <a:lstStyle/>
+        <a:p>
+          <a:endParaRPr lang="en-US"/>
+        </a:p>
+      </dgm:t>
+    </dgm:pt>
+    <dgm:pt modelId="{3476906D-01DB-4661-B734-754714F964E3}" type="sibTrans" cxnId="{06B8FB5C-D271-4038-927C-0B780A3DDEEC}">
+      <dgm:prSet/>
+      <dgm:spPr/>
+      <dgm:t>
+        <a:bodyPr/>
+        <a:lstStyle/>
+        <a:p>
+          <a:endParaRPr lang="en-US"/>
+        </a:p>
+      </dgm:t>
+    </dgm:pt>
+    <dgm:pt modelId="{C7F5F277-2847-44FA-BECD-ECEAC5E77F7E}">
+      <dgm:prSet/>
+      <dgm:spPr/>
+      <dgm:t>
+        <a:bodyPr/>
+        <a:lstStyle/>
+        <a:p>
+          <a:r>
+            <a:rPr lang="en-SG" dirty="0"/>
+            <a:t>HDB Carpark </a:t>
+          </a:r>
+          <a:r>
+            <a:rPr lang="en-SG" dirty="0">
+              <a:hlinkClick xmlns:r="http://schemas.openxmlformats.org/officeDocument/2006/relationships" r:id="rId3"/>
+            </a:rPr>
+            <a:t>https://data.gov.sg/dataset/hdb-carpark-information</a:t>
+          </a:r>
+          <a:endParaRPr lang="en-US" dirty="0"/>
+        </a:p>
+      </dgm:t>
+    </dgm:pt>
+    <dgm:pt modelId="{9D40BB39-CBAA-4081-B34E-7F2ACDB7746D}" type="parTrans" cxnId="{23558F25-A9F6-4341-A649-872F75F4EACE}">
+      <dgm:prSet/>
+      <dgm:spPr/>
+      <dgm:t>
+        <a:bodyPr/>
+        <a:lstStyle/>
+        <a:p>
+          <a:endParaRPr lang="en-US"/>
+        </a:p>
+      </dgm:t>
+    </dgm:pt>
+    <dgm:pt modelId="{F1900A7B-DAA1-4B56-8087-B3F2385A772C}" type="sibTrans" cxnId="{23558F25-A9F6-4341-A649-872F75F4EACE}">
+      <dgm:prSet/>
+      <dgm:spPr/>
+      <dgm:t>
+        <a:bodyPr/>
+        <a:lstStyle/>
+        <a:p>
+          <a:endParaRPr lang="en-US"/>
+        </a:p>
+      </dgm:t>
+    </dgm:pt>
+    <dgm:pt modelId="{E91B9E3A-2C9B-495C-AF58-A1DECB547D68}" type="pres">
+      <dgm:prSet presAssocID="{A4CA9842-BEA7-493D-ADBB-914AE5D1E861}" presName="root" presStyleCnt="0">
+        <dgm:presLayoutVars>
+          <dgm:dir/>
+          <dgm:resizeHandles val="exact"/>
+        </dgm:presLayoutVars>
+      </dgm:prSet>
+      <dgm:spPr/>
+    </dgm:pt>
+    <dgm:pt modelId="{9AE82715-50B7-4217-8094-9FB7A2C51A62}" type="pres">
+      <dgm:prSet presAssocID="{6401B120-868E-4160-B0A7-96CEB9CBB637}" presName="compNode" presStyleCnt="0"/>
+      <dgm:spPr/>
+    </dgm:pt>
+    <dgm:pt modelId="{6EB2D8D7-5A9B-43B8-9E9D-AD673C8AD91D}" type="pres">
+      <dgm:prSet presAssocID="{6401B120-868E-4160-B0A7-96CEB9CBB637}" presName="bgRect" presStyleLbl="bgShp" presStyleIdx="0" presStyleCnt="3"/>
+      <dgm:spPr/>
+    </dgm:pt>
+    <dgm:pt modelId="{4FF1D981-4C76-458D-82B9-C35C755688FF}" type="pres">
+      <dgm:prSet presAssocID="{6401B120-868E-4160-B0A7-96CEB9CBB637}" presName="iconRect" presStyleLbl="node1" presStyleIdx="0" presStyleCnt="3"/>
+      <dgm:spPr>
+        <a:blipFill>
+          <a:blip xmlns:r="http://schemas.openxmlformats.org/officeDocument/2006/relationships" r:embed="rId4">
+            <a:extLst>
+              <a:ext uri="{28A0092B-C50C-407E-A947-70E740481C1C}">
+                <a14:useLocalDpi xmlns:a14="http://schemas.microsoft.com/office/drawing/2010/main" val="0"/>
+              </a:ext>
+              <a:ext uri="{96DAC541-7B7A-43D3-8B79-37D633B846F1}">
+                <asvg:svgBlip xmlns:asvg="http://schemas.microsoft.com/office/drawing/2016/SVG/main" r:embed="rId5"/>
+              </a:ext>
+            </a:extLst>
+          </a:blip>
+          <a:srcRect/>
+          <a:stretch>
+            <a:fillRect/>
+          </a:stretch>
+        </a:blipFill>
+        <a:ln>
+          <a:noFill/>
+        </a:ln>
+      </dgm:spPr>
+      <dgm:extLst>
+        <a:ext uri="{E40237B7-FDA0-4F09-8148-C483321AD2D9}">
+          <dgm14:cNvPr xmlns:dgm14="http://schemas.microsoft.com/office/drawing/2010/diagram" id="0" name="" descr="Car"/>
+        </a:ext>
+      </dgm:extLst>
+    </dgm:pt>
+    <dgm:pt modelId="{373F7CA9-4FCD-4A5A-BA46-2B8036715EA4}" type="pres">
+      <dgm:prSet presAssocID="{6401B120-868E-4160-B0A7-96CEB9CBB637}" presName="spaceRect" presStyleCnt="0"/>
+      <dgm:spPr/>
+    </dgm:pt>
+    <dgm:pt modelId="{AB1B3439-7222-4DE2-ACC3-C1C0FBA0F017}" type="pres">
+      <dgm:prSet presAssocID="{6401B120-868E-4160-B0A7-96CEB9CBB637}" presName="parTx" presStyleLbl="revTx" presStyleIdx="0" presStyleCnt="3">
+        <dgm:presLayoutVars>
+          <dgm:chMax val="0"/>
+          <dgm:chPref val="0"/>
+        </dgm:presLayoutVars>
+      </dgm:prSet>
+      <dgm:spPr/>
+    </dgm:pt>
+    <dgm:pt modelId="{7D56E22E-3D04-46D0-A3C6-6D6DBEB4BA8F}" type="pres">
+      <dgm:prSet presAssocID="{E9BCA625-0301-4E94-9830-8D755F09DED3}" presName="sibTrans" presStyleCnt="0"/>
+      <dgm:spPr/>
+    </dgm:pt>
+    <dgm:pt modelId="{8BFCAA7F-93CB-46C8-B6EA-B13DF83CF756}" type="pres">
+      <dgm:prSet presAssocID="{7DD4319C-8FBE-4066-9730-F4FE647253AF}" presName="compNode" presStyleCnt="0"/>
+      <dgm:spPr/>
+    </dgm:pt>
+    <dgm:pt modelId="{6A2A00F5-3E12-4F3F-B83E-DC5E3AD09ECE}" type="pres">
+      <dgm:prSet presAssocID="{7DD4319C-8FBE-4066-9730-F4FE647253AF}" presName="bgRect" presStyleLbl="bgShp" presStyleIdx="1" presStyleCnt="3"/>
+      <dgm:spPr/>
+    </dgm:pt>
+    <dgm:pt modelId="{C26D3A87-1646-4E6E-81C4-770F47C253AF}" type="pres">
+      <dgm:prSet presAssocID="{7DD4319C-8FBE-4066-9730-F4FE647253AF}" presName="iconRect" presStyleLbl="node1" presStyleIdx="1" presStyleCnt="3"/>
+      <dgm:spPr>
+        <a:blipFill>
+          <a:blip xmlns:r="http://schemas.openxmlformats.org/officeDocument/2006/relationships" r:embed="rId6">
+            <a:extLst>
+              <a:ext uri="{28A0092B-C50C-407E-A947-70E740481C1C}">
+                <a14:useLocalDpi xmlns:a14="http://schemas.microsoft.com/office/drawing/2010/main" val="0"/>
+              </a:ext>
+              <a:ext uri="{96DAC541-7B7A-43D3-8B79-37D633B846F1}">
+                <asvg:svgBlip xmlns:asvg="http://schemas.microsoft.com/office/drawing/2016/SVG/main" r:embed="rId7"/>
+              </a:ext>
+            </a:extLst>
+          </a:blip>
+          <a:srcRect/>
+          <a:stretch>
+            <a:fillRect/>
+          </a:stretch>
+        </a:blipFill>
+        <a:ln>
+          <a:noFill/>
+        </a:ln>
+      </dgm:spPr>
+      <dgm:extLst>
+        <a:ext uri="{E40237B7-FDA0-4F09-8148-C483321AD2D9}">
+          <dgm14:cNvPr xmlns:dgm14="http://schemas.microsoft.com/office/drawing/2010/diagram" id="0" name="" descr="Police"/>
+        </a:ext>
+      </dgm:extLst>
+    </dgm:pt>
+    <dgm:pt modelId="{56DCC931-1461-41DC-BE00-D5D9EA648DEE}" type="pres">
+      <dgm:prSet presAssocID="{7DD4319C-8FBE-4066-9730-F4FE647253AF}" presName="spaceRect" presStyleCnt="0"/>
+      <dgm:spPr/>
+    </dgm:pt>
+    <dgm:pt modelId="{09BA4CE0-4DE6-4032-8106-3F1B1BAA0DAD}" type="pres">
+      <dgm:prSet presAssocID="{7DD4319C-8FBE-4066-9730-F4FE647253AF}" presName="parTx" presStyleLbl="revTx" presStyleIdx="1" presStyleCnt="3">
+        <dgm:presLayoutVars>
+          <dgm:chMax val="0"/>
+          <dgm:chPref val="0"/>
+        </dgm:presLayoutVars>
+      </dgm:prSet>
+      <dgm:spPr/>
+    </dgm:pt>
+    <dgm:pt modelId="{031F03BD-7FCB-469F-B2DA-E6B84677CF73}" type="pres">
+      <dgm:prSet presAssocID="{3476906D-01DB-4661-B734-754714F964E3}" presName="sibTrans" presStyleCnt="0"/>
+      <dgm:spPr/>
+    </dgm:pt>
+    <dgm:pt modelId="{85A6769F-BA21-4F82-A7F0-B999E4DDAA2A}" type="pres">
+      <dgm:prSet presAssocID="{C7F5F277-2847-44FA-BECD-ECEAC5E77F7E}" presName="compNode" presStyleCnt="0"/>
+      <dgm:spPr/>
+    </dgm:pt>
+    <dgm:pt modelId="{E5295638-D020-4507-B31C-90030A2AD464}" type="pres">
+      <dgm:prSet presAssocID="{C7F5F277-2847-44FA-BECD-ECEAC5E77F7E}" presName="bgRect" presStyleLbl="bgShp" presStyleIdx="2" presStyleCnt="3"/>
+      <dgm:spPr/>
+    </dgm:pt>
+    <dgm:pt modelId="{D9BAD3A5-161D-4397-8D44-291C9A5B6F41}" type="pres">
+      <dgm:prSet presAssocID="{C7F5F277-2847-44FA-BECD-ECEAC5E77F7E}" presName="iconRect" presStyleLbl="node1" presStyleIdx="2" presStyleCnt="3"/>
+      <dgm:spPr>
+        <a:blipFill>
+          <a:blip xmlns:r="http://schemas.openxmlformats.org/officeDocument/2006/relationships" r:embed="rId8">
+            <a:extLst>
+              <a:ext uri="{28A0092B-C50C-407E-A947-70E740481C1C}">
+                <a14:useLocalDpi xmlns:a14="http://schemas.microsoft.com/office/drawing/2010/main" val="0"/>
+              </a:ext>
+              <a:ext uri="{96DAC541-7B7A-43D3-8B79-37D633B846F1}">
+                <asvg:svgBlip xmlns:asvg="http://schemas.microsoft.com/office/drawing/2016/SVG/main" r:embed="rId9"/>
+              </a:ext>
+            </a:extLst>
+          </a:blip>
+          <a:srcRect/>
+          <a:stretch>
+            <a:fillRect/>
+          </a:stretch>
+        </a:blipFill>
+        <a:ln>
+          <a:noFill/>
+        </a:ln>
+      </dgm:spPr>
+      <dgm:extLst>
+        <a:ext uri="{E40237B7-FDA0-4F09-8148-C483321AD2D9}">
+          <dgm14:cNvPr xmlns:dgm14="http://schemas.microsoft.com/office/drawing/2010/diagram" id="0" name="" descr="City"/>
+        </a:ext>
+      </dgm:extLst>
+    </dgm:pt>
+    <dgm:pt modelId="{F9C6FFA8-F5D0-4068-ABCB-8EA25C5AD65A}" type="pres">
+      <dgm:prSet presAssocID="{C7F5F277-2847-44FA-BECD-ECEAC5E77F7E}" presName="spaceRect" presStyleCnt="0"/>
+      <dgm:spPr/>
+    </dgm:pt>
+    <dgm:pt modelId="{2C199211-475A-499C-841E-5DA466DD3636}" type="pres">
+      <dgm:prSet presAssocID="{C7F5F277-2847-44FA-BECD-ECEAC5E77F7E}" presName="parTx" presStyleLbl="revTx" presStyleIdx="2" presStyleCnt="3">
+        <dgm:presLayoutVars>
+          <dgm:chMax val="0"/>
+          <dgm:chPref val="0"/>
+        </dgm:presLayoutVars>
+      </dgm:prSet>
+      <dgm:spPr/>
+    </dgm:pt>
+  </dgm:ptLst>
+  <dgm:cxnLst>
+    <dgm:cxn modelId="{23558F25-A9F6-4341-A649-872F75F4EACE}" srcId="{A4CA9842-BEA7-493D-ADBB-914AE5D1E861}" destId="{C7F5F277-2847-44FA-BECD-ECEAC5E77F7E}" srcOrd="2" destOrd="0" parTransId="{9D40BB39-CBAA-4081-B34E-7F2ACDB7746D}" sibTransId="{F1900A7B-DAA1-4B56-8087-B3F2385A772C}"/>
+    <dgm:cxn modelId="{32E4FF3A-6FE4-4780-B1D0-B60D4BD9590F}" type="presOf" srcId="{C7F5F277-2847-44FA-BECD-ECEAC5E77F7E}" destId="{2C199211-475A-499C-841E-5DA466DD3636}" srcOrd="0" destOrd="0" presId="urn:microsoft.com/office/officeart/2018/2/layout/IconVerticalSolidList"/>
+    <dgm:cxn modelId="{06B8FB5C-D271-4038-927C-0B780A3DDEEC}" srcId="{A4CA9842-BEA7-493D-ADBB-914AE5D1E861}" destId="{7DD4319C-8FBE-4066-9730-F4FE647253AF}" srcOrd="1" destOrd="0" parTransId="{02F1B15B-32DF-410E-95CB-04EE231A7B0D}" sibTransId="{3476906D-01DB-4661-B734-754714F964E3}"/>
+    <dgm:cxn modelId="{D79A6598-452A-41FE-8FA7-453C7E2C171A}" type="presOf" srcId="{7DD4319C-8FBE-4066-9730-F4FE647253AF}" destId="{09BA4CE0-4DE6-4032-8106-3F1B1BAA0DAD}" srcOrd="0" destOrd="0" presId="urn:microsoft.com/office/officeart/2018/2/layout/IconVerticalSolidList"/>
+    <dgm:cxn modelId="{D4560FAE-60D9-448E-8975-E0E2A563039D}" srcId="{A4CA9842-BEA7-493D-ADBB-914AE5D1E861}" destId="{6401B120-868E-4160-B0A7-96CEB9CBB637}" srcOrd="0" destOrd="0" parTransId="{4241E753-3475-4427-922D-7E4558360B2A}" sibTransId="{E9BCA625-0301-4E94-9830-8D755F09DED3}"/>
+    <dgm:cxn modelId="{1354E1B2-C46A-44FD-AF45-7B0B299041F2}" type="presOf" srcId="{A4CA9842-BEA7-493D-ADBB-914AE5D1E861}" destId="{E91B9E3A-2C9B-495C-AF58-A1DECB547D68}" srcOrd="0" destOrd="0" presId="urn:microsoft.com/office/officeart/2018/2/layout/IconVerticalSolidList"/>
+    <dgm:cxn modelId="{2E3472E0-BD12-401E-B2E1-A450AA83B855}" type="presOf" srcId="{6401B120-868E-4160-B0A7-96CEB9CBB637}" destId="{AB1B3439-7222-4DE2-ACC3-C1C0FBA0F017}" srcOrd="0" destOrd="0" presId="urn:microsoft.com/office/officeart/2018/2/layout/IconVerticalSolidList"/>
+    <dgm:cxn modelId="{3AD7658D-04D4-4198-8CA0-0B6D0E0ECCFB}" type="presParOf" srcId="{E91B9E3A-2C9B-495C-AF58-A1DECB547D68}" destId="{9AE82715-50B7-4217-8094-9FB7A2C51A62}" srcOrd="0" destOrd="0" presId="urn:microsoft.com/office/officeart/2018/2/layout/IconVerticalSolidList"/>
+    <dgm:cxn modelId="{50220E16-241A-447C-B090-250114A8EF52}" type="presParOf" srcId="{9AE82715-50B7-4217-8094-9FB7A2C51A62}" destId="{6EB2D8D7-5A9B-43B8-9E9D-AD673C8AD91D}" srcOrd="0" destOrd="0" presId="urn:microsoft.com/office/officeart/2018/2/layout/IconVerticalSolidList"/>
+    <dgm:cxn modelId="{DB9AEF5E-1FD6-40CC-8975-4DCA2817A4A8}" type="presParOf" srcId="{9AE82715-50B7-4217-8094-9FB7A2C51A62}" destId="{4FF1D981-4C76-458D-82B9-C35C755688FF}" srcOrd="1" destOrd="0" presId="urn:microsoft.com/office/officeart/2018/2/layout/IconVerticalSolidList"/>
+    <dgm:cxn modelId="{F77CD61B-B9D9-4FFB-AD08-E5ED080F2EB7}" type="presParOf" srcId="{9AE82715-50B7-4217-8094-9FB7A2C51A62}" destId="{373F7CA9-4FCD-4A5A-BA46-2B8036715EA4}" srcOrd="2" destOrd="0" presId="urn:microsoft.com/office/officeart/2018/2/layout/IconVerticalSolidList"/>
+    <dgm:cxn modelId="{32C0D4E9-7225-4900-ABF3-0B73B1B7B06A}" type="presParOf" srcId="{9AE82715-50B7-4217-8094-9FB7A2C51A62}" destId="{AB1B3439-7222-4DE2-ACC3-C1C0FBA0F017}" srcOrd="3" destOrd="0" presId="urn:microsoft.com/office/officeart/2018/2/layout/IconVerticalSolidList"/>
+    <dgm:cxn modelId="{EFDF7662-AA4D-43C9-B89E-83B74D75BFF4}" type="presParOf" srcId="{E91B9E3A-2C9B-495C-AF58-A1DECB547D68}" destId="{7D56E22E-3D04-46D0-A3C6-6D6DBEB4BA8F}" srcOrd="1" destOrd="0" presId="urn:microsoft.com/office/officeart/2018/2/layout/IconVerticalSolidList"/>
+    <dgm:cxn modelId="{62600374-FBD9-4498-BF78-80FF0E84325C}" type="presParOf" srcId="{E91B9E3A-2C9B-495C-AF58-A1DECB547D68}" destId="{8BFCAA7F-93CB-46C8-B6EA-B13DF83CF756}" srcOrd="2" destOrd="0" presId="urn:microsoft.com/office/officeart/2018/2/layout/IconVerticalSolidList"/>
+    <dgm:cxn modelId="{7D454A87-4F5B-45CD-B003-8C445C7C455A}" type="presParOf" srcId="{8BFCAA7F-93CB-46C8-B6EA-B13DF83CF756}" destId="{6A2A00F5-3E12-4F3F-B83E-DC5E3AD09ECE}" srcOrd="0" destOrd="0" presId="urn:microsoft.com/office/officeart/2018/2/layout/IconVerticalSolidList"/>
+    <dgm:cxn modelId="{BE00D56D-3A56-4504-968D-1BF97E626026}" type="presParOf" srcId="{8BFCAA7F-93CB-46C8-B6EA-B13DF83CF756}" destId="{C26D3A87-1646-4E6E-81C4-770F47C253AF}" srcOrd="1" destOrd="0" presId="urn:microsoft.com/office/officeart/2018/2/layout/IconVerticalSolidList"/>
+    <dgm:cxn modelId="{0347D0B9-90AB-4D92-BD91-8F7C1CCFAB48}" type="presParOf" srcId="{8BFCAA7F-93CB-46C8-B6EA-B13DF83CF756}" destId="{56DCC931-1461-41DC-BE00-D5D9EA648DEE}" srcOrd="2" destOrd="0" presId="urn:microsoft.com/office/officeart/2018/2/layout/IconVerticalSolidList"/>
+    <dgm:cxn modelId="{5E6222D1-4182-4898-88C8-8B3785778727}" type="presParOf" srcId="{8BFCAA7F-93CB-46C8-B6EA-B13DF83CF756}" destId="{09BA4CE0-4DE6-4032-8106-3F1B1BAA0DAD}" srcOrd="3" destOrd="0" presId="urn:microsoft.com/office/officeart/2018/2/layout/IconVerticalSolidList"/>
+    <dgm:cxn modelId="{B6CC10E5-7D20-4C5C-8E14-D7E3A4248864}" type="presParOf" srcId="{E91B9E3A-2C9B-495C-AF58-A1DECB547D68}" destId="{031F03BD-7FCB-469F-B2DA-E6B84677CF73}" srcOrd="3" destOrd="0" presId="urn:microsoft.com/office/officeart/2018/2/layout/IconVerticalSolidList"/>
+    <dgm:cxn modelId="{6529B9DE-6B19-46E5-A15B-645694F6FD3C}" type="presParOf" srcId="{E91B9E3A-2C9B-495C-AF58-A1DECB547D68}" destId="{85A6769F-BA21-4F82-A7F0-B999E4DDAA2A}" srcOrd="4" destOrd="0" presId="urn:microsoft.com/office/officeart/2018/2/layout/IconVerticalSolidList"/>
+    <dgm:cxn modelId="{13493E23-F8D9-4ED8-A65F-A08E3FCBC19F}" type="presParOf" srcId="{85A6769F-BA21-4F82-A7F0-B999E4DDAA2A}" destId="{E5295638-D020-4507-B31C-90030A2AD464}" srcOrd="0" destOrd="0" presId="urn:microsoft.com/office/officeart/2018/2/layout/IconVerticalSolidList"/>
+    <dgm:cxn modelId="{1816F93D-0D15-4B5B-AA9C-08B723DAC88F}" type="presParOf" srcId="{85A6769F-BA21-4F82-A7F0-B999E4DDAA2A}" destId="{D9BAD3A5-161D-4397-8D44-291C9A5B6F41}" srcOrd="1" destOrd="0" presId="urn:microsoft.com/office/officeart/2018/2/layout/IconVerticalSolidList"/>
+    <dgm:cxn modelId="{4D830A5C-527F-4C52-8BF4-38AEBE882D48}" type="presParOf" srcId="{85A6769F-BA21-4F82-A7F0-B999E4DDAA2A}" destId="{F9C6FFA8-F5D0-4068-ABCB-8EA25C5AD65A}" srcOrd="2" destOrd="0" presId="urn:microsoft.com/office/officeart/2018/2/layout/IconVerticalSolidList"/>
+    <dgm:cxn modelId="{A7E72501-E5DA-4BC3-8922-0ABB205E9EFF}" type="presParOf" srcId="{85A6769F-BA21-4F82-A7F0-B999E4DDAA2A}" destId="{2C199211-475A-499C-841E-5DA466DD3636}" srcOrd="3" destOrd="0" presId="urn:microsoft.com/office/officeart/2018/2/layout/IconVerticalSolidList"/>
+  </dgm:cxnLst>
+  <dgm:bg/>
+  <dgm:whole/>
+  <dgm:extLst>
+    <a:ext uri="http://schemas.microsoft.com/office/drawing/2008/diagram">
+      <dsp:dataModelExt xmlns:dsp="http://schemas.microsoft.com/office/drawing/2008/diagram" relId="rId6" minVer="http://schemas.openxmlformats.org/drawingml/2006/diagram"/>
+    </a:ext>
+  </dgm:extLst>
+</dgm:dataModel>
+</file>
+
+<file path=ppt/diagrams/drawing1.xml><?xml version="1.0" encoding="utf-8"?>
+<dsp:drawing xmlns:dgm="http://schemas.openxmlformats.org/drawingml/2006/diagram" xmlns:dsp="http://schemas.microsoft.com/office/drawing/2008/diagram" xmlns:a="http://schemas.openxmlformats.org/drawingml/2006/main">
+  <dsp:spTree>
+    <dsp:nvGrpSpPr>
+      <dsp:cNvPr id="0" name=""/>
+      <dsp:cNvGrpSpPr/>
+    </dsp:nvGrpSpPr>
+    <dsp:grpSpPr/>
+    <dsp:sp modelId="{6EB2D8D7-5A9B-43B8-9E9D-AD673C8AD91D}">
+      <dsp:nvSpPr>
+        <dsp:cNvPr id="0" name=""/>
+        <dsp:cNvSpPr/>
+      </dsp:nvSpPr>
+      <dsp:spPr>
+        <a:xfrm>
+          <a:off x="0" y="718"/>
+          <a:ext cx="6513603" cy="1681139"/>
+        </a:xfrm>
+        <a:prstGeom prst="roundRect">
+          <a:avLst>
+            <a:gd name="adj" fmla="val 10000"/>
+          </a:avLst>
+        </a:prstGeom>
+        <a:solidFill>
+          <a:schemeClr val="accent2">
+            <a:hueOff val="0"/>
+            <a:satOff val="0"/>
+            <a:lumOff val="0"/>
+            <a:alphaOff val="0"/>
+          </a:schemeClr>
+        </a:solidFill>
+        <a:ln>
+          <a:noFill/>
+        </a:ln>
+        <a:effectLst/>
+      </dsp:spPr>
+      <dsp:style>
+        <a:lnRef idx="0">
+          <a:scrgbClr r="0" g="0" b="0"/>
+        </a:lnRef>
+        <a:fillRef idx="1">
+          <a:scrgbClr r="0" g="0" b="0"/>
+        </a:fillRef>
+        <a:effectRef idx="0">
+          <a:scrgbClr r="0" g="0" b="0"/>
+        </a:effectRef>
+        <a:fontRef idx="minor"/>
+      </dsp:style>
+    </dsp:sp>
+    <dsp:sp modelId="{4FF1D981-4C76-458D-82B9-C35C755688FF}">
+      <dsp:nvSpPr>
+        <dsp:cNvPr id="0" name=""/>
+        <dsp:cNvSpPr/>
+      </dsp:nvSpPr>
+      <dsp:spPr>
+        <a:xfrm>
+          <a:off x="508544" y="378974"/>
+          <a:ext cx="924626" cy="924626"/>
+        </a:xfrm>
+        <a:prstGeom prst="rect">
+          <a:avLst/>
+        </a:prstGeom>
+        <a:blipFill>
+          <a:blip xmlns:r="http://schemas.openxmlformats.org/officeDocument/2006/relationships" r:embed="rId1">
+            <a:extLst>
+              <a:ext uri="{28A0092B-C50C-407E-A947-70E740481C1C}">
+                <a14:useLocalDpi xmlns:a14="http://schemas.microsoft.com/office/drawing/2010/main" val="0"/>
+              </a:ext>
+              <a:ext uri="{96DAC541-7B7A-43D3-8B79-37D633B846F1}">
+                <asvg:svgBlip xmlns:asvg="http://schemas.microsoft.com/office/drawing/2016/SVG/main" r:embed="rId2"/>
+              </a:ext>
+            </a:extLst>
+          </a:blip>
+          <a:srcRect/>
+          <a:stretch>
+            <a:fillRect/>
+          </a:stretch>
+        </a:blipFill>
+        <a:ln w="12700" cap="flat" cmpd="sng" algn="ctr">
+          <a:noFill/>
+          <a:prstDash val="solid"/>
+          <a:miter lim="800000"/>
+        </a:ln>
+        <a:effectLst/>
+      </dsp:spPr>
+      <dsp:style>
+        <a:lnRef idx="2">
+          <a:scrgbClr r="0" g="0" b="0"/>
+        </a:lnRef>
+        <a:fillRef idx="1">
+          <a:scrgbClr r="0" g="0" b="0"/>
+        </a:fillRef>
+        <a:effectRef idx="0">
+          <a:scrgbClr r="0" g="0" b="0"/>
+        </a:effectRef>
+        <a:fontRef idx="minor">
+          <a:schemeClr val="lt1"/>
+        </a:fontRef>
+      </dsp:style>
+    </dsp:sp>
+    <dsp:sp modelId="{AB1B3439-7222-4DE2-ACC3-C1C0FBA0F017}">
+      <dsp:nvSpPr>
+        <dsp:cNvPr id="0" name=""/>
+        <dsp:cNvSpPr/>
+      </dsp:nvSpPr>
+      <dsp:spPr>
+        <a:xfrm>
+          <a:off x="1941716" y="718"/>
+          <a:ext cx="4571887" cy="1681139"/>
+        </a:xfrm>
+        <a:prstGeom prst="rect">
+          <a:avLst/>
+        </a:prstGeom>
+        <a:noFill/>
+        <a:ln>
+          <a:noFill/>
+        </a:ln>
+        <a:effectLst/>
+      </dsp:spPr>
+      <dsp:style>
+        <a:lnRef idx="0">
+          <a:scrgbClr r="0" g="0" b="0"/>
+        </a:lnRef>
+        <a:fillRef idx="0">
+          <a:scrgbClr r="0" g="0" b="0"/>
+        </a:fillRef>
+        <a:effectRef idx="0">
+          <a:scrgbClr r="0" g="0" b="0"/>
+        </a:effectRef>
+        <a:fontRef idx="minor"/>
+      </dsp:style>
+      <dsp:txBody>
+        <a:bodyPr spcFirstLastPara="0" vert="horz" wrap="square" lIns="177921" tIns="177921" rIns="177921" bIns="177921" numCol="1" spcCol="1270" anchor="ctr" anchorCtr="0">
+          <a:noAutofit/>
+        </a:bodyPr>
+        <a:lstStyle/>
+        <a:p>
+          <a:pPr marL="0" lvl="0" indent="0" algn="l" defTabSz="977900">
+            <a:lnSpc>
+              <a:spcPct val="90000"/>
+            </a:lnSpc>
+            <a:spcBef>
+              <a:spcPct val="0"/>
+            </a:spcBef>
+            <a:spcAft>
+              <a:spcPct val="35000"/>
+            </a:spcAft>
+            <a:buNone/>
+          </a:pPr>
+          <a:r>
+            <a:rPr lang="en-SG" sz="2200" kern="1200" dirty="0"/>
+            <a:t>COE Results : </a:t>
+          </a:r>
+          <a:r>
+            <a:rPr lang="en-SG" sz="2200" kern="1200" dirty="0">
+              <a:hlinkClick xmlns:r="http://schemas.openxmlformats.org/officeDocument/2006/relationships" r:id="rId3"/>
+            </a:rPr>
+            <a:t>https://data.gov.sg/dataset/coe-bidding-results</a:t>
+          </a:r>
+          <a:endParaRPr lang="en-US" sz="2200" kern="1200" dirty="0"/>
+        </a:p>
+      </dsp:txBody>
+      <dsp:txXfrm>
+        <a:off x="1941716" y="718"/>
+        <a:ext cx="4571887" cy="1681139"/>
+      </dsp:txXfrm>
+    </dsp:sp>
+    <dsp:sp modelId="{6A2A00F5-3E12-4F3F-B83E-DC5E3AD09ECE}">
+      <dsp:nvSpPr>
+        <dsp:cNvPr id="0" name=""/>
+        <dsp:cNvSpPr/>
+      </dsp:nvSpPr>
+      <dsp:spPr>
+        <a:xfrm>
+          <a:off x="0" y="2102143"/>
+          <a:ext cx="6513603" cy="1681139"/>
+        </a:xfrm>
+        <a:prstGeom prst="roundRect">
+          <a:avLst>
+            <a:gd name="adj" fmla="val 10000"/>
+          </a:avLst>
+        </a:prstGeom>
+        <a:solidFill>
+          <a:schemeClr val="accent3">
+            <a:hueOff val="0"/>
+            <a:satOff val="0"/>
+            <a:lumOff val="0"/>
+            <a:alphaOff val="0"/>
+          </a:schemeClr>
+        </a:solidFill>
+        <a:ln>
+          <a:noFill/>
+        </a:ln>
+        <a:effectLst/>
+      </dsp:spPr>
+      <dsp:style>
+        <a:lnRef idx="0">
+          <a:scrgbClr r="0" g="0" b="0"/>
+        </a:lnRef>
+        <a:fillRef idx="1">
+          <a:scrgbClr r="0" g="0" b="0"/>
+        </a:fillRef>
+        <a:effectRef idx="0">
+          <a:scrgbClr r="0" g="0" b="0"/>
+        </a:effectRef>
+        <a:fontRef idx="minor"/>
+      </dsp:style>
+    </dsp:sp>
+    <dsp:sp modelId="{C26D3A87-1646-4E6E-81C4-770F47C253AF}">
+      <dsp:nvSpPr>
+        <dsp:cNvPr id="0" name=""/>
+        <dsp:cNvSpPr/>
+      </dsp:nvSpPr>
+      <dsp:spPr>
+        <a:xfrm>
+          <a:off x="508544" y="2480399"/>
+          <a:ext cx="924626" cy="924626"/>
+        </a:xfrm>
+        <a:prstGeom prst="rect">
+          <a:avLst/>
+        </a:prstGeom>
+        <a:blipFill>
+          <a:blip xmlns:r="http://schemas.openxmlformats.org/officeDocument/2006/relationships" r:embed="rId4">
+            <a:extLst>
+              <a:ext uri="{28A0092B-C50C-407E-A947-70E740481C1C}">
+                <a14:useLocalDpi xmlns:a14="http://schemas.microsoft.com/office/drawing/2010/main" val="0"/>
+              </a:ext>
+              <a:ext uri="{96DAC541-7B7A-43D3-8B79-37D633B846F1}">
+                <asvg:svgBlip xmlns:asvg="http://schemas.microsoft.com/office/drawing/2016/SVG/main" r:embed="rId5"/>
+              </a:ext>
+            </a:extLst>
+          </a:blip>
+          <a:srcRect/>
+          <a:stretch>
+            <a:fillRect/>
+          </a:stretch>
+        </a:blipFill>
+        <a:ln w="12700" cap="flat" cmpd="sng" algn="ctr">
+          <a:noFill/>
+          <a:prstDash val="solid"/>
+          <a:miter lim="800000"/>
+        </a:ln>
+        <a:effectLst/>
+      </dsp:spPr>
+      <dsp:style>
+        <a:lnRef idx="2">
+          <a:scrgbClr r="0" g="0" b="0"/>
+        </a:lnRef>
+        <a:fillRef idx="1">
+          <a:scrgbClr r="0" g="0" b="0"/>
+        </a:fillRef>
+        <a:effectRef idx="0">
+          <a:scrgbClr r="0" g="0" b="0"/>
+        </a:effectRef>
+        <a:fontRef idx="minor">
+          <a:schemeClr val="lt1"/>
+        </a:fontRef>
+      </dsp:style>
+    </dsp:sp>
+    <dsp:sp modelId="{09BA4CE0-4DE6-4032-8106-3F1B1BAA0DAD}">
+      <dsp:nvSpPr>
+        <dsp:cNvPr id="0" name=""/>
+        <dsp:cNvSpPr/>
+      </dsp:nvSpPr>
+      <dsp:spPr>
+        <a:xfrm>
+          <a:off x="1941716" y="2102143"/>
+          <a:ext cx="4571887" cy="1681139"/>
+        </a:xfrm>
+        <a:prstGeom prst="rect">
+          <a:avLst/>
+        </a:prstGeom>
+        <a:noFill/>
+        <a:ln>
+          <a:noFill/>
+        </a:ln>
+        <a:effectLst/>
+      </dsp:spPr>
+      <dsp:style>
+        <a:lnRef idx="0">
+          <a:scrgbClr r="0" g="0" b="0"/>
+        </a:lnRef>
+        <a:fillRef idx="0">
+          <a:scrgbClr r="0" g="0" b="0"/>
+        </a:fillRef>
+        <a:effectRef idx="0">
+          <a:scrgbClr r="0" g="0" b="0"/>
+        </a:effectRef>
+        <a:fontRef idx="minor"/>
+      </dsp:style>
+      <dsp:txBody>
+        <a:bodyPr spcFirstLastPara="0" vert="horz" wrap="square" lIns="177921" tIns="177921" rIns="177921" bIns="177921" numCol="1" spcCol="1270" anchor="ctr" anchorCtr="0">
+          <a:noAutofit/>
+        </a:bodyPr>
+        <a:lstStyle/>
+        <a:p>
+          <a:pPr marL="0" lvl="0" indent="0" algn="l" defTabSz="977900">
+            <a:lnSpc>
+              <a:spcPct val="90000"/>
+            </a:lnSpc>
+            <a:spcBef>
+              <a:spcPct val="0"/>
+            </a:spcBef>
+            <a:spcAft>
+              <a:spcPct val="35000"/>
+            </a:spcAft>
+            <a:buNone/>
+          </a:pPr>
+          <a:r>
+            <a:rPr lang="en-SG" sz="2200" kern="1200"/>
+            <a:t>Driving Licence: </a:t>
+          </a:r>
+          <a:r>
+            <a:rPr lang="en-SG" sz="2200" kern="1200">
+              <a:hlinkClick xmlns:r="http://schemas.openxmlformats.org/officeDocument/2006/relationships" r:id="rId6"/>
+            </a:rPr>
+            <a:t>https://data.gov.sg/dataset/driving-licence-information-qualified-driving-licence-holders</a:t>
+          </a:r>
+          <a:endParaRPr lang="en-US" sz="2200" kern="1200"/>
+        </a:p>
+      </dsp:txBody>
+      <dsp:txXfrm>
+        <a:off x="1941716" y="2102143"/>
+        <a:ext cx="4571887" cy="1681139"/>
+      </dsp:txXfrm>
+    </dsp:sp>
+    <dsp:sp modelId="{E5295638-D020-4507-B31C-90030A2AD464}">
+      <dsp:nvSpPr>
+        <dsp:cNvPr id="0" name=""/>
+        <dsp:cNvSpPr/>
+      </dsp:nvSpPr>
+      <dsp:spPr>
+        <a:xfrm>
+          <a:off x="0" y="4203567"/>
+          <a:ext cx="6513603" cy="1681139"/>
+        </a:xfrm>
+        <a:prstGeom prst="roundRect">
+          <a:avLst>
+            <a:gd name="adj" fmla="val 10000"/>
+          </a:avLst>
+        </a:prstGeom>
+        <a:solidFill>
+          <a:schemeClr val="accent4">
+            <a:hueOff val="0"/>
+            <a:satOff val="0"/>
+            <a:lumOff val="0"/>
+            <a:alphaOff val="0"/>
+          </a:schemeClr>
+        </a:solidFill>
+        <a:ln>
+          <a:noFill/>
+        </a:ln>
+        <a:effectLst/>
+      </dsp:spPr>
+      <dsp:style>
+        <a:lnRef idx="0">
+          <a:scrgbClr r="0" g="0" b="0"/>
+        </a:lnRef>
+        <a:fillRef idx="1">
+          <a:scrgbClr r="0" g="0" b="0"/>
+        </a:fillRef>
+        <a:effectRef idx="0">
+          <a:scrgbClr r="0" g="0" b="0"/>
+        </a:effectRef>
+        <a:fontRef idx="minor"/>
+      </dsp:style>
+    </dsp:sp>
+    <dsp:sp modelId="{D9BAD3A5-161D-4397-8D44-291C9A5B6F41}">
+      <dsp:nvSpPr>
+        <dsp:cNvPr id="0" name=""/>
+        <dsp:cNvSpPr/>
+      </dsp:nvSpPr>
+      <dsp:spPr>
+        <a:xfrm>
+          <a:off x="508544" y="4581824"/>
+          <a:ext cx="924626" cy="924626"/>
+        </a:xfrm>
+        <a:prstGeom prst="rect">
+          <a:avLst/>
+        </a:prstGeom>
+        <a:blipFill>
+          <a:blip xmlns:r="http://schemas.openxmlformats.org/officeDocument/2006/relationships" r:embed="rId7">
+            <a:extLst>
+              <a:ext uri="{28A0092B-C50C-407E-A947-70E740481C1C}">
+                <a14:useLocalDpi xmlns:a14="http://schemas.microsoft.com/office/drawing/2010/main" val="0"/>
+              </a:ext>
+              <a:ext uri="{96DAC541-7B7A-43D3-8B79-37D633B846F1}">
+                <asvg:svgBlip xmlns:asvg="http://schemas.microsoft.com/office/drawing/2016/SVG/main" r:embed="rId8"/>
+              </a:ext>
+            </a:extLst>
+          </a:blip>
+          <a:srcRect/>
+          <a:stretch>
+            <a:fillRect/>
+          </a:stretch>
+        </a:blipFill>
+        <a:ln w="12700" cap="flat" cmpd="sng" algn="ctr">
+          <a:noFill/>
+          <a:prstDash val="solid"/>
+          <a:miter lim="800000"/>
+        </a:ln>
+        <a:effectLst/>
+      </dsp:spPr>
+      <dsp:style>
+        <a:lnRef idx="2">
+          <a:scrgbClr r="0" g="0" b="0"/>
+        </a:lnRef>
+        <a:fillRef idx="1">
+          <a:scrgbClr r="0" g="0" b="0"/>
+        </a:fillRef>
+        <a:effectRef idx="0">
+          <a:scrgbClr r="0" g="0" b="0"/>
+        </a:effectRef>
+        <a:fontRef idx="minor">
+          <a:schemeClr val="lt1"/>
+        </a:fontRef>
+      </dsp:style>
+    </dsp:sp>
+    <dsp:sp modelId="{2C199211-475A-499C-841E-5DA466DD3636}">
+      <dsp:nvSpPr>
+        <dsp:cNvPr id="0" name=""/>
+        <dsp:cNvSpPr/>
+      </dsp:nvSpPr>
+      <dsp:spPr>
+        <a:xfrm>
+          <a:off x="1941716" y="4203567"/>
+          <a:ext cx="4571887" cy="1681139"/>
+        </a:xfrm>
+        <a:prstGeom prst="rect">
+          <a:avLst/>
+        </a:prstGeom>
+        <a:noFill/>
+        <a:ln>
+          <a:noFill/>
+        </a:ln>
+        <a:effectLst/>
+      </dsp:spPr>
+      <dsp:style>
+        <a:lnRef idx="0">
+          <a:scrgbClr r="0" g="0" b="0"/>
+        </a:lnRef>
+        <a:fillRef idx="0">
+          <a:scrgbClr r="0" g="0" b="0"/>
+        </a:fillRef>
+        <a:effectRef idx="0">
+          <a:scrgbClr r="0" g="0" b="0"/>
+        </a:effectRef>
+        <a:fontRef idx="minor"/>
+      </dsp:style>
+      <dsp:txBody>
+        <a:bodyPr spcFirstLastPara="0" vert="horz" wrap="square" lIns="177921" tIns="177921" rIns="177921" bIns="177921" numCol="1" spcCol="1270" anchor="ctr" anchorCtr="0">
+          <a:noAutofit/>
+        </a:bodyPr>
+        <a:lstStyle/>
+        <a:p>
+          <a:pPr marL="0" lvl="0" indent="0" algn="l" defTabSz="977900">
+            <a:lnSpc>
+              <a:spcPct val="90000"/>
+            </a:lnSpc>
+            <a:spcBef>
+              <a:spcPct val="0"/>
+            </a:spcBef>
+            <a:spcAft>
+              <a:spcPct val="35000"/>
+            </a:spcAft>
+            <a:buNone/>
+          </a:pPr>
+          <a:r>
+            <a:rPr lang="en-SG" sz="2200" kern="1200" dirty="0"/>
+            <a:t>HDB Carpark </a:t>
+          </a:r>
+          <a:r>
+            <a:rPr lang="en-SG" sz="2200" kern="1200" dirty="0">
+              <a:hlinkClick xmlns:r="http://schemas.openxmlformats.org/officeDocument/2006/relationships" r:id="rId9"/>
+            </a:rPr>
+            <a:t>https://data.gov.sg/dataset/hdb-carpark-information</a:t>
+          </a:r>
+          <a:endParaRPr lang="en-US" sz="2200" kern="1200" dirty="0"/>
+        </a:p>
+      </dsp:txBody>
+      <dsp:txXfrm>
+        <a:off x="1941716" y="4203567"/>
+        <a:ext cx="4571887" cy="1681139"/>
+      </dsp:txXfrm>
+    </dsp:sp>
+  </dsp:spTree>
+</dsp:drawing>
+</file>
+
+<file path=ppt/diagrams/layout1.xml><?xml version="1.0" encoding="utf-8"?>
+<dgm:layoutDef xmlns:dgm="http://schemas.openxmlformats.org/drawingml/2006/diagram" xmlns:a="http://schemas.openxmlformats.org/drawingml/2006/main" uniqueId="urn:microsoft.com/office/officeart/2018/2/layout/IconVerticalSolidList">
+  <dgm:title val="Icon Vertical Solid List"/>
+  <dgm:desc val="Use to show a series of visuals from top to bottom with Level 1 or Level 1 and Level 2 text grouped in a shape. Works best with icons or small pictures with lengthier descriptions."/>
+  <dgm:catLst>
+    <dgm:cat type="icon" pri="500"/>
+  </dgm:catLst>
+  <dgm:sampData useDef="1">
+    <dgm:dataModel>
+      <dgm:ptLst/>
+      <dgm:bg/>
+      <dgm:whole/>
+    </dgm:dataModel>
+  </dgm:sampData>
+  <dgm:styleData useDef="1">
+    <dgm:dataModel>
+      <dgm:ptLst/>
+      <dgm:bg/>
+      <dgm:whole/>
+    </dgm:dataModel>
+  </dgm:styleData>
+  <dgm:clrData useDef="1">
+    <dgm:dataModel>
+      <dgm:ptLst/>
+      <dgm:bg/>
+      <dgm:whole/>
+    </dgm:dataModel>
+  </dgm:clrData>
+  <dgm:layoutNode name="root">
+    <dgm:varLst>
+      <dgm:dir/>
+      <dgm:resizeHandles val="exact"/>
+    </dgm:varLst>
+    <dgm:choose name="Name0">
+      <dgm:if name="Name1" axis="self" func="var" arg="dir" op="equ" val="norm">
+        <dgm:alg type="lin">
+          <dgm:param type="linDir" val="fromT"/>
+          <dgm:param type="nodeHorzAlign" val="l"/>
+        </dgm:alg>
+      </dgm:if>
+      <dgm:else name="Name2">
+        <dgm:alg type="lin">
+          <dgm:param type="linDir" val="fromT"/>
+          <dgm:param type="nodeHorzAlign" val="r"/>
+        </dgm:alg>
+      </dgm:else>
+    </dgm:choose>
+    <dgm:shape xmlns:r="http://schemas.openxmlformats.org/officeDocument/2006/relationships" r:blip="">
+      <dgm:adjLst/>
+    </dgm:shape>
+    <dgm:presOf/>
+    <dgm:choose name="Name3">
+      <dgm:if name="Name4" axis="ch" ptType="node" func="cnt" op="lte" val="3">
+        <dgm:constrLst>
+          <dgm:constr type="h" for="ch" forName="compNode" refType="h" fact="0.3"/>
+          <dgm:constr type="w" for="ch" forName="compNode" refType="w"/>
+          <dgm:constr type="h" for="ch" forName="sibTrans" refType="h" refFor="ch" refForName="compNode" fact="0.25"/>
+          <dgm:constr type="primFontSz" for="des" forName="parTx" val="25"/>
+          <dgm:constr type="primFontSz" for="des" forName="desTx" refType="primFontSz" refFor="des" refForName="parTx" op="lte" fact="0.75"/>
+          <dgm:constr type="h" for="des" forName="compNode" op="equ"/>
+          <dgm:constr type="h" for="des" forName="bgRect" op="equ"/>
+          <dgm:constr type="h" for="des" forName="iconRect" op="equ"/>
+          <dgm:constr type="w" for="des" forName="iconRect" op="equ"/>
+          <dgm:constr type="h" for="des" forName="spaceRect" op="equ"/>
+          <dgm:constr type="h" for="des" forName="parTx" op="equ"/>
+          <dgm:constr type="h" for="des" forName="desTx" op="equ"/>
+        </dgm:constrLst>
+      </dgm:if>
+      <dgm:if name="Name5" axis="ch" ptType="node" func="cnt" op="lte" val="4">
+        <dgm:constrLst>
+          <dgm:constr type="h" for="ch" forName="compNode" refType="h" fact="0.3"/>
+          <dgm:constr type="w" for="ch" forName="compNode" refType="w"/>
+          <dgm:constr type="h" for="ch" forName="sibTrans" refType="h" refFor="ch" refForName="compNode" fact="0.25"/>
+          <dgm:constr type="primFontSz" for="des" forName="parTx" val="22"/>
+          <dgm:constr type="primFontSz" for="des" forName="desTx" refType="primFontSz" refFor="des" refForName="parTx" op="lte" fact="0.75"/>
+          <dgm:constr type="h" for="des" forName="compNode" op="equ"/>
+          <dgm:constr type="h" for="des" forName="bgRect" op="equ"/>
+          <dgm:constr type="h" for="des" forName="iconRect" op="equ"/>
+          <dgm:constr type="w" for="des" forName="iconRect" op="equ"/>
+          <dgm:constr type="h" for="des" forName="spaceRect" op="equ"/>
+          <dgm:constr type="h" for="des" forName="parTx" op="equ"/>
+          <dgm:constr type="h" for="des" forName="desTx" op="equ"/>
+        </dgm:constrLst>
+      </dgm:if>
+      <dgm:if name="Name6" axis="ch" ptType="node" func="cnt" op="lte" val="6">
+        <dgm:constrLst>
+          <dgm:constr type="h" for="ch" forName="compNode" refType="h" fact="0.3"/>
+          <dgm:constr type="w" for="ch" forName="compNode" refType="w"/>
+          <dgm:constr type="h" for="ch" forName="sibTrans" refType="h" refFor="ch" refForName="compNode" fact="0.25"/>
+          <dgm:constr type="primFontSz" for="des" forName="parTx" val="19"/>
+          <dgm:constr type="primFontSz" for="des" forName="desTx" refType="primFontSz" refFor="des" refForName="parTx" op="lte" fact="0.75"/>
+          <dgm:constr type="h" for="des" forName="compNode" op="equ"/>
+          <dgm:constr type="h" for="des" forName="bgRect" op="equ"/>
+          <dgm:constr type="h" for="des" forName="iconRect" op="equ"/>
+          <dgm:constr type="w" for="des" forName="iconRect" op="equ"/>
+          <dgm:constr type="h" for="des" forName="spaceRect" op="equ"/>
+          <dgm:constr type="h" for="des" forName="parTx" op="equ"/>
+          <dgm:constr type="h" for="des" forName="desTx" op="equ"/>
+        </dgm:constrLst>
+      </dgm:if>
+      <dgm:else name="Name7">
+        <dgm:constrLst>
+          <dgm:constr type="h" for="ch" forName="compNode" refType="h" fact="0.3"/>
+          <dgm:constr type="w" for="ch" forName="compNode" refType="w"/>
+          <dgm:constr type="h" for="ch" forName="sibTrans" refType="h" refFor="ch" refForName="compNode" fact="0.25"/>
+          <dgm:constr type="primFontSz" for="des" forName="parTx" val="16"/>
+          <dgm:constr type="primFontSz" for="des" forName="desTx" refType="primFontSz" refFor="des" refForName="parTx" op="lte" fact="0.75"/>
+          <dgm:constr type="h" for="des" forName="compNode" op="equ"/>
+          <dgm:constr type="h" for="des" forName="bgRect" op="equ"/>
+          <dgm:constr type="h" for="des" forName="iconRect" op="equ"/>
+          <dgm:constr type="w" for="des" forName="iconRect" op="equ"/>
+          <dgm:constr type="h" for="des" forName="spaceRect" op="equ"/>
+          <dgm:constr type="h" for="des" forName="parTx" op="equ"/>
+          <dgm:constr type="h" for="des" forName="desTx" op="equ"/>
+        </dgm:constrLst>
+      </dgm:else>
+    </dgm:choose>
+    <dgm:ruleLst>
+      <dgm:rule type="h" for="ch" forName="compNode" val="0" fact="NaN" max="NaN"/>
+    </dgm:ruleLst>
+    <dgm:forEach name="Name8" axis="ch" ptType="node">
+      <dgm:layoutNode name="compNode">
+        <dgm:alg type="composite"/>
+        <dgm:shape xmlns:r="http://schemas.openxmlformats.org/officeDocument/2006/relationships" r:blip="">
+          <dgm:adjLst/>
+        </dgm:shape>
+        <dgm:presOf axis="self"/>
+        <dgm:choose name="Name9">
+          <dgm:if name="Name10" axis="ch" ptType="node" func="cnt" op="gte" val="1">
+            <dgm:constrLst>
+              <dgm:constr type="w" for="ch" forName="bgRect" refType="w"/>
+              <dgm:constr type="h" for="ch" forName="bgRect" refType="h"/>
+              <dgm:constr type="l" for="ch" forName="bgRect"/>
+              <dgm:constr type="t" for="ch" forName="bgRect"/>
+              <dgm:constr type="h" for="ch" forName="iconRect" refType="h" fact="0.55"/>
+              <dgm:constr type="w" for="ch" forName="iconRect" refType="h" refFor="ch" refForName="iconRect"/>
+              <dgm:constr type="l" for="ch" forName="iconRect" refType="h" refFor="ch" refForName="iconRect" fact="0.55"/>
+              <dgm:constr type="ctrY" for="ch" forName="iconRect" refType="ctrY" refFor="ch" refForName="bgRect"/>
+              <dgm:constr type="w" for="ch" forName="spaceRect" refType="l" refFor="ch" refForName="iconRect"/>
+              <dgm:constr type="h" for="ch" forName="spaceRect" refType="h"/>
+              <dgm:constr type="l" for="ch" forName="spaceRect" refType="r" refFor="ch" refForName="iconRect"/>
+              <dgm:constr type="t" for="ch" forName="spaceRect"/>
+              <dgm:constr type="w" for="ch" forName="parTx" refType="w" fact="0.45"/>
+              <dgm:constr type="h" for="ch" forName="parTx" refType="h"/>
+              <dgm:constr type="l" for="ch" forName="parTx" refType="r" refFor="ch" refForName="spaceRect"/>
+              <dgm:constr type="t" for="ch" forName="parTx"/>
+              <dgm:constr type="h" for="ch" forName="desTx" refType="h"/>
+              <dgm:constr type="l" for="ch" forName="desTx" refType="r" refFor="ch" refForName="parTx"/>
+              <dgm:constr type="t" for="ch" forName="desTx"/>
+            </dgm:constrLst>
+          </dgm:if>
+          <dgm:else name="Name11">
+            <dgm:constrLst>
+              <dgm:constr type="w" for="ch" forName="bgRect" refType="w"/>
+              <dgm:constr type="h" for="ch" forName="bgRect" refType="h"/>
+              <dgm:constr type="l" for="ch" forName="bgRect"/>
+              <dgm:constr type="t" for="ch" forName="bgRect"/>
+              <dgm:constr type="h" for="ch" forName="iconRect" refType="h" fact="0.55"/>
+              <dgm:constr type="w" for="ch" forName="iconRect" refType="h" refFor="ch" refForName="iconRect"/>
+              <dgm:constr type="l" for="ch" forName="iconRect" refType="h" refFor="ch" refForName="iconRect" fact="0.55"/>
+              <dgm:constr type="ctrY" for="ch" forName="iconRect" refType="ctrY" refFor="ch" refForName="bgRect"/>
+              <dgm:constr type="w" for="ch" forName="spaceRect" refType="l" refFor="ch" refForName="iconRect"/>
+              <dgm:constr type="h" for="ch" forName="spaceRect" refType="h"/>
+              <dgm:constr type="l" for="ch" forName="spaceRect" refType="r" refFor="ch" refForName="iconRect"/>
+              <dgm:constr type="t" for="ch" forName="spaceRect"/>
+              <dgm:constr type="h" for="ch" forName="parTx" refType="h"/>
+              <dgm:constr type="l" for="ch" forName="parTx" refType="r" refFor="ch" refForName="spaceRect"/>
+              <dgm:constr type="t" for="ch" forName="parTx"/>
+            </dgm:constrLst>
+          </dgm:else>
+        </dgm:choose>
+        <dgm:ruleLst>
+          <dgm:rule type="h" val="INF" fact="NaN" max="NaN"/>
+        </dgm:ruleLst>
+        <dgm:layoutNode name="bgRect" styleLbl="bgShp">
+          <dgm:alg type="sp"/>
+          <dgm:shape xmlns:r="http://schemas.openxmlformats.org/officeDocument/2006/relationships" type="roundRect" r:blip="">
+            <dgm:adjLst>
+              <dgm:adj idx="1" val="0.1"/>
+            </dgm:adjLst>
+          </dgm:shape>
+          <dgm:presOf/>
+          <dgm:constrLst/>
+          <dgm:ruleLst/>
+        </dgm:layoutNode>
+        <dgm:layoutNode name="iconRect" styleLbl="node1">
+          <dgm:alg type="sp"/>
+          <dgm:shape xmlns:r="http://schemas.openxmlformats.org/officeDocument/2006/relationships" type="rect" r:blip="" blipPhldr="1">
+            <dgm:adjLst/>
+          </dgm:shape>
+          <dgm:presOf/>
+          <dgm:constrLst/>
+          <dgm:ruleLst/>
+        </dgm:layoutNode>
+        <dgm:layoutNode name="spaceRect">
+          <dgm:alg type="sp"/>
+          <dgm:shape xmlns:r="http://schemas.openxmlformats.org/officeDocument/2006/relationships" r:blip="">
+            <dgm:adjLst/>
+          </dgm:shape>
+          <dgm:presOf/>
+          <dgm:constrLst/>
+          <dgm:ruleLst/>
+        </dgm:layoutNode>
+        <dgm:layoutNode name="parTx" styleLbl="revTx">
+          <dgm:varLst>
+            <dgm:chMax val="0"/>
+            <dgm:chPref val="0"/>
+          </dgm:varLst>
+          <dgm:alg type="tx">
+            <dgm:param type="txAnchorVert" val="mid"/>
+            <dgm:param type="parTxLTRAlign" val="l"/>
+            <dgm:param type="shpTxLTRAlignCh" val="l"/>
+            <dgm:param type="parTxRTLAlign" val="r"/>
+            <dgm:param type="shpTxRTLAlignCh" val="r"/>
+          </dgm:alg>
+          <dgm:shape xmlns:r="http://schemas.openxmlformats.org/officeDocument/2006/relationships" type="rect" r:blip="">
+            <dgm:adjLst/>
+          </dgm:shape>
+          <dgm:presOf axis="self" ptType="node"/>
+          <dgm:constrLst>
+            <dgm:constr type="lMarg" refType="h" fact="0.3"/>
+            <dgm:constr type="rMarg" refType="h" fact="0.3"/>
+            <dgm:constr type="tMarg" refType="h" fact="0.3"/>
+            <dgm:constr type="bMarg" refType="h" fact="0.3"/>
+          </dgm:constrLst>
+          <dgm:ruleLst>
+            <dgm:rule type="primFontSz" val="14" fact="NaN" max="NaN"/>
+            <dgm:rule type="h" val="INF" fact="NaN" max="NaN"/>
+          </dgm:ruleLst>
+        </dgm:layoutNode>
+        <dgm:choose name="Name12">
+          <dgm:if name="Name13" axis="ch" ptType="node" func="cnt" op="gte" val="1">
+            <dgm:layoutNode name="desTx" styleLbl="revTx">
+              <dgm:varLst/>
+              <dgm:alg type="tx">
+                <dgm:param type="txAnchorVertCh" val="mid"/>
+                <dgm:param type="parTxLTRAlign" val="l"/>
+                <dgm:param type="shpTxLTRAlignCh" val="l"/>
+                <dgm:param type="parTxRTLAlign" val="r"/>
+                <dgm:param type="shpTxRTLAlignCh" val="r"/>
+                <dgm:param type="stBulletLvl" val="0"/>
+              </dgm:alg>
+              <dgm:shape xmlns:r="http://schemas.openxmlformats.org/officeDocument/2006/relationships" type="rect" r:blip="">
+                <dgm:adjLst/>
+              </dgm:shape>
+              <dgm:presOf axis="des" ptType="node"/>
+              <dgm:constrLst>
+                <dgm:constr type="primFontSz" val="18"/>
+                <dgm:constr type="secFontSz" refType="primFontSz"/>
+                <dgm:constr type="lMarg" refType="h" fact="0.3"/>
+                <dgm:constr type="rMarg" refType="h" fact="0.3"/>
+                <dgm:constr type="tMarg" refType="h" fact="0.3"/>
+                <dgm:constr type="bMarg" refType="h" fact="0.3"/>
+              </dgm:constrLst>
+              <dgm:ruleLst>
+                <dgm:rule type="primFontSz" val="11" fact="NaN" max="NaN"/>
+              </dgm:ruleLst>
+            </dgm:layoutNode>
+          </dgm:if>
+          <dgm:else name="Name14"/>
+        </dgm:choose>
+      </dgm:layoutNode>
+      <dgm:forEach name="Name15" axis="followSib" ptType="sibTrans" cnt="1">
+        <dgm:layoutNode name="sibTrans">
+          <dgm:alg type="sp"/>
+          <dgm:shape xmlns:r="http://schemas.openxmlformats.org/officeDocument/2006/relationships" r:blip="">
+            <dgm:adjLst/>
+          </dgm:shape>
+          <dgm:presOf axis="self"/>
+          <dgm:constrLst/>
+          <dgm:ruleLst/>
+        </dgm:layoutNode>
+      </dgm:forEach>
+    </dgm:forEach>
+  </dgm:layoutNode>
+  <dgm:extLst>
+    <a:ext uri="{68A01E43-0DF5-4B5B-8FA6-DAF915123BFB}">
+      <dgm1612:lstStyle xmlns:dgm1612="http://schemas.microsoft.com/office/drawing/2016/12/diagram">
+        <a:lvl1pPr>
+          <a:lnSpc>
+            <a:spcPct val="100000"/>
+          </a:lnSpc>
+        </a:lvl1pPr>
+        <a:lvl2pPr>
+          <a:lnSpc>
+            <a:spcPct val="100000"/>
+          </a:lnSpc>
+        </a:lvl2pPr>
+      </dgm1612:lstStyle>
+    </a:ext>
+  </dgm:extLst>
+</dgm:layoutDef>
+</file>
+
+<file path=ppt/diagrams/quickStyle1.xml><?xml version="1.0" encoding="utf-8"?>
+<dgm:styleDef xmlns:dgm="http://schemas.openxmlformats.org/drawingml/2006/diagram" xmlns:a="http://schemas.openxmlformats.org/drawingml/2006/main" uniqueId="urn:microsoft.com/office/officeart/2005/8/quickstyle/simple1">
+  <dgm:title val=""/>
+  <dgm:desc val=""/>
+  <dgm:catLst>
+    <dgm:cat type="simple" pri="10100"/>
+  </dgm:catLst>
+  <dgm:scene3d>
+    <a:camera prst="orthographicFront"/>
+    <a:lightRig rig="threePt" dir="t"/>
+  </dgm:scene3d>
+  <dgm:styleLbl name="node0">
+    <dgm:scene3d>
+      <a:camera prst="orthographicFront"/>
+      <a:lightRig rig="threePt" dir="t"/>
+    </dgm:scene3d>
+    <dgm:sp3d/>
+    <dgm:txPr/>
+    <dgm:style>
+      <a:lnRef idx="2">
+        <a:scrgbClr r="0" g="0" b="0"/>
+      </a:lnRef>
+      <a:fillRef idx="1">
+        <a:scrgbClr r="0" g="0" b="0"/>
+      </a:fillRef>
+      <a:effectRef idx="0">
+        <a:scrgbClr r="0" g="0" b="0"/>
+      </a:effectRef>
+      <a:fontRef idx="minor">
+        <a:schemeClr val="lt1"/>
+      </a:fontRef>
+    </dgm:style>
+  </dgm:styleLbl>
+  <dgm:styleLbl name="lnNode1">
+    <dgm:scene3d>
+      <a:camera prst="orthographicFront"/>
+      <a:lightRig rig="threePt" dir="t"/>
+    </dgm:scene3d>
+    <dgm:sp3d/>
+    <dgm:txPr/>
+    <dgm:style>
+      <a:lnRef idx="2">
+        <a:scrgbClr r="0" g="0" b="0"/>
+      </a:lnRef>
+      <a:fillRef idx="1">
+        <a:scrgbClr r="0" g="0" b="0"/>
+      </a:fillRef>
+      <a:effectRef idx="0">
+        <a:scrgbClr r="0" g="0" b="0"/>
+      </a:effectRef>
+      <a:fontRef idx="minor">
+        <a:schemeClr val="lt1"/>
+      </a:fontRef>
+    </dgm:style>
+  </dgm:styleLbl>
+  <dgm:styleLbl name="vennNode1">
+    <dgm:scene3d>
+      <a:camera prst="orthographicFront"/>
+      <a:lightRig rig="threePt" dir="t"/>
+    </dgm:scene3d>
+    <dgm:sp3d/>
+    <dgm:txPr/>
+    <dgm:style>
+      <a:lnRef idx="2">
+        <a:scrgbClr r="0" g="0" b="0"/>
+      </a:lnRef>
+      <a:fillRef idx="1">
+        <a:scrgbClr r="0" g="0" b="0"/>
+      </a:fillRef>
+      <a:effectRef idx="0">
+        <a:scrgbClr r="0" g="0" b="0"/>
+      </a:effectRef>
+      <a:fontRef idx="minor">
+        <a:schemeClr val="tx1"/>
+      </a:fontRef>
+    </dgm:style>
+  </dgm:styleLbl>
+  <dgm:styleLbl name="alignNode1">
+    <dgm:scene3d>
+      <a:camera prst="orthographicFront"/>
+      <a:lightRig rig="threePt" dir="t"/>
+    </dgm:scene3d>
+    <dgm:sp3d/>
+    <dgm:txPr/>
+    <dgm:style>
+      <a:lnRef idx="2">
+        <a:scrgbClr r="0" g="0" b="0"/>
+      </a:lnRef>
+      <a:fillRef idx="1">
+        <a:scrgbClr r="0" g="0" b="0"/>
+      </a:fillRef>
+      <a:effectRef idx="0">
+        <a:scrgbClr r="0" g="0" b="0"/>
+      </a:effectRef>
+      <a:fontRef idx="minor">
+        <a:schemeClr val="lt1"/>
+      </a:fontRef>
+    </dgm:style>
+  </dgm:styleLbl>
+  <dgm:styleLbl name="node1">
+    <dgm:scene3d>
+      <a:camera prst="orthographicFront"/>
+      <a:lightRig rig="threePt" dir="t"/>
+    </dgm:scene3d>
+    <dgm:sp3d/>
+    <dgm:txPr/>
+    <dgm:style>
+      <a:lnRef idx="2">
+        <a:scrgbClr r="0" g="0" b="0"/>
+      </a:lnRef>
+      <a:fillRef idx="1">
+        <a:scrgbClr r="0" g="0" b="0"/>
+      </a:fillRef>
+      <a:effectRef idx="0">
+        <a:scrgbClr r="0" g="0" b="0"/>
+      </a:effectRef>
+      <a:fontRef idx="minor">
+        <a:schemeClr val="lt1"/>
+      </a:fontRef>
+    </dgm:style>
+  </dgm:styleLbl>
+  <dgm:styleLbl name="node2">
+    <dgm:scene3d>
+      <a:camera prst="orthographicFront"/>
+      <a:lightRig rig="threePt" dir="t"/>
+    </dgm:scene3d>
+    <dgm:sp3d/>
+    <dgm:txPr/>
+    <dgm:style>
+      <a:lnRef idx="2">
+        <a:scrgbClr r="0" g="0" b="0"/>
+      </a:lnRef>
+      <a:fillRef idx="1">
+        <a:scrgbClr r="0" g="0" b="0"/>
+      </a:fillRef>
+      <a:effectRef idx="0">
+        <a:scrgbClr r="0" g="0" b="0"/>
+      </a:effectRef>
+      <a:fontRef idx="minor">
+        <a:schemeClr val="lt1"/>
+      </a:fontRef>
+    </dgm:style>
+  </dgm:styleLbl>
+  <dgm:styleLbl name="node3">
+    <dgm:scene3d>
+      <a:camera prst="orthographicFront"/>
+      <a:lightRig rig="threePt" dir="t"/>
+    </dgm:scene3d>
+    <dgm:sp3d/>
+    <dgm:txPr/>
+    <dgm:style>
+      <a:lnRef idx="2">
+        <a:scrgbClr r="0" g="0" b="0"/>
+      </a:lnRef>
+      <a:fillRef idx="1">
+        <a:scrgbClr r="0" g="0" b="0"/>
+      </a:fillRef>
+      <a:effectRef idx="0">
+        <a:scrgbClr r="0" g="0" b="0"/>
+      </a:effectRef>
+      <a:fontRef idx="minor">
+        <a:schemeClr val="lt1"/>
+      </a:fontRef>
+    </dgm:style>
+  </dgm:styleLbl>
+  <dgm:styleLbl name="node4">
+    <dgm:scene3d>
+      <a:camera prst="orthographicFront"/>
+      <a:lightRig rig="threePt" dir="t"/>
+    </dgm:scene3d>
+    <dgm:sp3d/>
+    <dgm:txPr/>
+    <dgm:style>
+      <a:lnRef idx="2">
+        <a:scrgbClr r="0" g="0" b="0"/>
+      </a:lnRef>
+      <a:fillRef idx="1">
+        <a:scrgbClr r="0" g="0" b="0"/>
+      </a:fillRef>
+      <a:effectRef idx="0">
+        <a:scrgbClr r="0" g="0" b="0"/>
+      </a:effectRef>
+      <a:fontRef idx="minor">
+        <a:schemeClr val="lt1"/>
+      </a:fontRef>
+    </dgm:style>
+  </dgm:styleLbl>
+  <dgm:styleLbl name="fgImgPlace1">
+    <dgm:scene3d>
+      <a:camera prst="orthographicFront"/>
+      <a:lightRig rig="threePt" dir="t"/>
+    </dgm:scene3d>
+    <dgm:sp3d/>
+    <dgm:txPr/>
+    <dgm:style>
+      <a:lnRef idx="2">
+        <a:scrgbClr r="0" g="0" b="0"/>
+      </a:lnRef>
+      <a:fillRef idx="1">
+        <a:scrgbClr r="0" g="0" b="0"/>
+      </a:fillRef>
+      <a:effectRef idx="0">
+        <a:scrgbClr r="0" g="0" b="0"/>
+      </a:effectRef>
+      <a:fontRef idx="minor"/>
+    </dgm:style>
+  </dgm:styleLbl>
+  <dgm:styleLbl name="alignImgPlace1">
+    <dgm:scene3d>
+      <a:camera prst="orthographicFront"/>
+      <a:lightRig rig="threePt" dir="t"/>
+    </dgm:scene3d>
+    <dgm:sp3d/>
+    <dgm:txPr/>
+    <dgm:style>
+      <a:lnRef idx="2">
+        <a:scrgbClr r="0" g="0" b="0"/>
+      </a:lnRef>
+      <a:fillRef idx="1">
+        <a:scrgbClr r="0" g="0" b="0"/>
+      </a:fillRef>
+      <a:effectRef idx="0">
+        <a:scrgbClr r="0" g="0" b="0"/>
+      </a:effectRef>
+      <a:fontRef idx="minor"/>
+    </dgm:style>
+  </dgm:styleLbl>
+  <dgm:styleLbl name="bgImgPlace1">
+    <dgm:scene3d>
+      <a:camera prst="orthographicFront"/>
+      <a:lightRig rig="threePt" dir="t"/>
+    </dgm:scene3d>
+    <dgm:sp3d/>
+    <dgm:txPr/>
+    <dgm:style>
+      <a:lnRef idx="2">
+        <a:scrgbClr r="0" g="0" b="0"/>
+      </a:lnRef>
+      <a:fillRef idx="1">
+        <a:scrgbClr r="0" g="0" b="0"/>
+      </a:fillRef>
+      <a:effectRef idx="0">
+        <a:scrgbClr r="0" g="0" b="0"/>
+      </a:effectRef>
+      <a:fontRef idx="minor"/>
+    </dgm:style>
+  </dgm:styleLbl>
+  <dgm:styleLbl name="sibTrans2D1">
+    <dgm:scene3d>
+      <a:camera prst="orthographicFront"/>
+      <a:lightRig rig="threePt" dir="t"/>
+    </dgm:scene3d>
+    <dgm:sp3d/>
+    <dgm:txPr/>
+    <dgm:style>
+      <a:lnRef idx="0">
+        <a:scrgbClr r="0" g="0" b="0"/>
+      </a:lnRef>
+      <a:fillRef idx="1">
+        <a:scrgbClr r="0" g="0" b="0"/>
+      </a:fillRef>
+      <a:effectRef idx="0">
+        <a:scrgbClr r="0" g="0" b="0"/>
+      </a:effectRef>
+      <a:fontRef idx="minor">
+        <a:schemeClr val="lt1"/>
+      </a:fontRef>
+    </dgm:style>
+  </dgm:styleLbl>
+  <dgm:styleLbl name="fgSibTrans2D1">
+    <dgm:scene3d>
+      <a:camera prst="orthographicFront"/>
+      <a:lightRig rig="threePt" dir="t"/>
+    </dgm:scene3d>
+    <dgm:sp3d/>
+    <dgm:txPr/>
+    <dgm:style>
+      <a:lnRef idx="0">
+        <a:scrgbClr r="0" g="0" b="0"/>
+      </a:lnRef>
+      <a:fillRef idx="1">
+        <a:scrgbClr r="0" g="0" b="0"/>
+      </a:fillRef>
+      <a:effectRef idx="0">
+        <a:scrgbClr r="0" g="0" b="0"/>
+      </a:effectRef>
+      <a:fontRef idx="minor">
+        <a:schemeClr val="lt1"/>
+      </a:fontRef>
+    </dgm:style>
+  </dgm:styleLbl>
+  <dgm:styleLbl name="bgSibTrans2D1">
+    <dgm:scene3d>
+      <a:camera prst="orthographicFront"/>
+      <a:lightRig rig="threePt" dir="t"/>
+    </dgm:scene3d>
+    <dgm:sp3d/>
+    <dgm:txPr/>
+    <dgm:style>
+      <a:lnRef idx="0">
+        <a:scrgbClr r="0" g="0" b="0"/>
+      </a:lnRef>
+      <a:fillRef idx="1">
+        <a:scrgbClr r="0" g="0" b="0"/>
+      </a:fillRef>
+      <a:effectRef idx="0">
+        <a:scrgbClr r="0" g="0" b="0"/>
+      </a:effectRef>
+      <a:fontRef idx="minor">
+        <a:schemeClr val="lt1"/>
+      </a:fontRef>
+    </dgm:style>
+  </dgm:styleLbl>
+  <dgm:styleLbl name="sibTrans1D1">
+    <dgm:scene3d>
+      <a:camera prst="orthographicFront"/>
+      <a:lightRig rig="threePt" dir="t"/>
+    </dgm:scene3d>
+    <dgm:sp3d/>
+    <dgm:txPr/>
+    <dgm:style>
+      <a:lnRef idx="1">
+        <a:scrgbClr r="0" g="0" b="0"/>
+      </a:lnRef>
+      <a:fillRef idx="0">
+        <a:scrgbClr r="0" g="0" b="0"/>
+      </a:fillRef>
+      <a:effectRef idx="0">
+        <a:scrgbClr r="0" g="0" b="0"/>
+      </a:effectRef>
+      <a:fontRef idx="minor"/>
+    </dgm:style>
+  </dgm:styleLbl>
+  <dgm:styleLbl name="callout">
+    <dgm:scene3d>
+      <a:camera prst="orthographicFront"/>
+      <a:lightRig rig="threePt" dir="t"/>
+    </dgm:scene3d>
+    <dgm:sp3d/>
+    <dgm:txPr/>
+    <dgm:style>
+      <a:lnRef idx="2">
+        <a:scrgbClr r="0" g="0" b="0"/>
+      </a:lnRef>
+      <a:fillRef idx="1">
+        <a:scrgbClr r="0" g="0" b="0"/>
+      </a:fillRef>
+      <a:effectRef idx="0">
+        <a:scrgbClr r="0" g="0" b="0"/>
+      </a:effectRef>
+      <a:fontRef idx="minor"/>
+    </dgm:style>
+  </dgm:styleLbl>
+  <dgm:styleLbl name="asst0">
+    <dgm:scene3d>
+      <a:camera prst="orthographicFront"/>
+      <a:lightRig rig="threePt" dir="t"/>
+    </dgm:scene3d>
+    <dgm:sp3d/>
+    <dgm:txPr/>
+    <dgm:style>
+      <a:lnRef idx="2">
+        <a:scrgbClr r="0" g="0" b="0"/>
+      </a:lnRef>
+      <a:fillRef idx="1">
+        <a:scrgbClr r="0" g="0" b="0"/>
+      </a:fillRef>
+      <a:effectRef idx="0">
+        <a:scrgbClr r="0" g="0" b="0"/>
+      </a:effectRef>
+      <a:fontRef idx="minor">
+        <a:schemeClr val="lt1"/>
+      </a:fontRef>
+    </dgm:style>
+  </dgm:styleLbl>
+  <dgm:styleLbl name="asst1">
+    <dgm:scene3d>
+      <a:camera prst="orthographicFront"/>
+      <a:lightRig rig="threePt" dir="t"/>
+    </dgm:scene3d>
+    <dgm:sp3d/>
+    <dgm:txPr/>
+    <dgm:style>
+      <a:lnRef idx="2">
+        <a:scrgbClr r="0" g="0" b="0"/>
+      </a:lnRef>
+      <a:fillRef idx="1">
+        <a:scrgbClr r="0" g="0" b="0"/>
+      </a:fillRef>
+      <a:effectRef idx="0">
+        <a:scrgbClr r="0" g="0" b="0"/>
+      </a:effectRef>
+      <a:fontRef idx="minor">
+        <a:schemeClr val="lt1"/>
+      </a:fontRef>
+    </dgm:style>
+  </dgm:styleLbl>
+  <dgm:styleLbl name="asst2">
+    <dgm:scene3d>
+      <a:camera prst="orthographicFront"/>
+      <a:lightRig rig="threePt" dir="t"/>
+    </dgm:scene3d>
+    <dgm:sp3d/>
+    <dgm:txPr/>
+    <dgm:style>
+      <a:lnRef idx="2">
+        <a:scrgbClr r="0" g="0" b="0"/>
+      </a:lnRef>
+      <a:fillRef idx="1">
+        <a:scrgbClr r="0" g="0" b="0"/>
+      </a:fillRef>
+      <a:effectRef idx="0">
+        <a:scrgbClr r="0" g="0" b="0"/>
+      </a:effectRef>
+      <a:fontRef idx="minor">
+        <a:schemeClr val="lt1"/>
+      </a:fontRef>
+    </dgm:style>
+  </dgm:styleLbl>
+  <dgm:styleLbl name="asst3">
+    <dgm:scene3d>
+      <a:camera prst="orthographicFront"/>
+      <a:lightRig rig="threePt" dir="t"/>
+    </dgm:scene3d>
+    <dgm:sp3d/>
+    <dgm:txPr/>
+    <dgm:style>
+      <a:lnRef idx="2">
+        <a:scrgbClr r="0" g="0" b="0"/>
+      </a:lnRef>
+      <a:fillRef idx="1">
+        <a:scrgbClr r="0" g="0" b="0"/>
+      </a:fillRef>
+      <a:effectRef idx="0">
+        <a:scrgbClr r="0" g="0" b="0"/>
+      </a:effectRef>
+      <a:fontRef idx="minor">
+        <a:schemeClr val="lt1"/>
+      </a:fontRef>
+    </dgm:style>
+  </dgm:styleLbl>
+  <dgm:styleLbl name="asst4">
+    <dgm:scene3d>
+      <a:camera prst="orthographicFront"/>
+      <a:lightRig rig="threePt" dir="t"/>
+    </dgm:scene3d>
+    <dgm:sp3d/>
+    <dgm:txPr/>
+    <dgm:style>
+      <a:lnRef idx="2">
+        <a:scrgbClr r="0" g="0" b="0"/>
+      </a:lnRef>
+      <a:fillRef idx="1">
+        <a:scrgbClr r="0" g="0" b="0"/>
+      </a:fillRef>
+      <a:effectRef idx="0">
+        <a:scrgbClr r="0" g="0" b="0"/>
+      </a:effectRef>
+      <a:fontRef idx="minor">
+        <a:schemeClr val="lt1"/>
+      </a:fontRef>
+    </dgm:style>
+  </dgm:styleLbl>
+  <dgm:styleLbl name="parChTrans2D1">
+    <dgm:scene3d>
+      <a:camera prst="orthographicFront"/>
+      <a:lightRig rig="threePt" dir="t"/>
+    </dgm:scene3d>
+    <dgm:sp3d/>
+    <dgm:txPr/>
+    <dgm:style>
+      <a:lnRef idx="2">
+        <a:scrgbClr r="0" g="0" b="0"/>
+      </a:lnRef>
+      <a:fillRef idx="1">
+        <a:scrgbClr r="0" g="0" b="0"/>
+      </a:fillRef>
+      <a:effectRef idx="0">
+        <a:scrgbClr r="0" g="0" b="0"/>
+      </a:effectRef>
+      <a:fontRef idx="minor">
+        <a:schemeClr val="lt1"/>
+      </a:fontRef>
+    </dgm:style>
+  </dgm:styleLbl>
+  <dgm:styleLbl name="parChTrans2D2">
+    <dgm:scene3d>
+      <a:camera prst="orthographicFront"/>
+      <a:lightRig rig="threePt" dir="t"/>
+    </dgm:scene3d>
+    <dgm:sp3d/>
+    <dgm:txPr/>
+    <dgm:style>
+      <a:lnRef idx="2">
+        <a:scrgbClr r="0" g="0" b="0"/>
+      </a:lnRef>
+      <a:fillRef idx="1">
+        <a:scrgbClr r="0" g="0" b="0"/>
+      </a:fillRef>
+      <a:effectRef idx="0">
+        <a:scrgbClr r="0" g="0" b="0"/>
+      </a:effectRef>
+      <a:fontRef idx="minor">
+        <a:schemeClr val="lt1"/>
+      </a:fontRef>
+    </dgm:style>
+  </dgm:styleLbl>
+  <dgm:styleLbl name="parChTrans2D3">
+    <dgm:scene3d>
+      <a:camera prst="orthographicFront"/>
+      <a:lightRig rig="threePt" dir="t"/>
+    </dgm:scene3d>
+    <dgm:sp3d/>
+    <dgm:txPr/>
+    <dgm:style>
+      <a:lnRef idx="2">
+        <a:scrgbClr r="0" g="0" b="0"/>
+      </a:lnRef>
+      <a:fillRef idx="1">
+        <a:scrgbClr r="0" g="0" b="0"/>
+      </a:fillRef>
+      <a:effectRef idx="0">
+        <a:scrgbClr r="0" g="0" b="0"/>
+      </a:effectRef>
+      <a:fontRef idx="minor">
+        <a:schemeClr val="lt1"/>
+      </a:fontRef>
+    </dgm:style>
+  </dgm:styleLbl>
+  <dgm:styleLbl name="parChTrans2D4">
+    <dgm:scene3d>
+      <a:camera prst="orthographicFront"/>
+      <a:lightRig rig="threePt" dir="t"/>
+    </dgm:scene3d>
+    <dgm:sp3d/>
+    <dgm:txPr/>
+    <dgm:style>
+      <a:lnRef idx="2">
+        <a:scrgbClr r="0" g="0" b="0"/>
+      </a:lnRef>
+      <a:fillRef idx="1">
+        <a:scrgbClr r="0" g="0" b="0"/>
+      </a:fillRef>
+      <a:effectRef idx="0">
+        <a:scrgbClr r="0" g="0" b="0"/>
+      </a:effectRef>
+      <a:fontRef idx="minor">
+        <a:schemeClr val="lt1"/>
+      </a:fontRef>
+    </dgm:style>
+  </dgm:styleLbl>
+  <dgm:styleLbl name="parChTrans1D1">
+    <dgm:scene3d>
+      <a:camera prst="orthographicFront"/>
+      <a:lightRig rig="threePt" dir="t"/>
+    </dgm:scene3d>
+    <dgm:sp3d/>
+    <dgm:txPr/>
+    <dgm:style>
+      <a:lnRef idx="2">
+        <a:scrgbClr r="0" g="0" b="0"/>
+      </a:lnRef>
+      <a:fillRef idx="0">
+        <a:scrgbClr r="0" g="0" b="0"/>
+      </a:fillRef>
+      <a:effectRef idx="0">
+        <a:scrgbClr r="0" g="0" b="0"/>
+      </a:effectRef>
+      <a:fontRef idx="minor"/>
+    </dgm:style>
+  </dgm:styleLbl>
+  <dgm:styleLbl name="parChTrans1D2">
+    <dgm:scene3d>
+      <a:camera prst="orthographicFront"/>
+      <a:lightRig rig="threePt" dir="t"/>
+    </dgm:scene3d>
+    <dgm:sp3d/>
+    <dgm:txPr/>
+    <dgm:style>
+      <a:lnRef idx="2">
+        <a:scrgbClr r="0" g="0" b="0"/>
+      </a:lnRef>
+      <a:fillRef idx="0">
+        <a:scrgbClr r="0" g="0" b="0"/>
+      </a:fillRef>
+      <a:effectRef idx="0">
+        <a:scrgbClr r="0" g="0" b="0"/>
+      </a:effectRef>
+      <a:fontRef idx="minor"/>
+    </dgm:style>
+  </dgm:styleLbl>
+  <dgm:styleLbl name="parChTrans1D3">
+    <dgm:scene3d>
+      <a:camera prst="orthographicFront"/>
+      <a:lightRig rig="threePt" dir="t"/>
+    </dgm:scene3d>
+    <dgm:sp3d/>
+    <dgm:txPr/>
+    <dgm:style>
+      <a:lnRef idx="2">
+        <a:scrgbClr r="0" g="0" b="0"/>
+      </a:lnRef>
+      <a:fillRef idx="0">
+        <a:scrgbClr r="0" g="0" b="0"/>
+      </a:fillRef>
+      <a:effectRef idx="0">
+        <a:scrgbClr r="0" g="0" b="0"/>
+      </a:effectRef>
+      <a:fontRef idx="minor"/>
+    </dgm:style>
+  </dgm:styleLbl>
+  <dgm:styleLbl name="parChTrans1D4">
+    <dgm:scene3d>
+      <a:camera prst="orthographicFront"/>
+      <a:lightRig rig="threePt" dir="t"/>
+    </dgm:scene3d>
+    <dgm:sp3d/>
+    <dgm:txPr/>
+    <dgm:style>
+      <a:lnRef idx="2">
+        <a:scrgbClr r="0" g="0" b="0"/>
+      </a:lnRef>
+      <a:fillRef idx="0">
+        <a:scrgbClr r="0" g="0" b="0"/>
+      </a:fillRef>
+      <a:effectRef idx="0">
+        <a:scrgbClr r="0" g="0" b="0"/>
+      </a:effectRef>
+      <a:fontRef idx="minor"/>
+    </dgm:style>
+  </dgm:styleLbl>
+  <dgm:styleLbl name="fgAcc1">
+    <dgm:scene3d>
+      <a:camera prst="orthographicFront"/>
+      <a:lightRig rig="threePt" dir="t"/>
+    </dgm:scene3d>
+    <dgm:sp3d/>
+    <dgm:txPr/>
+    <dgm:style>
+      <a:lnRef idx="2">
+        <a:scrgbClr r="0" g="0" b="0"/>
+      </a:lnRef>
+      <a:fillRef idx="1">
+        <a:scrgbClr r="0" g="0" b="0"/>
+      </a:fillRef>
+      <a:effectRef idx="0">
+        <a:scrgbClr r="0" g="0" b="0"/>
+      </a:effectRef>
+      <a:fontRef idx="minor"/>
+    </dgm:style>
+  </dgm:styleLbl>
+  <dgm:styleLbl name="conFgAcc1">
+    <dgm:scene3d>
+      <a:camera prst="orthographicFront"/>
+      <a:lightRig rig="threePt" dir="t"/>
+    </dgm:scene3d>
+    <dgm:sp3d/>
+    <dgm:txPr/>
+    <dgm:style>
+      <a:lnRef idx="2">
+        <a:scrgbClr r="0" g="0" b="0"/>
+      </a:lnRef>
+      <a:fillRef idx="1">
+        <a:scrgbClr r="0" g="0" b="0"/>
+      </a:fillRef>
+      <a:effectRef idx="0">
+        <a:scrgbClr r="0" g="0" b="0"/>
+      </a:effectRef>
+      <a:fontRef idx="minor"/>
+    </dgm:style>
+  </dgm:styleLbl>
+  <dgm:styleLbl name="alignAcc1">
+    <dgm:scene3d>
+      <a:camera prst="orthographicFront"/>
+      <a:lightRig rig="threePt" dir="t"/>
+    </dgm:scene3d>
+    <dgm:sp3d/>
+    <dgm:txPr/>
+    <dgm:style>
+      <a:lnRef idx="2">
+        <a:scrgbClr r="0" g="0" b="0"/>
+      </a:lnRef>
+      <a:fillRef idx="1">
+        <a:scrgbClr r="0" g="0" b="0"/>
+      </a:fillRef>
+      <a:effectRef idx="0">
+        <a:scrgbClr r="0" g="0" b="0"/>
+      </a:effectRef>
+      <a:fontRef idx="minor"/>
+    </dgm:style>
+  </dgm:styleLbl>
+  <dgm:styleLbl name="trAlignAcc1">
+    <dgm:scene3d>
+      <a:camera prst="orthographicFront"/>
+      <a:lightRig rig="threePt" dir="t"/>
+    </dgm:scene3d>
+    <dgm:sp3d/>
+    <dgm:txPr/>
+    <dgm:style>
+      <a:lnRef idx="1">
+        <a:scrgbClr r="0" g="0" b="0"/>
+      </a:lnRef>
+      <a:fillRef idx="1">
+        <a:scrgbClr r="0" g="0" b="0"/>
+      </a:fillRef>
+      <a:effectRef idx="0">
+        <a:scrgbClr r="0" g="0" b="0"/>
+      </a:effectRef>
+      <a:fontRef idx="minor"/>
+    </dgm:style>
+  </dgm:styleLbl>
+  <dgm:styleLbl name="bgAcc1">
+    <dgm:scene3d>
+      <a:camera prst="orthographicFront"/>
+      <a:lightRig rig="threePt" dir="t"/>
+    </dgm:scene3d>
+    <dgm:sp3d/>
+    <dgm:txPr/>
+    <dgm:style>
+      <a:lnRef idx="2">
+        <a:scrgbClr r="0" g="0" b="0"/>
+      </a:lnRef>
+      <a:fillRef idx="1">
+        <a:scrgbClr r="0" g="0" b="0"/>
+      </a:fillRef>
+      <a:effectRef idx="0">
+        <a:scrgbClr r="0" g="0" b="0"/>
+      </a:effectRef>
+      <a:fontRef idx="minor"/>
+    </dgm:style>
+  </dgm:styleLbl>
+  <dgm:styleLbl name="solidFgAcc1">
+    <dgm:scene3d>
+      <a:camera prst="orthographicFront"/>
+      <a:lightRig rig="threePt" dir="t"/>
+    </dgm:scene3d>
+    <dgm:sp3d/>
+    <dgm:txPr/>
+    <dgm:style>
+      <a:lnRef idx="2">
+        <a:scrgbClr r="0" g="0" b="0"/>
+      </a:lnRef>
+      <a:fillRef idx="1">
+        <a:scrgbClr r="0" g="0" b="0"/>
+      </a:fillRef>
+      <a:effectRef idx="0">
+        <a:scrgbClr r="0" g="0" b="0"/>
+      </a:effectRef>
+      <a:fontRef idx="minor"/>
+    </dgm:style>
+  </dgm:styleLbl>
+  <dgm:styleLbl name="solidAlignAcc1">
+    <dgm:scene3d>
+      <a:camera prst="orthographicFront"/>
+      <a:lightRig rig="threePt" dir="t"/>
+    </dgm:scene3d>
+    <dgm:sp3d/>
+    <dgm:txPr/>
+    <dgm:style>
+      <a:lnRef idx="2">
+        <a:scrgbClr r="0" g="0" b="0"/>
+      </a:lnRef>
+      <a:fillRef idx="1">
+        <a:scrgbClr r="0" g="0" b="0"/>
+      </a:fillRef>
+      <a:effectRef idx="0">
+        <a:scrgbClr r="0" g="0" b="0"/>
+      </a:effectRef>
+      <a:fontRef idx="minor"/>
+    </dgm:style>
+  </dgm:styleLbl>
+  <dgm:styleLbl name="solidBgAcc1">
+    <dgm:scene3d>
+      <a:camera prst="orthographicFront"/>
+      <a:lightRig rig="threePt" dir="t"/>
+    </dgm:scene3d>
+    <dgm:sp3d/>
+    <dgm:txPr/>
+    <dgm:style>
+      <a:lnRef idx="2">
+        <a:scrgbClr r="0" g="0" b="0"/>
+      </a:lnRef>
+      <a:fillRef idx="1">
+        <a:scrgbClr r="0" g="0" b="0"/>
+      </a:fillRef>
+      <a:effectRef idx="0">
+        <a:scrgbClr r="0" g="0" b="0"/>
+      </a:effectRef>
+      <a:fontRef idx="minor"/>
+    </dgm:style>
+  </dgm:styleLbl>
+  <dgm:styleLbl name="fgAccFollowNode1">
+    <dgm:scene3d>
+      <a:camera prst="orthographicFront"/>
+      <a:lightRig rig="threePt" dir="t"/>
+    </dgm:scene3d>
+    <dgm:sp3d/>
+    <dgm:txPr/>
+    <dgm:style>
+      <a:lnRef idx="2">
+        <a:scrgbClr r="0" g="0" b="0"/>
+      </a:lnRef>
+      <a:fillRef idx="1">
+        <a:scrgbClr r="0" g="0" b="0"/>
+      </a:fillRef>
+      <a:effectRef idx="0">
+        <a:scrgbClr r="0" g="0" b="0"/>
+      </a:effectRef>
+      <a:fontRef idx="minor"/>
+    </dgm:style>
+  </dgm:styleLbl>
+  <dgm:styleLbl name="alignAccFollowNode1">
+    <dgm:scene3d>
+      <a:camera prst="orthographicFront"/>
+      <a:lightRig rig="threePt" dir="t"/>
+    </dgm:scene3d>
+    <dgm:sp3d/>
+    <dgm:txPr/>
+    <dgm:style>
+      <a:lnRef idx="2">
+        <a:scrgbClr r="0" g="0" b="0"/>
+      </a:lnRef>
+      <a:fillRef idx="1">
+        <a:scrgbClr r="0" g="0" b="0"/>
+      </a:fillRef>
+      <a:effectRef idx="0">
+        <a:scrgbClr r="0" g="0" b="0"/>
+      </a:effectRef>
+      <a:fontRef idx="minor"/>
+    </dgm:style>
+  </dgm:styleLbl>
+  <dgm:styleLbl name="bgAccFollowNode1">
+    <dgm:scene3d>
+      <a:camera prst="orthographicFront"/>
+      <a:lightRig rig="threePt" dir="t"/>
+    </dgm:scene3d>
+    <dgm:sp3d/>
+    <dgm:txPr/>
+    <dgm:style>
+      <a:lnRef idx="2">
+        <a:scrgbClr r="0" g="0" b="0"/>
+      </a:lnRef>
+      <a:fillRef idx="1">
+        <a:scrgbClr r="0" g="0" b="0"/>
+      </a:fillRef>
+      <a:effectRef idx="0">
+        <a:scrgbClr r="0" g="0" b="0"/>
+      </a:effectRef>
+      <a:fontRef idx="minor"/>
+    </dgm:style>
+  </dgm:styleLbl>
+  <dgm:styleLbl name="fgAcc0">
+    <dgm:scene3d>
+      <a:camera prst="orthographicFront"/>
+      <a:lightRig rig="threePt" dir="t"/>
+    </dgm:scene3d>
+    <dgm:sp3d/>
+    <dgm:txPr/>
+    <dgm:style>
+      <a:lnRef idx="2">
+        <a:scrgbClr r="0" g="0" b="0"/>
+      </a:lnRef>
+      <a:fillRef idx="1">
+        <a:scrgbClr r="0" g="0" b="0"/>
+      </a:fillRef>
+      <a:effectRef idx="0">
+        <a:scrgbClr r="0" g="0" b="0"/>
+      </a:effectRef>
+      <a:fontRef idx="minor"/>
+    </dgm:style>
+  </dgm:styleLbl>
+  <dgm:styleLbl name="fgAcc2">
+    <dgm:scene3d>
+      <a:camera prst="orthographicFront"/>
+      <a:lightRig rig="threePt" dir="t"/>
+    </dgm:scene3d>
+    <dgm:sp3d/>
+    <dgm:txPr/>
+    <dgm:style>
+      <a:lnRef idx="2">
+        <a:scrgbClr r="0" g="0" b="0"/>
+      </a:lnRef>
+      <a:fillRef idx="1">
+        <a:scrgbClr r="0" g="0" b="0"/>
+      </a:fillRef>
+      <a:effectRef idx="0">
+        <a:scrgbClr r="0" g="0" b="0"/>
+      </a:effectRef>
+      <a:fontRef idx="minor"/>
+    </dgm:style>
+  </dgm:styleLbl>
+  <dgm:styleLbl name="fgAcc3">
+    <dgm:scene3d>
+      <a:camera prst="orthographicFront"/>
+      <a:lightRig rig="threePt" dir="t"/>
+    </dgm:scene3d>
+    <dgm:sp3d/>
+    <dgm:txPr/>
+    <dgm:style>
+      <a:lnRef idx="2">
+        <a:scrgbClr r="0" g="0" b="0"/>
+      </a:lnRef>
+      <a:fillRef idx="1">
+        <a:scrgbClr r="0" g="0" b="0"/>
+      </a:fillRef>
+      <a:effectRef idx="0">
+        <a:scrgbClr r="0" g="0" b="0"/>
+      </a:effectRef>
+      <a:fontRef idx="minor"/>
+    </dgm:style>
+  </dgm:styleLbl>
+  <dgm:styleLbl name="fgAcc4">
+    <dgm:scene3d>
+      <a:camera prst="orthographicFront"/>
+      <a:lightRig rig="threePt" dir="t"/>
+    </dgm:scene3d>
+    <dgm:sp3d/>
+    <dgm:txPr/>
+    <dgm:style>
+      <a:lnRef idx="2">
+        <a:scrgbClr r="0" g="0" b="0"/>
+      </a:lnRef>
+      <a:fillRef idx="1">
+        <a:scrgbClr r="0" g="0" b="0"/>
+      </a:fillRef>
+      <a:effectRef idx="0">
+        <a:scrgbClr r="0" g="0" b="0"/>
+      </a:effectRef>
+      <a:fontRef idx="minor"/>
+    </dgm:style>
+  </dgm:styleLbl>
+  <dgm:styleLbl name="bgShp">
+    <dgm:scene3d>
+      <a:camera prst="orthographicFront"/>
+      <a:lightRig rig="threePt" dir="t"/>
+    </dgm:scene3d>
+    <dgm:sp3d/>
+    <dgm:txPr/>
+    <dgm:style>
+      <a:lnRef idx="0">
+        <a:scrgbClr r="0" g="0" b="0"/>
+      </a:lnRef>
+      <a:fillRef idx="1">
+        <a:scrgbClr r="0" g="0" b="0"/>
+      </a:fillRef>
+      <a:effectRef idx="0">
+        <a:scrgbClr r="0" g="0" b="0"/>
+      </a:effectRef>
+      <a:fontRef idx="minor"/>
+    </dgm:style>
+  </dgm:styleLbl>
+  <dgm:styleLbl name="dkBgShp">
+    <dgm:scene3d>
+      <a:camera prst="orthographicFront"/>
+      <a:lightRig rig="threePt" dir="t"/>
+    </dgm:scene3d>
+    <dgm:sp3d/>
+    <dgm:txPr/>
+    <dgm:style>
+      <a:lnRef idx="0">
+        <a:scrgbClr r="0" g="0" b="0"/>
+      </a:lnRef>
+      <a:fillRef idx="1">
+        <a:scrgbClr r="0" g="0" b="0"/>
+      </a:fillRef>
+      <a:effectRef idx="0">
+        <a:scrgbClr r="0" g="0" b="0"/>
+      </a:effectRef>
+      <a:fontRef idx="minor"/>
+    </dgm:style>
+  </dgm:styleLbl>
+  <dgm:styleLbl name="trBgShp">
+    <dgm:scene3d>
+      <a:camera prst="orthographicFront"/>
+      <a:lightRig rig="threePt" dir="t"/>
+    </dgm:scene3d>
+    <dgm:sp3d/>
+    <dgm:txPr/>
+    <dgm:style>
+      <a:lnRef idx="0">
+        <a:scrgbClr r="0" g="0" b="0"/>
+      </a:lnRef>
+      <a:fillRef idx="1">
+        <a:scrgbClr r="0" g="0" b="0"/>
+      </a:fillRef>
+      <a:effectRef idx="0">
+        <a:scrgbClr r="0" g="0" b="0"/>
+      </a:effectRef>
+      <a:fontRef idx="minor"/>
+    </dgm:style>
+  </dgm:styleLbl>
+  <dgm:styleLbl name="fgShp">
+    <dgm:scene3d>
+      <a:camera prst="orthographicFront"/>
+      <a:lightRig rig="threePt" dir="t"/>
+    </dgm:scene3d>
+    <dgm:sp3d/>
+    <dgm:txPr/>
+    <dgm:style>
+      <a:lnRef idx="2">
+        <a:scrgbClr r="0" g="0" b="0"/>
+      </a:lnRef>
+      <a:fillRef idx="1">
+        <a:scrgbClr r="0" g="0" b="0"/>
+      </a:fillRef>
+      <a:effectRef idx="0">
+        <a:scrgbClr r="0" g="0" b="0"/>
+      </a:effectRef>
+      <a:fontRef idx="minor"/>
+    </dgm:style>
+  </dgm:styleLbl>
+  <dgm:styleLbl name="revTx">
+    <dgm:scene3d>
+      <a:camera prst="orthographicFront"/>
+      <a:lightRig rig="threePt" dir="t"/>
+    </dgm:scene3d>
+    <dgm:sp3d/>
+    <dgm:txPr/>
+    <dgm:style>
+      <a:lnRef idx="0">
+        <a:scrgbClr r="0" g="0" b="0"/>
+      </a:lnRef>
+      <a:fillRef idx="0">
+        <a:scrgbClr r="0" g="0" b="0"/>
+      </a:fillRef>
+      <a:effectRef idx="0">
+        <a:scrgbClr r="0" g="0" b="0"/>
+      </a:effectRef>
+      <a:fontRef idx="minor"/>
+    </dgm:style>
+  </dgm:styleLbl>
+</dgm:styleDef>
+</file>
+
 <file path=ppt/slideLayouts/slideLayout1.xml><?xml version="1.0" encoding="utf-8"?>
 <p:sldLayout xmlns:a="http://schemas.openxmlformats.org/drawingml/2006/main" xmlns:r="http://schemas.openxmlformats.org/officeDocument/2006/relationships" xmlns:p="http://schemas.openxmlformats.org/presentationml/2006/main" type="title" preserve="1">
   <p:cSld name="Title Slide">
@@ -268,7 +3353,7 @@
           <a:p>
             <a:fld id="{C7E242F6-5BA8-4AA5-A024-F74342A3EE7F}" type="datetimeFigureOut">
               <a:rPr lang="en-US" smtClean="0"/>
-              <a:t>11/23/2019</a:t>
+              <a:t>11/24/2019</a:t>
             </a:fld>
             <a:endParaRPr lang="en-US"/>
           </a:p>
@@ -466,7 +3551,7 @@
           <a:p>
             <a:fld id="{C7E242F6-5BA8-4AA5-A024-F74342A3EE7F}" type="datetimeFigureOut">
               <a:rPr lang="en-US" smtClean="0"/>
-              <a:t>11/23/2019</a:t>
+              <a:t>11/24/2019</a:t>
             </a:fld>
             <a:endParaRPr lang="en-US"/>
           </a:p>
@@ -674,7 +3759,7 @@
           <a:p>
             <a:fld id="{C7E242F6-5BA8-4AA5-A024-F74342A3EE7F}" type="datetimeFigureOut">
               <a:rPr lang="en-US" smtClean="0"/>
-              <a:t>11/23/2019</a:t>
+              <a:t>11/24/2019</a:t>
             </a:fld>
             <a:endParaRPr lang="en-US"/>
           </a:p>
@@ -872,7 +3957,7 @@
           <a:p>
             <a:fld id="{C7E242F6-5BA8-4AA5-A024-F74342A3EE7F}" type="datetimeFigureOut">
               <a:rPr lang="en-US" smtClean="0"/>
-              <a:t>11/23/2019</a:t>
+              <a:t>11/24/2019</a:t>
             </a:fld>
             <a:endParaRPr lang="en-US"/>
           </a:p>
@@ -1147,7 +4232,7 @@
           <a:p>
             <a:fld id="{C7E242F6-5BA8-4AA5-A024-F74342A3EE7F}" type="datetimeFigureOut">
               <a:rPr lang="en-US" smtClean="0"/>
-              <a:t>11/23/2019</a:t>
+              <a:t>11/24/2019</a:t>
             </a:fld>
             <a:endParaRPr lang="en-US"/>
           </a:p>
@@ -1412,7 +4497,7 @@
           <a:p>
             <a:fld id="{C7E242F6-5BA8-4AA5-A024-F74342A3EE7F}" type="datetimeFigureOut">
               <a:rPr lang="en-US" smtClean="0"/>
-              <a:t>11/23/2019</a:t>
+              <a:t>11/24/2019</a:t>
             </a:fld>
             <a:endParaRPr lang="en-US"/>
           </a:p>
@@ -1824,7 +4909,7 @@
           <a:p>
             <a:fld id="{C7E242F6-5BA8-4AA5-A024-F74342A3EE7F}" type="datetimeFigureOut">
               <a:rPr lang="en-US" smtClean="0"/>
-              <a:t>11/23/2019</a:t>
+              <a:t>11/24/2019</a:t>
             </a:fld>
             <a:endParaRPr lang="en-US"/>
           </a:p>
@@ -1965,7 +5050,7 @@
           <a:p>
             <a:fld id="{C7E242F6-5BA8-4AA5-A024-F74342A3EE7F}" type="datetimeFigureOut">
               <a:rPr lang="en-US" smtClean="0"/>
-              <a:t>11/23/2019</a:t>
+              <a:t>11/24/2019</a:t>
             </a:fld>
             <a:endParaRPr lang="en-US"/>
           </a:p>
@@ -2078,7 +5163,7 @@
           <a:p>
             <a:fld id="{C7E242F6-5BA8-4AA5-A024-F74342A3EE7F}" type="datetimeFigureOut">
               <a:rPr lang="en-US" smtClean="0"/>
-              <a:t>11/23/2019</a:t>
+              <a:t>11/24/2019</a:t>
             </a:fld>
             <a:endParaRPr lang="en-US"/>
           </a:p>
@@ -2389,7 +5474,7 @@
           <a:p>
             <a:fld id="{C7E242F6-5BA8-4AA5-A024-F74342A3EE7F}" type="datetimeFigureOut">
               <a:rPr lang="en-US" smtClean="0"/>
-              <a:t>11/23/2019</a:t>
+              <a:t>11/24/2019</a:t>
             </a:fld>
             <a:endParaRPr lang="en-US"/>
           </a:p>
@@ -2677,7 +5762,7 @@
           <a:p>
             <a:fld id="{C7E242F6-5BA8-4AA5-A024-F74342A3EE7F}" type="datetimeFigureOut">
               <a:rPr lang="en-US" smtClean="0"/>
-              <a:t>11/23/2019</a:t>
+              <a:t>11/24/2019</a:t>
             </a:fld>
             <a:endParaRPr lang="en-US"/>
           </a:p>
@@ -2918,7 +6003,7 @@
           <a:p>
             <a:fld id="{C7E242F6-5BA8-4AA5-A024-F74342A3EE7F}" type="datetimeFigureOut">
               <a:rPr lang="en-US" smtClean="0"/>
-              <a:t>11/23/2019</a:t>
+              <a:t>11/24/2019</a:t>
             </a:fld>
             <a:endParaRPr lang="en-US"/>
           </a:p>
@@ -3321,6 +6406,17 @@
 <file path=ppt/slides/slide1.xml><?xml version="1.0" encoding="utf-8"?>
 <p:sld xmlns:a="http://schemas.openxmlformats.org/drawingml/2006/main" xmlns:r="http://schemas.openxmlformats.org/officeDocument/2006/relationships" xmlns:p="http://schemas.openxmlformats.org/presentationml/2006/main">
   <p:cSld>
+    <p:bg>
+      <p:bgPr>
+        <a:solidFill>
+          <a:schemeClr val="bg1">
+            <a:tint val="95000"/>
+            <a:satMod val="170000"/>
+          </a:schemeClr>
+        </a:solidFill>
+        <a:effectLst/>
+      </p:bgPr>
+    </p:bg>
     <p:spTree>
       <p:nvGrpSpPr>
         <p:cNvPr id="1" name=""/>
@@ -3337,6 +6433,72 @@
       </p:grpSpPr>
       <p:sp>
         <p:nvSpPr>
+          <p:cNvPr id="10" name="Rectangle 9">
+            <a:extLst>
+              <a:ext uri="{FF2B5EF4-FFF2-40B4-BE49-F238E27FC236}">
+                <a16:creationId xmlns:a16="http://schemas.microsoft.com/office/drawing/2014/main" id="{482BD70C-C4A0-46C4-9518-A731098B419A}"/>
+              </a:ext>
+              <a:ext uri="{C183D7F6-B498-43B3-948B-1728B52AA6E4}">
+                <adec:decorative xmlns:adec="http://schemas.microsoft.com/office/drawing/2017/decorative" val="1"/>
+              </a:ext>
+            </a:extLst>
+          </p:cNvPr>
+          <p:cNvSpPr>
+            <a:spLocks noGrp="1" noRot="1" noChangeAspect="1" noMove="1" noResize="1" noEditPoints="1" noAdjustHandles="1" noChangeArrowheads="1" noChangeShapeType="1" noTextEdit="1"/>
+          </p:cNvSpPr>
+          <p:nvPr>
+            <p:extLst>
+              <p:ext uri="{386F3935-93C4-4BCD-93E2-E3B085C9AB24}">
+                <p16:designElem xmlns:p16="http://schemas.microsoft.com/office/powerpoint/2015/main" val="1"/>
+              </p:ext>
+            </p:extLst>
+          </p:nvPr>
+        </p:nvSpPr>
+        <p:spPr>
+          <a:xfrm>
+            <a:off x="0" y="0"/>
+            <a:ext cx="12192000" cy="6858000"/>
+          </a:xfrm>
+          <a:prstGeom prst="rect">
+            <a:avLst/>
+          </a:prstGeom>
+          <a:solidFill>
+            <a:schemeClr val="tx1">
+              <a:lumMod val="75000"/>
+              <a:lumOff val="25000"/>
+            </a:schemeClr>
+          </a:solidFill>
+          <a:ln>
+            <a:noFill/>
+          </a:ln>
+        </p:spPr>
+        <p:style>
+          <a:lnRef idx="2">
+            <a:schemeClr val="accent1">
+              <a:shade val="50000"/>
+            </a:schemeClr>
+          </a:lnRef>
+          <a:fillRef idx="1">
+            <a:schemeClr val="accent1"/>
+          </a:fillRef>
+          <a:effectRef idx="0">
+            <a:schemeClr val="accent1"/>
+          </a:effectRef>
+          <a:fontRef idx="minor">
+            <a:schemeClr val="lt1"/>
+          </a:fontRef>
+        </p:style>
+        <p:txBody>
+          <a:bodyPr rtlCol="0" anchor="ctr"/>
+          <a:lstStyle/>
+          <a:p>
+            <a:pPr algn="ctr"/>
+            <a:endParaRPr lang="en-US"/>
+          </a:p>
+        </p:txBody>
+      </p:sp>
+      <p:sp>
+        <p:nvSpPr>
           <p:cNvPr id="2" name="Title 1">
             <a:extLst>
               <a:ext uri="{FF2B5EF4-FFF2-40B4-BE49-F238E27FC236}">
@@ -3351,13 +6513,25 @@
             <p:ph type="ctrTitle"/>
           </p:nvPr>
         </p:nvSpPr>
-        <p:spPr/>
+        <p:spPr>
+          <a:xfrm>
+            <a:off x="6072445" y="3640254"/>
+            <a:ext cx="5319433" cy="2076333"/>
+          </a:xfrm>
+        </p:spPr>
         <p:txBody>
-          <a:bodyPr/>
+          <a:bodyPr anchor="t">
+            <a:normAutofit/>
+          </a:bodyPr>
           <a:lstStyle/>
           <a:p>
+            <a:pPr algn="l"/>
             <a:r>
-              <a:rPr lang="en-US" dirty="0"/>
+              <a:rPr lang="en-US" sz="4800">
+                <a:solidFill>
+                  <a:schemeClr val="bg1"/>
+                </a:solidFill>
+              </a:rPr>
               <a:t>Transport Data Analysis</a:t>
             </a:r>
           </a:p>
@@ -3379,34 +6553,484 @@
             <p:ph type="subTitle" idx="1"/>
           </p:nvPr>
         </p:nvSpPr>
-        <p:spPr/>
+        <p:spPr>
+          <a:xfrm>
+            <a:off x="6072446" y="2668075"/>
+            <a:ext cx="5319431" cy="972180"/>
+          </a:xfrm>
+        </p:spPr>
         <p:txBody>
-          <a:bodyPr>
-            <a:normAutofit lnSpcReduction="10000"/>
+          <a:bodyPr anchor="b">
+            <a:normAutofit/>
           </a:bodyPr>
           <a:lstStyle/>
           <a:p>
-            <a:pPr algn="r"/>
-            <a:endParaRPr lang="en-SG" dirty="0"/>
-          </a:p>
-          <a:p>
-            <a:pPr algn="r"/>
-            <a:endParaRPr lang="en-SG" dirty="0"/>
-          </a:p>
-          <a:p>
-            <a:pPr algn="r"/>
-            <a:endParaRPr lang="en-SG" dirty="0"/>
-          </a:p>
-          <a:p>
-            <a:pPr algn="r"/>
+            <a:pPr algn="l"/>
+            <a:endParaRPr lang="en-SG" sz="800">
+              <a:solidFill>
+                <a:schemeClr val="bg1"/>
+              </a:solidFill>
+            </a:endParaRPr>
+          </a:p>
+          <a:p>
+            <a:pPr algn="l"/>
+            <a:endParaRPr lang="en-SG" sz="800">
+              <a:solidFill>
+                <a:schemeClr val="bg1"/>
+              </a:solidFill>
+            </a:endParaRPr>
+          </a:p>
+          <a:p>
+            <a:pPr algn="l"/>
+            <a:endParaRPr lang="en-SG" sz="800">
+              <a:solidFill>
+                <a:schemeClr val="bg1"/>
+              </a:solidFill>
+            </a:endParaRPr>
+          </a:p>
+          <a:p>
+            <a:pPr algn="l"/>
             <a:r>
-              <a:rPr lang="en-SG" dirty="0"/>
+              <a:rPr lang="en-SG" sz="800">
+                <a:solidFill>
+                  <a:schemeClr val="bg1"/>
+                </a:solidFill>
+              </a:rPr>
               <a:t>Presented By: Jurgen Tan</a:t>
             </a:r>
-            <a:endParaRPr lang="en-US" dirty="0"/>
+            <a:endParaRPr lang="en-US" sz="800">
+              <a:solidFill>
+                <a:schemeClr val="bg1"/>
+              </a:solidFill>
+            </a:endParaRPr>
           </a:p>
         </p:txBody>
       </p:sp>
+      <p:sp>
+        <p:nvSpPr>
+          <p:cNvPr id="12" name="Freeform: Shape 11">
+            <a:extLst>
+              <a:ext uri="{FF2B5EF4-FFF2-40B4-BE49-F238E27FC236}">
+                <a16:creationId xmlns:a16="http://schemas.microsoft.com/office/drawing/2014/main" id="{39B74A45-BDDD-4892-B8C0-B290C0944FCB}"/>
+              </a:ext>
+              <a:ext uri="{C183D7F6-B498-43B3-948B-1728B52AA6E4}">
+                <adec:decorative xmlns:adec="http://schemas.microsoft.com/office/drawing/2017/decorative" val="1"/>
+              </a:ext>
+            </a:extLst>
+          </p:cNvPr>
+          <p:cNvSpPr>
+            <a:spLocks noGrp="1" noRot="1" noChangeAspect="1" noMove="1" noResize="1" noEditPoints="1" noAdjustHandles="1" noChangeArrowheads="1" noChangeShapeType="1" noTextEdit="1"/>
+          </p:cNvSpPr>
+          <p:nvPr>
+            <p:extLst>
+              <p:ext uri="{386F3935-93C4-4BCD-93E2-E3B085C9AB24}">
+                <p16:designElem xmlns:p16="http://schemas.microsoft.com/office/powerpoint/2015/main" val="1"/>
+              </p:ext>
+            </p:extLst>
+          </p:nvPr>
+        </p:nvSpPr>
+        <p:spPr>
+          <a:xfrm flipV="1">
+            <a:off x="0" y="0"/>
+            <a:ext cx="5379352" cy="6374535"/>
+          </a:xfrm>
+          <a:custGeom>
+            <a:avLst/>
+            <a:gdLst>
+              <a:gd name="connsiteX0" fmla="*/ 609861 w 5379352"/>
+              <a:gd name="connsiteY0" fmla="*/ 6374535 h 6374535"/>
+              <a:gd name="connsiteX1" fmla="*/ 3449004 w 5379352"/>
+              <a:gd name="connsiteY1" fmla="*/ 6374535 h 6374535"/>
+              <a:gd name="connsiteX2" fmla="*/ 3628245 w 5379352"/>
+              <a:gd name="connsiteY2" fmla="*/ 6288190 h 6374535"/>
+              <a:gd name="connsiteX3" fmla="*/ 5379352 w 5379352"/>
+              <a:gd name="connsiteY3" fmla="*/ 3346018 h 6374535"/>
+              <a:gd name="connsiteX4" fmla="*/ 2033334 w 5379352"/>
+              <a:gd name="connsiteY4" fmla="*/ 0 h 6374535"/>
+              <a:gd name="connsiteX5" fmla="*/ 129310 w 5379352"/>
+              <a:gd name="connsiteY5" fmla="*/ 594192 h 6374535"/>
+              <a:gd name="connsiteX6" fmla="*/ 0 w 5379352"/>
+              <a:gd name="connsiteY6" fmla="*/ 692103 h 6374535"/>
+              <a:gd name="connsiteX7" fmla="*/ 0 w 5379352"/>
+              <a:gd name="connsiteY7" fmla="*/ 5999934 h 6374535"/>
+              <a:gd name="connsiteX8" fmla="*/ 129311 w 5379352"/>
+              <a:gd name="connsiteY8" fmla="*/ 6097845 h 6374535"/>
+              <a:gd name="connsiteX9" fmla="*/ 367831 w 5379352"/>
+              <a:gd name="connsiteY9" fmla="*/ 6248727 h 6374535"/>
+            </a:gdLst>
+            <a:ahLst/>
+            <a:cxnLst>
+              <a:cxn ang="0">
+                <a:pos x="connsiteX0" y="connsiteY0"/>
+              </a:cxn>
+              <a:cxn ang="0">
+                <a:pos x="connsiteX1" y="connsiteY1"/>
+              </a:cxn>
+              <a:cxn ang="0">
+                <a:pos x="connsiteX2" y="connsiteY2"/>
+              </a:cxn>
+              <a:cxn ang="0">
+                <a:pos x="connsiteX3" y="connsiteY3"/>
+              </a:cxn>
+              <a:cxn ang="0">
+                <a:pos x="connsiteX4" y="connsiteY4"/>
+              </a:cxn>
+              <a:cxn ang="0">
+                <a:pos x="connsiteX5" y="connsiteY5"/>
+              </a:cxn>
+              <a:cxn ang="0">
+                <a:pos x="connsiteX6" y="connsiteY6"/>
+              </a:cxn>
+              <a:cxn ang="0">
+                <a:pos x="connsiteX7" y="connsiteY7"/>
+              </a:cxn>
+              <a:cxn ang="0">
+                <a:pos x="connsiteX8" y="connsiteY8"/>
+              </a:cxn>
+              <a:cxn ang="0">
+                <a:pos x="connsiteX9" y="connsiteY9"/>
+              </a:cxn>
+            </a:cxnLst>
+            <a:rect l="l" t="t" r="r" b="b"/>
+            <a:pathLst>
+              <a:path w="5379352" h="6374535">
+                <a:moveTo>
+                  <a:pt x="609861" y="6374535"/>
+                </a:moveTo>
+                <a:lnTo>
+                  <a:pt x="3449004" y="6374535"/>
+                </a:lnTo>
+                <a:lnTo>
+                  <a:pt x="3628245" y="6288190"/>
+                </a:lnTo>
+                <a:cubicBezTo>
+                  <a:pt x="4671283" y="5721578"/>
+                  <a:pt x="5379352" y="4616487"/>
+                  <a:pt x="5379352" y="3346018"/>
+                </a:cubicBezTo>
+                <a:cubicBezTo>
+                  <a:pt x="5379352" y="1498063"/>
+                  <a:pt x="3881289" y="0"/>
+                  <a:pt x="2033334" y="0"/>
+                </a:cubicBezTo>
+                <a:cubicBezTo>
+                  <a:pt x="1325914" y="0"/>
+                  <a:pt x="669769" y="219535"/>
+                  <a:pt x="129310" y="594192"/>
+                </a:cubicBezTo>
+                <a:lnTo>
+                  <a:pt x="0" y="692103"/>
+                </a:lnTo>
+                <a:lnTo>
+                  <a:pt x="0" y="5999934"/>
+                </a:lnTo>
+                <a:lnTo>
+                  <a:pt x="129311" y="6097845"/>
+                </a:lnTo>
+                <a:cubicBezTo>
+                  <a:pt x="206519" y="6151367"/>
+                  <a:pt x="286089" y="6201724"/>
+                  <a:pt x="367831" y="6248727"/>
+                </a:cubicBezTo>
+                <a:close/>
+              </a:path>
+            </a:pathLst>
+          </a:custGeom>
+          <a:solidFill>
+            <a:schemeClr val="bg1">
+              <a:alpha val="80000"/>
+            </a:schemeClr>
+          </a:solidFill>
+          <a:ln>
+            <a:noFill/>
+          </a:ln>
+        </p:spPr>
+        <p:style>
+          <a:lnRef idx="2">
+            <a:schemeClr val="accent1">
+              <a:shade val="50000"/>
+            </a:schemeClr>
+          </a:lnRef>
+          <a:fillRef idx="1">
+            <a:schemeClr val="accent1"/>
+          </a:fillRef>
+          <a:effectRef idx="0">
+            <a:schemeClr val="accent1"/>
+          </a:effectRef>
+          <a:fontRef idx="minor">
+            <a:schemeClr val="lt1"/>
+          </a:fontRef>
+        </p:style>
+        <p:txBody>
+          <a:bodyPr wrap="square" rtlCol="0" anchor="ctr">
+            <a:noAutofit/>
+          </a:bodyPr>
+          <a:lstStyle/>
+          <a:p>
+            <a:pPr marL="0" marR="0" lvl="0" indent="0" algn="ctr" defTabSz="914400" rtl="0" eaLnBrk="1" fontAlgn="auto" latinLnBrk="0" hangingPunct="1">
+              <a:lnSpc>
+                <a:spcPct val="100000"/>
+              </a:lnSpc>
+              <a:spcBef>
+                <a:spcPts val="0"/>
+              </a:spcBef>
+              <a:spcAft>
+                <a:spcPts val="0"/>
+              </a:spcAft>
+              <a:buClrTx/>
+              <a:buSzTx/>
+              <a:buFontTx/>
+              <a:buNone/>
+              <a:tabLst/>
+              <a:defRPr/>
+            </a:pPr>
+            <a:endParaRPr kumimoji="0" lang="en-US" sz="1800" b="0" i="0" u="none" strike="noStrike" kern="1200" cap="none" spc="0" normalizeH="0" baseline="0" noProof="0">
+              <a:ln>
+                <a:noFill/>
+              </a:ln>
+              <a:solidFill>
+                <a:prstClr val="white"/>
+              </a:solidFill>
+              <a:effectLst/>
+              <a:uLnTx/>
+              <a:uFillTx/>
+              <a:latin typeface="Calibri" panose="020F0502020204030204"/>
+              <a:ea typeface="+mn-ea"/>
+              <a:cs typeface="+mn-cs"/>
+            </a:endParaRPr>
+          </a:p>
+        </p:txBody>
+      </p:sp>
+      <p:sp>
+        <p:nvSpPr>
+          <p:cNvPr id="14" name="Freeform: Shape 13">
+            <a:extLst>
+              <a:ext uri="{FF2B5EF4-FFF2-40B4-BE49-F238E27FC236}">
+                <a16:creationId xmlns:a16="http://schemas.microsoft.com/office/drawing/2014/main" id="{C516C73E-9465-4C9E-9B86-9E58FB326B6B}"/>
+              </a:ext>
+              <a:ext uri="{C183D7F6-B498-43B3-948B-1728B52AA6E4}">
+                <adec:decorative xmlns:adec="http://schemas.microsoft.com/office/drawing/2017/decorative" val="1"/>
+              </a:ext>
+            </a:extLst>
+          </p:cNvPr>
+          <p:cNvSpPr>
+            <a:spLocks noGrp="1" noRot="1" noChangeAspect="1" noMove="1" noResize="1" noEditPoints="1" noAdjustHandles="1" noChangeArrowheads="1" noChangeShapeType="1" noTextEdit="1"/>
+          </p:cNvSpPr>
+          <p:nvPr>
+            <p:extLst>
+              <p:ext uri="{386F3935-93C4-4BCD-93E2-E3B085C9AB24}">
+                <p16:designElem xmlns:p16="http://schemas.microsoft.com/office/powerpoint/2015/main" val="1"/>
+              </p:ext>
+            </p:extLst>
+          </p:nvPr>
+        </p:nvSpPr>
+        <p:spPr>
+          <a:xfrm>
+            <a:off x="5299" y="0"/>
+            <a:ext cx="5210147" cy="6210629"/>
+          </a:xfrm>
+          <a:custGeom>
+            <a:avLst/>
+            <a:gdLst>
+              <a:gd name="connsiteX0" fmla="*/ 1058223 w 5210147"/>
+              <a:gd name="connsiteY0" fmla="*/ 0 h 6210629"/>
+              <a:gd name="connsiteX1" fmla="*/ 3003078 w 5210147"/>
+              <a:gd name="connsiteY1" fmla="*/ 0 h 6210629"/>
+              <a:gd name="connsiteX2" fmla="*/ 3266657 w 5210147"/>
+              <a:gd name="connsiteY2" fmla="*/ 96471 h 6210629"/>
+              <a:gd name="connsiteX3" fmla="*/ 5210147 w 5210147"/>
+              <a:gd name="connsiteY3" fmla="*/ 3028517 h 6210629"/>
+              <a:gd name="connsiteX4" fmla="*/ 2028035 w 5210147"/>
+              <a:gd name="connsiteY4" fmla="*/ 6210629 h 6210629"/>
+              <a:gd name="connsiteX5" fmla="*/ 3916 w 5210147"/>
+              <a:gd name="connsiteY5" fmla="*/ 5483989 h 6210629"/>
+              <a:gd name="connsiteX6" fmla="*/ 0 w 5210147"/>
+              <a:gd name="connsiteY6" fmla="*/ 5480430 h 6210629"/>
+              <a:gd name="connsiteX7" fmla="*/ 0 w 5210147"/>
+              <a:gd name="connsiteY7" fmla="*/ 576603 h 6210629"/>
+              <a:gd name="connsiteX8" fmla="*/ 3916 w 5210147"/>
+              <a:gd name="connsiteY8" fmla="*/ 573044 h 6210629"/>
+              <a:gd name="connsiteX9" fmla="*/ 933918 w 5210147"/>
+              <a:gd name="connsiteY9" fmla="*/ 39494 h 6210629"/>
+            </a:gdLst>
+            <a:ahLst/>
+            <a:cxnLst>
+              <a:cxn ang="0">
+                <a:pos x="connsiteX0" y="connsiteY0"/>
+              </a:cxn>
+              <a:cxn ang="0">
+                <a:pos x="connsiteX1" y="connsiteY1"/>
+              </a:cxn>
+              <a:cxn ang="0">
+                <a:pos x="connsiteX2" y="connsiteY2"/>
+              </a:cxn>
+              <a:cxn ang="0">
+                <a:pos x="connsiteX3" y="connsiteY3"/>
+              </a:cxn>
+              <a:cxn ang="0">
+                <a:pos x="connsiteX4" y="connsiteY4"/>
+              </a:cxn>
+              <a:cxn ang="0">
+                <a:pos x="connsiteX5" y="connsiteY5"/>
+              </a:cxn>
+              <a:cxn ang="0">
+                <a:pos x="connsiteX6" y="connsiteY6"/>
+              </a:cxn>
+              <a:cxn ang="0">
+                <a:pos x="connsiteX7" y="connsiteY7"/>
+              </a:cxn>
+              <a:cxn ang="0">
+                <a:pos x="connsiteX8" y="connsiteY8"/>
+              </a:cxn>
+              <a:cxn ang="0">
+                <a:pos x="connsiteX9" y="connsiteY9"/>
+              </a:cxn>
+            </a:cxnLst>
+            <a:rect l="l" t="t" r="r" b="b"/>
+            <a:pathLst>
+              <a:path w="5210147" h="6210629">
+                <a:moveTo>
+                  <a:pt x="1058223" y="0"/>
+                </a:moveTo>
+                <a:lnTo>
+                  <a:pt x="3003078" y="0"/>
+                </a:lnTo>
+                <a:lnTo>
+                  <a:pt x="3266657" y="96471"/>
+                </a:lnTo>
+                <a:cubicBezTo>
+                  <a:pt x="4408765" y="579542"/>
+                  <a:pt x="5210147" y="1710443"/>
+                  <a:pt x="5210147" y="3028517"/>
+                </a:cubicBezTo>
+                <a:cubicBezTo>
+                  <a:pt x="5210147" y="4785949"/>
+                  <a:pt x="3785467" y="6210629"/>
+                  <a:pt x="2028035" y="6210629"/>
+                </a:cubicBezTo>
+                <a:cubicBezTo>
+                  <a:pt x="1259159" y="6210629"/>
+                  <a:pt x="553973" y="5937936"/>
+                  <a:pt x="3916" y="5483989"/>
+                </a:cubicBezTo>
+                <a:lnTo>
+                  <a:pt x="0" y="5480430"/>
+                </a:lnTo>
+                <a:lnTo>
+                  <a:pt x="0" y="576603"/>
+                </a:lnTo>
+                <a:lnTo>
+                  <a:pt x="3916" y="573044"/>
+                </a:lnTo>
+                <a:cubicBezTo>
+                  <a:pt x="278945" y="346070"/>
+                  <a:pt x="592755" y="164410"/>
+                  <a:pt x="933918" y="39494"/>
+                </a:cubicBezTo>
+                <a:close/>
+              </a:path>
+            </a:pathLst>
+          </a:custGeom>
+          <a:solidFill>
+            <a:schemeClr val="bg1"/>
+          </a:solidFill>
+          <a:ln>
+            <a:noFill/>
+          </a:ln>
+        </p:spPr>
+        <p:style>
+          <a:lnRef idx="2">
+            <a:schemeClr val="accent1">
+              <a:shade val="50000"/>
+            </a:schemeClr>
+          </a:lnRef>
+          <a:fillRef idx="1">
+            <a:schemeClr val="accent1"/>
+          </a:fillRef>
+          <a:effectRef idx="0">
+            <a:schemeClr val="accent1"/>
+          </a:effectRef>
+          <a:fontRef idx="minor">
+            <a:schemeClr val="lt1"/>
+          </a:fontRef>
+        </p:style>
+        <p:txBody>
+          <a:bodyPr rtlCol="0" anchor="ctr"/>
+          <a:lstStyle/>
+          <a:p>
+            <a:pPr marL="0" marR="0" lvl="0" indent="0" algn="ctr" defTabSz="914400" rtl="0" eaLnBrk="1" fontAlgn="auto" latinLnBrk="0" hangingPunct="1">
+              <a:lnSpc>
+                <a:spcPct val="100000"/>
+              </a:lnSpc>
+              <a:spcBef>
+                <a:spcPts val="0"/>
+              </a:spcBef>
+              <a:spcAft>
+                <a:spcPts val="0"/>
+              </a:spcAft>
+              <a:buClrTx/>
+              <a:buSzTx/>
+              <a:buFontTx/>
+              <a:buNone/>
+              <a:tabLst/>
+              <a:defRPr/>
+            </a:pPr>
+            <a:endParaRPr kumimoji="0" lang="en-US" sz="1800" b="0" i="0" u="none" strike="noStrike" kern="1200" cap="none" spc="0" normalizeH="0" baseline="0" noProof="0">
+              <a:ln>
+                <a:noFill/>
+              </a:ln>
+              <a:solidFill>
+                <a:prstClr val="white"/>
+              </a:solidFill>
+              <a:effectLst/>
+              <a:uLnTx/>
+              <a:uFillTx/>
+              <a:latin typeface="Calibri" panose="020F0502020204030204"/>
+              <a:ea typeface="+mn-ea"/>
+              <a:cs typeface="+mn-cs"/>
+            </a:endParaRPr>
+          </a:p>
+        </p:txBody>
+      </p:sp>
+      <p:pic>
+        <p:nvPicPr>
+          <p:cNvPr id="7" name="Graphic 6" descr="Research">
+            <a:extLst>
+              <a:ext uri="{FF2B5EF4-FFF2-40B4-BE49-F238E27FC236}">
+                <a16:creationId xmlns:a16="http://schemas.microsoft.com/office/drawing/2014/main" id="{7910D24F-5DD1-416B-B662-5B322E490AA5}"/>
+              </a:ext>
+            </a:extLst>
+          </p:cNvPr>
+          <p:cNvPicPr>
+            <a:picLocks noChangeAspect="1"/>
+          </p:cNvPicPr>
+          <p:nvPr/>
+        </p:nvPicPr>
+        <p:blipFill>
+          <a:blip r:embed="rId2">
+            <a:extLst>
+              <a:ext uri="{28A0092B-C50C-407E-A947-70E740481C1C}">
+                <a14:useLocalDpi xmlns:a14="http://schemas.microsoft.com/office/drawing/2010/main" val="0"/>
+              </a:ext>
+              <a:ext uri="{96DAC541-7B7A-43D3-8B79-37D633B846F1}">
+                <asvg:svgBlip xmlns:asvg="http://schemas.microsoft.com/office/drawing/2016/SVG/main" r:embed="rId3"/>
+              </a:ext>
+            </a:extLst>
+          </a:blip>
+          <a:stretch>
+            <a:fillRect/>
+          </a:stretch>
+        </p:blipFill>
+        <p:spPr>
+          <a:xfrm>
+            <a:off x="480941" y="1301551"/>
+            <a:ext cx="3440610" cy="3440610"/>
+          </a:xfrm>
+          <a:prstGeom prst="rect">
+            <a:avLst/>
+          </a:prstGeom>
+        </p:spPr>
+      </p:pic>
     </p:spTree>
     <p:extLst>
       <p:ext uri="{BB962C8B-B14F-4D97-AF65-F5344CB8AC3E}">
@@ -3836,13 +7460,22 @@
             <a:pPr marL="285750"/>
             <a:r>
               <a:rPr lang="en-US" sz="1800" dirty="0"/>
-              <a:t>Most HDB Car Parks are </a:t>
+              <a:t>Most HDB Car Parks are 1 leveled</a:t>
             </a:r>
+          </a:p>
+          <a:p>
+            <a:pPr marL="285750"/>
             <a:r>
-              <a:rPr lang="en-US" sz="1800"/>
-              <a:t>1 leveled </a:t>
+              <a:rPr lang="en-US" sz="1800" dirty="0"/>
+              <a:t>The average car park level is 5</a:t>
             </a:r>
-            <a:endParaRPr lang="en-US" sz="1800" dirty="0"/>
+          </a:p>
+          <a:p>
+            <a:pPr marL="285750"/>
+            <a:r>
+              <a:rPr lang="en-US" sz="1800" dirty="0"/>
+              <a:t>There are only 2 HDB carparks that are 19 leveled  </a:t>
+            </a:r>
           </a:p>
         </p:txBody>
       </p:sp>
@@ -3968,6 +7601,14 @@
 <file path=ppt/slides/slide2.xml><?xml version="1.0" encoding="utf-8"?>
 <p:sld xmlns:a="http://schemas.openxmlformats.org/drawingml/2006/main" xmlns:r="http://schemas.openxmlformats.org/officeDocument/2006/relationships" xmlns:p="http://schemas.openxmlformats.org/presentationml/2006/main">
   <p:cSld>
+    <p:bg>
+      <p:bgPr>
+        <a:solidFill>
+          <a:schemeClr val="bg1"/>
+        </a:solidFill>
+        <a:effectLst/>
+      </p:bgPr>
+    </p:bg>
     <p:spTree>
       <p:nvGrpSpPr>
         <p:cNvPr id="1" name=""/>
@@ -3984,6 +7625,487 @@
       </p:grpSpPr>
       <p:sp>
         <p:nvSpPr>
+          <p:cNvPr id="10" name="Freeform: Shape 9">
+            <a:extLst>
+              <a:ext uri="{FF2B5EF4-FFF2-40B4-BE49-F238E27FC236}">
+                <a16:creationId xmlns:a16="http://schemas.microsoft.com/office/drawing/2014/main" id="{46C2E80F-49A6-4372-B103-219D417A55ED}"/>
+              </a:ext>
+              <a:ext uri="{C183D7F6-B498-43B3-948B-1728B52AA6E4}">
+                <adec:decorative xmlns:adec="http://schemas.microsoft.com/office/drawing/2017/decorative" val="1"/>
+              </a:ext>
+            </a:extLst>
+          </p:cNvPr>
+          <p:cNvSpPr>
+            <a:spLocks noGrp="1" noRot="1" noChangeAspect="1" noMove="1" noResize="1" noEditPoints="1" noAdjustHandles="1" noChangeArrowheads="1" noChangeShapeType="1" noTextEdit="1"/>
+          </p:cNvSpPr>
+          <p:nvPr>
+            <p:extLst>
+              <p:ext uri="{386F3935-93C4-4BCD-93E2-E3B085C9AB24}">
+                <p16:designElem xmlns:p16="http://schemas.microsoft.com/office/powerpoint/2015/main" val="1"/>
+              </p:ext>
+            </p:extLst>
+          </p:nvPr>
+        </p:nvSpPr>
+        <p:spPr>
+          <a:xfrm>
+            <a:off x="484096" y="470925"/>
+            <a:ext cx="4381009" cy="5892104"/>
+          </a:xfrm>
+          <a:custGeom>
+            <a:avLst/>
+            <a:gdLst>
+              <a:gd name="connsiteX0" fmla="*/ 0 w 4381009"/>
+              <a:gd name="connsiteY0" fmla="*/ 0 h 5892104"/>
+              <a:gd name="connsiteX1" fmla="*/ 4157628 w 4381009"/>
+              <a:gd name="connsiteY1" fmla="*/ 0 h 5892104"/>
+              <a:gd name="connsiteX2" fmla="*/ 4169302 w 4381009"/>
+              <a:gd name="connsiteY2" fmla="*/ 68659 h 5892104"/>
+              <a:gd name="connsiteX3" fmla="*/ 4191571 w 4381009"/>
+              <a:gd name="connsiteY3" fmla="*/ 205472 h 5892104"/>
+              <a:gd name="connsiteX4" fmla="*/ 4213368 w 4381009"/>
+              <a:gd name="connsiteY4" fmla="*/ 342890 h 5892104"/>
+              <a:gd name="connsiteX5" fmla="*/ 4232030 w 4381009"/>
+              <a:gd name="connsiteY5" fmla="*/ 480913 h 5892104"/>
+              <a:gd name="connsiteX6" fmla="*/ 4250848 w 4381009"/>
+              <a:gd name="connsiteY6" fmla="*/ 618332 h 5892104"/>
+              <a:gd name="connsiteX7" fmla="*/ 4268412 w 4381009"/>
+              <a:gd name="connsiteY7" fmla="*/ 756355 h 5892104"/>
+              <a:gd name="connsiteX8" fmla="*/ 4283467 w 4381009"/>
+              <a:gd name="connsiteY8" fmla="*/ 892563 h 5892104"/>
+              <a:gd name="connsiteX9" fmla="*/ 4297737 w 4381009"/>
+              <a:gd name="connsiteY9" fmla="*/ 1030587 h 5892104"/>
+              <a:gd name="connsiteX10" fmla="*/ 4310754 w 4381009"/>
+              <a:gd name="connsiteY10" fmla="*/ 1168005 h 5892104"/>
+              <a:gd name="connsiteX11" fmla="*/ 4322045 w 4381009"/>
+              <a:gd name="connsiteY11" fmla="*/ 1303002 h 5892104"/>
+              <a:gd name="connsiteX12" fmla="*/ 4333336 w 4381009"/>
+              <a:gd name="connsiteY12" fmla="*/ 1439815 h 5892104"/>
+              <a:gd name="connsiteX13" fmla="*/ 4342745 w 4381009"/>
+              <a:gd name="connsiteY13" fmla="*/ 1574812 h 5892104"/>
+              <a:gd name="connsiteX14" fmla="*/ 4350115 w 4381009"/>
+              <a:gd name="connsiteY14" fmla="*/ 1709808 h 5892104"/>
+              <a:gd name="connsiteX15" fmla="*/ 4357799 w 4381009"/>
+              <a:gd name="connsiteY15" fmla="*/ 1844200 h 5892104"/>
+              <a:gd name="connsiteX16" fmla="*/ 4364229 w 4381009"/>
+              <a:gd name="connsiteY16" fmla="*/ 1977381 h 5892104"/>
+              <a:gd name="connsiteX17" fmla="*/ 4368777 w 4381009"/>
+              <a:gd name="connsiteY17" fmla="*/ 2109351 h 5892104"/>
+              <a:gd name="connsiteX18" fmla="*/ 4372697 w 4381009"/>
+              <a:gd name="connsiteY18" fmla="*/ 2241321 h 5892104"/>
+              <a:gd name="connsiteX19" fmla="*/ 4376461 w 4381009"/>
+              <a:gd name="connsiteY19" fmla="*/ 2372080 h 5892104"/>
+              <a:gd name="connsiteX20" fmla="*/ 4378186 w 4381009"/>
+              <a:gd name="connsiteY20" fmla="*/ 2501023 h 5892104"/>
+              <a:gd name="connsiteX21" fmla="*/ 4380068 w 4381009"/>
+              <a:gd name="connsiteY21" fmla="*/ 2629966 h 5892104"/>
+              <a:gd name="connsiteX22" fmla="*/ 4381009 w 4381009"/>
+              <a:gd name="connsiteY22" fmla="*/ 2757093 h 5892104"/>
+              <a:gd name="connsiteX23" fmla="*/ 4380068 w 4381009"/>
+              <a:gd name="connsiteY23" fmla="*/ 2883010 h 5892104"/>
+              <a:gd name="connsiteX24" fmla="*/ 4380068 w 4381009"/>
+              <a:gd name="connsiteY24" fmla="*/ 3007715 h 5892104"/>
+              <a:gd name="connsiteX25" fmla="*/ 4378186 w 4381009"/>
+              <a:gd name="connsiteY25" fmla="*/ 3131210 h 5892104"/>
+              <a:gd name="connsiteX26" fmla="*/ 4375363 w 4381009"/>
+              <a:gd name="connsiteY26" fmla="*/ 3252283 h 5892104"/>
+              <a:gd name="connsiteX27" fmla="*/ 4372697 w 4381009"/>
+              <a:gd name="connsiteY27" fmla="*/ 3372146 h 5892104"/>
+              <a:gd name="connsiteX28" fmla="*/ 4369718 w 4381009"/>
+              <a:gd name="connsiteY28" fmla="*/ 3489587 h 5892104"/>
+              <a:gd name="connsiteX29" fmla="*/ 4365170 w 4381009"/>
+              <a:gd name="connsiteY29" fmla="*/ 3606423 h 5892104"/>
+              <a:gd name="connsiteX30" fmla="*/ 4360309 w 4381009"/>
+              <a:gd name="connsiteY30" fmla="*/ 3721443 h 5892104"/>
+              <a:gd name="connsiteX31" fmla="*/ 4355918 w 4381009"/>
+              <a:gd name="connsiteY31" fmla="*/ 3834041 h 5892104"/>
+              <a:gd name="connsiteX32" fmla="*/ 4343529 w 4381009"/>
+              <a:gd name="connsiteY32" fmla="*/ 4053789 h 5892104"/>
+              <a:gd name="connsiteX33" fmla="*/ 4330356 w 4381009"/>
+              <a:gd name="connsiteY33" fmla="*/ 4264457 h 5892104"/>
+              <a:gd name="connsiteX34" fmla="*/ 4316556 w 4381009"/>
+              <a:gd name="connsiteY34" fmla="*/ 4466650 h 5892104"/>
+              <a:gd name="connsiteX35" fmla="*/ 4301344 w 4381009"/>
+              <a:gd name="connsiteY35" fmla="*/ 4657946 h 5892104"/>
+              <a:gd name="connsiteX36" fmla="*/ 4285506 w 4381009"/>
+              <a:gd name="connsiteY36" fmla="*/ 4840767 h 5892104"/>
+              <a:gd name="connsiteX37" fmla="*/ 4268412 w 4381009"/>
+              <a:gd name="connsiteY37" fmla="*/ 5010269 h 5892104"/>
+              <a:gd name="connsiteX38" fmla="*/ 4251633 w 4381009"/>
+              <a:gd name="connsiteY38" fmla="*/ 5169481 h 5892104"/>
+              <a:gd name="connsiteX39" fmla="*/ 4234853 w 4381009"/>
+              <a:gd name="connsiteY39" fmla="*/ 5315980 h 5892104"/>
+              <a:gd name="connsiteX40" fmla="*/ 4219014 w 4381009"/>
+              <a:gd name="connsiteY40" fmla="*/ 5450371 h 5892104"/>
+              <a:gd name="connsiteX41" fmla="*/ 4203959 w 4381009"/>
+              <a:gd name="connsiteY41" fmla="*/ 5569628 h 5892104"/>
+              <a:gd name="connsiteX42" fmla="*/ 4189689 w 4381009"/>
+              <a:gd name="connsiteY42" fmla="*/ 5677384 h 5892104"/>
+              <a:gd name="connsiteX43" fmla="*/ 4177770 w 4381009"/>
+              <a:gd name="connsiteY43" fmla="*/ 5768189 h 5892104"/>
+              <a:gd name="connsiteX44" fmla="*/ 4166479 w 4381009"/>
+              <a:gd name="connsiteY44" fmla="*/ 5844465 h 5892104"/>
+              <a:gd name="connsiteX45" fmla="*/ 4159132 w 4381009"/>
+              <a:gd name="connsiteY45" fmla="*/ 5892104 h 5892104"/>
+              <a:gd name="connsiteX46" fmla="*/ 0 w 4381009"/>
+              <a:gd name="connsiteY46" fmla="*/ 5892104 h 5892104"/>
+            </a:gdLst>
+            <a:ahLst/>
+            <a:cxnLst>
+              <a:cxn ang="0">
+                <a:pos x="connsiteX0" y="connsiteY0"/>
+              </a:cxn>
+              <a:cxn ang="0">
+                <a:pos x="connsiteX1" y="connsiteY1"/>
+              </a:cxn>
+              <a:cxn ang="0">
+                <a:pos x="connsiteX2" y="connsiteY2"/>
+              </a:cxn>
+              <a:cxn ang="0">
+                <a:pos x="connsiteX3" y="connsiteY3"/>
+              </a:cxn>
+              <a:cxn ang="0">
+                <a:pos x="connsiteX4" y="connsiteY4"/>
+              </a:cxn>
+              <a:cxn ang="0">
+                <a:pos x="connsiteX5" y="connsiteY5"/>
+              </a:cxn>
+              <a:cxn ang="0">
+                <a:pos x="connsiteX6" y="connsiteY6"/>
+              </a:cxn>
+              <a:cxn ang="0">
+                <a:pos x="connsiteX7" y="connsiteY7"/>
+              </a:cxn>
+              <a:cxn ang="0">
+                <a:pos x="connsiteX8" y="connsiteY8"/>
+              </a:cxn>
+              <a:cxn ang="0">
+                <a:pos x="connsiteX9" y="connsiteY9"/>
+              </a:cxn>
+              <a:cxn ang="0">
+                <a:pos x="connsiteX10" y="connsiteY10"/>
+              </a:cxn>
+              <a:cxn ang="0">
+                <a:pos x="connsiteX11" y="connsiteY11"/>
+              </a:cxn>
+              <a:cxn ang="0">
+                <a:pos x="connsiteX12" y="connsiteY12"/>
+              </a:cxn>
+              <a:cxn ang="0">
+                <a:pos x="connsiteX13" y="connsiteY13"/>
+              </a:cxn>
+              <a:cxn ang="0">
+                <a:pos x="connsiteX14" y="connsiteY14"/>
+              </a:cxn>
+              <a:cxn ang="0">
+                <a:pos x="connsiteX15" y="connsiteY15"/>
+              </a:cxn>
+              <a:cxn ang="0">
+                <a:pos x="connsiteX16" y="connsiteY16"/>
+              </a:cxn>
+              <a:cxn ang="0">
+                <a:pos x="connsiteX17" y="connsiteY17"/>
+              </a:cxn>
+              <a:cxn ang="0">
+                <a:pos x="connsiteX18" y="connsiteY18"/>
+              </a:cxn>
+              <a:cxn ang="0">
+                <a:pos x="connsiteX19" y="connsiteY19"/>
+              </a:cxn>
+              <a:cxn ang="0">
+                <a:pos x="connsiteX20" y="connsiteY20"/>
+              </a:cxn>
+              <a:cxn ang="0">
+                <a:pos x="connsiteX21" y="connsiteY21"/>
+              </a:cxn>
+              <a:cxn ang="0">
+                <a:pos x="connsiteX22" y="connsiteY22"/>
+              </a:cxn>
+              <a:cxn ang="0">
+                <a:pos x="connsiteX23" y="connsiteY23"/>
+              </a:cxn>
+              <a:cxn ang="0">
+                <a:pos x="connsiteX24" y="connsiteY24"/>
+              </a:cxn>
+              <a:cxn ang="0">
+                <a:pos x="connsiteX25" y="connsiteY25"/>
+              </a:cxn>
+              <a:cxn ang="0">
+                <a:pos x="connsiteX26" y="connsiteY26"/>
+              </a:cxn>
+              <a:cxn ang="0">
+                <a:pos x="connsiteX27" y="connsiteY27"/>
+              </a:cxn>
+              <a:cxn ang="0">
+                <a:pos x="connsiteX28" y="connsiteY28"/>
+              </a:cxn>
+              <a:cxn ang="0">
+                <a:pos x="connsiteX29" y="connsiteY29"/>
+              </a:cxn>
+              <a:cxn ang="0">
+                <a:pos x="connsiteX30" y="connsiteY30"/>
+              </a:cxn>
+              <a:cxn ang="0">
+                <a:pos x="connsiteX31" y="connsiteY31"/>
+              </a:cxn>
+              <a:cxn ang="0">
+                <a:pos x="connsiteX32" y="connsiteY32"/>
+              </a:cxn>
+              <a:cxn ang="0">
+                <a:pos x="connsiteX33" y="connsiteY33"/>
+              </a:cxn>
+              <a:cxn ang="0">
+                <a:pos x="connsiteX34" y="connsiteY34"/>
+              </a:cxn>
+              <a:cxn ang="0">
+                <a:pos x="connsiteX35" y="connsiteY35"/>
+              </a:cxn>
+              <a:cxn ang="0">
+                <a:pos x="connsiteX36" y="connsiteY36"/>
+              </a:cxn>
+              <a:cxn ang="0">
+                <a:pos x="connsiteX37" y="connsiteY37"/>
+              </a:cxn>
+              <a:cxn ang="0">
+                <a:pos x="connsiteX38" y="connsiteY38"/>
+              </a:cxn>
+              <a:cxn ang="0">
+                <a:pos x="connsiteX39" y="connsiteY39"/>
+              </a:cxn>
+              <a:cxn ang="0">
+                <a:pos x="connsiteX40" y="connsiteY40"/>
+              </a:cxn>
+              <a:cxn ang="0">
+                <a:pos x="connsiteX41" y="connsiteY41"/>
+              </a:cxn>
+              <a:cxn ang="0">
+                <a:pos x="connsiteX42" y="connsiteY42"/>
+              </a:cxn>
+              <a:cxn ang="0">
+                <a:pos x="connsiteX43" y="connsiteY43"/>
+              </a:cxn>
+              <a:cxn ang="0">
+                <a:pos x="connsiteX44" y="connsiteY44"/>
+              </a:cxn>
+              <a:cxn ang="0">
+                <a:pos x="connsiteX45" y="connsiteY45"/>
+              </a:cxn>
+              <a:cxn ang="0">
+                <a:pos x="connsiteX46" y="connsiteY46"/>
+              </a:cxn>
+            </a:cxnLst>
+            <a:rect l="l" t="t" r="r" b="b"/>
+            <a:pathLst>
+              <a:path w="4381009" h="5892104">
+                <a:moveTo>
+                  <a:pt x="0" y="0"/>
+                </a:moveTo>
+                <a:lnTo>
+                  <a:pt x="4157628" y="0"/>
+                </a:lnTo>
+                <a:lnTo>
+                  <a:pt x="4169302" y="68659"/>
+                </a:lnTo>
+                <a:lnTo>
+                  <a:pt x="4191571" y="205472"/>
+                </a:lnTo>
+                <a:lnTo>
+                  <a:pt x="4213368" y="342890"/>
+                </a:lnTo>
+                <a:lnTo>
+                  <a:pt x="4232030" y="480913"/>
+                </a:lnTo>
+                <a:lnTo>
+                  <a:pt x="4250848" y="618332"/>
+                </a:lnTo>
+                <a:lnTo>
+                  <a:pt x="4268412" y="756355"/>
+                </a:lnTo>
+                <a:lnTo>
+                  <a:pt x="4283467" y="892563"/>
+                </a:lnTo>
+                <a:lnTo>
+                  <a:pt x="4297737" y="1030587"/>
+                </a:lnTo>
+                <a:lnTo>
+                  <a:pt x="4310754" y="1168005"/>
+                </a:lnTo>
+                <a:lnTo>
+                  <a:pt x="4322045" y="1303002"/>
+                </a:lnTo>
+                <a:lnTo>
+                  <a:pt x="4333336" y="1439815"/>
+                </a:lnTo>
+                <a:lnTo>
+                  <a:pt x="4342745" y="1574812"/>
+                </a:lnTo>
+                <a:lnTo>
+                  <a:pt x="4350115" y="1709808"/>
+                </a:lnTo>
+                <a:lnTo>
+                  <a:pt x="4357799" y="1844200"/>
+                </a:lnTo>
+                <a:lnTo>
+                  <a:pt x="4364229" y="1977381"/>
+                </a:lnTo>
+                <a:lnTo>
+                  <a:pt x="4368777" y="2109351"/>
+                </a:lnTo>
+                <a:lnTo>
+                  <a:pt x="4372697" y="2241321"/>
+                </a:lnTo>
+                <a:lnTo>
+                  <a:pt x="4376461" y="2372080"/>
+                </a:lnTo>
+                <a:lnTo>
+                  <a:pt x="4378186" y="2501023"/>
+                </a:lnTo>
+                <a:lnTo>
+                  <a:pt x="4380068" y="2629966"/>
+                </a:lnTo>
+                <a:lnTo>
+                  <a:pt x="4381009" y="2757093"/>
+                </a:lnTo>
+                <a:lnTo>
+                  <a:pt x="4380068" y="2883010"/>
+                </a:lnTo>
+                <a:lnTo>
+                  <a:pt x="4380068" y="3007715"/>
+                </a:lnTo>
+                <a:lnTo>
+                  <a:pt x="4378186" y="3131210"/>
+                </a:lnTo>
+                <a:lnTo>
+                  <a:pt x="4375363" y="3252283"/>
+                </a:lnTo>
+                <a:lnTo>
+                  <a:pt x="4372697" y="3372146"/>
+                </a:lnTo>
+                <a:lnTo>
+                  <a:pt x="4369718" y="3489587"/>
+                </a:lnTo>
+                <a:lnTo>
+                  <a:pt x="4365170" y="3606423"/>
+                </a:lnTo>
+                <a:lnTo>
+                  <a:pt x="4360309" y="3721443"/>
+                </a:lnTo>
+                <a:lnTo>
+                  <a:pt x="4355918" y="3834041"/>
+                </a:lnTo>
+                <a:lnTo>
+                  <a:pt x="4343529" y="4053789"/>
+                </a:lnTo>
+                <a:lnTo>
+                  <a:pt x="4330356" y="4264457"/>
+                </a:lnTo>
+                <a:lnTo>
+                  <a:pt x="4316556" y="4466650"/>
+                </a:lnTo>
+                <a:lnTo>
+                  <a:pt x="4301344" y="4657946"/>
+                </a:lnTo>
+                <a:lnTo>
+                  <a:pt x="4285506" y="4840767"/>
+                </a:lnTo>
+                <a:lnTo>
+                  <a:pt x="4268412" y="5010269"/>
+                </a:lnTo>
+                <a:lnTo>
+                  <a:pt x="4251633" y="5169481"/>
+                </a:lnTo>
+                <a:lnTo>
+                  <a:pt x="4234853" y="5315980"/>
+                </a:lnTo>
+                <a:lnTo>
+                  <a:pt x="4219014" y="5450371"/>
+                </a:lnTo>
+                <a:lnTo>
+                  <a:pt x="4203959" y="5569628"/>
+                </a:lnTo>
+                <a:lnTo>
+                  <a:pt x="4189689" y="5677384"/>
+                </a:lnTo>
+                <a:lnTo>
+                  <a:pt x="4177770" y="5768189"/>
+                </a:lnTo>
+                <a:lnTo>
+                  <a:pt x="4166479" y="5844465"/>
+                </a:lnTo>
+                <a:lnTo>
+                  <a:pt x="4159132" y="5892104"/>
+                </a:lnTo>
+                <a:lnTo>
+                  <a:pt x="0" y="5892104"/>
+                </a:lnTo>
+                <a:close/>
+              </a:path>
+            </a:pathLst>
+          </a:custGeom>
+          <a:solidFill>
+            <a:srgbClr val="404040"/>
+          </a:solidFill>
+          <a:ln>
+            <a:noFill/>
+          </a:ln>
+        </p:spPr>
+        <p:style>
+          <a:lnRef idx="2">
+            <a:schemeClr val="accent1">
+              <a:shade val="50000"/>
+            </a:schemeClr>
+          </a:lnRef>
+          <a:fillRef idx="1">
+            <a:schemeClr val="accent1"/>
+          </a:fillRef>
+          <a:effectRef idx="0">
+            <a:schemeClr val="accent1"/>
+          </a:effectRef>
+          <a:fontRef idx="minor">
+            <a:schemeClr val="lt1"/>
+          </a:fontRef>
+        </p:style>
+        <p:txBody>
+          <a:bodyPr wrap="square" rtlCol="0" anchor="ctr">
+            <a:noAutofit/>
+          </a:bodyPr>
+          <a:lstStyle/>
+          <a:p>
+            <a:pPr marL="0" marR="0" lvl="0" indent="0" algn="ctr" defTabSz="457200" rtl="0" eaLnBrk="1" fontAlgn="auto" latinLnBrk="0" hangingPunct="1">
+              <a:lnSpc>
+                <a:spcPct val="100000"/>
+              </a:lnSpc>
+              <a:spcBef>
+                <a:spcPts val="0"/>
+              </a:spcBef>
+              <a:spcAft>
+                <a:spcPts val="0"/>
+              </a:spcAft>
+              <a:buClrTx/>
+              <a:buSzTx/>
+              <a:buFontTx/>
+              <a:buNone/>
+              <a:tabLst/>
+              <a:defRPr/>
+            </a:pPr>
+            <a:endParaRPr kumimoji="0" lang="en-US" sz="1800" b="0" i="0" u="none" strike="noStrike" kern="1200" cap="none" spc="0" normalizeH="0" baseline="0" noProof="0">
+              <a:ln>
+                <a:noFill/>
+              </a:ln>
+              <a:solidFill>
+                <a:prstClr val="white"/>
+              </a:solidFill>
+              <a:effectLst/>
+              <a:uLnTx/>
+              <a:uFillTx/>
+              <a:latin typeface="Calibri" panose="020F0502020204030204"/>
+              <a:ea typeface="+mn-ea"/>
+              <a:cs typeface="+mn-cs"/>
+            </a:endParaRPr>
+          </a:p>
+        </p:txBody>
+      </p:sp>
+      <p:sp>
+        <p:nvSpPr>
           <p:cNvPr id="2" name="Title 1">
             <a:extLst>
               <a:ext uri="{FF2B5EF4-FFF2-40B4-BE49-F238E27FC236}">
@@ -3998,82 +8120,60 @@
             <p:ph type="title"/>
           </p:nvPr>
         </p:nvSpPr>
-        <p:spPr/>
+        <p:spPr>
+          <a:xfrm>
+            <a:off x="863029" y="1012004"/>
+            <a:ext cx="3416158" cy="4795408"/>
+          </a:xfrm>
+        </p:spPr>
         <p:txBody>
-          <a:bodyPr/>
+          <a:bodyPr>
+            <a:normAutofit/>
+          </a:bodyPr>
           <a:lstStyle/>
           <a:p>
             <a:r>
-              <a:rPr lang="en-SG" dirty="0"/>
+              <a:rPr lang="en-SG">
+                <a:solidFill>
+                  <a:srgbClr val="FFFFFF"/>
+                </a:solidFill>
+              </a:rPr>
               <a:t>URLs</a:t>
             </a:r>
           </a:p>
         </p:txBody>
       </p:sp>
-      <p:sp>
-        <p:nvSpPr>
-          <p:cNvPr id="3" name="Content Placeholder 2">
-            <a:extLst>
-              <a:ext uri="{FF2B5EF4-FFF2-40B4-BE49-F238E27FC236}">
-                <a16:creationId xmlns:a16="http://schemas.microsoft.com/office/drawing/2014/main" id="{EA7FE453-1E75-462F-B41C-294B830962BA}"/>
-              </a:ext>
-            </a:extLst>
-          </p:cNvPr>
-          <p:cNvSpPr>
-            <a:spLocks noGrp="1"/>
-          </p:cNvSpPr>
+      <p:graphicFrame>
+        <p:nvGraphicFramePr>
+          <p:cNvPr id="5" name="Content Placeholder 2">
+            <a:extLst>
+              <a:ext uri="{FF2B5EF4-FFF2-40B4-BE49-F238E27FC236}">
+                <a16:creationId xmlns:a16="http://schemas.microsoft.com/office/drawing/2014/main" id="{E9BB6E7A-C538-4132-9EFB-9B3988BCB357}"/>
+              </a:ext>
+            </a:extLst>
+          </p:cNvPr>
+          <p:cNvGraphicFramePr>
+            <a:graphicFrameLocks noGrp="1"/>
+          </p:cNvGraphicFramePr>
           <p:nvPr>
             <p:ph idx="1"/>
+            <p:extLst>
+              <p:ext uri="{D42A27DB-BD31-4B8C-83A1-F6EECF244321}">
+                <p14:modId xmlns:p14="http://schemas.microsoft.com/office/powerpoint/2010/main" val="1234489084"/>
+              </p:ext>
+            </p:extLst>
           </p:nvPr>
-        </p:nvSpPr>
-        <p:spPr/>
-        <p:txBody>
-          <a:bodyPr/>
-          <a:lstStyle/>
-          <a:p>
-            <a:r>
-              <a:rPr lang="en-SG" dirty="0"/>
-              <a:t>COE Results : </a:t>
-            </a:r>
-            <a:r>
-              <a:rPr lang="en-SG" dirty="0">
-                <a:hlinkClick r:id="rId2"/>
-              </a:rPr>
-              <a:t>https://data.gov.sg/dataset/coe-bidding-results</a:t>
-            </a:r>
-            <a:endParaRPr lang="en-SG" dirty="0"/>
-          </a:p>
-          <a:p>
-            <a:r>
-              <a:rPr lang="en-SG" dirty="0"/>
-              <a:t>Driving Licence: </a:t>
-            </a:r>
-            <a:r>
-              <a:rPr lang="en-SG" dirty="0">
-                <a:hlinkClick r:id="rId3"/>
-              </a:rPr>
-              <a:t>https://data.gov.sg/dataset/driving-licence-information-qualified-driving-licence-holders</a:t>
-            </a:r>
-            <a:endParaRPr lang="en-SG" dirty="0"/>
-          </a:p>
-          <a:p>
-            <a:r>
-              <a:rPr lang="en-SG" dirty="0"/>
-              <a:t>HDB Carpark </a:t>
-            </a:r>
-            <a:r>
-              <a:rPr lang="en-SG" dirty="0">
-                <a:hlinkClick r:id="rId4"/>
-              </a:rPr>
-              <a:t>https://data.gov.sg/dataset/hdb-carpark-information</a:t>
-            </a:r>
-            <a:endParaRPr lang="en-SG" dirty="0"/>
-          </a:p>
-          <a:p>
-            <a:endParaRPr lang="en-SG" dirty="0"/>
-          </a:p>
-        </p:txBody>
-      </p:sp>
+        </p:nvGraphicFramePr>
+        <p:xfrm>
+          <a:off x="5194300" y="470924"/>
+          <a:ext cx="6513604" cy="5885426"/>
+        </p:xfrm>
+        <a:graphic>
+          <a:graphicData uri="http://schemas.openxmlformats.org/drawingml/2006/diagram">
+            <dgm:relIds xmlns:dgm="http://schemas.openxmlformats.org/drawingml/2006/diagram" xmlns:r="http://schemas.openxmlformats.org/officeDocument/2006/relationships" r:dm="rId2" r:lo="rId3" r:qs="rId4" r:cs="rId5"/>
+          </a:graphicData>
+        </a:graphic>
+      </p:graphicFrame>
     </p:spTree>
     <p:extLst>
       <p:ext uri="{BB962C8B-B14F-4D97-AF65-F5344CB8AC3E}">
@@ -4659,6 +8759,14 @@
 <file path=ppt/slides/slide4.xml><?xml version="1.0" encoding="utf-8"?>
 <p:sld xmlns:a="http://schemas.openxmlformats.org/drawingml/2006/main" xmlns:r="http://schemas.openxmlformats.org/officeDocument/2006/relationships" xmlns:p="http://schemas.openxmlformats.org/presentationml/2006/main">
   <p:cSld>
+    <p:bg>
+      <p:bgPr>
+        <a:solidFill>
+          <a:schemeClr val="bg1"/>
+        </a:solidFill>
+        <a:effectLst/>
+      </p:bgPr>
+    </p:bg>
     <p:spTree>
       <p:nvGrpSpPr>
         <p:cNvPr id="1" name=""/>
@@ -4673,6 +8781,165 @@
           <a:chExt cx="0" cy="0"/>
         </a:xfrm>
       </p:grpSpPr>
+      <p:sp useBgFill="1">
+        <p:nvSpPr>
+          <p:cNvPr id="35" name="Rectangle 31">
+            <a:extLst>
+              <a:ext uri="{FF2B5EF4-FFF2-40B4-BE49-F238E27FC236}">
+                <a16:creationId xmlns:a16="http://schemas.microsoft.com/office/drawing/2014/main" id="{5BA49487-3FDB-4FB7-9D50-2B4F9454DA91}"/>
+              </a:ext>
+              <a:ext uri="{C183D7F6-B498-43B3-948B-1728B52AA6E4}">
+                <adec:decorative xmlns:adec="http://schemas.microsoft.com/office/drawing/2017/decorative" val="1"/>
+              </a:ext>
+            </a:extLst>
+          </p:cNvPr>
+          <p:cNvSpPr>
+            <a:spLocks noGrp="1" noRot="1" noChangeAspect="1" noMove="1" noResize="1" noEditPoints="1" noAdjustHandles="1" noChangeArrowheads="1" noChangeShapeType="1" noTextEdit="1"/>
+          </p:cNvSpPr>
+          <p:nvPr>
+            <p:extLst>
+              <p:ext uri="{386F3935-93C4-4BCD-93E2-E3B085C9AB24}">
+                <p16:designElem xmlns:p16="http://schemas.microsoft.com/office/powerpoint/2015/main" val="1"/>
+              </p:ext>
+            </p:extLst>
+          </p:nvPr>
+        </p:nvSpPr>
+        <p:spPr>
+          <a:xfrm>
+            <a:off x="0" y="0"/>
+            <a:ext cx="12192000" cy="6858000"/>
+          </a:xfrm>
+          <a:prstGeom prst="rect">
+            <a:avLst/>
+          </a:prstGeom>
+          <a:ln>
+            <a:noFill/>
+          </a:ln>
+        </p:spPr>
+        <p:style>
+          <a:lnRef idx="2">
+            <a:schemeClr val="accent1">
+              <a:shade val="50000"/>
+            </a:schemeClr>
+          </a:lnRef>
+          <a:fillRef idx="1">
+            <a:schemeClr val="accent1"/>
+          </a:fillRef>
+          <a:effectRef idx="0">
+            <a:schemeClr val="accent1"/>
+          </a:effectRef>
+          <a:fontRef idx="minor">
+            <a:schemeClr val="lt1"/>
+          </a:fontRef>
+        </p:style>
+        <p:txBody>
+          <a:bodyPr rtlCol="0" anchor="ctr"/>
+          <a:lstStyle/>
+          <a:p>
+            <a:pPr algn="ctr"/>
+            <a:endParaRPr lang="en-US"/>
+          </a:p>
+        </p:txBody>
+      </p:sp>
+      <p:sp useBgFill="1">
+        <p:nvSpPr>
+          <p:cNvPr id="34" name="Rectangle 33">
+            <a:extLst>
+              <a:ext uri="{FF2B5EF4-FFF2-40B4-BE49-F238E27FC236}">
+                <a16:creationId xmlns:a16="http://schemas.microsoft.com/office/drawing/2014/main" id="{1C938212-FA12-4FF1-87C8-ACDE99D06F69}"/>
+              </a:ext>
+              <a:ext uri="{C183D7F6-B498-43B3-948B-1728B52AA6E4}">
+                <adec:decorative xmlns:adec="http://schemas.microsoft.com/office/drawing/2017/decorative" val="1"/>
+              </a:ext>
+            </a:extLst>
+          </p:cNvPr>
+          <p:cNvSpPr>
+            <a:spLocks noGrp="1" noRot="1" noChangeAspect="1" noMove="1" noResize="1" noEditPoints="1" noAdjustHandles="1" noChangeArrowheads="1" noChangeShapeType="1" noTextEdit="1"/>
+          </p:cNvSpPr>
+          <p:nvPr>
+            <p:extLst>
+              <p:ext uri="{386F3935-93C4-4BCD-93E2-E3B085C9AB24}">
+                <p16:designElem xmlns:p16="http://schemas.microsoft.com/office/powerpoint/2015/main" val="1"/>
+              </p:ext>
+            </p:extLst>
+          </p:nvPr>
+        </p:nvSpPr>
+        <p:spPr>
+          <a:xfrm>
+            <a:off x="554416" y="4218905"/>
+            <a:ext cx="11167447" cy="2089317"/>
+          </a:xfrm>
+          <a:prstGeom prst="rect">
+            <a:avLst/>
+          </a:prstGeom>
+          <a:ln w="12700">
+            <a:solidFill>
+              <a:srgbClr val="EFEFEF"/>
+            </a:solidFill>
+          </a:ln>
+          <a:effectLst>
+            <a:outerShdw blurRad="50800" dist="38100" dir="2700000" algn="tl" rotWithShape="0">
+              <a:schemeClr val="bg2">
+                <a:lumMod val="85000"/>
+                <a:alpha val="30000"/>
+              </a:schemeClr>
+            </a:outerShdw>
+          </a:effectLst>
+        </p:spPr>
+        <p:style>
+          <a:lnRef idx="2">
+            <a:schemeClr val="accent1">
+              <a:shade val="50000"/>
+            </a:schemeClr>
+          </a:lnRef>
+          <a:fillRef idx="1">
+            <a:schemeClr val="accent1"/>
+          </a:fillRef>
+          <a:effectRef idx="0">
+            <a:schemeClr val="accent1"/>
+          </a:effectRef>
+          <a:fontRef idx="minor">
+            <a:schemeClr val="lt1"/>
+          </a:fontRef>
+        </p:style>
+        <p:txBody>
+          <a:bodyPr rtlCol="0" anchor="ctr"/>
+          <a:lstStyle/>
+          <a:p>
+            <a:pPr marL="0" marR="0" lvl="0" indent="0" algn="ctr" defTabSz="914400" rtl="0" eaLnBrk="1" fontAlgn="auto" latinLnBrk="0" hangingPunct="1">
+              <a:lnSpc>
+                <a:spcPct val="100000"/>
+              </a:lnSpc>
+              <a:spcBef>
+                <a:spcPts val="0"/>
+              </a:spcBef>
+              <a:spcAft>
+                <a:spcPts val="0"/>
+              </a:spcAft>
+              <a:buClrTx/>
+              <a:buSzTx/>
+              <a:buFontTx/>
+              <a:buNone/>
+              <a:tabLst/>
+              <a:defRPr/>
+            </a:pPr>
+            <a:endParaRPr kumimoji="0" lang="en-US" sz="1800" b="0" i="0" u="none" strike="noStrike" kern="1200" cap="none" spc="0" normalizeH="0" baseline="0" noProof="0">
+              <a:ln>
+                <a:noFill/>
+              </a:ln>
+              <a:solidFill>
+                <a:prstClr val="white"/>
+              </a:solidFill>
+              <a:effectLst/>
+              <a:uLnTx/>
+              <a:uFillTx/>
+              <a:latin typeface="Calibri" panose="020F0502020204030204"/>
+              <a:ea typeface="+mn-ea"/>
+              <a:cs typeface="+mn-cs"/>
+            </a:endParaRPr>
+          </a:p>
+        </p:txBody>
+      </p:sp>
       <p:sp>
         <p:nvSpPr>
           <p:cNvPr id="2" name="Title 1">
@@ -4689,13 +8956,20 @@
             <p:ph type="title"/>
           </p:nvPr>
         </p:nvSpPr>
-        <p:spPr/>
+        <p:spPr>
+          <a:xfrm>
+            <a:off x="838200" y="4440602"/>
+            <a:ext cx="3300663" cy="1645920"/>
+          </a:xfrm>
+        </p:spPr>
         <p:txBody>
-          <a:bodyPr/>
+          <a:bodyPr vert="horz" lIns="91440" tIns="45720" rIns="91440" bIns="45720" rtlCol="0" anchor="ctr">
+            <a:normAutofit/>
+          </a:bodyPr>
           <a:lstStyle/>
           <a:p>
             <a:r>
-              <a:rPr lang="en-SG" dirty="0"/>
+              <a:rPr lang="en-US" sz="2800"/>
               <a:t>COE Results Dataset Preparation</a:t>
             </a:r>
           </a:p>
@@ -4703,19 +8977,17 @@
       </p:sp>
       <p:pic>
         <p:nvPicPr>
-          <p:cNvPr id="4" name="Content Placeholder 3">
-            <a:extLst>
-              <a:ext uri="{FF2B5EF4-FFF2-40B4-BE49-F238E27FC236}">
-                <a16:creationId xmlns:a16="http://schemas.microsoft.com/office/drawing/2014/main" id="{B95D487D-D807-4C81-96A3-D4AAD062B41A}"/>
+          <p:cNvPr id="7" name="Picture 6">
+            <a:extLst>
+              <a:ext uri="{FF2B5EF4-FFF2-40B4-BE49-F238E27FC236}">
+                <a16:creationId xmlns:a16="http://schemas.microsoft.com/office/drawing/2014/main" id="{69624ED2-2840-4219-AFD2-F14EB19BD399}"/>
               </a:ext>
             </a:extLst>
           </p:cNvPr>
           <p:cNvPicPr>
-            <a:picLocks noGrp="1" noChangeAspect="1"/>
+            <a:picLocks noChangeAspect="1"/>
           </p:cNvPicPr>
-          <p:nvPr>
-            <p:ph idx="1"/>
-          </p:nvPr>
+          <p:nvPr/>
         </p:nvPicPr>
         <p:blipFill>
           <a:blip r:embed="rId2"/>
@@ -4725,8 +8997,40 @@
         </p:blipFill>
         <p:spPr>
           <a:xfrm>
-            <a:off x="1401618" y="1690688"/>
-            <a:ext cx="4214091" cy="3088409"/>
+            <a:off x="8545116" y="360137"/>
+            <a:ext cx="3584448" cy="3498632"/>
+          </a:xfrm>
+          <a:prstGeom prst="rect">
+            <a:avLst/>
+          </a:prstGeom>
+        </p:spPr>
+      </p:pic>
+      <p:pic>
+        <p:nvPicPr>
+          <p:cNvPr id="4" name="Content Placeholder 3">
+            <a:extLst>
+              <a:ext uri="{FF2B5EF4-FFF2-40B4-BE49-F238E27FC236}">
+                <a16:creationId xmlns:a16="http://schemas.microsoft.com/office/drawing/2014/main" id="{B95D487D-D807-4C81-96A3-D4AAD062B41A}"/>
+              </a:ext>
+            </a:extLst>
+          </p:cNvPr>
+          <p:cNvPicPr>
+            <a:picLocks noGrp="1" noChangeAspect="1"/>
+          </p:cNvPicPr>
+          <p:nvPr>
+            <p:ph idx="1"/>
+          </p:nvPr>
+        </p:nvPicPr>
+        <p:blipFill>
+          <a:blip r:embed="rId3"/>
+          <a:stretch>
+            <a:fillRect/>
+          </a:stretch>
+        </p:blipFill>
+        <p:spPr>
+          <a:xfrm>
+            <a:off x="157897" y="529472"/>
+            <a:ext cx="4516388" cy="3309955"/>
           </a:xfrm>
           <a:prstGeom prst="rect">
             <a:avLst/>
@@ -4739,36 +9043,6 @@
             <a:extLst>
               <a:ext uri="{FF2B5EF4-FFF2-40B4-BE49-F238E27FC236}">
                 <a16:creationId xmlns:a16="http://schemas.microsoft.com/office/drawing/2014/main" id="{835B518E-A6C5-4107-81C7-8B829829AA87}"/>
-              </a:ext>
-            </a:extLst>
-          </p:cNvPr>
-          <p:cNvPicPr>
-            <a:picLocks noChangeAspect="1"/>
-          </p:cNvPicPr>
-          <p:nvPr/>
-        </p:nvPicPr>
-        <p:blipFill>
-          <a:blip r:embed="rId3"/>
-          <a:stretch>
-            <a:fillRect/>
-          </a:stretch>
-        </p:blipFill>
-        <p:spPr>
-          <a:xfrm>
-            <a:off x="1771073" y="4997120"/>
-            <a:ext cx="3744768" cy="1495755"/>
-          </a:xfrm>
-          <a:prstGeom prst="rect">
-            <a:avLst/>
-          </a:prstGeom>
-        </p:spPr>
-      </p:pic>
-      <p:pic>
-        <p:nvPicPr>
-          <p:cNvPr id="7" name="Picture 6">
-            <a:extLst>
-              <a:ext uri="{FF2B5EF4-FFF2-40B4-BE49-F238E27FC236}">
-                <a16:creationId xmlns:a16="http://schemas.microsoft.com/office/drawing/2014/main" id="{69624ED2-2840-4219-AFD2-F14EB19BD399}"/>
               </a:ext>
             </a:extLst>
           </p:cNvPr>
@@ -4785,14 +9059,275 @@
         </p:blipFill>
         <p:spPr>
           <a:xfrm>
-            <a:off x="6096000" y="1588366"/>
-            <a:ext cx="5172075" cy="5048250"/>
+            <a:off x="4769746" y="1207823"/>
+            <a:ext cx="3584448" cy="1431719"/>
           </a:xfrm>
           <a:prstGeom prst="rect">
             <a:avLst/>
           </a:prstGeom>
         </p:spPr>
       </p:pic>
+      <p:sp>
+        <p:nvSpPr>
+          <p:cNvPr id="36" name="Rectangle 35">
+            <a:extLst>
+              <a:ext uri="{FF2B5EF4-FFF2-40B4-BE49-F238E27FC236}">
+                <a16:creationId xmlns:a16="http://schemas.microsoft.com/office/drawing/2014/main" id="{369F152D-E540-4B48-BA11-2ADF043C6111}"/>
+              </a:ext>
+              <a:ext uri="{C183D7F6-B498-43B3-948B-1728B52AA6E4}">
+                <adec:decorative xmlns:adec="http://schemas.microsoft.com/office/drawing/2017/decorative" val="1"/>
+              </a:ext>
+            </a:extLst>
+          </p:cNvPr>
+          <p:cNvSpPr>
+            <a:spLocks noGrp="1" noRot="1" noChangeAspect="1" noMove="1" noResize="1" noEditPoints="1" noAdjustHandles="1" noChangeArrowheads="1" noChangeShapeType="1" noTextEdit="1"/>
+          </p:cNvSpPr>
+          <p:nvPr>
+            <p:extLst>
+              <p:ext uri="{386F3935-93C4-4BCD-93E2-E3B085C9AB24}">
+                <p16:designElem xmlns:p16="http://schemas.microsoft.com/office/powerpoint/2015/main" val="1"/>
+              </p:ext>
+            </p:extLst>
+          </p:nvPr>
+        </p:nvSpPr>
+        <p:spPr>
+          <a:xfrm>
+            <a:off x="490408" y="4911519"/>
+            <a:ext cx="128016" cy="704088"/>
+          </a:xfrm>
+          <a:prstGeom prst="rect">
+            <a:avLst/>
+          </a:prstGeom>
+          <a:solidFill>
+            <a:schemeClr val="accent2"/>
+          </a:solidFill>
+          <a:ln>
+            <a:noFill/>
+          </a:ln>
+        </p:spPr>
+        <p:style>
+          <a:lnRef idx="2">
+            <a:schemeClr val="accent1">
+              <a:shade val="50000"/>
+            </a:schemeClr>
+          </a:lnRef>
+          <a:fillRef idx="1">
+            <a:schemeClr val="accent1"/>
+          </a:fillRef>
+          <a:effectRef idx="0">
+            <a:schemeClr val="accent1"/>
+          </a:effectRef>
+          <a:fontRef idx="minor">
+            <a:schemeClr val="lt1"/>
+          </a:fontRef>
+        </p:style>
+        <p:txBody>
+          <a:bodyPr rtlCol="0" anchor="ctr"/>
+          <a:lstStyle/>
+          <a:p>
+            <a:pPr marL="0" marR="0" lvl="0" indent="0" algn="ctr" defTabSz="914400" rtl="0" eaLnBrk="1" fontAlgn="auto" latinLnBrk="0" hangingPunct="1">
+              <a:lnSpc>
+                <a:spcPct val="100000"/>
+              </a:lnSpc>
+              <a:spcBef>
+                <a:spcPts val="0"/>
+              </a:spcBef>
+              <a:spcAft>
+                <a:spcPts val="0"/>
+              </a:spcAft>
+              <a:buClrTx/>
+              <a:buSzTx/>
+              <a:buFontTx/>
+              <a:buNone/>
+              <a:tabLst/>
+              <a:defRPr/>
+            </a:pPr>
+            <a:endParaRPr kumimoji="0" lang="en-US" sz="1800" b="0" i="0" u="none" strike="noStrike" kern="1200" cap="none" spc="0" normalizeH="0" baseline="0" noProof="0" dirty="0">
+              <a:ln>
+                <a:noFill/>
+              </a:ln>
+              <a:solidFill>
+                <a:prstClr val="white"/>
+              </a:solidFill>
+              <a:effectLst/>
+              <a:uLnTx/>
+              <a:uFillTx/>
+              <a:latin typeface="Calibri" panose="020F0502020204030204"/>
+              <a:ea typeface="+mn-ea"/>
+              <a:cs typeface="+mn-cs"/>
+            </a:endParaRPr>
+          </a:p>
+        </p:txBody>
+      </p:sp>
+      <p:sp>
+        <p:nvSpPr>
+          <p:cNvPr id="38" name="Rectangle 37">
+            <a:extLst>
+              <a:ext uri="{FF2B5EF4-FFF2-40B4-BE49-F238E27FC236}">
+                <a16:creationId xmlns:a16="http://schemas.microsoft.com/office/drawing/2014/main" id="{0C059F7E-04C4-4C46-9B3E-E5CE267E347D}"/>
+              </a:ext>
+              <a:ext uri="{C183D7F6-B498-43B3-948B-1728B52AA6E4}">
+                <adec:decorative xmlns:adec="http://schemas.microsoft.com/office/drawing/2017/decorative" val="1"/>
+              </a:ext>
+            </a:extLst>
+          </p:cNvPr>
+          <p:cNvSpPr>
+            <a:spLocks noGrp="1" noRot="1" noChangeAspect="1" noMove="1" noResize="1" noEditPoints="1" noAdjustHandles="1" noChangeArrowheads="1" noChangeShapeType="1" noTextEdit="1"/>
+          </p:cNvSpPr>
+          <p:nvPr>
+            <p:extLst>
+              <p:ext uri="{386F3935-93C4-4BCD-93E2-E3B085C9AB24}">
+                <p16:designElem xmlns:p16="http://schemas.microsoft.com/office/powerpoint/2015/main" val="1"/>
+              </p:ext>
+            </p:extLst>
+          </p:nvPr>
+        </p:nvSpPr>
+        <p:spPr>
+          <a:xfrm rot="5400000">
+            <a:off x="3603970" y="5258990"/>
+            <a:ext cx="1463040" cy="9144"/>
+          </a:xfrm>
+          <a:prstGeom prst="rect">
+            <a:avLst/>
+          </a:prstGeom>
+          <a:solidFill>
+            <a:srgbClr val="D5D5D5"/>
+          </a:solidFill>
+          <a:ln w="3175">
+            <a:noFill/>
+          </a:ln>
+          <a:effectLst/>
+        </p:spPr>
+        <p:style>
+          <a:lnRef idx="2">
+            <a:schemeClr val="accent1">
+              <a:shade val="50000"/>
+            </a:schemeClr>
+          </a:lnRef>
+          <a:fillRef idx="1">
+            <a:schemeClr val="accent1"/>
+          </a:fillRef>
+          <a:effectRef idx="0">
+            <a:schemeClr val="accent1"/>
+          </a:effectRef>
+          <a:fontRef idx="minor">
+            <a:schemeClr val="lt1"/>
+          </a:fontRef>
+        </p:style>
+        <p:txBody>
+          <a:bodyPr rtlCol="0" anchor="ctr"/>
+          <a:lstStyle/>
+          <a:p>
+            <a:pPr marL="0" marR="0" lvl="0" indent="0" algn="ctr" defTabSz="914400" rtl="0" eaLnBrk="1" fontAlgn="auto" latinLnBrk="0" hangingPunct="1">
+              <a:lnSpc>
+                <a:spcPct val="100000"/>
+              </a:lnSpc>
+              <a:spcBef>
+                <a:spcPts val="0"/>
+              </a:spcBef>
+              <a:spcAft>
+                <a:spcPts val="0"/>
+              </a:spcAft>
+              <a:buClrTx/>
+              <a:buSzTx/>
+              <a:buFontTx/>
+              <a:buNone/>
+              <a:tabLst/>
+              <a:defRPr/>
+            </a:pPr>
+            <a:endParaRPr kumimoji="0" lang="en-US" sz="1800" b="0" i="0" u="none" strike="noStrike" kern="1200" cap="none" spc="0" normalizeH="0" baseline="0" noProof="0">
+              <a:ln>
+                <a:noFill/>
+              </a:ln>
+              <a:solidFill>
+                <a:prstClr val="white"/>
+              </a:solidFill>
+              <a:effectLst/>
+              <a:uLnTx/>
+              <a:uFillTx/>
+              <a:latin typeface="Calibri" panose="020F0502020204030204"/>
+              <a:ea typeface="+mn-ea"/>
+              <a:cs typeface="+mn-cs"/>
+            </a:endParaRPr>
+          </a:p>
+        </p:txBody>
+      </p:sp>
+      <p:sp>
+        <p:nvSpPr>
+          <p:cNvPr id="3" name="TextBox 2">
+            <a:extLst>
+              <a:ext uri="{FF2B5EF4-FFF2-40B4-BE49-F238E27FC236}">
+                <a16:creationId xmlns:a16="http://schemas.microsoft.com/office/drawing/2014/main" id="{5FC453D4-6E02-44EC-8E3E-AB9747BA2F58}"/>
+              </a:ext>
+            </a:extLst>
+          </p:cNvPr>
+          <p:cNvSpPr txBox="1"/>
+          <p:nvPr/>
+        </p:nvSpPr>
+        <p:spPr>
+          <a:xfrm>
+            <a:off x="4578824" y="4440602"/>
+            <a:ext cx="6860184" cy="1645920"/>
+          </a:xfrm>
+          <a:prstGeom prst="rect">
+            <a:avLst/>
+          </a:prstGeom>
+        </p:spPr>
+        <p:txBody>
+          <a:bodyPr vert="horz" lIns="91440" tIns="45720" rIns="91440" bIns="45720" rtlCol="0" anchor="ctr">
+            <a:normAutofit/>
+          </a:bodyPr>
+          <a:lstStyle/>
+          <a:p>
+            <a:pPr marL="285750" indent="-228600">
+              <a:lnSpc>
+                <a:spcPct val="90000"/>
+              </a:lnSpc>
+              <a:spcAft>
+                <a:spcPts val="600"/>
+              </a:spcAft>
+              <a:buFont typeface="Arial" panose="020B0604020202020204" pitchFamily="34" charset="0"/>
+              <a:buChar char="•"/>
+            </a:pPr>
+            <a:r>
+              <a:rPr lang="en-US"/>
+              <a:t>Function to seperate the different categories</a:t>
+            </a:r>
+          </a:p>
+          <a:p>
+            <a:pPr marL="285750" indent="-228600">
+              <a:lnSpc>
+                <a:spcPct val="90000"/>
+              </a:lnSpc>
+              <a:spcAft>
+                <a:spcPts val="600"/>
+              </a:spcAft>
+              <a:buFont typeface="Arial" panose="020B0604020202020204" pitchFamily="34" charset="0"/>
+              <a:buChar char="•"/>
+            </a:pPr>
+            <a:r>
+              <a:rPr lang="en-US"/>
+              <a:t>List of the different years</a:t>
+            </a:r>
+          </a:p>
+          <a:p>
+            <a:pPr marL="285750" indent="-228600">
+              <a:lnSpc>
+                <a:spcPct val="90000"/>
+              </a:lnSpc>
+              <a:spcAft>
+                <a:spcPts val="600"/>
+              </a:spcAft>
+              <a:buFont typeface="Arial" panose="020B0604020202020204" pitchFamily="34" charset="0"/>
+              <a:buChar char="•"/>
+            </a:pPr>
+            <a:r>
+              <a:rPr lang="en-US"/>
+              <a:t>Calculate the difference for the month as compare to the month before</a:t>
+            </a:r>
+          </a:p>
+        </p:txBody>
+      </p:sp>
     </p:spTree>
     <p:extLst>
       <p:ext uri="{BB962C8B-B14F-4D97-AF65-F5344CB8AC3E}">
@@ -5819,57 +10354,18 @@
             <a:pPr marL="285750"/>
             <a:r>
               <a:rPr lang="en-US" sz="1800" dirty="0"/>
-              <a:t>2017 Min &amp; 2018 Max is almost the same </a:t>
+              <a:t>2017 Min &amp; 2018 Max is almost the same</a:t>
+            </a:r>
+          </a:p>
+          <a:p>
+            <a:pPr marL="285750"/>
+            <a:r>
+              <a:rPr lang="en-US" sz="1800" dirty="0"/>
+              <a:t>CI &gt; UQ : 95%  for 2016 &amp; 2017</a:t>
             </a:r>
           </a:p>
         </p:txBody>
       </p:sp>
-      <p:pic>
-        <p:nvPicPr>
-          <p:cNvPr id="3076" name="Picture 4">
-            <a:extLst>
-              <a:ext uri="{FF2B5EF4-FFF2-40B4-BE49-F238E27FC236}">
-                <a16:creationId xmlns:a16="http://schemas.microsoft.com/office/drawing/2014/main" id="{98E03FEF-0FB0-457E-9893-9D8A7C6FCE7A}"/>
-              </a:ext>
-            </a:extLst>
-          </p:cNvPr>
-          <p:cNvPicPr>
-            <a:picLocks noChangeAspect="1" noChangeArrowheads="1"/>
-          </p:cNvPicPr>
-          <p:nvPr/>
-        </p:nvPicPr>
-        <p:blipFill>
-          <a:blip r:embed="rId2">
-            <a:extLst>
-              <a:ext uri="{28A0092B-C50C-407E-A947-70E740481C1C}">
-                <a14:useLocalDpi xmlns:a14="http://schemas.microsoft.com/office/drawing/2010/main" val="0"/>
-              </a:ext>
-            </a:extLst>
-          </a:blip>
-          <a:stretch>
-            <a:fillRect/>
-          </a:stretch>
-        </p:blipFill>
-        <p:spPr bwMode="auto">
-          <a:xfrm>
-            <a:off x="5784287" y="2676139"/>
-            <a:ext cx="6278404" cy="3201985"/>
-          </a:xfrm>
-          <a:prstGeom prst="rect">
-            <a:avLst/>
-          </a:prstGeom>
-          <a:noFill/>
-          <a:extLst>
-            <a:ext uri="{909E8E84-426E-40DD-AFC4-6F175D3DCCD1}">
-              <a14:hiddenFill xmlns:a14="http://schemas.microsoft.com/office/drawing/2010/main">
-                <a:solidFill>
-                  <a:srgbClr val="FFFFFF"/>
-                </a:solidFill>
-              </a14:hiddenFill>
-            </a:ext>
-          </a:extLst>
-        </p:spPr>
-      </p:pic>
       <p:pic>
         <p:nvPicPr>
           <p:cNvPr id="5" name="Picture 4">
@@ -5885,7 +10381,7 @@
           <p:nvPr/>
         </p:nvPicPr>
         <p:blipFill>
-          <a:blip r:embed="rId3"/>
+          <a:blip r:embed="rId2"/>
           <a:stretch>
             <a:fillRect/>
           </a:stretch>
@@ -5902,10 +10398,10 @@
       </p:pic>
       <p:pic>
         <p:nvPicPr>
-          <p:cNvPr id="6" name="Picture 5">
-            <a:extLst>
-              <a:ext uri="{FF2B5EF4-FFF2-40B4-BE49-F238E27FC236}">
-                <a16:creationId xmlns:a16="http://schemas.microsoft.com/office/drawing/2014/main" id="{6D3D47D0-9B30-4C47-9AD2-431EE0CD8F3D}"/>
+          <p:cNvPr id="4" name="Picture 3">
+            <a:extLst>
+              <a:ext uri="{FF2B5EF4-FFF2-40B4-BE49-F238E27FC236}">
+                <a16:creationId xmlns:a16="http://schemas.microsoft.com/office/drawing/2014/main" id="{A879A9DA-9002-4426-AA57-36CB382F6DBF}"/>
               </a:ext>
             </a:extLst>
           </p:cNvPr>
@@ -5915,19 +10411,66 @@
           <p:nvPr/>
         </p:nvPicPr>
         <p:blipFill>
-          <a:blip r:embed="rId4"/>
+          <a:blip r:embed="rId3"/>
           <a:stretch>
             <a:fillRect/>
           </a:stretch>
         </p:blipFill>
         <p:spPr>
           <a:xfrm>
-            <a:off x="691096" y="2819567"/>
-            <a:ext cx="4559010" cy="2755584"/>
+            <a:off x="918321" y="2676139"/>
+            <a:ext cx="4217097" cy="2935659"/>
           </a:xfrm>
           <a:prstGeom prst="rect">
             <a:avLst/>
           </a:prstGeom>
+        </p:spPr>
+      </p:pic>
+      <p:pic>
+        <p:nvPicPr>
+          <p:cNvPr id="1026" name="Picture 2">
+            <a:extLst>
+              <a:ext uri="{FF2B5EF4-FFF2-40B4-BE49-F238E27FC236}">
+                <a16:creationId xmlns:a16="http://schemas.microsoft.com/office/drawing/2014/main" id="{FA0F1AEA-2FB2-4C9A-B246-234CC43B8CE7}"/>
+              </a:ext>
+            </a:extLst>
+          </p:cNvPr>
+          <p:cNvPicPr>
+            <a:picLocks noChangeAspect="1" noChangeArrowheads="1"/>
+          </p:cNvPicPr>
+          <p:nvPr/>
+        </p:nvPicPr>
+        <p:blipFill>
+          <a:blip r:embed="rId4">
+            <a:extLst>
+              <a:ext uri="{28A0092B-C50C-407E-A947-70E740481C1C}">
+                <a14:useLocalDpi xmlns:a14="http://schemas.microsoft.com/office/drawing/2010/main" val="0"/>
+              </a:ext>
+            </a:extLst>
+          </a:blip>
+          <a:srcRect/>
+          <a:stretch>
+            <a:fillRect/>
+          </a:stretch>
+        </p:blipFill>
+        <p:spPr bwMode="auto">
+          <a:xfrm>
+            <a:off x="5359254" y="2493518"/>
+            <a:ext cx="6608909" cy="3365751"/>
+          </a:xfrm>
+          <a:prstGeom prst="rect">
+            <a:avLst/>
+          </a:prstGeom>
+          <a:noFill/>
+          <a:extLst>
+            <a:ext uri="{909E8E84-426E-40DD-AFC4-6F175D3DCCD1}">
+              <a14:hiddenFill xmlns:a14="http://schemas.microsoft.com/office/drawing/2010/main">
+                <a:solidFill>
+                  <a:srgbClr val="FFFFFF"/>
+                </a:solidFill>
+              </a14:hiddenFill>
+            </a:ext>
+          </a:extLst>
         </p:spPr>
       </p:pic>
     </p:spTree>
@@ -7465,14 +12008,20 @@
               <a:t>Gradual Increase Over The Years</a:t>
             </a:r>
           </a:p>
+          <a:p>
+            <a:pPr marL="57150" indent="0">
+              <a:buNone/>
+            </a:pPr>
+            <a:endParaRPr lang="en-US" sz="1800" dirty="0"/>
+          </a:p>
         </p:txBody>
       </p:sp>
       <p:pic>
         <p:nvPicPr>
-          <p:cNvPr id="3078" name="Picture 6">
-            <a:extLst>
-              <a:ext uri="{FF2B5EF4-FFF2-40B4-BE49-F238E27FC236}">
-                <a16:creationId xmlns:a16="http://schemas.microsoft.com/office/drawing/2014/main" id="{72BD2DF9-9DCC-49F6-A716-A4F07B24B3FF}"/>
+          <p:cNvPr id="2050" name="Picture 2">
+            <a:extLst>
+              <a:ext uri="{FF2B5EF4-FFF2-40B4-BE49-F238E27FC236}">
+                <a16:creationId xmlns:a16="http://schemas.microsoft.com/office/drawing/2014/main" id="{3CA9FB32-6AE6-4322-9436-DD05D283A476}"/>
               </a:ext>
             </a:extLst>
           </p:cNvPr>
@@ -7489,14 +12038,15 @@
               </a:ext>
             </a:extLst>
           </a:blip>
+          <a:srcRect/>
           <a:stretch>
             <a:fillRect/>
           </a:stretch>
         </p:blipFill>
         <p:spPr bwMode="auto">
           <a:xfrm>
-            <a:off x="5508224" y="2819567"/>
-            <a:ext cx="6213640" cy="3137888"/>
+            <a:off x="5176094" y="3282164"/>
+            <a:ext cx="7062526" cy="3557769"/>
           </a:xfrm>
           <a:prstGeom prst="rect">
             <a:avLst/>
@@ -7515,10 +12065,10 @@
       </p:pic>
       <p:pic>
         <p:nvPicPr>
-          <p:cNvPr id="6" name="Picture 5">
-            <a:extLst>
-              <a:ext uri="{FF2B5EF4-FFF2-40B4-BE49-F238E27FC236}">
-                <a16:creationId xmlns:a16="http://schemas.microsoft.com/office/drawing/2014/main" id="{41FC1A11-7A3F-44A4-AD4E-F75B6F87F4AD}"/>
+          <p:cNvPr id="5" name="Picture 4">
+            <a:extLst>
+              <a:ext uri="{FF2B5EF4-FFF2-40B4-BE49-F238E27FC236}">
+                <a16:creationId xmlns:a16="http://schemas.microsoft.com/office/drawing/2014/main" id="{29487D02-CC48-40BC-96DD-7EA3D735870E}"/>
               </a:ext>
             </a:extLst>
           </p:cNvPr>
@@ -7535,8 +12085,8 @@
         </p:blipFill>
         <p:spPr>
           <a:xfrm>
-            <a:off x="59931" y="5457759"/>
-            <a:ext cx="5451229" cy="499696"/>
+            <a:off x="263851" y="4922505"/>
+            <a:ext cx="4611564" cy="787713"/>
           </a:xfrm>
           <a:prstGeom prst="rect">
             <a:avLst/>
@@ -7545,10 +12095,10 @@
       </p:pic>
       <p:pic>
         <p:nvPicPr>
-          <p:cNvPr id="8" name="Picture 7">
-            <a:extLst>
-              <a:ext uri="{FF2B5EF4-FFF2-40B4-BE49-F238E27FC236}">
-                <a16:creationId xmlns:a16="http://schemas.microsoft.com/office/drawing/2014/main" id="{ED07F0B9-55BE-4FE6-B1AC-1DE1CC00B970}"/>
+          <p:cNvPr id="7" name="Picture 6">
+            <a:extLst>
+              <a:ext uri="{FF2B5EF4-FFF2-40B4-BE49-F238E27FC236}">
+                <a16:creationId xmlns:a16="http://schemas.microsoft.com/office/drawing/2014/main" id="{E79FAA4F-57B0-4008-8338-0DB60D829A6B}"/>
               </a:ext>
             </a:extLst>
           </p:cNvPr>
@@ -7565,8 +12115,38 @@
         </p:blipFill>
         <p:spPr>
           <a:xfrm>
-            <a:off x="120764" y="2861920"/>
-            <a:ext cx="5266696" cy="1791651"/>
+            <a:off x="56995" y="2902582"/>
+            <a:ext cx="5145113" cy="1627267"/>
+          </a:xfrm>
+          <a:prstGeom prst="rect">
+            <a:avLst/>
+          </a:prstGeom>
+        </p:spPr>
+      </p:pic>
+      <p:pic>
+        <p:nvPicPr>
+          <p:cNvPr id="9" name="Picture 8">
+            <a:extLst>
+              <a:ext uri="{FF2B5EF4-FFF2-40B4-BE49-F238E27FC236}">
+                <a16:creationId xmlns:a16="http://schemas.microsoft.com/office/drawing/2014/main" id="{9986D715-F277-4B75-A80F-26315F1115DD}"/>
+              </a:ext>
+            </a:extLst>
+          </p:cNvPr>
+          <p:cNvPicPr>
+            <a:picLocks noChangeAspect="1"/>
+          </p:cNvPicPr>
+          <p:nvPr/>
+        </p:nvPicPr>
+        <p:blipFill>
+          <a:blip r:embed="rId5"/>
+          <a:stretch>
+            <a:fillRect/>
+          </a:stretch>
+        </p:blipFill>
+        <p:spPr>
+          <a:xfrm>
+            <a:off x="554416" y="6102874"/>
+            <a:ext cx="3876675" cy="247650"/>
           </a:xfrm>
           <a:prstGeom prst="rect">
             <a:avLst/>

--- a/JurgenTan_CA1.pptx
+++ b/JurgenTan_CA1.pptx
@@ -14,7 +14,9 @@
     <p:sldId id="259" r:id="rId8"/>
     <p:sldId id="265" r:id="rId9"/>
     <p:sldId id="260" r:id="rId10"/>
-    <p:sldId id="261" r:id="rId11"/>
+    <p:sldId id="267" r:id="rId11"/>
+    <p:sldId id="261" r:id="rId12"/>
+    <p:sldId id="266" r:id="rId13"/>
   </p:sldIdLst>
   <p:sldSz cx="12192000" cy="6858000"/>
   <p:notesSz cx="6858000" cy="9144000"/>
@@ -3353,7 +3355,7 @@
           <a:p>
             <a:fld id="{C7E242F6-5BA8-4AA5-A024-F74342A3EE7F}" type="datetimeFigureOut">
               <a:rPr lang="en-US" smtClean="0"/>
-              <a:t>11/24/2019</a:t>
+              <a:t>11/26/2019</a:t>
             </a:fld>
             <a:endParaRPr lang="en-US"/>
           </a:p>
@@ -3551,7 +3553,7 @@
           <a:p>
             <a:fld id="{C7E242F6-5BA8-4AA5-A024-F74342A3EE7F}" type="datetimeFigureOut">
               <a:rPr lang="en-US" smtClean="0"/>
-              <a:t>11/24/2019</a:t>
+              <a:t>11/26/2019</a:t>
             </a:fld>
             <a:endParaRPr lang="en-US"/>
           </a:p>
@@ -3759,7 +3761,7 @@
           <a:p>
             <a:fld id="{C7E242F6-5BA8-4AA5-A024-F74342A3EE7F}" type="datetimeFigureOut">
               <a:rPr lang="en-US" smtClean="0"/>
-              <a:t>11/24/2019</a:t>
+              <a:t>11/26/2019</a:t>
             </a:fld>
             <a:endParaRPr lang="en-US"/>
           </a:p>
@@ -3957,7 +3959,7 @@
           <a:p>
             <a:fld id="{C7E242F6-5BA8-4AA5-A024-F74342A3EE7F}" type="datetimeFigureOut">
               <a:rPr lang="en-US" smtClean="0"/>
-              <a:t>11/24/2019</a:t>
+              <a:t>11/26/2019</a:t>
             </a:fld>
             <a:endParaRPr lang="en-US"/>
           </a:p>
@@ -4232,7 +4234,7 @@
           <a:p>
             <a:fld id="{C7E242F6-5BA8-4AA5-A024-F74342A3EE7F}" type="datetimeFigureOut">
               <a:rPr lang="en-US" smtClean="0"/>
-              <a:t>11/24/2019</a:t>
+              <a:t>11/26/2019</a:t>
             </a:fld>
             <a:endParaRPr lang="en-US"/>
           </a:p>
@@ -4497,7 +4499,7 @@
           <a:p>
             <a:fld id="{C7E242F6-5BA8-4AA5-A024-F74342A3EE7F}" type="datetimeFigureOut">
               <a:rPr lang="en-US" smtClean="0"/>
-              <a:t>11/24/2019</a:t>
+              <a:t>11/26/2019</a:t>
             </a:fld>
             <a:endParaRPr lang="en-US"/>
           </a:p>
@@ -4909,7 +4911,7 @@
           <a:p>
             <a:fld id="{C7E242F6-5BA8-4AA5-A024-F74342A3EE7F}" type="datetimeFigureOut">
               <a:rPr lang="en-US" smtClean="0"/>
-              <a:t>11/24/2019</a:t>
+              <a:t>11/26/2019</a:t>
             </a:fld>
             <a:endParaRPr lang="en-US"/>
           </a:p>
@@ -5050,7 +5052,7 @@
           <a:p>
             <a:fld id="{C7E242F6-5BA8-4AA5-A024-F74342A3EE7F}" type="datetimeFigureOut">
               <a:rPr lang="en-US" smtClean="0"/>
-              <a:t>11/24/2019</a:t>
+              <a:t>11/26/2019</a:t>
             </a:fld>
             <a:endParaRPr lang="en-US"/>
           </a:p>
@@ -5163,7 +5165,7 @@
           <a:p>
             <a:fld id="{C7E242F6-5BA8-4AA5-A024-F74342A3EE7F}" type="datetimeFigureOut">
               <a:rPr lang="en-US" smtClean="0"/>
-              <a:t>11/24/2019</a:t>
+              <a:t>11/26/2019</a:t>
             </a:fld>
             <a:endParaRPr lang="en-US"/>
           </a:p>
@@ -5474,7 +5476,7 @@
           <a:p>
             <a:fld id="{C7E242F6-5BA8-4AA5-A024-F74342A3EE7F}" type="datetimeFigureOut">
               <a:rPr lang="en-US" smtClean="0"/>
-              <a:t>11/24/2019</a:t>
+              <a:t>11/26/2019</a:t>
             </a:fld>
             <a:endParaRPr lang="en-US"/>
           </a:p>
@@ -5762,7 +5764,7 @@
           <a:p>
             <a:fld id="{C7E242F6-5BA8-4AA5-A024-F74342A3EE7F}" type="datetimeFigureOut">
               <a:rPr lang="en-US" smtClean="0"/>
-              <a:t>11/24/2019</a:t>
+              <a:t>11/26/2019</a:t>
             </a:fld>
             <a:endParaRPr lang="en-US"/>
           </a:p>
@@ -6003,7 +6005,7 @@
           <a:p>
             <a:fld id="{C7E242F6-5BA8-4AA5-A024-F74342A3EE7F}" type="datetimeFigureOut">
               <a:rPr lang="en-US" smtClean="0"/>
-              <a:t>11/24/2019</a:t>
+              <a:t>11/26/2019</a:t>
             </a:fld>
             <a:endParaRPr lang="en-US"/>
           </a:p>
@@ -6566,7 +6568,7 @@
           <a:lstStyle/>
           <a:p>
             <a:pPr algn="l"/>
-            <a:endParaRPr lang="en-SG" sz="800">
+            <a:endParaRPr lang="en-SG" sz="800" dirty="0">
               <a:solidFill>
                 <a:schemeClr val="bg1"/>
               </a:solidFill>
@@ -6574,7 +6576,7 @@
           </a:p>
           <a:p>
             <a:pPr algn="l"/>
-            <a:endParaRPr lang="en-SG" sz="800">
+            <a:endParaRPr lang="en-SG" sz="800" dirty="0">
               <a:solidFill>
                 <a:schemeClr val="bg1"/>
               </a:solidFill>
@@ -6582,7 +6584,7 @@
           </a:p>
           <a:p>
             <a:pPr algn="l"/>
-            <a:endParaRPr lang="en-SG" sz="800">
+            <a:endParaRPr lang="en-SG" sz="800" dirty="0">
               <a:solidFill>
                 <a:schemeClr val="bg1"/>
               </a:solidFill>
@@ -6591,14 +6593,14 @@
           <a:p>
             <a:pPr algn="l"/>
             <a:r>
-              <a:rPr lang="en-SG" sz="800">
+              <a:rPr lang="en-SG" sz="800" dirty="0">
                 <a:solidFill>
                   <a:schemeClr val="bg1"/>
                 </a:solidFill>
               </a:rPr>
               <a:t>Presented By: Jurgen Tan</a:t>
             </a:r>
-            <a:endParaRPr lang="en-US" sz="800">
+            <a:endParaRPr lang="en-US" sz="800" dirty="0">
               <a:solidFill>
                 <a:schemeClr val="bg1"/>
               </a:solidFill>
@@ -7069,6 +7071,4426 @@
           <a:chExt cx="0" cy="0"/>
         </a:xfrm>
       </p:grpSpPr>
+      <p:sp>
+        <p:nvSpPr>
+          <p:cNvPr id="22" name="Rectangle 21">
+            <a:extLst>
+              <a:ext uri="{FF2B5EF4-FFF2-40B4-BE49-F238E27FC236}">
+                <a16:creationId xmlns:a16="http://schemas.microsoft.com/office/drawing/2014/main" id="{823AC064-BC96-4F32-8AE1-B2FD38754823}"/>
+              </a:ext>
+              <a:ext uri="{C183D7F6-B498-43B3-948B-1728B52AA6E4}">
+                <adec:decorative xmlns:adec="http://schemas.microsoft.com/office/drawing/2017/decorative" val="1"/>
+              </a:ext>
+            </a:extLst>
+          </p:cNvPr>
+          <p:cNvSpPr>
+            <a:spLocks noGrp="1" noRot="1" noChangeAspect="1" noMove="1" noResize="1" noEditPoints="1" noAdjustHandles="1" noChangeArrowheads="1" noChangeShapeType="1" noTextEdit="1"/>
+          </p:cNvSpPr>
+          <p:nvPr>
+            <p:extLst>
+              <p:ext uri="{386F3935-93C4-4BCD-93E2-E3B085C9AB24}">
+                <p16:designElem xmlns:p16="http://schemas.microsoft.com/office/powerpoint/2015/main" val="1"/>
+              </p:ext>
+            </p:extLst>
+          </p:nvPr>
+        </p:nvSpPr>
+        <p:spPr bwMode="ltGray">
+          <a:xfrm>
+            <a:off x="378068" y="343486"/>
+            <a:ext cx="11438793" cy="1844256"/>
+          </a:xfrm>
+          <a:prstGeom prst="rect">
+            <a:avLst/>
+          </a:prstGeom>
+          <a:solidFill>
+            <a:srgbClr val="404040"/>
+          </a:solidFill>
+          <a:ln w="127000" cap="sq" cmpd="thinThick">
+            <a:solidFill>
+              <a:srgbClr val="404040"/>
+            </a:solidFill>
+          </a:ln>
+        </p:spPr>
+        <p:style>
+          <a:lnRef idx="2">
+            <a:schemeClr val="accent1">
+              <a:shade val="50000"/>
+            </a:schemeClr>
+          </a:lnRef>
+          <a:fillRef idx="1">
+            <a:schemeClr val="accent1"/>
+          </a:fillRef>
+          <a:effectRef idx="0">
+            <a:schemeClr val="accent1"/>
+          </a:effectRef>
+          <a:fontRef idx="minor">
+            <a:schemeClr val="lt1"/>
+          </a:fontRef>
+        </p:style>
+        <p:txBody>
+          <a:bodyPr rtlCol="0" anchor="ctr"/>
+          <a:lstStyle/>
+          <a:p>
+            <a:pPr marL="0" marR="0" lvl="0" indent="0" algn="ctr" defTabSz="914400" rtl="0" eaLnBrk="1" fontAlgn="auto" latinLnBrk="0" hangingPunct="1">
+              <a:lnSpc>
+                <a:spcPct val="100000"/>
+              </a:lnSpc>
+              <a:spcBef>
+                <a:spcPts val="0"/>
+              </a:spcBef>
+              <a:spcAft>
+                <a:spcPts val="0"/>
+              </a:spcAft>
+              <a:buClrTx/>
+              <a:buSzTx/>
+              <a:buFontTx/>
+              <a:buNone/>
+              <a:tabLst/>
+              <a:defRPr/>
+            </a:pPr>
+            <a:endParaRPr kumimoji="0" lang="en-US" sz="1800" b="0" i="0" u="none" strike="noStrike" kern="1200" cap="none" spc="0" normalizeH="0" baseline="0" noProof="0">
+              <a:ln>
+                <a:noFill/>
+              </a:ln>
+              <a:solidFill>
+                <a:prstClr val="white"/>
+              </a:solidFill>
+              <a:effectLst/>
+              <a:uLnTx/>
+              <a:uFillTx/>
+              <a:latin typeface="Calibri" panose="020F0502020204030204"/>
+              <a:ea typeface="+mn-ea"/>
+              <a:cs typeface="+mn-cs"/>
+            </a:endParaRPr>
+          </a:p>
+        </p:txBody>
+      </p:sp>
+      <p:sp>
+        <p:nvSpPr>
+          <p:cNvPr id="2" name="Title 1">
+            <a:extLst>
+              <a:ext uri="{FF2B5EF4-FFF2-40B4-BE49-F238E27FC236}">
+                <a16:creationId xmlns:a16="http://schemas.microsoft.com/office/drawing/2014/main" id="{452AB703-D6F1-416B-B24B-A193C1FDEE55}"/>
+              </a:ext>
+            </a:extLst>
+          </p:cNvPr>
+          <p:cNvSpPr>
+            <a:spLocks noGrp="1"/>
+          </p:cNvSpPr>
+          <p:nvPr>
+            <p:ph type="title"/>
+          </p:nvPr>
+        </p:nvSpPr>
+        <p:spPr>
+          <a:xfrm>
+            <a:off x="526073" y="466578"/>
+            <a:ext cx="11139854" cy="930447"/>
+          </a:xfrm>
+        </p:spPr>
+        <p:txBody>
+          <a:bodyPr vert="horz" lIns="91440" tIns="45720" rIns="91440" bIns="45720" rtlCol="0" anchor="b">
+            <a:normAutofit/>
+          </a:bodyPr>
+          <a:lstStyle/>
+          <a:p>
+            <a:pPr algn="ctr"/>
+            <a:r>
+              <a:rPr lang="en-US" sz="5400" kern="1200">
+                <a:solidFill>
+                  <a:srgbClr val="FFFFFF"/>
+                </a:solidFill>
+                <a:latin typeface="+mj-lt"/>
+                <a:ea typeface="+mj-ea"/>
+                <a:cs typeface="+mj-cs"/>
+              </a:rPr>
+              <a:t>HDB Capark Dataset</a:t>
+            </a:r>
+          </a:p>
+        </p:txBody>
+      </p:sp>
+      <p:sp>
+        <p:nvSpPr>
+          <p:cNvPr id="10" name="Content Placeholder 9">
+            <a:extLst>
+              <a:ext uri="{FF2B5EF4-FFF2-40B4-BE49-F238E27FC236}">
+                <a16:creationId xmlns:a16="http://schemas.microsoft.com/office/drawing/2014/main" id="{14B60C4D-C500-40AA-BB0D-3D4E7B4F2A84}"/>
+              </a:ext>
+            </a:extLst>
+          </p:cNvPr>
+          <p:cNvSpPr>
+            <a:spLocks noGrp="1"/>
+          </p:cNvSpPr>
+          <p:nvPr>
+            <p:ph idx="1"/>
+          </p:nvPr>
+        </p:nvSpPr>
+        <p:spPr>
+          <a:xfrm>
+            <a:off x="1524000" y="1525638"/>
+            <a:ext cx="9144000" cy="420001"/>
+          </a:xfrm>
+        </p:spPr>
+        <p:txBody>
+          <a:bodyPr vert="horz" lIns="91440" tIns="45720" rIns="91440" bIns="45720" rtlCol="0">
+            <a:normAutofit/>
+          </a:bodyPr>
+          <a:lstStyle/>
+          <a:p>
+            <a:pPr marL="0" indent="0" algn="ctr">
+              <a:buNone/>
+            </a:pPr>
+            <a:r>
+              <a:rPr lang="en-US" sz="2000" kern="1200">
+                <a:solidFill>
+                  <a:srgbClr val="E7E6E6"/>
+                </a:solidFill>
+                <a:latin typeface="+mn-lt"/>
+                <a:ea typeface="+mn-ea"/>
+                <a:cs typeface="+mn-cs"/>
+              </a:rPr>
+              <a:t> </a:t>
+            </a:r>
+          </a:p>
+        </p:txBody>
+      </p:sp>
+      <p:cxnSp>
+        <p:nvCxnSpPr>
+          <p:cNvPr id="24" name="Straight Connector 23">
+            <a:extLst>
+              <a:ext uri="{FF2B5EF4-FFF2-40B4-BE49-F238E27FC236}">
+                <a16:creationId xmlns:a16="http://schemas.microsoft.com/office/drawing/2014/main" id="{7E7C77BC-7138-40B1-A15B-20F57A494629}"/>
+              </a:ext>
+              <a:ext uri="{C183D7F6-B498-43B3-948B-1728B52AA6E4}">
+                <adec:decorative xmlns:adec="http://schemas.microsoft.com/office/drawing/2017/decorative" val="1"/>
+              </a:ext>
+            </a:extLst>
+          </p:cNvPr>
+          <p:cNvCxnSpPr>
+            <a:cxnSpLocks noGrp="1" noRot="1" noChangeAspect="1" noMove="1" noResize="1" noEditPoints="1" noAdjustHandles="1" noChangeArrowheads="1" noChangeShapeType="1"/>
+          </p:cNvCxnSpPr>
+          <p:nvPr>
+            <p:extLst>
+              <p:ext uri="{386F3935-93C4-4BCD-93E2-E3B085C9AB24}">
+                <p16:designElem xmlns:p16="http://schemas.microsoft.com/office/powerpoint/2015/main" val="1"/>
+              </p:ext>
+            </p:extLst>
+          </p:nvPr>
+        </p:nvCxnSpPr>
+        <p:spPr>
+          <a:xfrm>
+            <a:off x="2209800" y="1448631"/>
+            <a:ext cx="7772400" cy="0"/>
+          </a:xfrm>
+          <a:prstGeom prst="line">
+            <a:avLst/>
+          </a:prstGeom>
+          <a:ln w="22225">
+            <a:solidFill>
+              <a:srgbClr val="D9D9D9"/>
+            </a:solidFill>
+          </a:ln>
+        </p:spPr>
+        <p:style>
+          <a:lnRef idx="1">
+            <a:schemeClr val="accent1"/>
+          </a:lnRef>
+          <a:fillRef idx="0">
+            <a:schemeClr val="accent1"/>
+          </a:fillRef>
+          <a:effectRef idx="0">
+            <a:schemeClr val="accent1"/>
+          </a:effectRef>
+          <a:fontRef idx="minor">
+            <a:schemeClr val="tx1"/>
+          </a:fontRef>
+        </p:style>
+      </p:cxnSp>
+      <p:graphicFrame>
+        <p:nvGraphicFramePr>
+          <p:cNvPr id="3" name="Table 2">
+            <a:extLst>
+              <a:ext uri="{FF2B5EF4-FFF2-40B4-BE49-F238E27FC236}">
+                <a16:creationId xmlns:a16="http://schemas.microsoft.com/office/drawing/2014/main" id="{AEF66A04-6879-4F78-80EB-FE76885F983E}"/>
+              </a:ext>
+            </a:extLst>
+          </p:cNvPr>
+          <p:cNvGraphicFramePr>
+            <a:graphicFrameLocks noGrp="1"/>
+          </p:cNvGraphicFramePr>
+          <p:nvPr>
+            <p:extLst>
+              <p:ext uri="{D42A27DB-BD31-4B8C-83A1-F6EECF244321}">
+                <p14:modId xmlns:p14="http://schemas.microsoft.com/office/powerpoint/2010/main" val="2981297553"/>
+              </p:ext>
+            </p:extLst>
+          </p:nvPr>
+        </p:nvGraphicFramePr>
+        <p:xfrm>
+          <a:off x="320040" y="2945577"/>
+          <a:ext cx="11496826" cy="3126311"/>
+        </p:xfrm>
+        <a:graphic>
+          <a:graphicData uri="http://schemas.openxmlformats.org/drawingml/2006/table">
+            <a:tbl>
+              <a:tblPr firstRow="1" bandRow="1"/>
+              <a:tblGrid>
+                <a:gridCol w="721982">
+                  <a:extLst>
+                    <a:ext uri="{9D8B030D-6E8A-4147-A177-3AD203B41FA5}">
+                      <a16:colId xmlns:a16="http://schemas.microsoft.com/office/drawing/2014/main" val="1645446106"/>
+                    </a:ext>
+                  </a:extLst>
+                </a:gridCol>
+                <a:gridCol w="1705426">
+                  <a:extLst>
+                    <a:ext uri="{9D8B030D-6E8A-4147-A177-3AD203B41FA5}">
+                      <a16:colId xmlns:a16="http://schemas.microsoft.com/office/drawing/2014/main" val="185556061"/>
+                    </a:ext>
+                  </a:extLst>
+                </a:gridCol>
+                <a:gridCol w="685892">
+                  <a:extLst>
+                    <a:ext uri="{9D8B030D-6E8A-4147-A177-3AD203B41FA5}">
+                      <a16:colId xmlns:a16="http://schemas.microsoft.com/office/drawing/2014/main" val="2277236832"/>
+                    </a:ext>
+                  </a:extLst>
+                </a:gridCol>
+                <a:gridCol w="685892">
+                  <a:extLst>
+                    <a:ext uri="{9D8B030D-6E8A-4147-A177-3AD203B41FA5}">
+                      <a16:colId xmlns:a16="http://schemas.microsoft.com/office/drawing/2014/main" val="1676389994"/>
+                    </a:ext>
+                  </a:extLst>
+                </a:gridCol>
+                <a:gridCol w="888897">
+                  <a:extLst>
+                    <a:ext uri="{9D8B030D-6E8A-4147-A177-3AD203B41FA5}">
+                      <a16:colId xmlns:a16="http://schemas.microsoft.com/office/drawing/2014/main" val="1964363815"/>
+                    </a:ext>
+                  </a:extLst>
+                </a:gridCol>
+                <a:gridCol w="1334004">
+                  <a:extLst>
+                    <a:ext uri="{9D8B030D-6E8A-4147-A177-3AD203B41FA5}">
+                      <a16:colId xmlns:a16="http://schemas.microsoft.com/office/drawing/2014/main" val="3978871530"/>
+                    </a:ext>
+                  </a:extLst>
+                </a:gridCol>
+                <a:gridCol w="1097916">
+                  <a:extLst>
+                    <a:ext uri="{9D8B030D-6E8A-4147-A177-3AD203B41FA5}">
+                      <a16:colId xmlns:a16="http://schemas.microsoft.com/office/drawing/2014/main" val="1020129697"/>
+                    </a:ext>
+                  </a:extLst>
+                </a:gridCol>
+                <a:gridCol w="822733">
+                  <a:extLst>
+                    <a:ext uri="{9D8B030D-6E8A-4147-A177-3AD203B41FA5}">
+                      <a16:colId xmlns:a16="http://schemas.microsoft.com/office/drawing/2014/main" val="3582845657"/>
+                    </a:ext>
+                  </a:extLst>
+                </a:gridCol>
+                <a:gridCol w="792658">
+                  <a:extLst>
+                    <a:ext uri="{9D8B030D-6E8A-4147-A177-3AD203B41FA5}">
+                      <a16:colId xmlns:a16="http://schemas.microsoft.com/office/drawing/2014/main" val="2775164255"/>
+                    </a:ext>
+                  </a:extLst>
+                </a:gridCol>
+                <a:gridCol w="872356">
+                  <a:extLst>
+                    <a:ext uri="{9D8B030D-6E8A-4147-A177-3AD203B41FA5}">
+                      <a16:colId xmlns:a16="http://schemas.microsoft.com/office/drawing/2014/main" val="2539546297"/>
+                    </a:ext>
+                  </a:extLst>
+                </a:gridCol>
+                <a:gridCol w="800176">
+                  <a:extLst>
+                    <a:ext uri="{9D8B030D-6E8A-4147-A177-3AD203B41FA5}">
+                      <a16:colId xmlns:a16="http://schemas.microsoft.com/office/drawing/2014/main" val="1122101468"/>
+                    </a:ext>
+                  </a:extLst>
+                </a:gridCol>
+                <a:gridCol w="1088894">
+                  <a:extLst>
+                    <a:ext uri="{9D8B030D-6E8A-4147-A177-3AD203B41FA5}">
+                      <a16:colId xmlns:a16="http://schemas.microsoft.com/office/drawing/2014/main" val="2497041583"/>
+                    </a:ext>
+                  </a:extLst>
+                </a:gridCol>
+              </a:tblGrid>
+              <a:tr h="182708">
+                <a:tc>
+                  <a:txBody>
+                    <a:bodyPr/>
+                    <a:lstStyle/>
+                    <a:p>
+                      <a:pPr algn="l" fontAlgn="b"/>
+                      <a:r>
+                        <a:rPr lang="en-US" sz="900" b="1" i="0" u="none" strike="noStrike">
+                          <a:solidFill>
+                            <a:srgbClr val="000000"/>
+                          </a:solidFill>
+                          <a:effectLst/>
+                          <a:latin typeface="Calibri" panose="020F0502020204030204" pitchFamily="34" charset="0"/>
+                        </a:rPr>
+                        <a:t>car_park_no</a:t>
+                      </a:r>
+                    </a:p>
+                  </a:txBody>
+                  <a:tcPr marL="3703" marR="3703" marT="3703" marB="0" anchor="b">
+                    <a:lnL>
+                      <a:noFill/>
+                    </a:lnL>
+                    <a:lnR>
+                      <a:noFill/>
+                    </a:lnR>
+                    <a:lnT>
+                      <a:noFill/>
+                    </a:lnT>
+                    <a:lnB>
+                      <a:noFill/>
+                    </a:lnB>
+                  </a:tcPr>
+                </a:tc>
+                <a:tc>
+                  <a:txBody>
+                    <a:bodyPr/>
+                    <a:lstStyle/>
+                    <a:p>
+                      <a:pPr algn="l" fontAlgn="b"/>
+                      <a:r>
+                        <a:rPr lang="en-US" sz="900" b="1" i="0" u="none" strike="noStrike">
+                          <a:solidFill>
+                            <a:srgbClr val="000000"/>
+                          </a:solidFill>
+                          <a:effectLst/>
+                          <a:latin typeface="Calibri" panose="020F0502020204030204" pitchFamily="34" charset="0"/>
+                        </a:rPr>
+                        <a:t>address</a:t>
+                      </a:r>
+                    </a:p>
+                  </a:txBody>
+                  <a:tcPr marL="3703" marR="3703" marT="3703" marB="0" anchor="b">
+                    <a:lnL>
+                      <a:noFill/>
+                    </a:lnL>
+                    <a:lnR>
+                      <a:noFill/>
+                    </a:lnR>
+                    <a:lnT>
+                      <a:noFill/>
+                    </a:lnT>
+                    <a:lnB>
+                      <a:noFill/>
+                    </a:lnB>
+                  </a:tcPr>
+                </a:tc>
+                <a:tc>
+                  <a:txBody>
+                    <a:bodyPr/>
+                    <a:lstStyle/>
+                    <a:p>
+                      <a:pPr algn="l" fontAlgn="b"/>
+                      <a:r>
+                        <a:rPr lang="en-US" sz="900" b="1" i="0" u="none" strike="noStrike">
+                          <a:solidFill>
+                            <a:srgbClr val="000000"/>
+                          </a:solidFill>
+                          <a:effectLst/>
+                          <a:latin typeface="Calibri" panose="020F0502020204030204" pitchFamily="34" charset="0"/>
+                        </a:rPr>
+                        <a:t>x_coord</a:t>
+                      </a:r>
+                    </a:p>
+                  </a:txBody>
+                  <a:tcPr marL="3703" marR="3703" marT="3703" marB="0" anchor="b">
+                    <a:lnL>
+                      <a:noFill/>
+                    </a:lnL>
+                    <a:lnR>
+                      <a:noFill/>
+                    </a:lnR>
+                    <a:lnT>
+                      <a:noFill/>
+                    </a:lnT>
+                    <a:lnB>
+                      <a:noFill/>
+                    </a:lnB>
+                  </a:tcPr>
+                </a:tc>
+                <a:tc>
+                  <a:txBody>
+                    <a:bodyPr/>
+                    <a:lstStyle/>
+                    <a:p>
+                      <a:pPr algn="l" fontAlgn="b"/>
+                      <a:r>
+                        <a:rPr lang="en-US" sz="900" b="1" i="0" u="none" strike="noStrike">
+                          <a:solidFill>
+                            <a:srgbClr val="000000"/>
+                          </a:solidFill>
+                          <a:effectLst/>
+                          <a:latin typeface="Calibri" panose="020F0502020204030204" pitchFamily="34" charset="0"/>
+                        </a:rPr>
+                        <a:t>y_coord</a:t>
+                      </a:r>
+                    </a:p>
+                  </a:txBody>
+                  <a:tcPr marL="3703" marR="3703" marT="3703" marB="0" anchor="b">
+                    <a:lnL>
+                      <a:noFill/>
+                    </a:lnL>
+                    <a:lnR>
+                      <a:noFill/>
+                    </a:lnR>
+                    <a:lnT>
+                      <a:noFill/>
+                    </a:lnT>
+                    <a:lnB>
+                      <a:noFill/>
+                    </a:lnB>
+                  </a:tcPr>
+                </a:tc>
+                <a:tc>
+                  <a:txBody>
+                    <a:bodyPr/>
+                    <a:lstStyle/>
+                    <a:p>
+                      <a:pPr algn="l" fontAlgn="b"/>
+                      <a:r>
+                        <a:rPr lang="en-US" sz="900" b="1" i="0" u="none" strike="noStrike">
+                          <a:solidFill>
+                            <a:srgbClr val="000000"/>
+                          </a:solidFill>
+                          <a:effectLst/>
+                          <a:latin typeface="Calibri" panose="020F0502020204030204" pitchFamily="34" charset="0"/>
+                        </a:rPr>
+                        <a:t>car_park_type</a:t>
+                      </a:r>
+                    </a:p>
+                  </a:txBody>
+                  <a:tcPr marL="3703" marR="3703" marT="3703" marB="0" anchor="b">
+                    <a:lnL>
+                      <a:noFill/>
+                    </a:lnL>
+                    <a:lnR>
+                      <a:noFill/>
+                    </a:lnR>
+                    <a:lnT>
+                      <a:noFill/>
+                    </a:lnT>
+                    <a:lnB>
+                      <a:noFill/>
+                    </a:lnB>
+                  </a:tcPr>
+                </a:tc>
+                <a:tc>
+                  <a:txBody>
+                    <a:bodyPr/>
+                    <a:lstStyle/>
+                    <a:p>
+                      <a:pPr algn="l" fontAlgn="b"/>
+                      <a:r>
+                        <a:rPr lang="en-US" sz="900" b="1" i="0" u="none" strike="noStrike">
+                          <a:solidFill>
+                            <a:srgbClr val="000000"/>
+                          </a:solidFill>
+                          <a:effectLst/>
+                          <a:latin typeface="Calibri" panose="020F0502020204030204" pitchFamily="34" charset="0"/>
+                        </a:rPr>
+                        <a:t>type_of_parking_system</a:t>
+                      </a:r>
+                    </a:p>
+                  </a:txBody>
+                  <a:tcPr marL="3703" marR="3703" marT="3703" marB="0" anchor="b">
+                    <a:lnL>
+                      <a:noFill/>
+                    </a:lnL>
+                    <a:lnR>
+                      <a:noFill/>
+                    </a:lnR>
+                    <a:lnT>
+                      <a:noFill/>
+                    </a:lnT>
+                    <a:lnB>
+                      <a:noFill/>
+                    </a:lnB>
+                  </a:tcPr>
+                </a:tc>
+                <a:tc>
+                  <a:txBody>
+                    <a:bodyPr/>
+                    <a:lstStyle/>
+                    <a:p>
+                      <a:pPr algn="l" fontAlgn="b"/>
+                      <a:r>
+                        <a:rPr lang="en-US" sz="900" b="1" i="0" u="none" strike="noStrike">
+                          <a:solidFill>
+                            <a:srgbClr val="000000"/>
+                          </a:solidFill>
+                          <a:effectLst/>
+                          <a:latin typeface="Calibri" panose="020F0502020204030204" pitchFamily="34" charset="0"/>
+                        </a:rPr>
+                        <a:t>short_term_parking</a:t>
+                      </a:r>
+                    </a:p>
+                  </a:txBody>
+                  <a:tcPr marL="3703" marR="3703" marT="3703" marB="0" anchor="b">
+                    <a:lnL>
+                      <a:noFill/>
+                    </a:lnL>
+                    <a:lnR>
+                      <a:noFill/>
+                    </a:lnR>
+                    <a:lnT>
+                      <a:noFill/>
+                    </a:lnT>
+                    <a:lnB>
+                      <a:noFill/>
+                    </a:lnB>
+                  </a:tcPr>
+                </a:tc>
+                <a:tc>
+                  <a:txBody>
+                    <a:bodyPr/>
+                    <a:lstStyle/>
+                    <a:p>
+                      <a:pPr algn="l" fontAlgn="b"/>
+                      <a:r>
+                        <a:rPr lang="en-US" sz="900" b="1" i="0" u="none" strike="noStrike">
+                          <a:solidFill>
+                            <a:srgbClr val="000000"/>
+                          </a:solidFill>
+                          <a:effectLst/>
+                          <a:latin typeface="Calibri" panose="020F0502020204030204" pitchFamily="34" charset="0"/>
+                        </a:rPr>
+                        <a:t>free_parking</a:t>
+                      </a:r>
+                    </a:p>
+                  </a:txBody>
+                  <a:tcPr marL="3703" marR="3703" marT="3703" marB="0" anchor="b">
+                    <a:lnL>
+                      <a:noFill/>
+                    </a:lnL>
+                    <a:lnR>
+                      <a:noFill/>
+                    </a:lnR>
+                    <a:lnT>
+                      <a:noFill/>
+                    </a:lnT>
+                    <a:lnB>
+                      <a:noFill/>
+                    </a:lnB>
+                  </a:tcPr>
+                </a:tc>
+                <a:tc>
+                  <a:txBody>
+                    <a:bodyPr/>
+                    <a:lstStyle/>
+                    <a:p>
+                      <a:pPr algn="l" fontAlgn="b"/>
+                      <a:r>
+                        <a:rPr lang="en-US" sz="900" b="1" i="0" u="none" strike="noStrike">
+                          <a:solidFill>
+                            <a:srgbClr val="000000"/>
+                          </a:solidFill>
+                          <a:effectLst/>
+                          <a:latin typeface="Calibri" panose="020F0502020204030204" pitchFamily="34" charset="0"/>
+                        </a:rPr>
+                        <a:t>night_parking</a:t>
+                      </a:r>
+                    </a:p>
+                  </a:txBody>
+                  <a:tcPr marL="3703" marR="3703" marT="3703" marB="0" anchor="b">
+                    <a:lnL>
+                      <a:noFill/>
+                    </a:lnL>
+                    <a:lnR>
+                      <a:noFill/>
+                    </a:lnR>
+                    <a:lnT>
+                      <a:noFill/>
+                    </a:lnT>
+                    <a:lnB>
+                      <a:noFill/>
+                    </a:lnB>
+                  </a:tcPr>
+                </a:tc>
+                <a:tc>
+                  <a:txBody>
+                    <a:bodyPr/>
+                    <a:lstStyle/>
+                    <a:p>
+                      <a:pPr algn="l" fontAlgn="b"/>
+                      <a:r>
+                        <a:rPr lang="en-US" sz="900" b="1" i="0" u="none" strike="noStrike">
+                          <a:solidFill>
+                            <a:srgbClr val="000000"/>
+                          </a:solidFill>
+                          <a:effectLst/>
+                          <a:latin typeface="Calibri" panose="020F0502020204030204" pitchFamily="34" charset="0"/>
+                        </a:rPr>
+                        <a:t>car_park_decks</a:t>
+                      </a:r>
+                    </a:p>
+                  </a:txBody>
+                  <a:tcPr marL="3703" marR="3703" marT="3703" marB="0" anchor="b">
+                    <a:lnL>
+                      <a:noFill/>
+                    </a:lnL>
+                    <a:lnR>
+                      <a:noFill/>
+                    </a:lnR>
+                    <a:lnT>
+                      <a:noFill/>
+                    </a:lnT>
+                    <a:lnB>
+                      <a:noFill/>
+                    </a:lnB>
+                  </a:tcPr>
+                </a:tc>
+                <a:tc>
+                  <a:txBody>
+                    <a:bodyPr/>
+                    <a:lstStyle/>
+                    <a:p>
+                      <a:pPr algn="l" fontAlgn="b"/>
+                      <a:r>
+                        <a:rPr lang="en-US" sz="900" b="1" i="0" u="none" strike="noStrike">
+                          <a:solidFill>
+                            <a:srgbClr val="000000"/>
+                          </a:solidFill>
+                          <a:effectLst/>
+                          <a:latin typeface="Calibri" panose="020F0502020204030204" pitchFamily="34" charset="0"/>
+                        </a:rPr>
+                        <a:t>gantry_height</a:t>
+                      </a:r>
+                    </a:p>
+                  </a:txBody>
+                  <a:tcPr marL="3703" marR="3703" marT="3703" marB="0" anchor="b">
+                    <a:lnL>
+                      <a:noFill/>
+                    </a:lnL>
+                    <a:lnR>
+                      <a:noFill/>
+                    </a:lnR>
+                    <a:lnT>
+                      <a:noFill/>
+                    </a:lnT>
+                    <a:lnB>
+                      <a:noFill/>
+                    </a:lnB>
+                  </a:tcPr>
+                </a:tc>
+                <a:tc>
+                  <a:txBody>
+                    <a:bodyPr/>
+                    <a:lstStyle/>
+                    <a:p>
+                      <a:pPr algn="l" fontAlgn="b"/>
+                      <a:r>
+                        <a:rPr lang="en-US" sz="900" b="1" i="0" u="none" strike="noStrike">
+                          <a:solidFill>
+                            <a:srgbClr val="000000"/>
+                          </a:solidFill>
+                          <a:effectLst/>
+                          <a:latin typeface="Calibri" panose="020F0502020204030204" pitchFamily="34" charset="0"/>
+                        </a:rPr>
+                        <a:t>car_park_basement</a:t>
+                      </a:r>
+                    </a:p>
+                  </a:txBody>
+                  <a:tcPr marL="3703" marR="3703" marT="3703" marB="0" anchor="b">
+                    <a:lnL>
+                      <a:noFill/>
+                    </a:lnL>
+                    <a:lnR>
+                      <a:noFill/>
+                    </a:lnR>
+                    <a:lnT>
+                      <a:noFill/>
+                    </a:lnT>
+                    <a:lnB>
+                      <a:noFill/>
+                    </a:lnB>
+                  </a:tcPr>
+                </a:tc>
+                <a:extLst>
+                  <a:ext uri="{0D108BD9-81ED-4DB2-BD59-A6C34878D82A}">
+                    <a16:rowId xmlns:a16="http://schemas.microsoft.com/office/drawing/2014/main" val="3903235390"/>
+                  </a:ext>
+                </a:extLst>
+              </a:tr>
+              <a:tr h="327067">
+                <a:tc>
+                  <a:txBody>
+                    <a:bodyPr/>
+                    <a:lstStyle/>
+                    <a:p>
+                      <a:pPr algn="l" fontAlgn="b"/>
+                      <a:r>
+                        <a:rPr lang="en-US" sz="900" b="1" i="0" u="none" strike="noStrike">
+                          <a:solidFill>
+                            <a:srgbClr val="000000"/>
+                          </a:solidFill>
+                          <a:effectLst/>
+                          <a:latin typeface="Calibri" panose="020F0502020204030204" pitchFamily="34" charset="0"/>
+                        </a:rPr>
+                        <a:t>ACB</a:t>
+                      </a:r>
+                    </a:p>
+                  </a:txBody>
+                  <a:tcPr marL="3703" marR="3703" marT="3703" marB="0" anchor="b">
+                    <a:lnL>
+                      <a:noFill/>
+                    </a:lnL>
+                    <a:lnR>
+                      <a:noFill/>
+                    </a:lnR>
+                    <a:lnT>
+                      <a:noFill/>
+                    </a:lnT>
+                    <a:lnB>
+                      <a:noFill/>
+                    </a:lnB>
+                  </a:tcPr>
+                </a:tc>
+                <a:tc>
+                  <a:txBody>
+                    <a:bodyPr/>
+                    <a:lstStyle/>
+                    <a:p>
+                      <a:pPr algn="l" fontAlgn="b"/>
+                      <a:r>
+                        <a:rPr lang="fr-FR" sz="900" b="1" i="0" u="none" strike="noStrike">
+                          <a:solidFill>
+                            <a:srgbClr val="000000"/>
+                          </a:solidFill>
+                          <a:effectLst/>
+                          <a:latin typeface="Calibri" panose="020F0502020204030204" pitchFamily="34" charset="0"/>
+                        </a:rPr>
+                        <a:t>BLK 270/271 ALBERT CENTRE BASEMENT CAR PARK</a:t>
+                      </a:r>
+                    </a:p>
+                  </a:txBody>
+                  <a:tcPr marL="3703" marR="3703" marT="3703" marB="0" anchor="b">
+                    <a:lnL>
+                      <a:noFill/>
+                    </a:lnL>
+                    <a:lnR>
+                      <a:noFill/>
+                    </a:lnR>
+                    <a:lnT>
+                      <a:noFill/>
+                    </a:lnT>
+                    <a:lnB>
+                      <a:noFill/>
+                    </a:lnB>
+                  </a:tcPr>
+                </a:tc>
+                <a:tc>
+                  <a:txBody>
+                    <a:bodyPr/>
+                    <a:lstStyle/>
+                    <a:p>
+                      <a:pPr algn="r" fontAlgn="b"/>
+                      <a:r>
+                        <a:rPr lang="en-US" sz="900" b="1" i="0" u="none" strike="noStrike">
+                          <a:solidFill>
+                            <a:srgbClr val="000000"/>
+                          </a:solidFill>
+                          <a:effectLst/>
+                          <a:latin typeface="Calibri" panose="020F0502020204030204" pitchFamily="34" charset="0"/>
+                        </a:rPr>
+                        <a:t>30314.7936</a:t>
+                      </a:r>
+                    </a:p>
+                  </a:txBody>
+                  <a:tcPr marL="3703" marR="3703" marT="3703" marB="0" anchor="b">
+                    <a:lnL>
+                      <a:noFill/>
+                    </a:lnL>
+                    <a:lnR>
+                      <a:noFill/>
+                    </a:lnR>
+                    <a:lnT>
+                      <a:noFill/>
+                    </a:lnT>
+                    <a:lnB>
+                      <a:noFill/>
+                    </a:lnB>
+                  </a:tcPr>
+                </a:tc>
+                <a:tc>
+                  <a:txBody>
+                    <a:bodyPr/>
+                    <a:lstStyle/>
+                    <a:p>
+                      <a:pPr algn="r" fontAlgn="b"/>
+                      <a:r>
+                        <a:rPr lang="en-US" sz="900" b="1" i="0" u="none" strike="noStrike">
+                          <a:solidFill>
+                            <a:srgbClr val="000000"/>
+                          </a:solidFill>
+                          <a:effectLst/>
+                          <a:latin typeface="Calibri" panose="020F0502020204030204" pitchFamily="34" charset="0"/>
+                        </a:rPr>
+                        <a:t>31490.4942</a:t>
+                      </a:r>
+                    </a:p>
+                  </a:txBody>
+                  <a:tcPr marL="3703" marR="3703" marT="3703" marB="0" anchor="b">
+                    <a:lnL>
+                      <a:noFill/>
+                    </a:lnL>
+                    <a:lnR>
+                      <a:noFill/>
+                    </a:lnR>
+                    <a:lnT>
+                      <a:noFill/>
+                    </a:lnT>
+                    <a:lnB>
+                      <a:noFill/>
+                    </a:lnB>
+                  </a:tcPr>
+                </a:tc>
+                <a:tc>
+                  <a:txBody>
+                    <a:bodyPr/>
+                    <a:lstStyle/>
+                    <a:p>
+                      <a:pPr algn="l" fontAlgn="b"/>
+                      <a:r>
+                        <a:rPr lang="en-US" sz="900" b="1" i="0" u="none" strike="noStrike">
+                          <a:solidFill>
+                            <a:srgbClr val="000000"/>
+                          </a:solidFill>
+                          <a:effectLst/>
+                          <a:latin typeface="Calibri" panose="020F0502020204030204" pitchFamily="34" charset="0"/>
+                        </a:rPr>
+                        <a:t>BASEMENT CAR PARK</a:t>
+                      </a:r>
+                    </a:p>
+                  </a:txBody>
+                  <a:tcPr marL="3703" marR="3703" marT="3703" marB="0" anchor="b">
+                    <a:lnL>
+                      <a:noFill/>
+                    </a:lnL>
+                    <a:lnR>
+                      <a:noFill/>
+                    </a:lnR>
+                    <a:lnT>
+                      <a:noFill/>
+                    </a:lnT>
+                    <a:lnB>
+                      <a:noFill/>
+                    </a:lnB>
+                  </a:tcPr>
+                </a:tc>
+                <a:tc>
+                  <a:txBody>
+                    <a:bodyPr/>
+                    <a:lstStyle/>
+                    <a:p>
+                      <a:pPr algn="l" fontAlgn="b"/>
+                      <a:r>
+                        <a:rPr lang="en-US" sz="900" b="1" i="0" u="none" strike="noStrike">
+                          <a:solidFill>
+                            <a:srgbClr val="000000"/>
+                          </a:solidFill>
+                          <a:effectLst/>
+                          <a:latin typeface="Calibri" panose="020F0502020204030204" pitchFamily="34" charset="0"/>
+                        </a:rPr>
+                        <a:t>ELECTRONIC PARKING</a:t>
+                      </a:r>
+                    </a:p>
+                  </a:txBody>
+                  <a:tcPr marL="3703" marR="3703" marT="3703" marB="0" anchor="b">
+                    <a:lnL>
+                      <a:noFill/>
+                    </a:lnL>
+                    <a:lnR>
+                      <a:noFill/>
+                    </a:lnR>
+                    <a:lnT>
+                      <a:noFill/>
+                    </a:lnT>
+                    <a:lnB>
+                      <a:noFill/>
+                    </a:lnB>
+                  </a:tcPr>
+                </a:tc>
+                <a:tc>
+                  <a:txBody>
+                    <a:bodyPr/>
+                    <a:lstStyle/>
+                    <a:p>
+                      <a:pPr algn="l" fontAlgn="b"/>
+                      <a:r>
+                        <a:rPr lang="en-US" sz="900" b="1" i="0" u="none" strike="noStrike">
+                          <a:solidFill>
+                            <a:srgbClr val="000000"/>
+                          </a:solidFill>
+                          <a:effectLst/>
+                          <a:latin typeface="Calibri" panose="020F0502020204030204" pitchFamily="34" charset="0"/>
+                        </a:rPr>
+                        <a:t>WHOLE DAY</a:t>
+                      </a:r>
+                    </a:p>
+                  </a:txBody>
+                  <a:tcPr marL="3703" marR="3703" marT="3703" marB="0" anchor="b">
+                    <a:lnL>
+                      <a:noFill/>
+                    </a:lnL>
+                    <a:lnR>
+                      <a:noFill/>
+                    </a:lnR>
+                    <a:lnT>
+                      <a:noFill/>
+                    </a:lnT>
+                    <a:lnB>
+                      <a:noFill/>
+                    </a:lnB>
+                  </a:tcPr>
+                </a:tc>
+                <a:tc>
+                  <a:txBody>
+                    <a:bodyPr/>
+                    <a:lstStyle/>
+                    <a:p>
+                      <a:pPr algn="l" fontAlgn="b"/>
+                      <a:r>
+                        <a:rPr lang="en-US" sz="900" b="1" i="0" u="none" strike="noStrike">
+                          <a:solidFill>
+                            <a:srgbClr val="000000"/>
+                          </a:solidFill>
+                          <a:effectLst/>
+                          <a:latin typeface="Calibri" panose="020F0502020204030204" pitchFamily="34" charset="0"/>
+                        </a:rPr>
+                        <a:t>NO</a:t>
+                      </a:r>
+                    </a:p>
+                  </a:txBody>
+                  <a:tcPr marL="3703" marR="3703" marT="3703" marB="0" anchor="b">
+                    <a:lnL>
+                      <a:noFill/>
+                    </a:lnL>
+                    <a:lnR>
+                      <a:noFill/>
+                    </a:lnR>
+                    <a:lnT>
+                      <a:noFill/>
+                    </a:lnT>
+                    <a:lnB>
+                      <a:noFill/>
+                    </a:lnB>
+                  </a:tcPr>
+                </a:tc>
+                <a:tc>
+                  <a:txBody>
+                    <a:bodyPr/>
+                    <a:lstStyle/>
+                    <a:p>
+                      <a:pPr algn="l" fontAlgn="b"/>
+                      <a:r>
+                        <a:rPr lang="en-US" sz="900" b="1" i="0" u="none" strike="noStrike">
+                          <a:solidFill>
+                            <a:srgbClr val="000000"/>
+                          </a:solidFill>
+                          <a:effectLst/>
+                          <a:latin typeface="Calibri" panose="020F0502020204030204" pitchFamily="34" charset="0"/>
+                        </a:rPr>
+                        <a:t>YES</a:t>
+                      </a:r>
+                    </a:p>
+                  </a:txBody>
+                  <a:tcPr marL="3703" marR="3703" marT="3703" marB="0" anchor="b">
+                    <a:lnL>
+                      <a:noFill/>
+                    </a:lnL>
+                    <a:lnR>
+                      <a:noFill/>
+                    </a:lnR>
+                    <a:lnT>
+                      <a:noFill/>
+                    </a:lnT>
+                    <a:lnB>
+                      <a:noFill/>
+                    </a:lnB>
+                  </a:tcPr>
+                </a:tc>
+                <a:tc>
+                  <a:txBody>
+                    <a:bodyPr/>
+                    <a:lstStyle/>
+                    <a:p>
+                      <a:pPr algn="r" fontAlgn="b"/>
+                      <a:r>
+                        <a:rPr lang="en-US" sz="900" b="1" i="0" u="none" strike="noStrike">
+                          <a:solidFill>
+                            <a:srgbClr val="000000"/>
+                          </a:solidFill>
+                          <a:effectLst/>
+                          <a:latin typeface="Calibri" panose="020F0502020204030204" pitchFamily="34" charset="0"/>
+                        </a:rPr>
+                        <a:t>1</a:t>
+                      </a:r>
+                    </a:p>
+                  </a:txBody>
+                  <a:tcPr marL="3703" marR="3703" marT="3703" marB="0" anchor="b">
+                    <a:lnL>
+                      <a:noFill/>
+                    </a:lnL>
+                    <a:lnR>
+                      <a:noFill/>
+                    </a:lnR>
+                    <a:lnT>
+                      <a:noFill/>
+                    </a:lnT>
+                    <a:lnB>
+                      <a:noFill/>
+                    </a:lnB>
+                  </a:tcPr>
+                </a:tc>
+                <a:tc>
+                  <a:txBody>
+                    <a:bodyPr/>
+                    <a:lstStyle/>
+                    <a:p>
+                      <a:pPr algn="r" fontAlgn="b"/>
+                      <a:r>
+                        <a:rPr lang="en-US" sz="900" b="1" i="0" u="none" strike="noStrike">
+                          <a:solidFill>
+                            <a:srgbClr val="000000"/>
+                          </a:solidFill>
+                          <a:effectLst/>
+                          <a:latin typeface="Calibri" panose="020F0502020204030204" pitchFamily="34" charset="0"/>
+                        </a:rPr>
+                        <a:t>1.8</a:t>
+                      </a:r>
+                    </a:p>
+                  </a:txBody>
+                  <a:tcPr marL="3703" marR="3703" marT="3703" marB="0" anchor="b">
+                    <a:lnL>
+                      <a:noFill/>
+                    </a:lnL>
+                    <a:lnR>
+                      <a:noFill/>
+                    </a:lnR>
+                    <a:lnT>
+                      <a:noFill/>
+                    </a:lnT>
+                    <a:lnB>
+                      <a:noFill/>
+                    </a:lnB>
+                  </a:tcPr>
+                </a:tc>
+                <a:tc>
+                  <a:txBody>
+                    <a:bodyPr/>
+                    <a:lstStyle/>
+                    <a:p>
+                      <a:pPr algn="l" fontAlgn="b"/>
+                      <a:r>
+                        <a:rPr lang="en-US" sz="900" b="1" i="0" u="none" strike="noStrike">
+                          <a:solidFill>
+                            <a:srgbClr val="000000"/>
+                          </a:solidFill>
+                          <a:effectLst/>
+                          <a:latin typeface="Calibri" panose="020F0502020204030204" pitchFamily="34" charset="0"/>
+                        </a:rPr>
+                        <a:t>Y</a:t>
+                      </a:r>
+                    </a:p>
+                  </a:txBody>
+                  <a:tcPr marL="3703" marR="3703" marT="3703" marB="0" anchor="b">
+                    <a:lnL>
+                      <a:noFill/>
+                    </a:lnL>
+                    <a:lnR>
+                      <a:noFill/>
+                    </a:lnR>
+                    <a:lnT>
+                      <a:noFill/>
+                    </a:lnT>
+                    <a:lnB>
+                      <a:noFill/>
+                    </a:lnB>
+                  </a:tcPr>
+                </a:tc>
+                <a:extLst>
+                  <a:ext uri="{0D108BD9-81ED-4DB2-BD59-A6C34878D82A}">
+                    <a16:rowId xmlns:a16="http://schemas.microsoft.com/office/drawing/2014/main" val="171609916"/>
+                  </a:ext>
+                </a:extLst>
+              </a:tr>
+              <a:tr h="327067">
+                <a:tc>
+                  <a:txBody>
+                    <a:bodyPr/>
+                    <a:lstStyle/>
+                    <a:p>
+                      <a:pPr algn="l" fontAlgn="b"/>
+                      <a:r>
+                        <a:rPr lang="en-US" sz="900" b="1" i="0" u="none" strike="noStrike">
+                          <a:solidFill>
+                            <a:srgbClr val="000000"/>
+                          </a:solidFill>
+                          <a:effectLst/>
+                          <a:latin typeface="Calibri" panose="020F0502020204030204" pitchFamily="34" charset="0"/>
+                        </a:rPr>
+                        <a:t>ACM</a:t>
+                      </a:r>
+                    </a:p>
+                  </a:txBody>
+                  <a:tcPr marL="3703" marR="3703" marT="3703" marB="0" anchor="b">
+                    <a:lnL>
+                      <a:noFill/>
+                    </a:lnL>
+                    <a:lnR>
+                      <a:noFill/>
+                    </a:lnR>
+                    <a:lnT>
+                      <a:noFill/>
+                    </a:lnT>
+                    <a:lnB>
+                      <a:noFill/>
+                    </a:lnB>
+                  </a:tcPr>
+                </a:tc>
+                <a:tc>
+                  <a:txBody>
+                    <a:bodyPr/>
+                    <a:lstStyle/>
+                    <a:p>
+                      <a:pPr algn="l" fontAlgn="b"/>
+                      <a:r>
+                        <a:rPr lang="en-US" sz="900" b="1" i="0" u="none" strike="noStrike">
+                          <a:solidFill>
+                            <a:srgbClr val="000000"/>
+                          </a:solidFill>
+                          <a:effectLst/>
+                          <a:latin typeface="Calibri" panose="020F0502020204030204" pitchFamily="34" charset="0"/>
+                        </a:rPr>
+                        <a:t>BLK 98A ALJUNIED CRESCENT</a:t>
+                      </a:r>
+                    </a:p>
+                  </a:txBody>
+                  <a:tcPr marL="3703" marR="3703" marT="3703" marB="0" anchor="b">
+                    <a:lnL>
+                      <a:noFill/>
+                    </a:lnL>
+                    <a:lnR>
+                      <a:noFill/>
+                    </a:lnR>
+                    <a:lnT>
+                      <a:noFill/>
+                    </a:lnT>
+                    <a:lnB>
+                      <a:noFill/>
+                    </a:lnB>
+                  </a:tcPr>
+                </a:tc>
+                <a:tc>
+                  <a:txBody>
+                    <a:bodyPr/>
+                    <a:lstStyle/>
+                    <a:p>
+                      <a:pPr algn="r" fontAlgn="b"/>
+                      <a:r>
+                        <a:rPr lang="en-US" sz="900" b="1" i="0" u="none" strike="noStrike">
+                          <a:solidFill>
+                            <a:srgbClr val="000000"/>
+                          </a:solidFill>
+                          <a:effectLst/>
+                          <a:latin typeface="Calibri" panose="020F0502020204030204" pitchFamily="34" charset="0"/>
+                        </a:rPr>
+                        <a:t>33758.4143</a:t>
+                      </a:r>
+                    </a:p>
+                  </a:txBody>
+                  <a:tcPr marL="3703" marR="3703" marT="3703" marB="0" anchor="b">
+                    <a:lnL>
+                      <a:noFill/>
+                    </a:lnL>
+                    <a:lnR>
+                      <a:noFill/>
+                    </a:lnR>
+                    <a:lnT>
+                      <a:noFill/>
+                    </a:lnT>
+                    <a:lnB>
+                      <a:noFill/>
+                    </a:lnB>
+                  </a:tcPr>
+                </a:tc>
+                <a:tc>
+                  <a:txBody>
+                    <a:bodyPr/>
+                    <a:lstStyle/>
+                    <a:p>
+                      <a:pPr algn="r" fontAlgn="b"/>
+                      <a:r>
+                        <a:rPr lang="en-US" sz="900" b="1" i="0" u="none" strike="noStrike">
+                          <a:solidFill>
+                            <a:srgbClr val="000000"/>
+                          </a:solidFill>
+                          <a:effectLst/>
+                          <a:latin typeface="Calibri" panose="020F0502020204030204" pitchFamily="34" charset="0"/>
+                        </a:rPr>
+                        <a:t>33695.5198</a:t>
+                      </a:r>
+                    </a:p>
+                  </a:txBody>
+                  <a:tcPr marL="3703" marR="3703" marT="3703" marB="0" anchor="b">
+                    <a:lnL>
+                      <a:noFill/>
+                    </a:lnL>
+                    <a:lnR>
+                      <a:noFill/>
+                    </a:lnR>
+                    <a:lnT>
+                      <a:noFill/>
+                    </a:lnT>
+                    <a:lnB>
+                      <a:noFill/>
+                    </a:lnB>
+                  </a:tcPr>
+                </a:tc>
+                <a:tc>
+                  <a:txBody>
+                    <a:bodyPr/>
+                    <a:lstStyle/>
+                    <a:p>
+                      <a:pPr algn="l" fontAlgn="b"/>
+                      <a:r>
+                        <a:rPr lang="en-US" sz="900" b="1" i="0" u="none" strike="noStrike">
+                          <a:solidFill>
+                            <a:srgbClr val="000000"/>
+                          </a:solidFill>
+                          <a:effectLst/>
+                          <a:latin typeface="Calibri" panose="020F0502020204030204" pitchFamily="34" charset="0"/>
+                        </a:rPr>
+                        <a:t>MULTI-STOREY CAR PARK</a:t>
+                      </a:r>
+                    </a:p>
+                  </a:txBody>
+                  <a:tcPr marL="3703" marR="3703" marT="3703" marB="0" anchor="b">
+                    <a:lnL>
+                      <a:noFill/>
+                    </a:lnL>
+                    <a:lnR>
+                      <a:noFill/>
+                    </a:lnR>
+                    <a:lnT>
+                      <a:noFill/>
+                    </a:lnT>
+                    <a:lnB>
+                      <a:noFill/>
+                    </a:lnB>
+                  </a:tcPr>
+                </a:tc>
+                <a:tc>
+                  <a:txBody>
+                    <a:bodyPr/>
+                    <a:lstStyle/>
+                    <a:p>
+                      <a:pPr algn="l" fontAlgn="b"/>
+                      <a:r>
+                        <a:rPr lang="en-US" sz="900" b="1" i="0" u="none" strike="noStrike">
+                          <a:solidFill>
+                            <a:srgbClr val="000000"/>
+                          </a:solidFill>
+                          <a:effectLst/>
+                          <a:latin typeface="Calibri" panose="020F0502020204030204" pitchFamily="34" charset="0"/>
+                        </a:rPr>
+                        <a:t>ELECTRONIC PARKING</a:t>
+                      </a:r>
+                    </a:p>
+                  </a:txBody>
+                  <a:tcPr marL="3703" marR="3703" marT="3703" marB="0" anchor="b">
+                    <a:lnL>
+                      <a:noFill/>
+                    </a:lnL>
+                    <a:lnR>
+                      <a:noFill/>
+                    </a:lnR>
+                    <a:lnT>
+                      <a:noFill/>
+                    </a:lnT>
+                    <a:lnB>
+                      <a:noFill/>
+                    </a:lnB>
+                  </a:tcPr>
+                </a:tc>
+                <a:tc>
+                  <a:txBody>
+                    <a:bodyPr/>
+                    <a:lstStyle/>
+                    <a:p>
+                      <a:pPr algn="l" fontAlgn="b"/>
+                      <a:r>
+                        <a:rPr lang="en-US" sz="900" b="1" i="0" u="none" strike="noStrike">
+                          <a:solidFill>
+                            <a:srgbClr val="000000"/>
+                          </a:solidFill>
+                          <a:effectLst/>
+                          <a:latin typeface="Calibri" panose="020F0502020204030204" pitchFamily="34" charset="0"/>
+                        </a:rPr>
+                        <a:t>WHOLE DAY</a:t>
+                      </a:r>
+                    </a:p>
+                  </a:txBody>
+                  <a:tcPr marL="3703" marR="3703" marT="3703" marB="0" anchor="b">
+                    <a:lnL>
+                      <a:noFill/>
+                    </a:lnL>
+                    <a:lnR>
+                      <a:noFill/>
+                    </a:lnR>
+                    <a:lnT>
+                      <a:noFill/>
+                    </a:lnT>
+                    <a:lnB>
+                      <a:noFill/>
+                    </a:lnB>
+                  </a:tcPr>
+                </a:tc>
+                <a:tc>
+                  <a:txBody>
+                    <a:bodyPr/>
+                    <a:lstStyle/>
+                    <a:p>
+                      <a:pPr algn="l" fontAlgn="b"/>
+                      <a:r>
+                        <a:rPr lang="en-US" sz="900" b="1" i="0" u="none" strike="noStrike">
+                          <a:solidFill>
+                            <a:srgbClr val="000000"/>
+                          </a:solidFill>
+                          <a:effectLst/>
+                          <a:latin typeface="Calibri" panose="020F0502020204030204" pitchFamily="34" charset="0"/>
+                        </a:rPr>
+                        <a:t>SUN &amp; PH FR 7AM-10.30PM</a:t>
+                      </a:r>
+                    </a:p>
+                  </a:txBody>
+                  <a:tcPr marL="3703" marR="3703" marT="3703" marB="0" anchor="b">
+                    <a:lnL>
+                      <a:noFill/>
+                    </a:lnL>
+                    <a:lnR>
+                      <a:noFill/>
+                    </a:lnR>
+                    <a:lnT>
+                      <a:noFill/>
+                    </a:lnT>
+                    <a:lnB>
+                      <a:noFill/>
+                    </a:lnB>
+                  </a:tcPr>
+                </a:tc>
+                <a:tc>
+                  <a:txBody>
+                    <a:bodyPr/>
+                    <a:lstStyle/>
+                    <a:p>
+                      <a:pPr algn="l" fontAlgn="b"/>
+                      <a:r>
+                        <a:rPr lang="en-US" sz="900" b="1" i="0" u="none" strike="noStrike">
+                          <a:solidFill>
+                            <a:srgbClr val="000000"/>
+                          </a:solidFill>
+                          <a:effectLst/>
+                          <a:latin typeface="Calibri" panose="020F0502020204030204" pitchFamily="34" charset="0"/>
+                        </a:rPr>
+                        <a:t>YES</a:t>
+                      </a:r>
+                    </a:p>
+                  </a:txBody>
+                  <a:tcPr marL="3703" marR="3703" marT="3703" marB="0" anchor="b">
+                    <a:lnL>
+                      <a:noFill/>
+                    </a:lnL>
+                    <a:lnR>
+                      <a:noFill/>
+                    </a:lnR>
+                    <a:lnT>
+                      <a:noFill/>
+                    </a:lnT>
+                    <a:lnB>
+                      <a:noFill/>
+                    </a:lnB>
+                  </a:tcPr>
+                </a:tc>
+                <a:tc>
+                  <a:txBody>
+                    <a:bodyPr/>
+                    <a:lstStyle/>
+                    <a:p>
+                      <a:pPr algn="r" fontAlgn="b"/>
+                      <a:r>
+                        <a:rPr lang="en-US" sz="900" b="1" i="0" u="none" strike="noStrike">
+                          <a:solidFill>
+                            <a:srgbClr val="000000"/>
+                          </a:solidFill>
+                          <a:effectLst/>
+                          <a:latin typeface="Calibri" panose="020F0502020204030204" pitchFamily="34" charset="0"/>
+                        </a:rPr>
+                        <a:t>5</a:t>
+                      </a:r>
+                    </a:p>
+                  </a:txBody>
+                  <a:tcPr marL="3703" marR="3703" marT="3703" marB="0" anchor="b">
+                    <a:lnL>
+                      <a:noFill/>
+                    </a:lnL>
+                    <a:lnR>
+                      <a:noFill/>
+                    </a:lnR>
+                    <a:lnT>
+                      <a:noFill/>
+                    </a:lnT>
+                    <a:lnB>
+                      <a:noFill/>
+                    </a:lnB>
+                  </a:tcPr>
+                </a:tc>
+                <a:tc>
+                  <a:txBody>
+                    <a:bodyPr/>
+                    <a:lstStyle/>
+                    <a:p>
+                      <a:pPr algn="r" fontAlgn="b"/>
+                      <a:r>
+                        <a:rPr lang="en-US" sz="900" b="1" i="0" u="none" strike="noStrike">
+                          <a:solidFill>
+                            <a:srgbClr val="000000"/>
+                          </a:solidFill>
+                          <a:effectLst/>
+                          <a:latin typeface="Calibri" panose="020F0502020204030204" pitchFamily="34" charset="0"/>
+                        </a:rPr>
+                        <a:t>2.1</a:t>
+                      </a:r>
+                    </a:p>
+                  </a:txBody>
+                  <a:tcPr marL="3703" marR="3703" marT="3703" marB="0" anchor="b">
+                    <a:lnL>
+                      <a:noFill/>
+                    </a:lnL>
+                    <a:lnR>
+                      <a:noFill/>
+                    </a:lnR>
+                    <a:lnT>
+                      <a:noFill/>
+                    </a:lnT>
+                    <a:lnB>
+                      <a:noFill/>
+                    </a:lnB>
+                  </a:tcPr>
+                </a:tc>
+                <a:tc>
+                  <a:txBody>
+                    <a:bodyPr/>
+                    <a:lstStyle/>
+                    <a:p>
+                      <a:pPr algn="l" fontAlgn="b"/>
+                      <a:r>
+                        <a:rPr lang="en-US" sz="900" b="1" i="0" u="none" strike="noStrike">
+                          <a:solidFill>
+                            <a:srgbClr val="000000"/>
+                          </a:solidFill>
+                          <a:effectLst/>
+                          <a:latin typeface="Calibri" panose="020F0502020204030204" pitchFamily="34" charset="0"/>
+                        </a:rPr>
+                        <a:t>N</a:t>
+                      </a:r>
+                    </a:p>
+                  </a:txBody>
+                  <a:tcPr marL="3703" marR="3703" marT="3703" marB="0" anchor="b">
+                    <a:lnL>
+                      <a:noFill/>
+                    </a:lnL>
+                    <a:lnR>
+                      <a:noFill/>
+                    </a:lnR>
+                    <a:lnT>
+                      <a:noFill/>
+                    </a:lnT>
+                    <a:lnB>
+                      <a:noFill/>
+                    </a:lnB>
+                  </a:tcPr>
+                </a:tc>
+                <a:extLst>
+                  <a:ext uri="{0D108BD9-81ED-4DB2-BD59-A6C34878D82A}">
+                    <a16:rowId xmlns:a16="http://schemas.microsoft.com/office/drawing/2014/main" val="1627301729"/>
+                  </a:ext>
+                </a:extLst>
+              </a:tr>
+              <a:tr h="327067">
+                <a:tc>
+                  <a:txBody>
+                    <a:bodyPr/>
+                    <a:lstStyle/>
+                    <a:p>
+                      <a:pPr algn="l" fontAlgn="b"/>
+                      <a:r>
+                        <a:rPr lang="en-US" sz="900" b="1" i="0" u="none" strike="noStrike">
+                          <a:solidFill>
+                            <a:srgbClr val="000000"/>
+                          </a:solidFill>
+                          <a:effectLst/>
+                          <a:latin typeface="Calibri" panose="020F0502020204030204" pitchFamily="34" charset="0"/>
+                        </a:rPr>
+                        <a:t>AH1</a:t>
+                      </a:r>
+                    </a:p>
+                  </a:txBody>
+                  <a:tcPr marL="3703" marR="3703" marT="3703" marB="0" anchor="b">
+                    <a:lnL>
+                      <a:noFill/>
+                    </a:lnL>
+                    <a:lnR>
+                      <a:noFill/>
+                    </a:lnR>
+                    <a:lnT>
+                      <a:noFill/>
+                    </a:lnT>
+                    <a:lnB>
+                      <a:noFill/>
+                    </a:lnB>
+                  </a:tcPr>
+                </a:tc>
+                <a:tc>
+                  <a:txBody>
+                    <a:bodyPr/>
+                    <a:lstStyle/>
+                    <a:p>
+                      <a:pPr algn="l" fontAlgn="b"/>
+                      <a:r>
+                        <a:rPr lang="en-US" sz="900" b="1" i="0" u="none" strike="noStrike">
+                          <a:solidFill>
+                            <a:srgbClr val="000000"/>
+                          </a:solidFill>
+                          <a:effectLst/>
+                          <a:latin typeface="Calibri" panose="020F0502020204030204" pitchFamily="34" charset="0"/>
+                        </a:rPr>
+                        <a:t>BLK 101 JALAN DUSUN</a:t>
+                      </a:r>
+                    </a:p>
+                  </a:txBody>
+                  <a:tcPr marL="3703" marR="3703" marT="3703" marB="0" anchor="b">
+                    <a:lnL>
+                      <a:noFill/>
+                    </a:lnL>
+                    <a:lnR>
+                      <a:noFill/>
+                    </a:lnR>
+                    <a:lnT>
+                      <a:noFill/>
+                    </a:lnT>
+                    <a:lnB>
+                      <a:noFill/>
+                    </a:lnB>
+                  </a:tcPr>
+                </a:tc>
+                <a:tc>
+                  <a:txBody>
+                    <a:bodyPr/>
+                    <a:lstStyle/>
+                    <a:p>
+                      <a:pPr algn="r" fontAlgn="b"/>
+                      <a:r>
+                        <a:rPr lang="en-US" sz="900" b="1" i="0" u="none" strike="noStrike">
+                          <a:solidFill>
+                            <a:srgbClr val="000000"/>
+                          </a:solidFill>
+                          <a:effectLst/>
+                          <a:latin typeface="Calibri" panose="020F0502020204030204" pitchFamily="34" charset="0"/>
+                        </a:rPr>
+                        <a:t>29257.7203</a:t>
+                      </a:r>
+                    </a:p>
+                  </a:txBody>
+                  <a:tcPr marL="3703" marR="3703" marT="3703" marB="0" anchor="b">
+                    <a:lnL>
+                      <a:noFill/>
+                    </a:lnL>
+                    <a:lnR>
+                      <a:noFill/>
+                    </a:lnR>
+                    <a:lnT>
+                      <a:noFill/>
+                    </a:lnT>
+                    <a:lnB>
+                      <a:noFill/>
+                    </a:lnB>
+                  </a:tcPr>
+                </a:tc>
+                <a:tc>
+                  <a:txBody>
+                    <a:bodyPr/>
+                    <a:lstStyle/>
+                    <a:p>
+                      <a:pPr algn="r" fontAlgn="b"/>
+                      <a:r>
+                        <a:rPr lang="en-US" sz="900" b="1" i="0" u="none" strike="noStrike">
+                          <a:solidFill>
+                            <a:srgbClr val="000000"/>
+                          </a:solidFill>
+                          <a:effectLst/>
+                          <a:latin typeface="Calibri" panose="020F0502020204030204" pitchFamily="34" charset="0"/>
+                        </a:rPr>
+                        <a:t>34500.3599</a:t>
+                      </a:r>
+                    </a:p>
+                  </a:txBody>
+                  <a:tcPr marL="3703" marR="3703" marT="3703" marB="0" anchor="b">
+                    <a:lnL>
+                      <a:noFill/>
+                    </a:lnL>
+                    <a:lnR>
+                      <a:noFill/>
+                    </a:lnR>
+                    <a:lnT>
+                      <a:noFill/>
+                    </a:lnT>
+                    <a:lnB>
+                      <a:noFill/>
+                    </a:lnB>
+                  </a:tcPr>
+                </a:tc>
+                <a:tc>
+                  <a:txBody>
+                    <a:bodyPr/>
+                    <a:lstStyle/>
+                    <a:p>
+                      <a:pPr algn="l" fontAlgn="b"/>
+                      <a:r>
+                        <a:rPr lang="en-US" sz="900" b="1" i="0" u="none" strike="noStrike">
+                          <a:solidFill>
+                            <a:srgbClr val="000000"/>
+                          </a:solidFill>
+                          <a:effectLst/>
+                          <a:latin typeface="Calibri" panose="020F0502020204030204" pitchFamily="34" charset="0"/>
+                        </a:rPr>
+                        <a:t>SURFACE CAR PARK</a:t>
+                      </a:r>
+                    </a:p>
+                  </a:txBody>
+                  <a:tcPr marL="3703" marR="3703" marT="3703" marB="0" anchor="b">
+                    <a:lnL>
+                      <a:noFill/>
+                    </a:lnL>
+                    <a:lnR>
+                      <a:noFill/>
+                    </a:lnR>
+                    <a:lnT>
+                      <a:noFill/>
+                    </a:lnT>
+                    <a:lnB>
+                      <a:noFill/>
+                    </a:lnB>
+                  </a:tcPr>
+                </a:tc>
+                <a:tc>
+                  <a:txBody>
+                    <a:bodyPr/>
+                    <a:lstStyle/>
+                    <a:p>
+                      <a:pPr algn="l" fontAlgn="b"/>
+                      <a:r>
+                        <a:rPr lang="en-US" sz="900" b="1" i="0" u="none" strike="noStrike">
+                          <a:solidFill>
+                            <a:srgbClr val="000000"/>
+                          </a:solidFill>
+                          <a:effectLst/>
+                          <a:latin typeface="Calibri" panose="020F0502020204030204" pitchFamily="34" charset="0"/>
+                        </a:rPr>
+                        <a:t>ELECTRONIC PARKING</a:t>
+                      </a:r>
+                    </a:p>
+                  </a:txBody>
+                  <a:tcPr marL="3703" marR="3703" marT="3703" marB="0" anchor="b">
+                    <a:lnL>
+                      <a:noFill/>
+                    </a:lnL>
+                    <a:lnR>
+                      <a:noFill/>
+                    </a:lnR>
+                    <a:lnT>
+                      <a:noFill/>
+                    </a:lnT>
+                    <a:lnB>
+                      <a:noFill/>
+                    </a:lnB>
+                  </a:tcPr>
+                </a:tc>
+                <a:tc>
+                  <a:txBody>
+                    <a:bodyPr/>
+                    <a:lstStyle/>
+                    <a:p>
+                      <a:pPr algn="l" fontAlgn="b"/>
+                      <a:r>
+                        <a:rPr lang="en-US" sz="900" b="1" i="0" u="none" strike="noStrike">
+                          <a:solidFill>
+                            <a:srgbClr val="000000"/>
+                          </a:solidFill>
+                          <a:effectLst/>
+                          <a:latin typeface="Calibri" panose="020F0502020204030204" pitchFamily="34" charset="0"/>
+                        </a:rPr>
+                        <a:t>WHOLE DAY</a:t>
+                      </a:r>
+                    </a:p>
+                  </a:txBody>
+                  <a:tcPr marL="3703" marR="3703" marT="3703" marB="0" anchor="b">
+                    <a:lnL>
+                      <a:noFill/>
+                    </a:lnL>
+                    <a:lnR>
+                      <a:noFill/>
+                    </a:lnR>
+                    <a:lnT>
+                      <a:noFill/>
+                    </a:lnT>
+                    <a:lnB>
+                      <a:noFill/>
+                    </a:lnB>
+                  </a:tcPr>
+                </a:tc>
+                <a:tc>
+                  <a:txBody>
+                    <a:bodyPr/>
+                    <a:lstStyle/>
+                    <a:p>
+                      <a:pPr algn="l" fontAlgn="b"/>
+                      <a:r>
+                        <a:rPr lang="en-US" sz="900" b="1" i="0" u="none" strike="noStrike">
+                          <a:solidFill>
+                            <a:srgbClr val="000000"/>
+                          </a:solidFill>
+                          <a:effectLst/>
+                          <a:latin typeface="Calibri" panose="020F0502020204030204" pitchFamily="34" charset="0"/>
+                        </a:rPr>
+                        <a:t>SUN &amp; PH FR 7AM-10.30PM</a:t>
+                      </a:r>
+                    </a:p>
+                  </a:txBody>
+                  <a:tcPr marL="3703" marR="3703" marT="3703" marB="0" anchor="b">
+                    <a:lnL>
+                      <a:noFill/>
+                    </a:lnL>
+                    <a:lnR>
+                      <a:noFill/>
+                    </a:lnR>
+                    <a:lnT>
+                      <a:noFill/>
+                    </a:lnT>
+                    <a:lnB>
+                      <a:noFill/>
+                    </a:lnB>
+                  </a:tcPr>
+                </a:tc>
+                <a:tc>
+                  <a:txBody>
+                    <a:bodyPr/>
+                    <a:lstStyle/>
+                    <a:p>
+                      <a:pPr algn="l" fontAlgn="b"/>
+                      <a:r>
+                        <a:rPr lang="en-US" sz="900" b="1" i="0" u="none" strike="noStrike">
+                          <a:solidFill>
+                            <a:srgbClr val="000000"/>
+                          </a:solidFill>
+                          <a:effectLst/>
+                          <a:latin typeface="Calibri" panose="020F0502020204030204" pitchFamily="34" charset="0"/>
+                        </a:rPr>
+                        <a:t>YES</a:t>
+                      </a:r>
+                    </a:p>
+                  </a:txBody>
+                  <a:tcPr marL="3703" marR="3703" marT="3703" marB="0" anchor="b">
+                    <a:lnL>
+                      <a:noFill/>
+                    </a:lnL>
+                    <a:lnR>
+                      <a:noFill/>
+                    </a:lnR>
+                    <a:lnT>
+                      <a:noFill/>
+                    </a:lnT>
+                    <a:lnB>
+                      <a:noFill/>
+                    </a:lnB>
+                  </a:tcPr>
+                </a:tc>
+                <a:tc>
+                  <a:txBody>
+                    <a:bodyPr/>
+                    <a:lstStyle/>
+                    <a:p>
+                      <a:pPr algn="r" fontAlgn="b"/>
+                      <a:r>
+                        <a:rPr lang="en-US" sz="900" b="1" i="0" u="none" strike="noStrike">
+                          <a:solidFill>
+                            <a:srgbClr val="000000"/>
+                          </a:solidFill>
+                          <a:effectLst/>
+                          <a:latin typeface="Calibri" panose="020F0502020204030204" pitchFamily="34" charset="0"/>
+                        </a:rPr>
+                        <a:t>0</a:t>
+                      </a:r>
+                    </a:p>
+                  </a:txBody>
+                  <a:tcPr marL="3703" marR="3703" marT="3703" marB="0" anchor="b">
+                    <a:lnL>
+                      <a:noFill/>
+                    </a:lnL>
+                    <a:lnR>
+                      <a:noFill/>
+                    </a:lnR>
+                    <a:lnT>
+                      <a:noFill/>
+                    </a:lnT>
+                    <a:lnB>
+                      <a:noFill/>
+                    </a:lnB>
+                  </a:tcPr>
+                </a:tc>
+                <a:tc>
+                  <a:txBody>
+                    <a:bodyPr/>
+                    <a:lstStyle/>
+                    <a:p>
+                      <a:pPr algn="r" fontAlgn="b"/>
+                      <a:r>
+                        <a:rPr lang="en-US" sz="900" b="1" i="0" u="none" strike="noStrike">
+                          <a:solidFill>
+                            <a:srgbClr val="000000"/>
+                          </a:solidFill>
+                          <a:effectLst/>
+                          <a:latin typeface="Calibri" panose="020F0502020204030204" pitchFamily="34" charset="0"/>
+                        </a:rPr>
+                        <a:t>0</a:t>
+                      </a:r>
+                    </a:p>
+                  </a:txBody>
+                  <a:tcPr marL="3703" marR="3703" marT="3703" marB="0" anchor="b">
+                    <a:lnL>
+                      <a:noFill/>
+                    </a:lnL>
+                    <a:lnR>
+                      <a:noFill/>
+                    </a:lnR>
+                    <a:lnT>
+                      <a:noFill/>
+                    </a:lnT>
+                    <a:lnB>
+                      <a:noFill/>
+                    </a:lnB>
+                  </a:tcPr>
+                </a:tc>
+                <a:tc>
+                  <a:txBody>
+                    <a:bodyPr/>
+                    <a:lstStyle/>
+                    <a:p>
+                      <a:pPr algn="l" fontAlgn="b"/>
+                      <a:r>
+                        <a:rPr lang="en-US" sz="900" b="1" i="0" u="none" strike="noStrike">
+                          <a:solidFill>
+                            <a:srgbClr val="000000"/>
+                          </a:solidFill>
+                          <a:effectLst/>
+                          <a:latin typeface="Calibri" panose="020F0502020204030204" pitchFamily="34" charset="0"/>
+                        </a:rPr>
+                        <a:t>N</a:t>
+                      </a:r>
+                    </a:p>
+                  </a:txBody>
+                  <a:tcPr marL="3703" marR="3703" marT="3703" marB="0" anchor="b">
+                    <a:lnL>
+                      <a:noFill/>
+                    </a:lnL>
+                    <a:lnR>
+                      <a:noFill/>
+                    </a:lnR>
+                    <a:lnT>
+                      <a:noFill/>
+                    </a:lnT>
+                    <a:lnB>
+                      <a:noFill/>
+                    </a:lnB>
+                  </a:tcPr>
+                </a:tc>
+                <a:extLst>
+                  <a:ext uri="{0D108BD9-81ED-4DB2-BD59-A6C34878D82A}">
+                    <a16:rowId xmlns:a16="http://schemas.microsoft.com/office/drawing/2014/main" val="2686282314"/>
+                  </a:ext>
+                </a:extLst>
+              </a:tr>
+              <a:tr h="327067">
+                <a:tc>
+                  <a:txBody>
+                    <a:bodyPr/>
+                    <a:lstStyle/>
+                    <a:p>
+                      <a:pPr algn="l" fontAlgn="b"/>
+                      <a:r>
+                        <a:rPr lang="en-US" sz="900" b="1" i="0" u="none" strike="noStrike">
+                          <a:solidFill>
+                            <a:srgbClr val="000000"/>
+                          </a:solidFill>
+                          <a:effectLst/>
+                          <a:latin typeface="Calibri" panose="020F0502020204030204" pitchFamily="34" charset="0"/>
+                        </a:rPr>
+                        <a:t>AK19</a:t>
+                      </a:r>
+                    </a:p>
+                  </a:txBody>
+                  <a:tcPr marL="3703" marR="3703" marT="3703" marB="0" anchor="b">
+                    <a:lnL>
+                      <a:noFill/>
+                    </a:lnL>
+                    <a:lnR>
+                      <a:noFill/>
+                    </a:lnR>
+                    <a:lnT>
+                      <a:noFill/>
+                    </a:lnT>
+                    <a:lnB>
+                      <a:noFill/>
+                    </a:lnB>
+                  </a:tcPr>
+                </a:tc>
+                <a:tc>
+                  <a:txBody>
+                    <a:bodyPr/>
+                    <a:lstStyle/>
+                    <a:p>
+                      <a:pPr algn="l" fontAlgn="b"/>
+                      <a:r>
+                        <a:rPr lang="en-US" sz="900" b="1" i="0" u="none" strike="noStrike">
+                          <a:solidFill>
+                            <a:srgbClr val="000000"/>
+                          </a:solidFill>
+                          <a:effectLst/>
+                          <a:latin typeface="Calibri" panose="020F0502020204030204" pitchFamily="34" charset="0"/>
+                        </a:rPr>
+                        <a:t>BLOCK 253 ANG MO KIO STREET 21</a:t>
+                      </a:r>
+                    </a:p>
+                  </a:txBody>
+                  <a:tcPr marL="3703" marR="3703" marT="3703" marB="0" anchor="b">
+                    <a:lnL>
+                      <a:noFill/>
+                    </a:lnL>
+                    <a:lnR>
+                      <a:noFill/>
+                    </a:lnR>
+                    <a:lnT>
+                      <a:noFill/>
+                    </a:lnT>
+                    <a:lnB>
+                      <a:noFill/>
+                    </a:lnB>
+                  </a:tcPr>
+                </a:tc>
+                <a:tc>
+                  <a:txBody>
+                    <a:bodyPr/>
+                    <a:lstStyle/>
+                    <a:p>
+                      <a:pPr algn="r" fontAlgn="b"/>
+                      <a:r>
+                        <a:rPr lang="en-US" sz="900" b="1" i="0" u="none" strike="noStrike">
+                          <a:solidFill>
+                            <a:srgbClr val="000000"/>
+                          </a:solidFill>
+                          <a:effectLst/>
+                          <a:latin typeface="Calibri" panose="020F0502020204030204" pitchFamily="34" charset="0"/>
+                        </a:rPr>
+                        <a:t>28185.4359</a:t>
+                      </a:r>
+                    </a:p>
+                  </a:txBody>
+                  <a:tcPr marL="3703" marR="3703" marT="3703" marB="0" anchor="b">
+                    <a:lnL>
+                      <a:noFill/>
+                    </a:lnL>
+                    <a:lnR>
+                      <a:noFill/>
+                    </a:lnR>
+                    <a:lnT>
+                      <a:noFill/>
+                    </a:lnT>
+                    <a:lnB>
+                      <a:noFill/>
+                    </a:lnB>
+                  </a:tcPr>
+                </a:tc>
+                <a:tc>
+                  <a:txBody>
+                    <a:bodyPr/>
+                    <a:lstStyle/>
+                    <a:p>
+                      <a:pPr algn="r" fontAlgn="b"/>
+                      <a:r>
+                        <a:rPr lang="en-US" sz="900" b="1" i="0" u="none" strike="noStrike">
+                          <a:solidFill>
+                            <a:srgbClr val="000000"/>
+                          </a:solidFill>
+                          <a:effectLst/>
+                          <a:latin typeface="Calibri" panose="020F0502020204030204" pitchFamily="34" charset="0"/>
+                        </a:rPr>
+                        <a:t>39012.6664</a:t>
+                      </a:r>
+                    </a:p>
+                  </a:txBody>
+                  <a:tcPr marL="3703" marR="3703" marT="3703" marB="0" anchor="b">
+                    <a:lnL>
+                      <a:noFill/>
+                    </a:lnL>
+                    <a:lnR>
+                      <a:noFill/>
+                    </a:lnR>
+                    <a:lnT>
+                      <a:noFill/>
+                    </a:lnT>
+                    <a:lnB>
+                      <a:noFill/>
+                    </a:lnB>
+                  </a:tcPr>
+                </a:tc>
+                <a:tc>
+                  <a:txBody>
+                    <a:bodyPr/>
+                    <a:lstStyle/>
+                    <a:p>
+                      <a:pPr algn="l" fontAlgn="b"/>
+                      <a:r>
+                        <a:rPr lang="en-US" sz="900" b="1" i="0" u="none" strike="noStrike">
+                          <a:solidFill>
+                            <a:srgbClr val="000000"/>
+                          </a:solidFill>
+                          <a:effectLst/>
+                          <a:latin typeface="Calibri" panose="020F0502020204030204" pitchFamily="34" charset="0"/>
+                        </a:rPr>
+                        <a:t>SURFACE CAR PARK</a:t>
+                      </a:r>
+                    </a:p>
+                  </a:txBody>
+                  <a:tcPr marL="3703" marR="3703" marT="3703" marB="0" anchor="b">
+                    <a:lnL>
+                      <a:noFill/>
+                    </a:lnL>
+                    <a:lnR>
+                      <a:noFill/>
+                    </a:lnR>
+                    <a:lnT>
+                      <a:noFill/>
+                    </a:lnT>
+                    <a:lnB>
+                      <a:noFill/>
+                    </a:lnB>
+                  </a:tcPr>
+                </a:tc>
+                <a:tc>
+                  <a:txBody>
+                    <a:bodyPr/>
+                    <a:lstStyle/>
+                    <a:p>
+                      <a:pPr algn="l" fontAlgn="b"/>
+                      <a:r>
+                        <a:rPr lang="en-US" sz="900" b="1" i="0" u="none" strike="noStrike">
+                          <a:solidFill>
+                            <a:srgbClr val="000000"/>
+                          </a:solidFill>
+                          <a:effectLst/>
+                          <a:latin typeface="Calibri" panose="020F0502020204030204" pitchFamily="34" charset="0"/>
+                        </a:rPr>
+                        <a:t>COUPON PARKING</a:t>
+                      </a:r>
+                    </a:p>
+                  </a:txBody>
+                  <a:tcPr marL="3703" marR="3703" marT="3703" marB="0" anchor="b">
+                    <a:lnL>
+                      <a:noFill/>
+                    </a:lnL>
+                    <a:lnR>
+                      <a:noFill/>
+                    </a:lnR>
+                    <a:lnT>
+                      <a:noFill/>
+                    </a:lnT>
+                    <a:lnB>
+                      <a:noFill/>
+                    </a:lnB>
+                  </a:tcPr>
+                </a:tc>
+                <a:tc>
+                  <a:txBody>
+                    <a:bodyPr/>
+                    <a:lstStyle/>
+                    <a:p>
+                      <a:pPr algn="l" fontAlgn="b"/>
+                      <a:r>
+                        <a:rPr lang="en-US" sz="900" b="1" i="0" u="none" strike="noStrike">
+                          <a:solidFill>
+                            <a:srgbClr val="000000"/>
+                          </a:solidFill>
+                          <a:effectLst/>
+                          <a:latin typeface="Calibri" panose="020F0502020204030204" pitchFamily="34" charset="0"/>
+                        </a:rPr>
+                        <a:t>7AM-7PM</a:t>
+                      </a:r>
+                    </a:p>
+                  </a:txBody>
+                  <a:tcPr marL="3703" marR="3703" marT="3703" marB="0" anchor="b">
+                    <a:lnL>
+                      <a:noFill/>
+                    </a:lnL>
+                    <a:lnR>
+                      <a:noFill/>
+                    </a:lnR>
+                    <a:lnT>
+                      <a:noFill/>
+                    </a:lnT>
+                    <a:lnB>
+                      <a:noFill/>
+                    </a:lnB>
+                  </a:tcPr>
+                </a:tc>
+                <a:tc>
+                  <a:txBody>
+                    <a:bodyPr/>
+                    <a:lstStyle/>
+                    <a:p>
+                      <a:pPr algn="l" fontAlgn="b"/>
+                      <a:r>
+                        <a:rPr lang="en-US" sz="900" b="1" i="0" u="none" strike="noStrike">
+                          <a:solidFill>
+                            <a:srgbClr val="000000"/>
+                          </a:solidFill>
+                          <a:effectLst/>
+                          <a:latin typeface="Calibri" panose="020F0502020204030204" pitchFamily="34" charset="0"/>
+                        </a:rPr>
+                        <a:t>NO</a:t>
+                      </a:r>
+                    </a:p>
+                  </a:txBody>
+                  <a:tcPr marL="3703" marR="3703" marT="3703" marB="0" anchor="b">
+                    <a:lnL>
+                      <a:noFill/>
+                    </a:lnL>
+                    <a:lnR>
+                      <a:noFill/>
+                    </a:lnR>
+                    <a:lnT>
+                      <a:noFill/>
+                    </a:lnT>
+                    <a:lnB>
+                      <a:noFill/>
+                    </a:lnB>
+                  </a:tcPr>
+                </a:tc>
+                <a:tc>
+                  <a:txBody>
+                    <a:bodyPr/>
+                    <a:lstStyle/>
+                    <a:p>
+                      <a:pPr algn="l" fontAlgn="b"/>
+                      <a:r>
+                        <a:rPr lang="en-US" sz="900" b="1" i="0" u="none" strike="noStrike">
+                          <a:solidFill>
+                            <a:srgbClr val="000000"/>
+                          </a:solidFill>
+                          <a:effectLst/>
+                          <a:latin typeface="Calibri" panose="020F0502020204030204" pitchFamily="34" charset="0"/>
+                        </a:rPr>
+                        <a:t>NO</a:t>
+                      </a:r>
+                    </a:p>
+                  </a:txBody>
+                  <a:tcPr marL="3703" marR="3703" marT="3703" marB="0" anchor="b">
+                    <a:lnL>
+                      <a:noFill/>
+                    </a:lnL>
+                    <a:lnR>
+                      <a:noFill/>
+                    </a:lnR>
+                    <a:lnT>
+                      <a:noFill/>
+                    </a:lnT>
+                    <a:lnB>
+                      <a:noFill/>
+                    </a:lnB>
+                  </a:tcPr>
+                </a:tc>
+                <a:tc>
+                  <a:txBody>
+                    <a:bodyPr/>
+                    <a:lstStyle/>
+                    <a:p>
+                      <a:pPr algn="r" fontAlgn="b"/>
+                      <a:r>
+                        <a:rPr lang="en-US" sz="900" b="1" i="0" u="none" strike="noStrike">
+                          <a:solidFill>
+                            <a:srgbClr val="000000"/>
+                          </a:solidFill>
+                          <a:effectLst/>
+                          <a:latin typeface="Calibri" panose="020F0502020204030204" pitchFamily="34" charset="0"/>
+                        </a:rPr>
+                        <a:t>0</a:t>
+                      </a:r>
+                    </a:p>
+                  </a:txBody>
+                  <a:tcPr marL="3703" marR="3703" marT="3703" marB="0" anchor="b">
+                    <a:lnL>
+                      <a:noFill/>
+                    </a:lnL>
+                    <a:lnR>
+                      <a:noFill/>
+                    </a:lnR>
+                    <a:lnT>
+                      <a:noFill/>
+                    </a:lnT>
+                    <a:lnB>
+                      <a:noFill/>
+                    </a:lnB>
+                  </a:tcPr>
+                </a:tc>
+                <a:tc>
+                  <a:txBody>
+                    <a:bodyPr/>
+                    <a:lstStyle/>
+                    <a:p>
+                      <a:pPr algn="r" fontAlgn="b"/>
+                      <a:r>
+                        <a:rPr lang="en-US" sz="900" b="1" i="0" u="none" strike="noStrike">
+                          <a:solidFill>
+                            <a:srgbClr val="000000"/>
+                          </a:solidFill>
+                          <a:effectLst/>
+                          <a:latin typeface="Calibri" panose="020F0502020204030204" pitchFamily="34" charset="0"/>
+                        </a:rPr>
+                        <a:t>0</a:t>
+                      </a:r>
+                    </a:p>
+                  </a:txBody>
+                  <a:tcPr marL="3703" marR="3703" marT="3703" marB="0" anchor="b">
+                    <a:lnL>
+                      <a:noFill/>
+                    </a:lnL>
+                    <a:lnR>
+                      <a:noFill/>
+                    </a:lnR>
+                    <a:lnT>
+                      <a:noFill/>
+                    </a:lnT>
+                    <a:lnB>
+                      <a:noFill/>
+                    </a:lnB>
+                  </a:tcPr>
+                </a:tc>
+                <a:tc>
+                  <a:txBody>
+                    <a:bodyPr/>
+                    <a:lstStyle/>
+                    <a:p>
+                      <a:pPr algn="l" fontAlgn="b"/>
+                      <a:r>
+                        <a:rPr lang="en-US" sz="900" b="1" i="0" u="none" strike="noStrike">
+                          <a:solidFill>
+                            <a:srgbClr val="000000"/>
+                          </a:solidFill>
+                          <a:effectLst/>
+                          <a:latin typeface="Calibri" panose="020F0502020204030204" pitchFamily="34" charset="0"/>
+                        </a:rPr>
+                        <a:t>N</a:t>
+                      </a:r>
+                    </a:p>
+                  </a:txBody>
+                  <a:tcPr marL="3703" marR="3703" marT="3703" marB="0" anchor="b">
+                    <a:lnL>
+                      <a:noFill/>
+                    </a:lnL>
+                    <a:lnR>
+                      <a:noFill/>
+                    </a:lnR>
+                    <a:lnT>
+                      <a:noFill/>
+                    </a:lnT>
+                    <a:lnB>
+                      <a:noFill/>
+                    </a:lnB>
+                  </a:tcPr>
+                </a:tc>
+                <a:extLst>
+                  <a:ext uri="{0D108BD9-81ED-4DB2-BD59-A6C34878D82A}">
+                    <a16:rowId xmlns:a16="http://schemas.microsoft.com/office/drawing/2014/main" val="3517699776"/>
+                  </a:ext>
+                </a:extLst>
+              </a:tr>
+              <a:tr h="327067">
+                <a:tc>
+                  <a:txBody>
+                    <a:bodyPr/>
+                    <a:lstStyle/>
+                    <a:p>
+                      <a:pPr algn="l" fontAlgn="b"/>
+                      <a:r>
+                        <a:rPr lang="en-US" sz="900" b="1" i="0" u="none" strike="noStrike">
+                          <a:solidFill>
+                            <a:srgbClr val="000000"/>
+                          </a:solidFill>
+                          <a:effectLst/>
+                          <a:latin typeface="Calibri" panose="020F0502020204030204" pitchFamily="34" charset="0"/>
+                        </a:rPr>
+                        <a:t>AK31</a:t>
+                      </a:r>
+                    </a:p>
+                  </a:txBody>
+                  <a:tcPr marL="3703" marR="3703" marT="3703" marB="0" anchor="b">
+                    <a:lnL>
+                      <a:noFill/>
+                    </a:lnL>
+                    <a:lnR>
+                      <a:noFill/>
+                    </a:lnR>
+                    <a:lnT>
+                      <a:noFill/>
+                    </a:lnT>
+                    <a:lnB>
+                      <a:noFill/>
+                    </a:lnB>
+                  </a:tcPr>
+                </a:tc>
+                <a:tc>
+                  <a:txBody>
+                    <a:bodyPr/>
+                    <a:lstStyle/>
+                    <a:p>
+                      <a:pPr algn="l" fontAlgn="b"/>
+                      <a:r>
+                        <a:rPr lang="en-US" sz="900" b="1" i="0" u="none" strike="noStrike">
+                          <a:solidFill>
+                            <a:srgbClr val="000000"/>
+                          </a:solidFill>
+                          <a:effectLst/>
+                          <a:latin typeface="Calibri" panose="020F0502020204030204" pitchFamily="34" charset="0"/>
+                        </a:rPr>
+                        <a:t>BLK 302/348 ANG MO KIO ST 31</a:t>
+                      </a:r>
+                    </a:p>
+                  </a:txBody>
+                  <a:tcPr marL="3703" marR="3703" marT="3703" marB="0" anchor="b">
+                    <a:lnL>
+                      <a:noFill/>
+                    </a:lnL>
+                    <a:lnR>
+                      <a:noFill/>
+                    </a:lnR>
+                    <a:lnT>
+                      <a:noFill/>
+                    </a:lnT>
+                    <a:lnB>
+                      <a:noFill/>
+                    </a:lnB>
+                  </a:tcPr>
+                </a:tc>
+                <a:tc>
+                  <a:txBody>
+                    <a:bodyPr/>
+                    <a:lstStyle/>
+                    <a:p>
+                      <a:pPr algn="r" fontAlgn="b"/>
+                      <a:r>
+                        <a:rPr lang="en-US" sz="900" b="1" i="0" u="none" strike="noStrike">
+                          <a:solidFill>
+                            <a:srgbClr val="000000"/>
+                          </a:solidFill>
+                          <a:effectLst/>
+                          <a:latin typeface="Calibri" panose="020F0502020204030204" pitchFamily="34" charset="0"/>
+                        </a:rPr>
+                        <a:t>29482.029</a:t>
+                      </a:r>
+                    </a:p>
+                  </a:txBody>
+                  <a:tcPr marL="3703" marR="3703" marT="3703" marB="0" anchor="b">
+                    <a:lnL>
+                      <a:noFill/>
+                    </a:lnL>
+                    <a:lnR>
+                      <a:noFill/>
+                    </a:lnR>
+                    <a:lnT>
+                      <a:noFill/>
+                    </a:lnT>
+                    <a:lnB>
+                      <a:noFill/>
+                    </a:lnB>
+                  </a:tcPr>
+                </a:tc>
+                <a:tc>
+                  <a:txBody>
+                    <a:bodyPr/>
+                    <a:lstStyle/>
+                    <a:p>
+                      <a:pPr algn="r" fontAlgn="b"/>
+                      <a:r>
+                        <a:rPr lang="en-US" sz="900" b="1" i="0" u="none" strike="noStrike">
+                          <a:solidFill>
+                            <a:srgbClr val="000000"/>
+                          </a:solidFill>
+                          <a:effectLst/>
+                          <a:latin typeface="Calibri" panose="020F0502020204030204" pitchFamily="34" charset="0"/>
+                        </a:rPr>
+                        <a:t>38684.1754</a:t>
+                      </a:r>
+                    </a:p>
+                  </a:txBody>
+                  <a:tcPr marL="3703" marR="3703" marT="3703" marB="0" anchor="b">
+                    <a:lnL>
+                      <a:noFill/>
+                    </a:lnL>
+                    <a:lnR>
+                      <a:noFill/>
+                    </a:lnR>
+                    <a:lnT>
+                      <a:noFill/>
+                    </a:lnT>
+                    <a:lnB>
+                      <a:noFill/>
+                    </a:lnB>
+                  </a:tcPr>
+                </a:tc>
+                <a:tc>
+                  <a:txBody>
+                    <a:bodyPr/>
+                    <a:lstStyle/>
+                    <a:p>
+                      <a:pPr algn="l" fontAlgn="b"/>
+                      <a:r>
+                        <a:rPr lang="en-US" sz="900" b="1" i="0" u="none" strike="noStrike">
+                          <a:solidFill>
+                            <a:srgbClr val="000000"/>
+                          </a:solidFill>
+                          <a:effectLst/>
+                          <a:latin typeface="Calibri" panose="020F0502020204030204" pitchFamily="34" charset="0"/>
+                        </a:rPr>
+                        <a:t>SURFACE CAR PARK</a:t>
+                      </a:r>
+                    </a:p>
+                  </a:txBody>
+                  <a:tcPr marL="3703" marR="3703" marT="3703" marB="0" anchor="b">
+                    <a:lnL>
+                      <a:noFill/>
+                    </a:lnL>
+                    <a:lnR>
+                      <a:noFill/>
+                    </a:lnR>
+                    <a:lnT>
+                      <a:noFill/>
+                    </a:lnT>
+                    <a:lnB>
+                      <a:noFill/>
+                    </a:lnB>
+                  </a:tcPr>
+                </a:tc>
+                <a:tc>
+                  <a:txBody>
+                    <a:bodyPr/>
+                    <a:lstStyle/>
+                    <a:p>
+                      <a:pPr algn="l" fontAlgn="b"/>
+                      <a:r>
+                        <a:rPr lang="en-US" sz="900" b="1" i="0" u="none" strike="noStrike">
+                          <a:solidFill>
+                            <a:srgbClr val="000000"/>
+                          </a:solidFill>
+                          <a:effectLst/>
+                          <a:latin typeface="Calibri" panose="020F0502020204030204" pitchFamily="34" charset="0"/>
+                        </a:rPr>
+                        <a:t>COUPON PARKING</a:t>
+                      </a:r>
+                    </a:p>
+                  </a:txBody>
+                  <a:tcPr marL="3703" marR="3703" marT="3703" marB="0" anchor="b">
+                    <a:lnL>
+                      <a:noFill/>
+                    </a:lnL>
+                    <a:lnR>
+                      <a:noFill/>
+                    </a:lnR>
+                    <a:lnT>
+                      <a:noFill/>
+                    </a:lnT>
+                    <a:lnB>
+                      <a:noFill/>
+                    </a:lnB>
+                  </a:tcPr>
+                </a:tc>
+                <a:tc>
+                  <a:txBody>
+                    <a:bodyPr/>
+                    <a:lstStyle/>
+                    <a:p>
+                      <a:pPr algn="l" fontAlgn="b"/>
+                      <a:r>
+                        <a:rPr lang="en-US" sz="900" b="1" i="0" u="none" strike="noStrike">
+                          <a:solidFill>
+                            <a:srgbClr val="000000"/>
+                          </a:solidFill>
+                          <a:effectLst/>
+                          <a:latin typeface="Calibri" panose="020F0502020204030204" pitchFamily="34" charset="0"/>
+                        </a:rPr>
+                        <a:t>NO</a:t>
+                      </a:r>
+                    </a:p>
+                  </a:txBody>
+                  <a:tcPr marL="3703" marR="3703" marT="3703" marB="0" anchor="b">
+                    <a:lnL>
+                      <a:noFill/>
+                    </a:lnL>
+                    <a:lnR>
+                      <a:noFill/>
+                    </a:lnR>
+                    <a:lnT>
+                      <a:noFill/>
+                    </a:lnT>
+                    <a:lnB>
+                      <a:noFill/>
+                    </a:lnB>
+                  </a:tcPr>
+                </a:tc>
+                <a:tc>
+                  <a:txBody>
+                    <a:bodyPr/>
+                    <a:lstStyle/>
+                    <a:p>
+                      <a:pPr algn="l" fontAlgn="b"/>
+                      <a:r>
+                        <a:rPr lang="en-US" sz="900" b="1" i="0" u="none" strike="noStrike">
+                          <a:solidFill>
+                            <a:srgbClr val="000000"/>
+                          </a:solidFill>
+                          <a:effectLst/>
+                          <a:latin typeface="Calibri" panose="020F0502020204030204" pitchFamily="34" charset="0"/>
+                        </a:rPr>
+                        <a:t>NO</a:t>
+                      </a:r>
+                    </a:p>
+                  </a:txBody>
+                  <a:tcPr marL="3703" marR="3703" marT="3703" marB="0" anchor="b">
+                    <a:lnL>
+                      <a:noFill/>
+                    </a:lnL>
+                    <a:lnR>
+                      <a:noFill/>
+                    </a:lnR>
+                    <a:lnT>
+                      <a:noFill/>
+                    </a:lnT>
+                    <a:lnB>
+                      <a:noFill/>
+                    </a:lnB>
+                  </a:tcPr>
+                </a:tc>
+                <a:tc>
+                  <a:txBody>
+                    <a:bodyPr/>
+                    <a:lstStyle/>
+                    <a:p>
+                      <a:pPr algn="l" fontAlgn="b"/>
+                      <a:r>
+                        <a:rPr lang="en-US" sz="900" b="1" i="0" u="none" strike="noStrike">
+                          <a:solidFill>
+                            <a:srgbClr val="000000"/>
+                          </a:solidFill>
+                          <a:effectLst/>
+                          <a:latin typeface="Calibri" panose="020F0502020204030204" pitchFamily="34" charset="0"/>
+                        </a:rPr>
+                        <a:t>NO</a:t>
+                      </a:r>
+                    </a:p>
+                  </a:txBody>
+                  <a:tcPr marL="3703" marR="3703" marT="3703" marB="0" anchor="b">
+                    <a:lnL>
+                      <a:noFill/>
+                    </a:lnL>
+                    <a:lnR>
+                      <a:noFill/>
+                    </a:lnR>
+                    <a:lnT>
+                      <a:noFill/>
+                    </a:lnT>
+                    <a:lnB>
+                      <a:noFill/>
+                    </a:lnB>
+                  </a:tcPr>
+                </a:tc>
+                <a:tc>
+                  <a:txBody>
+                    <a:bodyPr/>
+                    <a:lstStyle/>
+                    <a:p>
+                      <a:pPr algn="r" fontAlgn="b"/>
+                      <a:r>
+                        <a:rPr lang="en-US" sz="900" b="1" i="0" u="none" strike="noStrike">
+                          <a:solidFill>
+                            <a:srgbClr val="000000"/>
+                          </a:solidFill>
+                          <a:effectLst/>
+                          <a:latin typeface="Calibri" panose="020F0502020204030204" pitchFamily="34" charset="0"/>
+                        </a:rPr>
+                        <a:t>0</a:t>
+                      </a:r>
+                    </a:p>
+                  </a:txBody>
+                  <a:tcPr marL="3703" marR="3703" marT="3703" marB="0" anchor="b">
+                    <a:lnL>
+                      <a:noFill/>
+                    </a:lnL>
+                    <a:lnR>
+                      <a:noFill/>
+                    </a:lnR>
+                    <a:lnT>
+                      <a:noFill/>
+                    </a:lnT>
+                    <a:lnB>
+                      <a:noFill/>
+                    </a:lnB>
+                  </a:tcPr>
+                </a:tc>
+                <a:tc>
+                  <a:txBody>
+                    <a:bodyPr/>
+                    <a:lstStyle/>
+                    <a:p>
+                      <a:pPr algn="r" fontAlgn="b"/>
+                      <a:r>
+                        <a:rPr lang="en-US" sz="900" b="1" i="0" u="none" strike="noStrike">
+                          <a:solidFill>
+                            <a:srgbClr val="000000"/>
+                          </a:solidFill>
+                          <a:effectLst/>
+                          <a:latin typeface="Calibri" panose="020F0502020204030204" pitchFamily="34" charset="0"/>
+                        </a:rPr>
+                        <a:t>0</a:t>
+                      </a:r>
+                    </a:p>
+                  </a:txBody>
+                  <a:tcPr marL="3703" marR="3703" marT="3703" marB="0" anchor="b">
+                    <a:lnL>
+                      <a:noFill/>
+                    </a:lnL>
+                    <a:lnR>
+                      <a:noFill/>
+                    </a:lnR>
+                    <a:lnT>
+                      <a:noFill/>
+                    </a:lnT>
+                    <a:lnB>
+                      <a:noFill/>
+                    </a:lnB>
+                  </a:tcPr>
+                </a:tc>
+                <a:tc>
+                  <a:txBody>
+                    <a:bodyPr/>
+                    <a:lstStyle/>
+                    <a:p>
+                      <a:pPr algn="l" fontAlgn="b"/>
+                      <a:r>
+                        <a:rPr lang="en-US" sz="900" b="1" i="0" u="none" strike="noStrike">
+                          <a:solidFill>
+                            <a:srgbClr val="000000"/>
+                          </a:solidFill>
+                          <a:effectLst/>
+                          <a:latin typeface="Calibri" panose="020F0502020204030204" pitchFamily="34" charset="0"/>
+                        </a:rPr>
+                        <a:t>N</a:t>
+                      </a:r>
+                    </a:p>
+                  </a:txBody>
+                  <a:tcPr marL="3703" marR="3703" marT="3703" marB="0" anchor="b">
+                    <a:lnL>
+                      <a:noFill/>
+                    </a:lnL>
+                    <a:lnR>
+                      <a:noFill/>
+                    </a:lnR>
+                    <a:lnT>
+                      <a:noFill/>
+                    </a:lnT>
+                    <a:lnB>
+                      <a:noFill/>
+                    </a:lnB>
+                  </a:tcPr>
+                </a:tc>
+                <a:extLst>
+                  <a:ext uri="{0D108BD9-81ED-4DB2-BD59-A6C34878D82A}">
+                    <a16:rowId xmlns:a16="http://schemas.microsoft.com/office/drawing/2014/main" val="2603027406"/>
+                  </a:ext>
+                </a:extLst>
+              </a:tr>
+              <a:tr h="327067">
+                <a:tc>
+                  <a:txBody>
+                    <a:bodyPr/>
+                    <a:lstStyle/>
+                    <a:p>
+                      <a:pPr algn="l" fontAlgn="b"/>
+                      <a:r>
+                        <a:rPr lang="en-US" sz="900" b="1" i="0" u="none" strike="noStrike">
+                          <a:solidFill>
+                            <a:srgbClr val="000000"/>
+                          </a:solidFill>
+                          <a:effectLst/>
+                          <a:latin typeface="Calibri" panose="020F0502020204030204" pitchFamily="34" charset="0"/>
+                        </a:rPr>
+                        <a:t>AK52</a:t>
+                      </a:r>
+                    </a:p>
+                  </a:txBody>
+                  <a:tcPr marL="3703" marR="3703" marT="3703" marB="0" anchor="b">
+                    <a:lnL>
+                      <a:noFill/>
+                    </a:lnL>
+                    <a:lnR>
+                      <a:noFill/>
+                    </a:lnR>
+                    <a:lnT>
+                      <a:noFill/>
+                    </a:lnT>
+                    <a:lnB>
+                      <a:noFill/>
+                    </a:lnB>
+                  </a:tcPr>
+                </a:tc>
+                <a:tc>
+                  <a:txBody>
+                    <a:bodyPr/>
+                    <a:lstStyle/>
+                    <a:p>
+                      <a:pPr algn="l" fontAlgn="b"/>
+                      <a:r>
+                        <a:rPr lang="en-US" sz="900" b="1" i="0" u="none" strike="noStrike">
+                          <a:solidFill>
+                            <a:srgbClr val="000000"/>
+                          </a:solidFill>
+                          <a:effectLst/>
+                          <a:latin typeface="Calibri" panose="020F0502020204030204" pitchFamily="34" charset="0"/>
+                        </a:rPr>
+                        <a:t>BLOCK 513 ANG MO KIO ST 53</a:t>
+                      </a:r>
+                    </a:p>
+                  </a:txBody>
+                  <a:tcPr marL="3703" marR="3703" marT="3703" marB="0" anchor="b">
+                    <a:lnL>
+                      <a:noFill/>
+                    </a:lnL>
+                    <a:lnR>
+                      <a:noFill/>
+                    </a:lnR>
+                    <a:lnT>
+                      <a:noFill/>
+                    </a:lnT>
+                    <a:lnB>
+                      <a:noFill/>
+                    </a:lnB>
+                  </a:tcPr>
+                </a:tc>
+                <a:tc>
+                  <a:txBody>
+                    <a:bodyPr/>
+                    <a:lstStyle/>
+                    <a:p>
+                      <a:pPr algn="r" fontAlgn="b"/>
+                      <a:r>
+                        <a:rPr lang="en-US" sz="900" b="1" i="0" u="none" strike="noStrike">
+                          <a:solidFill>
+                            <a:srgbClr val="000000"/>
+                          </a:solidFill>
+                          <a:effectLst/>
+                          <a:latin typeface="Calibri" panose="020F0502020204030204" pitchFamily="34" charset="0"/>
+                        </a:rPr>
+                        <a:t>29889.3457</a:t>
+                      </a:r>
+                    </a:p>
+                  </a:txBody>
+                  <a:tcPr marL="3703" marR="3703" marT="3703" marB="0" anchor="b">
+                    <a:lnL>
+                      <a:noFill/>
+                    </a:lnL>
+                    <a:lnR>
+                      <a:noFill/>
+                    </a:lnR>
+                    <a:lnT>
+                      <a:noFill/>
+                    </a:lnT>
+                    <a:lnB>
+                      <a:noFill/>
+                    </a:lnB>
+                  </a:tcPr>
+                </a:tc>
+                <a:tc>
+                  <a:txBody>
+                    <a:bodyPr/>
+                    <a:lstStyle/>
+                    <a:p>
+                      <a:pPr algn="r" fontAlgn="b"/>
+                      <a:r>
+                        <a:rPr lang="en-US" sz="900" b="1" i="0" u="none" strike="noStrike">
+                          <a:solidFill>
+                            <a:srgbClr val="000000"/>
+                          </a:solidFill>
+                          <a:effectLst/>
+                          <a:latin typeface="Calibri" panose="020F0502020204030204" pitchFamily="34" charset="0"/>
+                        </a:rPr>
+                        <a:t>39382.8134</a:t>
+                      </a:r>
+                    </a:p>
+                  </a:txBody>
+                  <a:tcPr marL="3703" marR="3703" marT="3703" marB="0" anchor="b">
+                    <a:lnL>
+                      <a:noFill/>
+                    </a:lnL>
+                    <a:lnR>
+                      <a:noFill/>
+                    </a:lnR>
+                    <a:lnT>
+                      <a:noFill/>
+                    </a:lnT>
+                    <a:lnB>
+                      <a:noFill/>
+                    </a:lnB>
+                  </a:tcPr>
+                </a:tc>
+                <a:tc>
+                  <a:txBody>
+                    <a:bodyPr/>
+                    <a:lstStyle/>
+                    <a:p>
+                      <a:pPr algn="l" fontAlgn="b"/>
+                      <a:r>
+                        <a:rPr lang="en-US" sz="900" b="1" i="0" u="none" strike="noStrike">
+                          <a:solidFill>
+                            <a:srgbClr val="000000"/>
+                          </a:solidFill>
+                          <a:effectLst/>
+                          <a:latin typeface="Calibri" panose="020F0502020204030204" pitchFamily="34" charset="0"/>
+                        </a:rPr>
+                        <a:t>SURFACE CAR PARK</a:t>
+                      </a:r>
+                    </a:p>
+                  </a:txBody>
+                  <a:tcPr marL="3703" marR="3703" marT="3703" marB="0" anchor="b">
+                    <a:lnL>
+                      <a:noFill/>
+                    </a:lnL>
+                    <a:lnR>
+                      <a:noFill/>
+                    </a:lnR>
+                    <a:lnT>
+                      <a:noFill/>
+                    </a:lnT>
+                    <a:lnB>
+                      <a:noFill/>
+                    </a:lnB>
+                  </a:tcPr>
+                </a:tc>
+                <a:tc>
+                  <a:txBody>
+                    <a:bodyPr/>
+                    <a:lstStyle/>
+                    <a:p>
+                      <a:pPr algn="l" fontAlgn="b"/>
+                      <a:r>
+                        <a:rPr lang="en-US" sz="900" b="1" i="0" u="none" strike="noStrike">
+                          <a:solidFill>
+                            <a:srgbClr val="000000"/>
+                          </a:solidFill>
+                          <a:effectLst/>
+                          <a:latin typeface="Calibri" panose="020F0502020204030204" pitchFamily="34" charset="0"/>
+                        </a:rPr>
+                        <a:t>COUPON PARKING</a:t>
+                      </a:r>
+                    </a:p>
+                  </a:txBody>
+                  <a:tcPr marL="3703" marR="3703" marT="3703" marB="0" anchor="b">
+                    <a:lnL>
+                      <a:noFill/>
+                    </a:lnL>
+                    <a:lnR>
+                      <a:noFill/>
+                    </a:lnR>
+                    <a:lnT>
+                      <a:noFill/>
+                    </a:lnT>
+                    <a:lnB>
+                      <a:noFill/>
+                    </a:lnB>
+                  </a:tcPr>
+                </a:tc>
+                <a:tc>
+                  <a:txBody>
+                    <a:bodyPr/>
+                    <a:lstStyle/>
+                    <a:p>
+                      <a:pPr algn="l" fontAlgn="b"/>
+                      <a:r>
+                        <a:rPr lang="en-US" sz="900" b="1" i="0" u="none" strike="noStrike">
+                          <a:solidFill>
+                            <a:srgbClr val="000000"/>
+                          </a:solidFill>
+                          <a:effectLst/>
+                          <a:latin typeface="Calibri" panose="020F0502020204030204" pitchFamily="34" charset="0"/>
+                        </a:rPr>
+                        <a:t>WHOLE DAY</a:t>
+                      </a:r>
+                    </a:p>
+                  </a:txBody>
+                  <a:tcPr marL="3703" marR="3703" marT="3703" marB="0" anchor="b">
+                    <a:lnL>
+                      <a:noFill/>
+                    </a:lnL>
+                    <a:lnR>
+                      <a:noFill/>
+                    </a:lnR>
+                    <a:lnT>
+                      <a:noFill/>
+                    </a:lnT>
+                    <a:lnB>
+                      <a:noFill/>
+                    </a:lnB>
+                  </a:tcPr>
+                </a:tc>
+                <a:tc>
+                  <a:txBody>
+                    <a:bodyPr/>
+                    <a:lstStyle/>
+                    <a:p>
+                      <a:pPr algn="l" fontAlgn="b"/>
+                      <a:r>
+                        <a:rPr lang="en-US" sz="900" b="1" i="0" u="none" strike="noStrike">
+                          <a:solidFill>
+                            <a:srgbClr val="000000"/>
+                          </a:solidFill>
+                          <a:effectLst/>
+                          <a:latin typeface="Calibri" panose="020F0502020204030204" pitchFamily="34" charset="0"/>
+                        </a:rPr>
+                        <a:t>NO</a:t>
+                      </a:r>
+                    </a:p>
+                  </a:txBody>
+                  <a:tcPr marL="3703" marR="3703" marT="3703" marB="0" anchor="b">
+                    <a:lnL>
+                      <a:noFill/>
+                    </a:lnL>
+                    <a:lnR>
+                      <a:noFill/>
+                    </a:lnR>
+                    <a:lnT>
+                      <a:noFill/>
+                    </a:lnT>
+                    <a:lnB>
+                      <a:noFill/>
+                    </a:lnB>
+                  </a:tcPr>
+                </a:tc>
+                <a:tc>
+                  <a:txBody>
+                    <a:bodyPr/>
+                    <a:lstStyle/>
+                    <a:p>
+                      <a:pPr algn="l" fontAlgn="b"/>
+                      <a:r>
+                        <a:rPr lang="en-US" sz="900" b="1" i="0" u="none" strike="noStrike">
+                          <a:solidFill>
+                            <a:srgbClr val="000000"/>
+                          </a:solidFill>
+                          <a:effectLst/>
+                          <a:latin typeface="Calibri" panose="020F0502020204030204" pitchFamily="34" charset="0"/>
+                        </a:rPr>
+                        <a:t>YES</a:t>
+                      </a:r>
+                    </a:p>
+                  </a:txBody>
+                  <a:tcPr marL="3703" marR="3703" marT="3703" marB="0" anchor="b">
+                    <a:lnL>
+                      <a:noFill/>
+                    </a:lnL>
+                    <a:lnR>
+                      <a:noFill/>
+                    </a:lnR>
+                    <a:lnT>
+                      <a:noFill/>
+                    </a:lnT>
+                    <a:lnB>
+                      <a:noFill/>
+                    </a:lnB>
+                  </a:tcPr>
+                </a:tc>
+                <a:tc>
+                  <a:txBody>
+                    <a:bodyPr/>
+                    <a:lstStyle/>
+                    <a:p>
+                      <a:pPr algn="r" fontAlgn="b"/>
+                      <a:r>
+                        <a:rPr lang="en-US" sz="900" b="1" i="0" u="none" strike="noStrike">
+                          <a:solidFill>
+                            <a:srgbClr val="000000"/>
+                          </a:solidFill>
+                          <a:effectLst/>
+                          <a:latin typeface="Calibri" panose="020F0502020204030204" pitchFamily="34" charset="0"/>
+                        </a:rPr>
+                        <a:t>0</a:t>
+                      </a:r>
+                    </a:p>
+                  </a:txBody>
+                  <a:tcPr marL="3703" marR="3703" marT="3703" marB="0" anchor="b">
+                    <a:lnL>
+                      <a:noFill/>
+                    </a:lnL>
+                    <a:lnR>
+                      <a:noFill/>
+                    </a:lnR>
+                    <a:lnT>
+                      <a:noFill/>
+                    </a:lnT>
+                    <a:lnB>
+                      <a:noFill/>
+                    </a:lnB>
+                  </a:tcPr>
+                </a:tc>
+                <a:tc>
+                  <a:txBody>
+                    <a:bodyPr/>
+                    <a:lstStyle/>
+                    <a:p>
+                      <a:pPr algn="r" fontAlgn="b"/>
+                      <a:r>
+                        <a:rPr lang="en-US" sz="900" b="1" i="0" u="none" strike="noStrike">
+                          <a:solidFill>
+                            <a:srgbClr val="000000"/>
+                          </a:solidFill>
+                          <a:effectLst/>
+                          <a:latin typeface="Calibri" panose="020F0502020204030204" pitchFamily="34" charset="0"/>
+                        </a:rPr>
+                        <a:t>0</a:t>
+                      </a:r>
+                    </a:p>
+                  </a:txBody>
+                  <a:tcPr marL="3703" marR="3703" marT="3703" marB="0" anchor="b">
+                    <a:lnL>
+                      <a:noFill/>
+                    </a:lnL>
+                    <a:lnR>
+                      <a:noFill/>
+                    </a:lnR>
+                    <a:lnT>
+                      <a:noFill/>
+                    </a:lnT>
+                    <a:lnB>
+                      <a:noFill/>
+                    </a:lnB>
+                  </a:tcPr>
+                </a:tc>
+                <a:tc>
+                  <a:txBody>
+                    <a:bodyPr/>
+                    <a:lstStyle/>
+                    <a:p>
+                      <a:pPr algn="l" fontAlgn="b"/>
+                      <a:r>
+                        <a:rPr lang="en-US" sz="900" b="1" i="0" u="none" strike="noStrike">
+                          <a:solidFill>
+                            <a:srgbClr val="000000"/>
+                          </a:solidFill>
+                          <a:effectLst/>
+                          <a:latin typeface="Calibri" panose="020F0502020204030204" pitchFamily="34" charset="0"/>
+                        </a:rPr>
+                        <a:t>N</a:t>
+                      </a:r>
+                    </a:p>
+                  </a:txBody>
+                  <a:tcPr marL="3703" marR="3703" marT="3703" marB="0" anchor="b">
+                    <a:lnL>
+                      <a:noFill/>
+                    </a:lnL>
+                    <a:lnR>
+                      <a:noFill/>
+                    </a:lnR>
+                    <a:lnT>
+                      <a:noFill/>
+                    </a:lnT>
+                    <a:lnB>
+                      <a:noFill/>
+                    </a:lnB>
+                  </a:tcPr>
+                </a:tc>
+                <a:extLst>
+                  <a:ext uri="{0D108BD9-81ED-4DB2-BD59-A6C34878D82A}">
+                    <a16:rowId xmlns:a16="http://schemas.microsoft.com/office/drawing/2014/main" val="2140642567"/>
+                  </a:ext>
+                </a:extLst>
+              </a:tr>
+              <a:tr h="327067">
+                <a:tc>
+                  <a:txBody>
+                    <a:bodyPr/>
+                    <a:lstStyle/>
+                    <a:p>
+                      <a:pPr algn="l" fontAlgn="b"/>
+                      <a:r>
+                        <a:rPr lang="en-US" sz="900" b="1" i="0" u="none" strike="noStrike">
+                          <a:solidFill>
+                            <a:srgbClr val="000000"/>
+                          </a:solidFill>
+                          <a:effectLst/>
+                          <a:latin typeface="Calibri" panose="020F0502020204030204" pitchFamily="34" charset="0"/>
+                        </a:rPr>
+                        <a:t>AK6</a:t>
+                      </a:r>
+                    </a:p>
+                  </a:txBody>
+                  <a:tcPr marL="3703" marR="3703" marT="3703" marB="0" anchor="b">
+                    <a:lnL>
+                      <a:noFill/>
+                    </a:lnL>
+                    <a:lnR>
+                      <a:noFill/>
+                    </a:lnR>
+                    <a:lnT>
+                      <a:noFill/>
+                    </a:lnT>
+                    <a:lnB>
+                      <a:noFill/>
+                    </a:lnB>
+                  </a:tcPr>
+                </a:tc>
+                <a:tc>
+                  <a:txBody>
+                    <a:bodyPr/>
+                    <a:lstStyle/>
+                    <a:p>
+                      <a:pPr algn="l" fontAlgn="b"/>
+                      <a:r>
+                        <a:rPr lang="sv-SE" sz="900" b="1" i="0" u="none" strike="noStrike">
+                          <a:solidFill>
+                            <a:srgbClr val="000000"/>
+                          </a:solidFill>
+                          <a:effectLst/>
+                          <a:latin typeface="Calibri" panose="020F0502020204030204" pitchFamily="34" charset="0"/>
+                        </a:rPr>
+                        <a:t>BLOCK 728 ANG MO KIO AVE 6</a:t>
+                      </a:r>
+                    </a:p>
+                  </a:txBody>
+                  <a:tcPr marL="3703" marR="3703" marT="3703" marB="0" anchor="b">
+                    <a:lnL>
+                      <a:noFill/>
+                    </a:lnL>
+                    <a:lnR>
+                      <a:noFill/>
+                    </a:lnR>
+                    <a:lnT>
+                      <a:noFill/>
+                    </a:lnT>
+                    <a:lnB>
+                      <a:noFill/>
+                    </a:lnB>
+                  </a:tcPr>
+                </a:tc>
+                <a:tc>
+                  <a:txBody>
+                    <a:bodyPr/>
+                    <a:lstStyle/>
+                    <a:p>
+                      <a:pPr algn="r" fontAlgn="b"/>
+                      <a:r>
+                        <a:rPr lang="en-US" sz="900" b="1" i="0" u="none" strike="noStrike">
+                          <a:solidFill>
+                            <a:srgbClr val="000000"/>
+                          </a:solidFill>
+                          <a:effectLst/>
+                          <a:latin typeface="Calibri" panose="020F0502020204030204" pitchFamily="34" charset="0"/>
+                        </a:rPr>
+                        <a:t>29283.7324</a:t>
+                      </a:r>
+                    </a:p>
+                  </a:txBody>
+                  <a:tcPr marL="3703" marR="3703" marT="3703" marB="0" anchor="b">
+                    <a:lnL>
+                      <a:noFill/>
+                    </a:lnL>
+                    <a:lnR>
+                      <a:noFill/>
+                    </a:lnR>
+                    <a:lnT>
+                      <a:noFill/>
+                    </a:lnT>
+                    <a:lnB>
+                      <a:noFill/>
+                    </a:lnB>
+                  </a:tcPr>
+                </a:tc>
+                <a:tc>
+                  <a:txBody>
+                    <a:bodyPr/>
+                    <a:lstStyle/>
+                    <a:p>
+                      <a:pPr algn="r" fontAlgn="b"/>
+                      <a:r>
+                        <a:rPr lang="en-US" sz="900" b="1" i="0" u="none" strike="noStrike">
+                          <a:solidFill>
+                            <a:srgbClr val="000000"/>
+                          </a:solidFill>
+                          <a:effectLst/>
+                          <a:latin typeface="Calibri" panose="020F0502020204030204" pitchFamily="34" charset="0"/>
+                        </a:rPr>
+                        <a:t>39647.8906</a:t>
+                      </a:r>
+                    </a:p>
+                  </a:txBody>
+                  <a:tcPr marL="3703" marR="3703" marT="3703" marB="0" anchor="b">
+                    <a:lnL>
+                      <a:noFill/>
+                    </a:lnL>
+                    <a:lnR>
+                      <a:noFill/>
+                    </a:lnR>
+                    <a:lnT>
+                      <a:noFill/>
+                    </a:lnT>
+                    <a:lnB>
+                      <a:noFill/>
+                    </a:lnB>
+                  </a:tcPr>
+                </a:tc>
+                <a:tc>
+                  <a:txBody>
+                    <a:bodyPr/>
+                    <a:lstStyle/>
+                    <a:p>
+                      <a:pPr algn="l" fontAlgn="b"/>
+                      <a:r>
+                        <a:rPr lang="en-US" sz="900" b="1" i="0" u="none" strike="noStrike">
+                          <a:solidFill>
+                            <a:srgbClr val="000000"/>
+                          </a:solidFill>
+                          <a:effectLst/>
+                          <a:latin typeface="Calibri" panose="020F0502020204030204" pitchFamily="34" charset="0"/>
+                        </a:rPr>
+                        <a:t>SURFACE CAR PARK</a:t>
+                      </a:r>
+                    </a:p>
+                  </a:txBody>
+                  <a:tcPr marL="3703" marR="3703" marT="3703" marB="0" anchor="b">
+                    <a:lnL>
+                      <a:noFill/>
+                    </a:lnL>
+                    <a:lnR>
+                      <a:noFill/>
+                    </a:lnR>
+                    <a:lnT>
+                      <a:noFill/>
+                    </a:lnT>
+                    <a:lnB>
+                      <a:noFill/>
+                    </a:lnB>
+                  </a:tcPr>
+                </a:tc>
+                <a:tc>
+                  <a:txBody>
+                    <a:bodyPr/>
+                    <a:lstStyle/>
+                    <a:p>
+                      <a:pPr algn="l" fontAlgn="b"/>
+                      <a:r>
+                        <a:rPr lang="en-US" sz="900" b="1" i="0" u="none" strike="noStrike">
+                          <a:solidFill>
+                            <a:srgbClr val="000000"/>
+                          </a:solidFill>
+                          <a:effectLst/>
+                          <a:latin typeface="Calibri" panose="020F0502020204030204" pitchFamily="34" charset="0"/>
+                        </a:rPr>
+                        <a:t>COUPON PARKING</a:t>
+                      </a:r>
+                    </a:p>
+                  </a:txBody>
+                  <a:tcPr marL="3703" marR="3703" marT="3703" marB="0" anchor="b">
+                    <a:lnL>
+                      <a:noFill/>
+                    </a:lnL>
+                    <a:lnR>
+                      <a:noFill/>
+                    </a:lnR>
+                    <a:lnT>
+                      <a:noFill/>
+                    </a:lnT>
+                    <a:lnB>
+                      <a:noFill/>
+                    </a:lnB>
+                  </a:tcPr>
+                </a:tc>
+                <a:tc>
+                  <a:txBody>
+                    <a:bodyPr/>
+                    <a:lstStyle/>
+                    <a:p>
+                      <a:pPr algn="l" fontAlgn="b"/>
+                      <a:r>
+                        <a:rPr lang="en-US" sz="900" b="1" i="0" u="none" strike="noStrike">
+                          <a:solidFill>
+                            <a:srgbClr val="000000"/>
+                          </a:solidFill>
+                          <a:effectLst/>
+                          <a:latin typeface="Calibri" panose="020F0502020204030204" pitchFamily="34" charset="0"/>
+                        </a:rPr>
+                        <a:t>7AM-10.30PM</a:t>
+                      </a:r>
+                    </a:p>
+                  </a:txBody>
+                  <a:tcPr marL="3703" marR="3703" marT="3703" marB="0" anchor="b">
+                    <a:lnL>
+                      <a:noFill/>
+                    </a:lnL>
+                    <a:lnR>
+                      <a:noFill/>
+                    </a:lnR>
+                    <a:lnT>
+                      <a:noFill/>
+                    </a:lnT>
+                    <a:lnB>
+                      <a:noFill/>
+                    </a:lnB>
+                  </a:tcPr>
+                </a:tc>
+                <a:tc>
+                  <a:txBody>
+                    <a:bodyPr/>
+                    <a:lstStyle/>
+                    <a:p>
+                      <a:pPr algn="l" fontAlgn="b"/>
+                      <a:r>
+                        <a:rPr lang="en-US" sz="900" b="1" i="0" u="none" strike="noStrike">
+                          <a:solidFill>
+                            <a:srgbClr val="000000"/>
+                          </a:solidFill>
+                          <a:effectLst/>
+                          <a:latin typeface="Calibri" panose="020F0502020204030204" pitchFamily="34" charset="0"/>
+                        </a:rPr>
+                        <a:t>SUN &amp; PH FR 7AM-10.30PM</a:t>
+                      </a:r>
+                    </a:p>
+                  </a:txBody>
+                  <a:tcPr marL="3703" marR="3703" marT="3703" marB="0" anchor="b">
+                    <a:lnL>
+                      <a:noFill/>
+                    </a:lnL>
+                    <a:lnR>
+                      <a:noFill/>
+                    </a:lnR>
+                    <a:lnT>
+                      <a:noFill/>
+                    </a:lnT>
+                    <a:lnB>
+                      <a:noFill/>
+                    </a:lnB>
+                  </a:tcPr>
+                </a:tc>
+                <a:tc>
+                  <a:txBody>
+                    <a:bodyPr/>
+                    <a:lstStyle/>
+                    <a:p>
+                      <a:pPr algn="l" fontAlgn="b"/>
+                      <a:r>
+                        <a:rPr lang="en-US" sz="900" b="1" i="0" u="none" strike="noStrike">
+                          <a:solidFill>
+                            <a:srgbClr val="000000"/>
+                          </a:solidFill>
+                          <a:effectLst/>
+                          <a:latin typeface="Calibri" panose="020F0502020204030204" pitchFamily="34" charset="0"/>
+                        </a:rPr>
+                        <a:t>NO</a:t>
+                      </a:r>
+                    </a:p>
+                  </a:txBody>
+                  <a:tcPr marL="3703" marR="3703" marT="3703" marB="0" anchor="b">
+                    <a:lnL>
+                      <a:noFill/>
+                    </a:lnL>
+                    <a:lnR>
+                      <a:noFill/>
+                    </a:lnR>
+                    <a:lnT>
+                      <a:noFill/>
+                    </a:lnT>
+                    <a:lnB>
+                      <a:noFill/>
+                    </a:lnB>
+                  </a:tcPr>
+                </a:tc>
+                <a:tc>
+                  <a:txBody>
+                    <a:bodyPr/>
+                    <a:lstStyle/>
+                    <a:p>
+                      <a:pPr algn="r" fontAlgn="b"/>
+                      <a:r>
+                        <a:rPr lang="en-US" sz="900" b="1" i="0" u="none" strike="noStrike">
+                          <a:solidFill>
+                            <a:srgbClr val="000000"/>
+                          </a:solidFill>
+                          <a:effectLst/>
+                          <a:latin typeface="Calibri" panose="020F0502020204030204" pitchFamily="34" charset="0"/>
+                        </a:rPr>
+                        <a:t>0</a:t>
+                      </a:r>
+                    </a:p>
+                  </a:txBody>
+                  <a:tcPr marL="3703" marR="3703" marT="3703" marB="0" anchor="b">
+                    <a:lnL>
+                      <a:noFill/>
+                    </a:lnL>
+                    <a:lnR>
+                      <a:noFill/>
+                    </a:lnR>
+                    <a:lnT>
+                      <a:noFill/>
+                    </a:lnT>
+                    <a:lnB>
+                      <a:noFill/>
+                    </a:lnB>
+                  </a:tcPr>
+                </a:tc>
+                <a:tc>
+                  <a:txBody>
+                    <a:bodyPr/>
+                    <a:lstStyle/>
+                    <a:p>
+                      <a:pPr algn="r" fontAlgn="b"/>
+                      <a:r>
+                        <a:rPr lang="en-US" sz="900" b="1" i="0" u="none" strike="noStrike">
+                          <a:solidFill>
+                            <a:srgbClr val="000000"/>
+                          </a:solidFill>
+                          <a:effectLst/>
+                          <a:latin typeface="Calibri" panose="020F0502020204030204" pitchFamily="34" charset="0"/>
+                        </a:rPr>
+                        <a:t>0</a:t>
+                      </a:r>
+                    </a:p>
+                  </a:txBody>
+                  <a:tcPr marL="3703" marR="3703" marT="3703" marB="0" anchor="b">
+                    <a:lnL>
+                      <a:noFill/>
+                    </a:lnL>
+                    <a:lnR>
+                      <a:noFill/>
+                    </a:lnR>
+                    <a:lnT>
+                      <a:noFill/>
+                    </a:lnT>
+                    <a:lnB>
+                      <a:noFill/>
+                    </a:lnB>
+                  </a:tcPr>
+                </a:tc>
+                <a:tc>
+                  <a:txBody>
+                    <a:bodyPr/>
+                    <a:lstStyle/>
+                    <a:p>
+                      <a:pPr algn="l" fontAlgn="b"/>
+                      <a:r>
+                        <a:rPr lang="en-US" sz="900" b="1" i="0" u="none" strike="noStrike">
+                          <a:solidFill>
+                            <a:srgbClr val="000000"/>
+                          </a:solidFill>
+                          <a:effectLst/>
+                          <a:latin typeface="Calibri" panose="020F0502020204030204" pitchFamily="34" charset="0"/>
+                        </a:rPr>
+                        <a:t>N</a:t>
+                      </a:r>
+                    </a:p>
+                  </a:txBody>
+                  <a:tcPr marL="3703" marR="3703" marT="3703" marB="0" anchor="b">
+                    <a:lnL>
+                      <a:noFill/>
+                    </a:lnL>
+                    <a:lnR>
+                      <a:noFill/>
+                    </a:lnR>
+                    <a:lnT>
+                      <a:noFill/>
+                    </a:lnT>
+                    <a:lnB>
+                      <a:noFill/>
+                    </a:lnB>
+                  </a:tcPr>
+                </a:tc>
+                <a:extLst>
+                  <a:ext uri="{0D108BD9-81ED-4DB2-BD59-A6C34878D82A}">
+                    <a16:rowId xmlns:a16="http://schemas.microsoft.com/office/drawing/2014/main" val="536977248"/>
+                  </a:ext>
+                </a:extLst>
+              </a:tr>
+              <a:tr h="327067">
+                <a:tc>
+                  <a:txBody>
+                    <a:bodyPr/>
+                    <a:lstStyle/>
+                    <a:p>
+                      <a:pPr algn="l" fontAlgn="b"/>
+                      <a:r>
+                        <a:rPr lang="en-US" sz="900" b="1" i="0" u="none" strike="noStrike">
+                          <a:solidFill>
+                            <a:srgbClr val="000000"/>
+                          </a:solidFill>
+                          <a:effectLst/>
+                          <a:latin typeface="Calibri" panose="020F0502020204030204" pitchFamily="34" charset="0"/>
+                        </a:rPr>
+                        <a:t>AK83</a:t>
+                      </a:r>
+                    </a:p>
+                  </a:txBody>
+                  <a:tcPr marL="3703" marR="3703" marT="3703" marB="0" anchor="b">
+                    <a:lnL>
+                      <a:noFill/>
+                    </a:lnL>
+                    <a:lnR>
+                      <a:noFill/>
+                    </a:lnR>
+                    <a:lnT>
+                      <a:noFill/>
+                    </a:lnT>
+                    <a:lnB>
+                      <a:noFill/>
+                    </a:lnB>
+                  </a:tcPr>
+                </a:tc>
+                <a:tc>
+                  <a:txBody>
+                    <a:bodyPr/>
+                    <a:lstStyle/>
+                    <a:p>
+                      <a:pPr algn="l" fontAlgn="b"/>
+                      <a:r>
+                        <a:rPr lang="en-US" sz="900" b="1" i="0" u="none" strike="noStrike">
+                          <a:solidFill>
+                            <a:srgbClr val="000000"/>
+                          </a:solidFill>
+                          <a:effectLst/>
+                          <a:latin typeface="Calibri" panose="020F0502020204030204" pitchFamily="34" charset="0"/>
+                        </a:rPr>
+                        <a:t>BLK 5022 TO 5095 ANG MO KIO INDUSTRIAL PARK 2</a:t>
+                      </a:r>
+                    </a:p>
+                  </a:txBody>
+                  <a:tcPr marL="3703" marR="3703" marT="3703" marB="0" anchor="b">
+                    <a:lnL>
+                      <a:noFill/>
+                    </a:lnL>
+                    <a:lnR>
+                      <a:noFill/>
+                    </a:lnR>
+                    <a:lnT>
+                      <a:noFill/>
+                    </a:lnT>
+                    <a:lnB>
+                      <a:noFill/>
+                    </a:lnB>
+                  </a:tcPr>
+                </a:tc>
+                <a:tc>
+                  <a:txBody>
+                    <a:bodyPr/>
+                    <a:lstStyle/>
+                    <a:p>
+                      <a:pPr algn="r" fontAlgn="b"/>
+                      <a:r>
+                        <a:rPr lang="en-US" sz="900" b="1" i="0" u="none" strike="noStrike">
+                          <a:solidFill>
+                            <a:srgbClr val="000000"/>
+                          </a:solidFill>
+                          <a:effectLst/>
+                          <a:latin typeface="Calibri" panose="020F0502020204030204" pitchFamily="34" charset="0"/>
+                        </a:rPr>
+                        <a:t>31397.2241</a:t>
+                      </a:r>
+                    </a:p>
+                  </a:txBody>
+                  <a:tcPr marL="3703" marR="3703" marT="3703" marB="0" anchor="b">
+                    <a:lnL>
+                      <a:noFill/>
+                    </a:lnL>
+                    <a:lnR>
+                      <a:noFill/>
+                    </a:lnR>
+                    <a:lnT>
+                      <a:noFill/>
+                    </a:lnT>
+                    <a:lnB>
+                      <a:noFill/>
+                    </a:lnB>
+                  </a:tcPr>
+                </a:tc>
+                <a:tc>
+                  <a:txBody>
+                    <a:bodyPr/>
+                    <a:lstStyle/>
+                    <a:p>
+                      <a:pPr algn="r" fontAlgn="b"/>
+                      <a:r>
+                        <a:rPr lang="en-US" sz="900" b="1" i="0" u="none" strike="noStrike">
+                          <a:solidFill>
+                            <a:srgbClr val="000000"/>
+                          </a:solidFill>
+                          <a:effectLst/>
+                          <a:latin typeface="Calibri" panose="020F0502020204030204" pitchFamily="34" charset="0"/>
+                        </a:rPr>
+                        <a:t>39851.6191</a:t>
+                      </a:r>
+                    </a:p>
+                  </a:txBody>
+                  <a:tcPr marL="3703" marR="3703" marT="3703" marB="0" anchor="b">
+                    <a:lnL>
+                      <a:noFill/>
+                    </a:lnL>
+                    <a:lnR>
+                      <a:noFill/>
+                    </a:lnR>
+                    <a:lnT>
+                      <a:noFill/>
+                    </a:lnT>
+                    <a:lnB>
+                      <a:noFill/>
+                    </a:lnB>
+                  </a:tcPr>
+                </a:tc>
+                <a:tc>
+                  <a:txBody>
+                    <a:bodyPr/>
+                    <a:lstStyle/>
+                    <a:p>
+                      <a:pPr algn="l" fontAlgn="b"/>
+                      <a:r>
+                        <a:rPr lang="en-US" sz="900" b="1" i="0" u="none" strike="noStrike">
+                          <a:solidFill>
+                            <a:srgbClr val="000000"/>
+                          </a:solidFill>
+                          <a:effectLst/>
+                          <a:latin typeface="Calibri" panose="020F0502020204030204" pitchFamily="34" charset="0"/>
+                        </a:rPr>
+                        <a:t>SURFACE CAR PARK</a:t>
+                      </a:r>
+                    </a:p>
+                  </a:txBody>
+                  <a:tcPr marL="3703" marR="3703" marT="3703" marB="0" anchor="b">
+                    <a:lnL>
+                      <a:noFill/>
+                    </a:lnL>
+                    <a:lnR>
+                      <a:noFill/>
+                    </a:lnR>
+                    <a:lnT>
+                      <a:noFill/>
+                    </a:lnT>
+                    <a:lnB>
+                      <a:noFill/>
+                    </a:lnB>
+                  </a:tcPr>
+                </a:tc>
+                <a:tc>
+                  <a:txBody>
+                    <a:bodyPr/>
+                    <a:lstStyle/>
+                    <a:p>
+                      <a:pPr algn="l" fontAlgn="b"/>
+                      <a:r>
+                        <a:rPr lang="en-US" sz="900" b="1" i="0" u="none" strike="noStrike">
+                          <a:solidFill>
+                            <a:srgbClr val="000000"/>
+                          </a:solidFill>
+                          <a:effectLst/>
+                          <a:latin typeface="Calibri" panose="020F0502020204030204" pitchFamily="34" charset="0"/>
+                        </a:rPr>
+                        <a:t>COUPON PARKING</a:t>
+                      </a:r>
+                    </a:p>
+                  </a:txBody>
+                  <a:tcPr marL="3703" marR="3703" marT="3703" marB="0" anchor="b">
+                    <a:lnL>
+                      <a:noFill/>
+                    </a:lnL>
+                    <a:lnR>
+                      <a:noFill/>
+                    </a:lnR>
+                    <a:lnT>
+                      <a:noFill/>
+                    </a:lnT>
+                    <a:lnB>
+                      <a:noFill/>
+                    </a:lnB>
+                  </a:tcPr>
+                </a:tc>
+                <a:tc>
+                  <a:txBody>
+                    <a:bodyPr/>
+                    <a:lstStyle/>
+                    <a:p>
+                      <a:pPr algn="l" fontAlgn="b"/>
+                      <a:r>
+                        <a:rPr lang="en-US" sz="900" b="1" i="0" u="none" strike="noStrike">
+                          <a:solidFill>
+                            <a:srgbClr val="000000"/>
+                          </a:solidFill>
+                          <a:effectLst/>
+                          <a:latin typeface="Calibri" panose="020F0502020204030204" pitchFamily="34" charset="0"/>
+                        </a:rPr>
+                        <a:t>NO</a:t>
+                      </a:r>
+                    </a:p>
+                  </a:txBody>
+                  <a:tcPr marL="3703" marR="3703" marT="3703" marB="0" anchor="b">
+                    <a:lnL>
+                      <a:noFill/>
+                    </a:lnL>
+                    <a:lnR>
+                      <a:noFill/>
+                    </a:lnR>
+                    <a:lnT>
+                      <a:noFill/>
+                    </a:lnT>
+                    <a:lnB>
+                      <a:noFill/>
+                    </a:lnB>
+                  </a:tcPr>
+                </a:tc>
+                <a:tc>
+                  <a:txBody>
+                    <a:bodyPr/>
+                    <a:lstStyle/>
+                    <a:p>
+                      <a:pPr algn="l" fontAlgn="b"/>
+                      <a:r>
+                        <a:rPr lang="en-US" sz="900" b="1" i="0" u="none" strike="noStrike">
+                          <a:solidFill>
+                            <a:srgbClr val="000000"/>
+                          </a:solidFill>
+                          <a:effectLst/>
+                          <a:latin typeface="Calibri" panose="020F0502020204030204" pitchFamily="34" charset="0"/>
+                        </a:rPr>
+                        <a:t>NO</a:t>
+                      </a:r>
+                    </a:p>
+                  </a:txBody>
+                  <a:tcPr marL="3703" marR="3703" marT="3703" marB="0" anchor="b">
+                    <a:lnL>
+                      <a:noFill/>
+                    </a:lnL>
+                    <a:lnR>
+                      <a:noFill/>
+                    </a:lnR>
+                    <a:lnT>
+                      <a:noFill/>
+                    </a:lnT>
+                    <a:lnB>
+                      <a:noFill/>
+                    </a:lnB>
+                  </a:tcPr>
+                </a:tc>
+                <a:tc>
+                  <a:txBody>
+                    <a:bodyPr/>
+                    <a:lstStyle/>
+                    <a:p>
+                      <a:pPr algn="l" fontAlgn="b"/>
+                      <a:r>
+                        <a:rPr lang="en-US" sz="900" b="1" i="0" u="none" strike="noStrike">
+                          <a:solidFill>
+                            <a:srgbClr val="000000"/>
+                          </a:solidFill>
+                          <a:effectLst/>
+                          <a:latin typeface="Calibri" panose="020F0502020204030204" pitchFamily="34" charset="0"/>
+                        </a:rPr>
+                        <a:t>NO</a:t>
+                      </a:r>
+                    </a:p>
+                  </a:txBody>
+                  <a:tcPr marL="3703" marR="3703" marT="3703" marB="0" anchor="b">
+                    <a:lnL>
+                      <a:noFill/>
+                    </a:lnL>
+                    <a:lnR>
+                      <a:noFill/>
+                    </a:lnR>
+                    <a:lnT>
+                      <a:noFill/>
+                    </a:lnT>
+                    <a:lnB>
+                      <a:noFill/>
+                    </a:lnB>
+                  </a:tcPr>
+                </a:tc>
+                <a:tc>
+                  <a:txBody>
+                    <a:bodyPr/>
+                    <a:lstStyle/>
+                    <a:p>
+                      <a:pPr algn="r" fontAlgn="b"/>
+                      <a:r>
+                        <a:rPr lang="en-US" sz="900" b="1" i="0" u="none" strike="noStrike">
+                          <a:solidFill>
+                            <a:srgbClr val="000000"/>
+                          </a:solidFill>
+                          <a:effectLst/>
+                          <a:latin typeface="Calibri" panose="020F0502020204030204" pitchFamily="34" charset="0"/>
+                        </a:rPr>
+                        <a:t>0</a:t>
+                      </a:r>
+                    </a:p>
+                  </a:txBody>
+                  <a:tcPr marL="3703" marR="3703" marT="3703" marB="0" anchor="b">
+                    <a:lnL>
+                      <a:noFill/>
+                    </a:lnL>
+                    <a:lnR>
+                      <a:noFill/>
+                    </a:lnR>
+                    <a:lnT>
+                      <a:noFill/>
+                    </a:lnT>
+                    <a:lnB>
+                      <a:noFill/>
+                    </a:lnB>
+                  </a:tcPr>
+                </a:tc>
+                <a:tc>
+                  <a:txBody>
+                    <a:bodyPr/>
+                    <a:lstStyle/>
+                    <a:p>
+                      <a:pPr algn="r" fontAlgn="b"/>
+                      <a:r>
+                        <a:rPr lang="en-US" sz="900" b="1" i="0" u="none" strike="noStrike">
+                          <a:solidFill>
+                            <a:srgbClr val="000000"/>
+                          </a:solidFill>
+                          <a:effectLst/>
+                          <a:latin typeface="Calibri" panose="020F0502020204030204" pitchFamily="34" charset="0"/>
+                        </a:rPr>
+                        <a:t>0</a:t>
+                      </a:r>
+                    </a:p>
+                  </a:txBody>
+                  <a:tcPr marL="3703" marR="3703" marT="3703" marB="0" anchor="b">
+                    <a:lnL>
+                      <a:noFill/>
+                    </a:lnL>
+                    <a:lnR>
+                      <a:noFill/>
+                    </a:lnR>
+                    <a:lnT>
+                      <a:noFill/>
+                    </a:lnT>
+                    <a:lnB>
+                      <a:noFill/>
+                    </a:lnB>
+                  </a:tcPr>
+                </a:tc>
+                <a:tc>
+                  <a:txBody>
+                    <a:bodyPr/>
+                    <a:lstStyle/>
+                    <a:p>
+                      <a:pPr algn="l" fontAlgn="b"/>
+                      <a:r>
+                        <a:rPr lang="en-US" sz="900" b="1" i="0" u="none" strike="noStrike">
+                          <a:solidFill>
+                            <a:srgbClr val="000000"/>
+                          </a:solidFill>
+                          <a:effectLst/>
+                          <a:latin typeface="Calibri" panose="020F0502020204030204" pitchFamily="34" charset="0"/>
+                        </a:rPr>
+                        <a:t>N</a:t>
+                      </a:r>
+                    </a:p>
+                  </a:txBody>
+                  <a:tcPr marL="3703" marR="3703" marT="3703" marB="0" anchor="b">
+                    <a:lnL>
+                      <a:noFill/>
+                    </a:lnL>
+                    <a:lnR>
+                      <a:noFill/>
+                    </a:lnR>
+                    <a:lnT>
+                      <a:noFill/>
+                    </a:lnT>
+                    <a:lnB>
+                      <a:noFill/>
+                    </a:lnB>
+                  </a:tcPr>
+                </a:tc>
+                <a:extLst>
+                  <a:ext uri="{0D108BD9-81ED-4DB2-BD59-A6C34878D82A}">
+                    <a16:rowId xmlns:a16="http://schemas.microsoft.com/office/drawing/2014/main" val="1545184128"/>
+                  </a:ext>
+                </a:extLst>
+              </a:tr>
+              <a:tr h="327067">
+                <a:tc>
+                  <a:txBody>
+                    <a:bodyPr/>
+                    <a:lstStyle/>
+                    <a:p>
+                      <a:pPr algn="l" fontAlgn="b"/>
+                      <a:r>
+                        <a:rPr lang="en-US" sz="900" b="1" i="0" u="none" strike="noStrike">
+                          <a:solidFill>
+                            <a:srgbClr val="000000"/>
+                          </a:solidFill>
+                          <a:effectLst/>
+                          <a:latin typeface="Calibri" panose="020F0502020204030204" pitchFamily="34" charset="0"/>
+                        </a:rPr>
+                        <a:t>AK9</a:t>
+                      </a:r>
+                    </a:p>
+                  </a:txBody>
+                  <a:tcPr marL="3703" marR="3703" marT="3703" marB="0" anchor="b">
+                    <a:lnL>
+                      <a:noFill/>
+                    </a:lnL>
+                    <a:lnR>
+                      <a:noFill/>
+                    </a:lnR>
+                    <a:lnT>
+                      <a:noFill/>
+                    </a:lnT>
+                    <a:lnB>
+                      <a:noFill/>
+                    </a:lnB>
+                  </a:tcPr>
+                </a:tc>
+                <a:tc>
+                  <a:txBody>
+                    <a:bodyPr/>
+                    <a:lstStyle/>
+                    <a:p>
+                      <a:pPr algn="l" fontAlgn="b"/>
+                      <a:r>
+                        <a:rPr lang="en-US" sz="900" b="1" i="0" u="none" strike="noStrike">
+                          <a:solidFill>
+                            <a:srgbClr val="000000"/>
+                          </a:solidFill>
+                          <a:effectLst/>
+                          <a:latin typeface="Calibri" panose="020F0502020204030204" pitchFamily="34" charset="0"/>
+                        </a:rPr>
+                        <a:t>ANG MO KIO AVENUE 9</a:t>
+                      </a:r>
+                    </a:p>
+                  </a:txBody>
+                  <a:tcPr marL="3703" marR="3703" marT="3703" marB="0" anchor="b">
+                    <a:lnL>
+                      <a:noFill/>
+                    </a:lnL>
+                    <a:lnR>
+                      <a:noFill/>
+                    </a:lnR>
+                    <a:lnT>
+                      <a:noFill/>
+                    </a:lnT>
+                    <a:lnB>
+                      <a:noFill/>
+                    </a:lnB>
+                  </a:tcPr>
+                </a:tc>
+                <a:tc>
+                  <a:txBody>
+                    <a:bodyPr/>
+                    <a:lstStyle/>
+                    <a:p>
+                      <a:pPr algn="r" fontAlgn="b"/>
+                      <a:r>
+                        <a:rPr lang="en-US" sz="900" b="1" i="0" u="none" strike="noStrike">
+                          <a:solidFill>
+                            <a:srgbClr val="000000"/>
+                          </a:solidFill>
+                          <a:effectLst/>
+                          <a:latin typeface="Calibri" panose="020F0502020204030204" pitchFamily="34" charset="0"/>
+                        </a:rPr>
+                        <a:t>29674.8184</a:t>
+                      </a:r>
+                    </a:p>
+                  </a:txBody>
+                  <a:tcPr marL="3703" marR="3703" marT="3703" marB="0" anchor="b">
+                    <a:lnL>
+                      <a:noFill/>
+                    </a:lnL>
+                    <a:lnR>
+                      <a:noFill/>
+                    </a:lnR>
+                    <a:lnT>
+                      <a:noFill/>
+                    </a:lnT>
+                    <a:lnB>
+                      <a:noFill/>
+                    </a:lnB>
+                  </a:tcPr>
+                </a:tc>
+                <a:tc>
+                  <a:txBody>
+                    <a:bodyPr/>
+                    <a:lstStyle/>
+                    <a:p>
+                      <a:pPr algn="r" fontAlgn="b"/>
+                      <a:r>
+                        <a:rPr lang="en-US" sz="900" b="1" i="0" u="none" strike="noStrike">
+                          <a:solidFill>
+                            <a:srgbClr val="000000"/>
+                          </a:solidFill>
+                          <a:effectLst/>
+                          <a:latin typeface="Calibri" panose="020F0502020204030204" pitchFamily="34" charset="0"/>
+                        </a:rPr>
+                        <a:t>40616.875</a:t>
+                      </a:r>
+                    </a:p>
+                  </a:txBody>
+                  <a:tcPr marL="3703" marR="3703" marT="3703" marB="0" anchor="b">
+                    <a:lnL>
+                      <a:noFill/>
+                    </a:lnL>
+                    <a:lnR>
+                      <a:noFill/>
+                    </a:lnR>
+                    <a:lnT>
+                      <a:noFill/>
+                    </a:lnT>
+                    <a:lnB>
+                      <a:noFill/>
+                    </a:lnB>
+                  </a:tcPr>
+                </a:tc>
+                <a:tc>
+                  <a:txBody>
+                    <a:bodyPr/>
+                    <a:lstStyle/>
+                    <a:p>
+                      <a:pPr algn="l" fontAlgn="b"/>
+                      <a:r>
+                        <a:rPr lang="en-US" sz="900" b="1" i="0" u="none" strike="noStrike">
+                          <a:solidFill>
+                            <a:srgbClr val="000000"/>
+                          </a:solidFill>
+                          <a:effectLst/>
+                          <a:latin typeface="Calibri" panose="020F0502020204030204" pitchFamily="34" charset="0"/>
+                        </a:rPr>
+                        <a:t>SURFACE CAR PARK</a:t>
+                      </a:r>
+                    </a:p>
+                  </a:txBody>
+                  <a:tcPr marL="3703" marR="3703" marT="3703" marB="0" anchor="b">
+                    <a:lnL>
+                      <a:noFill/>
+                    </a:lnL>
+                    <a:lnR>
+                      <a:noFill/>
+                    </a:lnR>
+                    <a:lnT>
+                      <a:noFill/>
+                    </a:lnT>
+                    <a:lnB>
+                      <a:noFill/>
+                    </a:lnB>
+                  </a:tcPr>
+                </a:tc>
+                <a:tc>
+                  <a:txBody>
+                    <a:bodyPr/>
+                    <a:lstStyle/>
+                    <a:p>
+                      <a:pPr algn="l" fontAlgn="b"/>
+                      <a:r>
+                        <a:rPr lang="en-US" sz="900" b="1" i="0" u="none" strike="noStrike">
+                          <a:solidFill>
+                            <a:srgbClr val="000000"/>
+                          </a:solidFill>
+                          <a:effectLst/>
+                          <a:latin typeface="Calibri" panose="020F0502020204030204" pitchFamily="34" charset="0"/>
+                        </a:rPr>
+                        <a:t>COUPON PARKING</a:t>
+                      </a:r>
+                    </a:p>
+                  </a:txBody>
+                  <a:tcPr marL="3703" marR="3703" marT="3703" marB="0" anchor="b">
+                    <a:lnL>
+                      <a:noFill/>
+                    </a:lnL>
+                    <a:lnR>
+                      <a:noFill/>
+                    </a:lnR>
+                    <a:lnT>
+                      <a:noFill/>
+                    </a:lnT>
+                    <a:lnB>
+                      <a:noFill/>
+                    </a:lnB>
+                  </a:tcPr>
+                </a:tc>
+                <a:tc>
+                  <a:txBody>
+                    <a:bodyPr/>
+                    <a:lstStyle/>
+                    <a:p>
+                      <a:pPr algn="l" fontAlgn="b"/>
+                      <a:r>
+                        <a:rPr lang="en-US" sz="900" b="1" i="0" u="none" strike="noStrike">
+                          <a:solidFill>
+                            <a:srgbClr val="000000"/>
+                          </a:solidFill>
+                          <a:effectLst/>
+                          <a:latin typeface="Calibri" panose="020F0502020204030204" pitchFamily="34" charset="0"/>
+                        </a:rPr>
+                        <a:t>NO</a:t>
+                      </a:r>
+                    </a:p>
+                  </a:txBody>
+                  <a:tcPr marL="3703" marR="3703" marT="3703" marB="0" anchor="b">
+                    <a:lnL>
+                      <a:noFill/>
+                    </a:lnL>
+                    <a:lnR>
+                      <a:noFill/>
+                    </a:lnR>
+                    <a:lnT>
+                      <a:noFill/>
+                    </a:lnT>
+                    <a:lnB>
+                      <a:noFill/>
+                    </a:lnB>
+                  </a:tcPr>
+                </a:tc>
+                <a:tc>
+                  <a:txBody>
+                    <a:bodyPr/>
+                    <a:lstStyle/>
+                    <a:p>
+                      <a:pPr algn="l" fontAlgn="b"/>
+                      <a:r>
+                        <a:rPr lang="en-US" sz="900" b="1" i="0" u="none" strike="noStrike">
+                          <a:solidFill>
+                            <a:srgbClr val="000000"/>
+                          </a:solidFill>
+                          <a:effectLst/>
+                          <a:latin typeface="Calibri" panose="020F0502020204030204" pitchFamily="34" charset="0"/>
+                        </a:rPr>
+                        <a:t>NO</a:t>
+                      </a:r>
+                    </a:p>
+                  </a:txBody>
+                  <a:tcPr marL="3703" marR="3703" marT="3703" marB="0" anchor="b">
+                    <a:lnL>
+                      <a:noFill/>
+                    </a:lnL>
+                    <a:lnR>
+                      <a:noFill/>
+                    </a:lnR>
+                    <a:lnT>
+                      <a:noFill/>
+                    </a:lnT>
+                    <a:lnB>
+                      <a:noFill/>
+                    </a:lnB>
+                  </a:tcPr>
+                </a:tc>
+                <a:tc>
+                  <a:txBody>
+                    <a:bodyPr/>
+                    <a:lstStyle/>
+                    <a:p>
+                      <a:pPr algn="l" fontAlgn="b"/>
+                      <a:r>
+                        <a:rPr lang="en-US" sz="900" b="1" i="0" u="none" strike="noStrike">
+                          <a:solidFill>
+                            <a:srgbClr val="000000"/>
+                          </a:solidFill>
+                          <a:effectLst/>
+                          <a:latin typeface="Calibri" panose="020F0502020204030204" pitchFamily="34" charset="0"/>
+                        </a:rPr>
+                        <a:t>NO</a:t>
+                      </a:r>
+                    </a:p>
+                  </a:txBody>
+                  <a:tcPr marL="3703" marR="3703" marT="3703" marB="0" anchor="b">
+                    <a:lnL>
+                      <a:noFill/>
+                    </a:lnL>
+                    <a:lnR>
+                      <a:noFill/>
+                    </a:lnR>
+                    <a:lnT>
+                      <a:noFill/>
+                    </a:lnT>
+                    <a:lnB>
+                      <a:noFill/>
+                    </a:lnB>
+                  </a:tcPr>
+                </a:tc>
+                <a:tc>
+                  <a:txBody>
+                    <a:bodyPr/>
+                    <a:lstStyle/>
+                    <a:p>
+                      <a:pPr algn="r" fontAlgn="b"/>
+                      <a:r>
+                        <a:rPr lang="en-US" sz="900" b="1" i="0" u="none" strike="noStrike">
+                          <a:solidFill>
+                            <a:srgbClr val="000000"/>
+                          </a:solidFill>
+                          <a:effectLst/>
+                          <a:latin typeface="Calibri" panose="020F0502020204030204" pitchFamily="34" charset="0"/>
+                        </a:rPr>
+                        <a:t>0</a:t>
+                      </a:r>
+                    </a:p>
+                  </a:txBody>
+                  <a:tcPr marL="3703" marR="3703" marT="3703" marB="0" anchor="b">
+                    <a:lnL>
+                      <a:noFill/>
+                    </a:lnL>
+                    <a:lnR>
+                      <a:noFill/>
+                    </a:lnR>
+                    <a:lnT>
+                      <a:noFill/>
+                    </a:lnT>
+                    <a:lnB>
+                      <a:noFill/>
+                    </a:lnB>
+                  </a:tcPr>
+                </a:tc>
+                <a:tc>
+                  <a:txBody>
+                    <a:bodyPr/>
+                    <a:lstStyle/>
+                    <a:p>
+                      <a:pPr algn="r" fontAlgn="b"/>
+                      <a:r>
+                        <a:rPr lang="en-US" sz="900" b="1" i="0" u="none" strike="noStrike">
+                          <a:solidFill>
+                            <a:srgbClr val="000000"/>
+                          </a:solidFill>
+                          <a:effectLst/>
+                          <a:latin typeface="Calibri" panose="020F0502020204030204" pitchFamily="34" charset="0"/>
+                        </a:rPr>
+                        <a:t>0</a:t>
+                      </a:r>
+                    </a:p>
+                  </a:txBody>
+                  <a:tcPr marL="3703" marR="3703" marT="3703" marB="0" anchor="b">
+                    <a:lnL>
+                      <a:noFill/>
+                    </a:lnL>
+                    <a:lnR>
+                      <a:noFill/>
+                    </a:lnR>
+                    <a:lnT>
+                      <a:noFill/>
+                    </a:lnT>
+                    <a:lnB>
+                      <a:noFill/>
+                    </a:lnB>
+                  </a:tcPr>
+                </a:tc>
+                <a:tc>
+                  <a:txBody>
+                    <a:bodyPr/>
+                    <a:lstStyle/>
+                    <a:p>
+                      <a:pPr algn="l" fontAlgn="b"/>
+                      <a:r>
+                        <a:rPr lang="en-US" sz="900" b="1" i="0" u="none" strike="noStrike">
+                          <a:solidFill>
+                            <a:srgbClr val="000000"/>
+                          </a:solidFill>
+                          <a:effectLst/>
+                          <a:latin typeface="Calibri" panose="020F0502020204030204" pitchFamily="34" charset="0"/>
+                        </a:rPr>
+                        <a:t>N</a:t>
+                      </a:r>
+                    </a:p>
+                  </a:txBody>
+                  <a:tcPr marL="3703" marR="3703" marT="3703" marB="0" anchor="b">
+                    <a:lnL>
+                      <a:noFill/>
+                    </a:lnL>
+                    <a:lnR>
+                      <a:noFill/>
+                    </a:lnR>
+                    <a:lnT>
+                      <a:noFill/>
+                    </a:lnT>
+                    <a:lnB>
+                      <a:noFill/>
+                    </a:lnB>
+                  </a:tcPr>
+                </a:tc>
+                <a:extLst>
+                  <a:ext uri="{0D108BD9-81ED-4DB2-BD59-A6C34878D82A}">
+                    <a16:rowId xmlns:a16="http://schemas.microsoft.com/office/drawing/2014/main" val="3024926246"/>
+                  </a:ext>
+                </a:extLst>
+              </a:tr>
+            </a:tbl>
+          </a:graphicData>
+        </a:graphic>
+      </p:graphicFrame>
+    </p:spTree>
+    <p:extLst>
+      <p:ext uri="{BB962C8B-B14F-4D97-AF65-F5344CB8AC3E}">
+        <p14:creationId xmlns:p14="http://schemas.microsoft.com/office/powerpoint/2010/main" val="4104262148"/>
+      </p:ext>
+    </p:extLst>
+  </p:cSld>
+  <p:clrMapOvr>
+    <a:masterClrMapping/>
+  </p:clrMapOvr>
+</p:sld>
+</file>
+
+<file path=ppt/slides/slide11.xml><?xml version="1.0" encoding="utf-8"?>
+<p:sld xmlns:a="http://schemas.openxmlformats.org/drawingml/2006/main" xmlns:r="http://schemas.openxmlformats.org/officeDocument/2006/relationships" xmlns:p="http://schemas.openxmlformats.org/presentationml/2006/main">
+  <p:cSld>
+    <p:bg>
+      <p:bgPr>
+        <a:solidFill>
+          <a:schemeClr val="bg1"/>
+        </a:solidFill>
+        <a:effectLst/>
+      </p:bgPr>
+    </p:bg>
+    <p:spTree>
+      <p:nvGrpSpPr>
+        <p:cNvPr id="1" name=""/>
+        <p:cNvGrpSpPr/>
+        <p:nvPr/>
+      </p:nvGrpSpPr>
+      <p:grpSpPr>
+        <a:xfrm>
+          <a:off x="0" y="0"/>
+          <a:ext cx="0" cy="0"/>
+          <a:chOff x="0" y="0"/>
+          <a:chExt cx="0" cy="0"/>
+        </a:xfrm>
+      </p:grpSpPr>
       <p:sp useBgFill="1">
         <p:nvSpPr>
           <p:cNvPr id="2052" name="Rectangle 70">
@@ -7594,6 +12016,1516 @@
   </p:cSld>
   <p:clrMapOvr>
     <a:masterClrMapping/>
+  </p:clrMapOvr>
+</p:sld>
+</file>
+
+<file path=ppt/slides/slide12.xml><?xml version="1.0" encoding="utf-8"?>
+<p:sld xmlns:a="http://schemas.openxmlformats.org/drawingml/2006/main" xmlns:r="http://schemas.openxmlformats.org/officeDocument/2006/relationships" xmlns:p="http://schemas.openxmlformats.org/presentationml/2006/main">
+  <p:cSld>
+    <p:bg>
+      <p:bgPr>
+        <a:solidFill>
+          <a:schemeClr val="bg1">
+            <a:tint val="95000"/>
+            <a:satMod val="170000"/>
+          </a:schemeClr>
+        </a:solidFill>
+        <a:effectLst/>
+      </p:bgPr>
+    </p:bg>
+    <p:spTree>
+      <p:nvGrpSpPr>
+        <p:cNvPr id="1" name=""/>
+        <p:cNvGrpSpPr/>
+        <p:nvPr/>
+      </p:nvGrpSpPr>
+      <p:grpSpPr>
+        <a:xfrm>
+          <a:off x="0" y="0"/>
+          <a:ext cx="0" cy="0"/>
+          <a:chOff x="0" y="0"/>
+          <a:chExt cx="0" cy="0"/>
+        </a:xfrm>
+      </p:grpSpPr>
+      <p:sp useBgFill="1">
+        <p:nvSpPr>
+          <p:cNvPr id="8" name="Rectangle 7">
+            <a:extLst>
+              <a:ext uri="{FF2B5EF4-FFF2-40B4-BE49-F238E27FC236}">
+                <a16:creationId xmlns:a16="http://schemas.microsoft.com/office/drawing/2014/main" id="{A4FB2F3E-259B-4650-B258-F09745BAA841}"/>
+              </a:ext>
+              <a:ext uri="{C183D7F6-B498-43B3-948B-1728B52AA6E4}">
+                <adec:decorative xmlns:adec="http://schemas.microsoft.com/office/drawing/2017/decorative" val="1"/>
+              </a:ext>
+            </a:extLst>
+          </p:cNvPr>
+          <p:cNvSpPr>
+            <a:spLocks noGrp="1" noRot="1" noChangeAspect="1" noMove="1" noResize="1" noEditPoints="1" noAdjustHandles="1" noChangeArrowheads="1" noChangeShapeType="1" noTextEdit="1"/>
+          </p:cNvSpPr>
+          <p:nvPr>
+            <p:extLst>
+              <p:ext uri="{386F3935-93C4-4BCD-93E2-E3B085C9AB24}">
+                <p16:designElem xmlns:p16="http://schemas.microsoft.com/office/powerpoint/2015/main" val="1"/>
+              </p:ext>
+            </p:extLst>
+          </p:nvPr>
+        </p:nvSpPr>
+        <p:spPr>
+          <a:xfrm>
+            <a:off x="0" y="0"/>
+            <a:ext cx="12192000" cy="6858000"/>
+          </a:xfrm>
+          <a:prstGeom prst="rect">
+            <a:avLst/>
+          </a:prstGeom>
+          <a:ln>
+            <a:noFill/>
+          </a:ln>
+        </p:spPr>
+        <p:style>
+          <a:lnRef idx="2">
+            <a:schemeClr val="accent1">
+              <a:shade val="50000"/>
+            </a:schemeClr>
+          </a:lnRef>
+          <a:fillRef idx="1">
+            <a:schemeClr val="accent1"/>
+          </a:fillRef>
+          <a:effectRef idx="0">
+            <a:schemeClr val="accent1"/>
+          </a:effectRef>
+          <a:fontRef idx="minor">
+            <a:schemeClr val="lt1"/>
+          </a:fontRef>
+        </p:style>
+        <p:txBody>
+          <a:bodyPr rtlCol="0" anchor="ctr"/>
+          <a:lstStyle/>
+          <a:p>
+            <a:pPr algn="ctr"/>
+            <a:endParaRPr lang="en-US"/>
+          </a:p>
+        </p:txBody>
+      </p:sp>
+      <p:grpSp>
+        <p:nvGrpSpPr>
+          <p:cNvPr id="10" name="Group 9">
+            <a:extLst>
+              <a:ext uri="{FF2B5EF4-FFF2-40B4-BE49-F238E27FC236}">
+                <a16:creationId xmlns:a16="http://schemas.microsoft.com/office/drawing/2014/main" id="{084C5BAC-71DF-48C0-AB51-699516D3BE58}"/>
+              </a:ext>
+              <a:ext uri="{C183D7F6-B498-43B3-948B-1728B52AA6E4}">
+                <adec:decorative xmlns:adec="http://schemas.microsoft.com/office/drawing/2017/decorative" val="1"/>
+              </a:ext>
+            </a:extLst>
+          </p:cNvPr>
+          <p:cNvGrpSpPr>
+            <a:grpSpLocks noGrp="1" noUngrp="1" noRot="1" noChangeAspect="1" noMove="1" noResize="1"/>
+          </p:cNvGrpSpPr>
+          <p:nvPr>
+            <p:extLst>
+              <p:ext uri="{386F3935-93C4-4BCD-93E2-E3B085C9AB24}">
+                <p16:designElem xmlns:p16="http://schemas.microsoft.com/office/powerpoint/2015/main" val="1"/>
+              </p:ext>
+            </p:extLst>
+          </p:nvPr>
+        </p:nvGrpSpPr>
+        <p:grpSpPr>
+          <a:xfrm>
+            <a:off x="-329674" y="-59376"/>
+            <a:ext cx="12515851" cy="6923798"/>
+            <a:chOff x="-329674" y="-51881"/>
+            <a:chExt cx="12515851" cy="6923798"/>
+          </a:xfrm>
+          <a:noFill/>
+        </p:grpSpPr>
+        <p:sp>
+          <p:nvSpPr>
+            <p:cNvPr id="11" name="Freeform 5">
+              <a:extLst>
+                <a:ext uri="{FF2B5EF4-FFF2-40B4-BE49-F238E27FC236}">
+                  <a16:creationId xmlns:a16="http://schemas.microsoft.com/office/drawing/2014/main" id="{6742FA10-28D2-4023-A08B-427E93706EA1}"/>
+                </a:ext>
+                <a:ext uri="{C183D7F6-B498-43B3-948B-1728B52AA6E4}">
+                  <adec:decorative xmlns:adec="http://schemas.microsoft.com/office/drawing/2017/decorative" val="1"/>
+                </a:ext>
+              </a:extLst>
+            </p:cNvPr>
+            <p:cNvSpPr/>
+            <p:nvPr>
+              <p:extLst>
+                <p:ext uri="{386F3935-93C4-4BCD-93E2-E3B085C9AB24}">
+                  <p16:designElem xmlns:p16="http://schemas.microsoft.com/office/powerpoint/2015/main" val="1"/>
+                </p:ext>
+              </p:extLst>
+            </p:nvPr>
+          </p:nvSpPr>
+          <p:spPr bwMode="auto">
+            <a:xfrm>
+              <a:off x="-329674" y="1298404"/>
+              <a:ext cx="9702800" cy="5573512"/>
+            </a:xfrm>
+            <a:custGeom>
+              <a:avLst/>
+              <a:gdLst/>
+              <a:ahLst/>
+              <a:cxnLst/>
+              <a:rect l="0" t="0" r="r" b="b"/>
+              <a:pathLst>
+                <a:path w="2038" h="1169">
+                  <a:moveTo>
+                    <a:pt x="1752" y="1169"/>
+                  </a:moveTo>
+                  <a:cubicBezTo>
+                    <a:pt x="2038" y="928"/>
+                    <a:pt x="1673" y="513"/>
+                    <a:pt x="1487" y="334"/>
+                  </a:cubicBezTo>
+                  <a:cubicBezTo>
+                    <a:pt x="1316" y="170"/>
+                    <a:pt x="1099" y="43"/>
+                    <a:pt x="860" y="22"/>
+                  </a:cubicBezTo>
+                  <a:cubicBezTo>
+                    <a:pt x="621" y="0"/>
+                    <a:pt x="341" y="128"/>
+                    <a:pt x="199" y="318"/>
+                  </a:cubicBezTo>
+                  <a:cubicBezTo>
+                    <a:pt x="0" y="586"/>
+                    <a:pt x="184" y="965"/>
+                    <a:pt x="399" y="1165"/>
+                  </a:cubicBezTo>
+                </a:path>
+              </a:pathLst>
+            </a:custGeom>
+            <a:noFill/>
+            <a:ln w="9525" cap="flat">
+              <a:solidFill>
+                <a:schemeClr val="tx1">
+                  <a:alpha val="17000"/>
+                </a:schemeClr>
+              </a:solidFill>
+              <a:prstDash val="solid"/>
+              <a:miter lim="800000"/>
+              <a:headEnd/>
+              <a:tailEnd/>
+            </a:ln>
+          </p:spPr>
+        </p:sp>
+        <p:sp>
+          <p:nvSpPr>
+            <p:cNvPr id="12" name="Freeform 6">
+              <a:extLst>
+                <a:ext uri="{FF2B5EF4-FFF2-40B4-BE49-F238E27FC236}">
+                  <a16:creationId xmlns:a16="http://schemas.microsoft.com/office/drawing/2014/main" id="{BC497CE0-1368-4C66-923F-CA97C35EDCD3}"/>
+                </a:ext>
+                <a:ext uri="{C183D7F6-B498-43B3-948B-1728B52AA6E4}">
+                  <adec:decorative xmlns:adec="http://schemas.microsoft.com/office/drawing/2017/decorative" val="1"/>
+                </a:ext>
+              </a:extLst>
+            </p:cNvPr>
+            <p:cNvSpPr/>
+            <p:nvPr>
+              <p:extLst>
+                <p:ext uri="{386F3935-93C4-4BCD-93E2-E3B085C9AB24}">
+                  <p16:designElem xmlns:p16="http://schemas.microsoft.com/office/powerpoint/2015/main" val="1"/>
+                </p:ext>
+              </p:extLst>
+            </p:nvPr>
+          </p:nvSpPr>
+          <p:spPr bwMode="auto">
+            <a:xfrm>
+              <a:off x="670451" y="2018236"/>
+              <a:ext cx="7373938" cy="4848892"/>
+            </a:xfrm>
+            <a:custGeom>
+              <a:avLst/>
+              <a:gdLst/>
+              <a:ahLst/>
+              <a:cxnLst/>
+              <a:rect l="0" t="0" r="r" b="b"/>
+              <a:pathLst>
+                <a:path w="1549" h="1017">
+                  <a:moveTo>
+                    <a:pt x="1025" y="1016"/>
+                  </a:moveTo>
+                  <a:cubicBezTo>
+                    <a:pt x="1223" y="971"/>
+                    <a:pt x="1549" y="857"/>
+                    <a:pt x="1443" y="592"/>
+                  </a:cubicBezTo>
+                  <a:cubicBezTo>
+                    <a:pt x="1344" y="344"/>
+                    <a:pt x="1041" y="111"/>
+                    <a:pt x="782" y="53"/>
+                  </a:cubicBezTo>
+                  <a:cubicBezTo>
+                    <a:pt x="545" y="0"/>
+                    <a:pt x="275" y="117"/>
+                    <a:pt x="150" y="329"/>
+                  </a:cubicBezTo>
+                  <a:cubicBezTo>
+                    <a:pt x="0" y="584"/>
+                    <a:pt x="243" y="911"/>
+                    <a:pt x="477" y="1017"/>
+                  </a:cubicBezTo>
+                </a:path>
+              </a:pathLst>
+            </a:custGeom>
+            <a:noFill/>
+            <a:ln w="9525" cap="flat">
+              <a:solidFill>
+                <a:schemeClr val="tx1">
+                  <a:alpha val="20000"/>
+                </a:schemeClr>
+              </a:solidFill>
+              <a:prstDash val="solid"/>
+              <a:miter lim="800000"/>
+              <a:headEnd/>
+              <a:tailEnd/>
+            </a:ln>
+          </p:spPr>
+        </p:sp>
+        <p:sp>
+          <p:nvSpPr>
+            <p:cNvPr id="13" name="Freeform 7">
+              <a:extLst>
+                <a:ext uri="{FF2B5EF4-FFF2-40B4-BE49-F238E27FC236}">
+                  <a16:creationId xmlns:a16="http://schemas.microsoft.com/office/drawing/2014/main" id="{F96D638D-D7BB-43E9-BC7A-6FBBDB507BDC}"/>
+                </a:ext>
+                <a:ext uri="{C183D7F6-B498-43B3-948B-1728B52AA6E4}">
+                  <adec:decorative xmlns:adec="http://schemas.microsoft.com/office/drawing/2017/decorative" val="1"/>
+                </a:ext>
+              </a:extLst>
+            </p:cNvPr>
+            <p:cNvSpPr/>
+            <p:nvPr>
+              <p:extLst>
+                <p:ext uri="{386F3935-93C4-4BCD-93E2-E3B085C9AB24}">
+                  <p16:designElem xmlns:p16="http://schemas.microsoft.com/office/powerpoint/2015/main" val="1"/>
+                </p:ext>
+              </p:extLst>
+            </p:nvPr>
+          </p:nvSpPr>
+          <p:spPr bwMode="auto">
+            <a:xfrm>
+              <a:off x="251351" y="1788400"/>
+              <a:ext cx="8035925" cy="5083516"/>
+            </a:xfrm>
+            <a:custGeom>
+              <a:avLst/>
+              <a:gdLst/>
+              <a:ahLst/>
+              <a:cxnLst/>
+              <a:rect l="0" t="0" r="r" b="b"/>
+              <a:pathLst>
+                <a:path w="1688" h="1066">
+                  <a:moveTo>
+                    <a:pt x="1302" y="1066"/>
+                  </a:moveTo>
+                  <a:cubicBezTo>
+                    <a:pt x="1416" y="1024"/>
+                    <a:pt x="1551" y="962"/>
+                    <a:pt x="1613" y="850"/>
+                  </a:cubicBezTo>
+                  <a:cubicBezTo>
+                    <a:pt x="1688" y="715"/>
+                    <a:pt x="1606" y="575"/>
+                    <a:pt x="1517" y="471"/>
+                  </a:cubicBezTo>
+                  <a:cubicBezTo>
+                    <a:pt x="1336" y="258"/>
+                    <a:pt x="1084" y="62"/>
+                    <a:pt x="798" y="28"/>
+                  </a:cubicBezTo>
+                  <a:cubicBezTo>
+                    <a:pt x="559" y="0"/>
+                    <a:pt x="317" y="138"/>
+                    <a:pt x="181" y="333"/>
+                  </a:cubicBezTo>
+                  <a:cubicBezTo>
+                    <a:pt x="0" y="592"/>
+                    <a:pt x="191" y="907"/>
+                    <a:pt x="420" y="1066"/>
+                  </a:cubicBezTo>
+                </a:path>
+              </a:pathLst>
+            </a:custGeom>
+            <a:noFill/>
+            <a:ln w="9525" cap="flat">
+              <a:solidFill>
+                <a:schemeClr val="tx1">
+                  <a:alpha val="18000"/>
+                </a:schemeClr>
+              </a:solidFill>
+              <a:prstDash val="dash"/>
+              <a:miter lim="800000"/>
+              <a:headEnd/>
+              <a:tailEnd/>
+            </a:ln>
+          </p:spPr>
+        </p:sp>
+        <p:sp>
+          <p:nvSpPr>
+            <p:cNvPr id="14" name="Freeform 8">
+              <a:extLst>
+                <a:ext uri="{FF2B5EF4-FFF2-40B4-BE49-F238E27FC236}">
+                  <a16:creationId xmlns:a16="http://schemas.microsoft.com/office/drawing/2014/main" id="{207DB018-8F92-42DF-A1CA-065C774E6899}"/>
+                </a:ext>
+                <a:ext uri="{C183D7F6-B498-43B3-948B-1728B52AA6E4}">
+                  <adec:decorative xmlns:adec="http://schemas.microsoft.com/office/drawing/2017/decorative" val="1"/>
+                </a:ext>
+              </a:extLst>
+            </p:cNvPr>
+            <p:cNvSpPr/>
+            <p:nvPr>
+              <p:extLst>
+                <p:ext uri="{386F3935-93C4-4BCD-93E2-E3B085C9AB24}">
+                  <p16:designElem xmlns:p16="http://schemas.microsoft.com/office/powerpoint/2015/main" val="1"/>
+                </p:ext>
+              </p:extLst>
+            </p:nvPr>
+          </p:nvSpPr>
+          <p:spPr bwMode="auto">
+            <a:xfrm>
+              <a:off x="-1061" y="549842"/>
+              <a:ext cx="10334625" cy="6322075"/>
+            </a:xfrm>
+            <a:custGeom>
+              <a:avLst/>
+              <a:gdLst/>
+              <a:ahLst/>
+              <a:cxnLst/>
+              <a:rect l="0" t="0" r="r" b="b"/>
+              <a:pathLst>
+                <a:path w="2171" h="1326">
+                  <a:moveTo>
+                    <a:pt x="1873" y="1326"/>
+                  </a:moveTo>
+                  <a:cubicBezTo>
+                    <a:pt x="2171" y="1045"/>
+                    <a:pt x="1825" y="678"/>
+                    <a:pt x="1609" y="473"/>
+                  </a:cubicBezTo>
+                  <a:cubicBezTo>
+                    <a:pt x="1406" y="281"/>
+                    <a:pt x="1159" y="116"/>
+                    <a:pt x="880" y="63"/>
+                  </a:cubicBezTo>
+                  <a:cubicBezTo>
+                    <a:pt x="545" y="0"/>
+                    <a:pt x="214" y="161"/>
+                    <a:pt x="0" y="423"/>
+                  </a:cubicBezTo>
+                </a:path>
+              </a:pathLst>
+            </a:custGeom>
+            <a:noFill/>
+            <a:ln w="9525" cap="flat">
+              <a:solidFill>
+                <a:schemeClr val="tx1">
+                  <a:alpha val="15000"/>
+                </a:schemeClr>
+              </a:solidFill>
+              <a:prstDash val="solid"/>
+              <a:miter lim="800000"/>
+              <a:headEnd/>
+              <a:tailEnd/>
+            </a:ln>
+          </p:spPr>
+        </p:sp>
+        <p:sp>
+          <p:nvSpPr>
+            <p:cNvPr id="15" name="Freeform 9">
+              <a:extLst>
+                <a:ext uri="{FF2B5EF4-FFF2-40B4-BE49-F238E27FC236}">
+                  <a16:creationId xmlns:a16="http://schemas.microsoft.com/office/drawing/2014/main" id="{BB2A6006-A798-4927-B799-42A45D5B1FE0}"/>
+                </a:ext>
+                <a:ext uri="{C183D7F6-B498-43B3-948B-1728B52AA6E4}">
+                  <adec:decorative xmlns:adec="http://schemas.microsoft.com/office/drawing/2017/decorative" val="1"/>
+                </a:ext>
+              </a:extLst>
+            </p:cNvPr>
+            <p:cNvSpPr/>
+            <p:nvPr>
+              <p:extLst>
+                <p:ext uri="{386F3935-93C4-4BCD-93E2-E3B085C9AB24}">
+                  <p16:designElem xmlns:p16="http://schemas.microsoft.com/office/powerpoint/2015/main" val="1"/>
+                </p:ext>
+              </p:extLst>
+            </p:nvPr>
+          </p:nvSpPr>
+          <p:spPr bwMode="auto">
+            <a:xfrm>
+              <a:off x="3701" y="6186246"/>
+              <a:ext cx="504825" cy="681527"/>
+            </a:xfrm>
+            <a:custGeom>
+              <a:avLst/>
+              <a:gdLst/>
+              <a:ahLst/>
+              <a:cxnLst/>
+              <a:rect l="0" t="0" r="r" b="b"/>
+              <a:pathLst>
+                <a:path w="106" h="143">
+                  <a:moveTo>
+                    <a:pt x="0" y="0"/>
+                  </a:moveTo>
+                  <a:cubicBezTo>
+                    <a:pt x="35" y="54"/>
+                    <a:pt x="70" y="101"/>
+                    <a:pt x="106" y="143"/>
+                  </a:cubicBezTo>
+                </a:path>
+              </a:pathLst>
+            </a:custGeom>
+            <a:noFill/>
+            <a:ln w="4763" cap="flat">
+              <a:solidFill>
+                <a:schemeClr val="tx1">
+                  <a:alpha val="15000"/>
+                </a:schemeClr>
+              </a:solidFill>
+              <a:prstDash val="solid"/>
+              <a:miter lim="800000"/>
+              <a:headEnd/>
+              <a:tailEnd/>
+            </a:ln>
+          </p:spPr>
+        </p:sp>
+        <p:sp>
+          <p:nvSpPr>
+            <p:cNvPr id="16" name="Freeform 10">
+              <a:extLst>
+                <a:ext uri="{FF2B5EF4-FFF2-40B4-BE49-F238E27FC236}">
+                  <a16:creationId xmlns:a16="http://schemas.microsoft.com/office/drawing/2014/main" id="{3F6DB3F4-548A-4D02-A6CC-D5275E6C8570}"/>
+                </a:ext>
+                <a:ext uri="{C183D7F6-B498-43B3-948B-1728B52AA6E4}">
+                  <adec:decorative xmlns:adec="http://schemas.microsoft.com/office/drawing/2017/decorative" val="1"/>
+                </a:ext>
+              </a:extLst>
+            </p:cNvPr>
+            <p:cNvSpPr/>
+            <p:nvPr>
+              <p:extLst>
+                <p:ext uri="{386F3935-93C4-4BCD-93E2-E3B085C9AB24}">
+                  <p16:designElem xmlns:p16="http://schemas.microsoft.com/office/powerpoint/2015/main" val="1"/>
+                </p:ext>
+              </p:extLst>
+            </p:nvPr>
+          </p:nvSpPr>
+          <p:spPr bwMode="auto">
+            <a:xfrm>
+              <a:off x="-1061" y="-51881"/>
+              <a:ext cx="11091863" cy="6923796"/>
+            </a:xfrm>
+            <a:custGeom>
+              <a:avLst/>
+              <a:gdLst/>
+              <a:ahLst/>
+              <a:cxnLst/>
+              <a:rect l="0" t="0" r="r" b="b"/>
+              <a:pathLst>
+                <a:path w="2330" h="1452">
+                  <a:moveTo>
+                    <a:pt x="2046" y="1452"/>
+                  </a:moveTo>
+                  <a:cubicBezTo>
+                    <a:pt x="2330" y="1153"/>
+                    <a:pt x="2049" y="821"/>
+                    <a:pt x="1813" y="601"/>
+                  </a:cubicBezTo>
+                  <a:cubicBezTo>
+                    <a:pt x="1569" y="375"/>
+                    <a:pt x="1282" y="179"/>
+                    <a:pt x="956" y="97"/>
+                  </a:cubicBezTo>
+                  <a:cubicBezTo>
+                    <a:pt x="572" y="0"/>
+                    <a:pt x="292" y="101"/>
+                    <a:pt x="0" y="366"/>
+                  </a:cubicBezTo>
+                </a:path>
+              </a:pathLst>
+            </a:custGeom>
+            <a:noFill/>
+            <a:ln w="9525" cap="flat">
+              <a:solidFill>
+                <a:schemeClr val="tx1">
+                  <a:alpha val="14000"/>
+                </a:schemeClr>
+              </a:solidFill>
+              <a:prstDash val="solid"/>
+              <a:miter lim="800000"/>
+              <a:headEnd/>
+              <a:tailEnd/>
+            </a:ln>
+          </p:spPr>
+        </p:sp>
+        <p:sp>
+          <p:nvSpPr>
+            <p:cNvPr id="17" name="Freeform 11">
+              <a:extLst>
+                <a:ext uri="{FF2B5EF4-FFF2-40B4-BE49-F238E27FC236}">
+                  <a16:creationId xmlns:a16="http://schemas.microsoft.com/office/drawing/2014/main" id="{2D9F4A59-DDA2-427E-802B-9056AD99C0E8}"/>
+                </a:ext>
+                <a:ext uri="{C183D7F6-B498-43B3-948B-1728B52AA6E4}">
+                  <adec:decorative xmlns:adec="http://schemas.microsoft.com/office/drawing/2017/decorative" val="1"/>
+                </a:ext>
+              </a:extLst>
+            </p:cNvPr>
+            <p:cNvSpPr/>
+            <p:nvPr>
+              <p:extLst>
+                <p:ext uri="{386F3935-93C4-4BCD-93E2-E3B085C9AB24}">
+                  <p16:designElem xmlns:p16="http://schemas.microsoft.com/office/powerpoint/2015/main" val="1"/>
+                </p:ext>
+              </p:extLst>
+            </p:nvPr>
+          </p:nvSpPr>
+          <p:spPr bwMode="auto">
+            <a:xfrm>
+              <a:off x="5426601" y="5579"/>
+              <a:ext cx="5788025" cy="6847184"/>
+            </a:xfrm>
+            <a:custGeom>
+              <a:avLst/>
+              <a:gdLst/>
+              <a:ahLst/>
+              <a:cxnLst/>
+              <a:rect l="0" t="0" r="r" b="b"/>
+              <a:pathLst>
+                <a:path w="1216" h="1436">
+                  <a:moveTo>
+                    <a:pt x="1094" y="1436"/>
+                  </a:moveTo>
+                  <a:cubicBezTo>
+                    <a:pt x="1216" y="1114"/>
+                    <a:pt x="904" y="770"/>
+                    <a:pt x="709" y="551"/>
+                  </a:cubicBezTo>
+                  <a:cubicBezTo>
+                    <a:pt x="509" y="327"/>
+                    <a:pt x="274" y="127"/>
+                    <a:pt x="0" y="0"/>
+                  </a:cubicBezTo>
+                </a:path>
+              </a:pathLst>
+            </a:custGeom>
+            <a:noFill/>
+            <a:ln w="9525" cap="flat">
+              <a:solidFill>
+                <a:schemeClr val="tx1">
+                  <a:alpha val="13000"/>
+                </a:schemeClr>
+              </a:solidFill>
+              <a:prstDash val="solid"/>
+              <a:miter lim="800000"/>
+              <a:headEnd/>
+              <a:tailEnd/>
+            </a:ln>
+          </p:spPr>
+        </p:sp>
+        <p:sp>
+          <p:nvSpPr>
+            <p:cNvPr id="18" name="Freeform 12">
+              <a:extLst>
+                <a:ext uri="{FF2B5EF4-FFF2-40B4-BE49-F238E27FC236}">
+                  <a16:creationId xmlns:a16="http://schemas.microsoft.com/office/drawing/2014/main" id="{BF086A79-DD15-4D5E-A197-9ADE0ACFD16D}"/>
+                </a:ext>
+                <a:ext uri="{C183D7F6-B498-43B3-948B-1728B52AA6E4}">
+                  <adec:decorative xmlns:adec="http://schemas.microsoft.com/office/drawing/2017/decorative" val="1"/>
+                </a:ext>
+              </a:extLst>
+            </p:cNvPr>
+            <p:cNvSpPr/>
+            <p:nvPr>
+              <p:extLst>
+                <p:ext uri="{386F3935-93C4-4BCD-93E2-E3B085C9AB24}">
+                  <p16:designElem xmlns:p16="http://schemas.microsoft.com/office/powerpoint/2015/main" val="1"/>
+                </p:ext>
+              </p:extLst>
+            </p:nvPr>
+          </p:nvSpPr>
+          <p:spPr bwMode="auto">
+            <a:xfrm>
+              <a:off x="-1061" y="5579"/>
+              <a:ext cx="1057275" cy="614491"/>
+            </a:xfrm>
+            <a:custGeom>
+              <a:avLst/>
+              <a:gdLst/>
+              <a:ahLst/>
+              <a:cxnLst/>
+              <a:rect l="0" t="0" r="r" b="b"/>
+              <a:pathLst>
+                <a:path w="222" h="129">
+                  <a:moveTo>
+                    <a:pt x="222" y="0"/>
+                  </a:moveTo>
+                  <a:cubicBezTo>
+                    <a:pt x="152" y="35"/>
+                    <a:pt x="76" y="78"/>
+                    <a:pt x="0" y="129"/>
+                  </a:cubicBezTo>
+                </a:path>
+              </a:pathLst>
+            </a:custGeom>
+            <a:noFill/>
+            <a:ln w="9525" cap="flat">
+              <a:solidFill>
+                <a:schemeClr val="tx1">
+                  <a:alpha val="13000"/>
+                </a:schemeClr>
+              </a:solidFill>
+              <a:prstDash val="solid"/>
+              <a:miter lim="800000"/>
+              <a:headEnd/>
+              <a:tailEnd/>
+            </a:ln>
+          </p:spPr>
+        </p:sp>
+        <p:sp>
+          <p:nvSpPr>
+            <p:cNvPr id="19" name="Freeform 13">
+              <a:extLst>
+                <a:ext uri="{FF2B5EF4-FFF2-40B4-BE49-F238E27FC236}">
+                  <a16:creationId xmlns:a16="http://schemas.microsoft.com/office/drawing/2014/main" id="{CCB86A9C-D602-4645-AF2E-7BADDF1E9143}"/>
+                </a:ext>
+                <a:ext uri="{C183D7F6-B498-43B3-948B-1728B52AA6E4}">
+                  <adec:decorative xmlns:adec="http://schemas.microsoft.com/office/drawing/2017/decorative" val="1"/>
+                </a:ext>
+              </a:extLst>
+            </p:cNvPr>
+            <p:cNvSpPr/>
+            <p:nvPr>
+              <p:extLst>
+                <p:ext uri="{386F3935-93C4-4BCD-93E2-E3B085C9AB24}">
+                  <p16:designElem xmlns:p16="http://schemas.microsoft.com/office/powerpoint/2015/main" val="1"/>
+                </p:ext>
+              </p:extLst>
+            </p:nvPr>
+          </p:nvSpPr>
+          <p:spPr bwMode="auto">
+            <a:xfrm>
+              <a:off x="5821889" y="5579"/>
+              <a:ext cx="5588000" cy="6866337"/>
+            </a:xfrm>
+            <a:custGeom>
+              <a:avLst/>
+              <a:gdLst/>
+              <a:ahLst/>
+              <a:cxnLst/>
+              <a:rect l="0" t="0" r="r" b="b"/>
+              <a:pathLst>
+                <a:path w="1174" h="1440">
+                  <a:moveTo>
+                    <a:pt x="1067" y="1440"/>
+                  </a:moveTo>
+                  <a:cubicBezTo>
+                    <a:pt x="1174" y="1124"/>
+                    <a:pt x="887" y="797"/>
+                    <a:pt x="698" y="577"/>
+                  </a:cubicBezTo>
+                  <a:cubicBezTo>
+                    <a:pt x="500" y="348"/>
+                    <a:pt x="270" y="141"/>
+                    <a:pt x="0" y="0"/>
+                  </a:cubicBezTo>
+                </a:path>
+              </a:pathLst>
+            </a:custGeom>
+            <a:noFill/>
+            <a:ln w="9525" cap="flat">
+              <a:solidFill>
+                <a:schemeClr val="tx1">
+                  <a:alpha val="12000"/>
+                </a:schemeClr>
+              </a:solidFill>
+              <a:prstDash val="dash"/>
+              <a:miter lim="800000"/>
+              <a:headEnd/>
+              <a:tailEnd/>
+            </a:ln>
+          </p:spPr>
+        </p:sp>
+        <p:sp>
+          <p:nvSpPr>
+            <p:cNvPr id="30" name="Freeform 14">
+              <a:extLst>
+                <a:ext uri="{FF2B5EF4-FFF2-40B4-BE49-F238E27FC236}">
+                  <a16:creationId xmlns:a16="http://schemas.microsoft.com/office/drawing/2014/main" id="{21C6649F-C4FA-423E-A09A-1B286FAE2993}"/>
+                </a:ext>
+                <a:ext uri="{C183D7F6-B498-43B3-948B-1728B52AA6E4}">
+                  <adec:decorative xmlns:adec="http://schemas.microsoft.com/office/drawing/2017/decorative" val="1"/>
+                </a:ext>
+              </a:extLst>
+            </p:cNvPr>
+            <p:cNvSpPr/>
+            <p:nvPr>
+              <p:extLst>
+                <p:ext uri="{386F3935-93C4-4BCD-93E2-E3B085C9AB24}">
+                  <p16:designElem xmlns:p16="http://schemas.microsoft.com/office/powerpoint/2015/main" val="1"/>
+                </p:ext>
+              </p:extLst>
+            </p:nvPr>
+          </p:nvSpPr>
+          <p:spPr bwMode="auto">
+            <a:xfrm>
+              <a:off x="3701" y="790"/>
+              <a:ext cx="595313" cy="352734"/>
+            </a:xfrm>
+            <a:custGeom>
+              <a:avLst/>
+              <a:gdLst/>
+              <a:ahLst/>
+              <a:cxnLst/>
+              <a:rect l="0" t="0" r="r" b="b"/>
+              <a:pathLst>
+                <a:path w="125" h="74">
+                  <a:moveTo>
+                    <a:pt x="125" y="0"/>
+                  </a:moveTo>
+                  <a:cubicBezTo>
+                    <a:pt x="85" y="22"/>
+                    <a:pt x="43" y="47"/>
+                    <a:pt x="0" y="74"/>
+                  </a:cubicBezTo>
+                </a:path>
+              </a:pathLst>
+            </a:custGeom>
+            <a:noFill/>
+            <a:ln w="9525" cap="flat">
+              <a:solidFill>
+                <a:schemeClr val="tx1">
+                  <a:alpha val="12000"/>
+                </a:schemeClr>
+              </a:solidFill>
+              <a:prstDash val="dash"/>
+              <a:miter lim="800000"/>
+              <a:headEnd/>
+              <a:tailEnd/>
+            </a:ln>
+          </p:spPr>
+        </p:sp>
+        <p:sp>
+          <p:nvSpPr>
+            <p:cNvPr id="32" name="Freeform 15">
+              <a:extLst>
+                <a:ext uri="{FF2B5EF4-FFF2-40B4-BE49-F238E27FC236}">
+                  <a16:creationId xmlns:a16="http://schemas.microsoft.com/office/drawing/2014/main" id="{F00891A4-E0CB-4F23-AD2A-4A210875321C}"/>
+                </a:ext>
+                <a:ext uri="{C183D7F6-B498-43B3-948B-1728B52AA6E4}">
+                  <adec:decorative xmlns:adec="http://schemas.microsoft.com/office/drawing/2017/decorative" val="1"/>
+                </a:ext>
+              </a:extLst>
+            </p:cNvPr>
+            <p:cNvSpPr/>
+            <p:nvPr>
+              <p:extLst>
+                <p:ext uri="{386F3935-93C4-4BCD-93E2-E3B085C9AB24}">
+                  <p16:designElem xmlns:p16="http://schemas.microsoft.com/office/powerpoint/2015/main" val="1"/>
+                </p:ext>
+              </p:extLst>
+            </p:nvPr>
+          </p:nvSpPr>
+          <p:spPr bwMode="auto">
+            <a:xfrm>
+              <a:off x="6012389" y="5579"/>
+              <a:ext cx="5497513" cy="6866337"/>
+            </a:xfrm>
+            <a:custGeom>
+              <a:avLst/>
+              <a:gdLst/>
+              <a:ahLst/>
+              <a:cxnLst/>
+              <a:rect l="0" t="0" r="r" b="b"/>
+              <a:pathLst>
+                <a:path w="1155" h="1440">
+                  <a:moveTo>
+                    <a:pt x="1056" y="1440"/>
+                  </a:moveTo>
+                  <a:cubicBezTo>
+                    <a:pt x="1155" y="1123"/>
+                    <a:pt x="875" y="801"/>
+                    <a:pt x="686" y="580"/>
+                  </a:cubicBezTo>
+                  <a:cubicBezTo>
+                    <a:pt x="491" y="352"/>
+                    <a:pt x="264" y="145"/>
+                    <a:pt x="0" y="0"/>
+                  </a:cubicBezTo>
+                </a:path>
+              </a:pathLst>
+            </a:custGeom>
+            <a:noFill/>
+            <a:ln w="12700" cap="flat">
+              <a:solidFill>
+                <a:schemeClr val="tx1">
+                  <a:alpha val="12000"/>
+                </a:schemeClr>
+              </a:solidFill>
+              <a:prstDash val="dashDot"/>
+              <a:miter lim="800000"/>
+              <a:headEnd/>
+              <a:tailEnd/>
+            </a:ln>
+          </p:spPr>
+        </p:sp>
+        <p:sp>
+          <p:nvSpPr>
+            <p:cNvPr id="33" name="Freeform 16">
+              <a:extLst>
+                <a:ext uri="{FF2B5EF4-FFF2-40B4-BE49-F238E27FC236}">
+                  <a16:creationId xmlns:a16="http://schemas.microsoft.com/office/drawing/2014/main" id="{0688C71A-541C-4CD1-9821-92958FFC0C2F}"/>
+                </a:ext>
+                <a:ext uri="{C183D7F6-B498-43B3-948B-1728B52AA6E4}">
+                  <adec:decorative xmlns:adec="http://schemas.microsoft.com/office/drawing/2017/decorative" val="1"/>
+                </a:ext>
+              </a:extLst>
+            </p:cNvPr>
+            <p:cNvSpPr/>
+            <p:nvPr>
+              <p:extLst>
+                <p:ext uri="{386F3935-93C4-4BCD-93E2-E3B085C9AB24}">
+                  <p16:designElem xmlns:p16="http://schemas.microsoft.com/office/powerpoint/2015/main" val="1"/>
+                </p:ext>
+              </p:extLst>
+            </p:nvPr>
+          </p:nvSpPr>
+          <p:spPr bwMode="auto">
+            <a:xfrm>
+              <a:off x="-1061" y="5579"/>
+              <a:ext cx="357188" cy="213875"/>
+            </a:xfrm>
+            <a:custGeom>
+              <a:avLst/>
+              <a:gdLst/>
+              <a:ahLst/>
+              <a:cxnLst/>
+              <a:rect l="0" t="0" r="r" b="b"/>
+              <a:pathLst>
+                <a:path w="75" h="45">
+                  <a:moveTo>
+                    <a:pt x="75" y="0"/>
+                  </a:moveTo>
+                  <a:cubicBezTo>
+                    <a:pt x="50" y="14"/>
+                    <a:pt x="25" y="29"/>
+                    <a:pt x="0" y="45"/>
+                  </a:cubicBezTo>
+                </a:path>
+              </a:pathLst>
+            </a:custGeom>
+            <a:noFill/>
+            <a:ln w="12700" cap="flat">
+              <a:solidFill>
+                <a:schemeClr val="tx1">
+                  <a:alpha val="12000"/>
+                </a:schemeClr>
+              </a:solidFill>
+              <a:prstDash val="dashDot"/>
+              <a:miter lim="800000"/>
+              <a:headEnd/>
+              <a:tailEnd/>
+            </a:ln>
+          </p:spPr>
+        </p:sp>
+        <p:sp>
+          <p:nvSpPr>
+            <p:cNvPr id="23" name="Freeform 17">
+              <a:extLst>
+                <a:ext uri="{FF2B5EF4-FFF2-40B4-BE49-F238E27FC236}">
+                  <a16:creationId xmlns:a16="http://schemas.microsoft.com/office/drawing/2014/main" id="{B5F5BDE4-42C0-4408-B6A9-B35D037F1505}"/>
+                </a:ext>
+                <a:ext uri="{C183D7F6-B498-43B3-948B-1728B52AA6E4}">
+                  <adec:decorative xmlns:adec="http://schemas.microsoft.com/office/drawing/2017/decorative" val="1"/>
+                </a:ext>
+              </a:extLst>
+            </p:cNvPr>
+            <p:cNvSpPr/>
+            <p:nvPr>
+              <p:extLst>
+                <p:ext uri="{386F3935-93C4-4BCD-93E2-E3B085C9AB24}">
+                  <p16:designElem xmlns:p16="http://schemas.microsoft.com/office/powerpoint/2015/main" val="1"/>
+                </p:ext>
+              </p:extLst>
+            </p:nvPr>
+          </p:nvSpPr>
+          <p:spPr bwMode="auto">
+            <a:xfrm>
+              <a:off x="6210826" y="790"/>
+              <a:ext cx="5522913" cy="6871126"/>
+            </a:xfrm>
+            <a:custGeom>
+              <a:avLst/>
+              <a:gdLst/>
+              <a:ahLst/>
+              <a:cxnLst/>
+              <a:rect l="0" t="0" r="r" b="b"/>
+              <a:pathLst>
+                <a:path w="1160" h="1441">
+                  <a:moveTo>
+                    <a:pt x="1053" y="1441"/>
+                  </a:moveTo>
+                  <a:cubicBezTo>
+                    <a:pt x="1160" y="1129"/>
+                    <a:pt x="892" y="817"/>
+                    <a:pt x="705" y="599"/>
+                  </a:cubicBezTo>
+                  <a:cubicBezTo>
+                    <a:pt x="503" y="365"/>
+                    <a:pt x="270" y="152"/>
+                    <a:pt x="0" y="0"/>
+                  </a:cubicBezTo>
+                </a:path>
+              </a:pathLst>
+            </a:custGeom>
+            <a:noFill/>
+            <a:ln w="9525" cap="flat">
+              <a:solidFill>
+                <a:schemeClr val="tx1">
+                  <a:alpha val="12000"/>
+                </a:schemeClr>
+              </a:solidFill>
+              <a:prstDash val="solid"/>
+              <a:miter lim="800000"/>
+              <a:headEnd/>
+              <a:tailEnd/>
+            </a:ln>
+          </p:spPr>
+        </p:sp>
+        <p:sp>
+          <p:nvSpPr>
+            <p:cNvPr id="24" name="Freeform 18">
+              <a:extLst>
+                <a:ext uri="{FF2B5EF4-FFF2-40B4-BE49-F238E27FC236}">
+                  <a16:creationId xmlns:a16="http://schemas.microsoft.com/office/drawing/2014/main" id="{B215F5C9-B825-47D1-8E5B-AE5BE61A401B}"/>
+                </a:ext>
+                <a:ext uri="{C183D7F6-B498-43B3-948B-1728B52AA6E4}">
+                  <adec:decorative xmlns:adec="http://schemas.microsoft.com/office/drawing/2017/decorative" val="1"/>
+                </a:ext>
+              </a:extLst>
+            </p:cNvPr>
+            <p:cNvSpPr/>
+            <p:nvPr>
+              <p:extLst>
+                <p:ext uri="{386F3935-93C4-4BCD-93E2-E3B085C9AB24}">
+                  <p16:designElem xmlns:p16="http://schemas.microsoft.com/office/powerpoint/2015/main" val="1"/>
+                </p:ext>
+              </p:extLst>
+            </p:nvPr>
+          </p:nvSpPr>
+          <p:spPr bwMode="auto">
+            <a:xfrm>
+              <a:off x="6463239" y="5579"/>
+              <a:ext cx="5413375" cy="6866337"/>
+            </a:xfrm>
+            <a:custGeom>
+              <a:avLst/>
+              <a:gdLst/>
+              <a:ahLst/>
+              <a:cxnLst/>
+              <a:rect l="0" t="0" r="r" b="b"/>
+              <a:pathLst>
+                <a:path w="1137" h="1440">
+                  <a:moveTo>
+                    <a:pt x="1040" y="1440"/>
+                  </a:moveTo>
+                  <a:cubicBezTo>
+                    <a:pt x="1137" y="1131"/>
+                    <a:pt x="883" y="828"/>
+                    <a:pt x="698" y="611"/>
+                  </a:cubicBezTo>
+                  <a:cubicBezTo>
+                    <a:pt x="498" y="375"/>
+                    <a:pt x="268" y="159"/>
+                    <a:pt x="0" y="0"/>
+                  </a:cubicBezTo>
+                </a:path>
+              </a:pathLst>
+            </a:custGeom>
+            <a:noFill/>
+            <a:ln w="9525" cap="flat">
+              <a:solidFill>
+                <a:schemeClr val="tx1">
+                  <a:alpha val="12000"/>
+                </a:schemeClr>
+              </a:solidFill>
+              <a:prstDash val="solid"/>
+              <a:miter lim="800000"/>
+              <a:headEnd/>
+              <a:tailEnd/>
+            </a:ln>
+          </p:spPr>
+        </p:sp>
+        <p:sp>
+          <p:nvSpPr>
+            <p:cNvPr id="25" name="Freeform 19">
+              <a:extLst>
+                <a:ext uri="{FF2B5EF4-FFF2-40B4-BE49-F238E27FC236}">
+                  <a16:creationId xmlns:a16="http://schemas.microsoft.com/office/drawing/2014/main" id="{8FDD346A-E62F-4D05-B776-13CE8F35FA71}"/>
+                </a:ext>
+                <a:ext uri="{C183D7F6-B498-43B3-948B-1728B52AA6E4}">
+                  <adec:decorative xmlns:adec="http://schemas.microsoft.com/office/drawing/2017/decorative" val="1"/>
+                </a:ext>
+              </a:extLst>
+            </p:cNvPr>
+            <p:cNvSpPr/>
+            <p:nvPr>
+              <p:extLst>
+                <p:ext uri="{386F3935-93C4-4BCD-93E2-E3B085C9AB24}">
+                  <p16:designElem xmlns:p16="http://schemas.microsoft.com/office/powerpoint/2015/main" val="1"/>
+                </p:ext>
+              </p:extLst>
+            </p:nvPr>
+          </p:nvSpPr>
+          <p:spPr bwMode="auto">
+            <a:xfrm>
+              <a:off x="6877576" y="5579"/>
+              <a:ext cx="5037138" cy="6861550"/>
+            </a:xfrm>
+            <a:custGeom>
+              <a:avLst/>
+              <a:gdLst/>
+              <a:ahLst/>
+              <a:cxnLst/>
+              <a:rect l="0" t="0" r="r" b="b"/>
+              <a:pathLst>
+                <a:path w="1058" h="1439">
+                  <a:moveTo>
+                    <a:pt x="1011" y="1439"/>
+                  </a:moveTo>
+                  <a:cubicBezTo>
+                    <a:pt x="1058" y="1131"/>
+                    <a:pt x="825" y="841"/>
+                    <a:pt x="648" y="617"/>
+                  </a:cubicBezTo>
+                  <a:cubicBezTo>
+                    <a:pt x="462" y="383"/>
+                    <a:pt x="248" y="168"/>
+                    <a:pt x="0" y="0"/>
+                  </a:cubicBezTo>
+                </a:path>
+              </a:pathLst>
+            </a:custGeom>
+            <a:noFill/>
+            <a:ln w="9525" cap="flat">
+              <a:solidFill>
+                <a:schemeClr val="tx1">
+                  <a:alpha val="11000"/>
+                </a:schemeClr>
+              </a:solidFill>
+              <a:prstDash val="solid"/>
+              <a:miter lim="800000"/>
+              <a:headEnd/>
+              <a:tailEnd/>
+            </a:ln>
+          </p:spPr>
+        </p:sp>
+        <p:sp>
+          <p:nvSpPr>
+            <p:cNvPr id="26" name="Freeform 20">
+              <a:extLst>
+                <a:ext uri="{FF2B5EF4-FFF2-40B4-BE49-F238E27FC236}">
+                  <a16:creationId xmlns:a16="http://schemas.microsoft.com/office/drawing/2014/main" id="{C1037E36-F1A3-4462-A9C6-C94A781467DB}"/>
+                </a:ext>
+                <a:ext uri="{C183D7F6-B498-43B3-948B-1728B52AA6E4}">
+                  <adec:decorative xmlns:adec="http://schemas.microsoft.com/office/drawing/2017/decorative" val="1"/>
+                </a:ext>
+              </a:extLst>
+            </p:cNvPr>
+            <p:cNvSpPr/>
+            <p:nvPr>
+              <p:extLst>
+                <p:ext uri="{386F3935-93C4-4BCD-93E2-E3B085C9AB24}">
+                  <p16:designElem xmlns:p16="http://schemas.microsoft.com/office/powerpoint/2015/main" val="1"/>
+                </p:ext>
+              </p:extLst>
+            </p:nvPr>
+          </p:nvSpPr>
+          <p:spPr bwMode="auto">
+            <a:xfrm>
+              <a:off x="8768289" y="5579"/>
+              <a:ext cx="3417888" cy="2742066"/>
+            </a:xfrm>
+            <a:custGeom>
+              <a:avLst/>
+              <a:gdLst/>
+              <a:ahLst/>
+              <a:cxnLst/>
+              <a:rect l="0" t="0" r="r" b="b"/>
+              <a:pathLst>
+                <a:path w="718" h="575">
+                  <a:moveTo>
+                    <a:pt x="718" y="575"/>
+                  </a:moveTo>
+                  <a:cubicBezTo>
+                    <a:pt x="500" y="360"/>
+                    <a:pt x="260" y="163"/>
+                    <a:pt x="0" y="0"/>
+                  </a:cubicBezTo>
+                </a:path>
+              </a:pathLst>
+            </a:custGeom>
+            <a:noFill/>
+            <a:ln w="9525" cap="flat">
+              <a:solidFill>
+                <a:schemeClr val="tx1">
+                  <a:alpha val="11000"/>
+                </a:schemeClr>
+              </a:solidFill>
+              <a:prstDash val="solid"/>
+              <a:miter lim="800000"/>
+              <a:headEnd/>
+              <a:tailEnd/>
+            </a:ln>
+          </p:spPr>
+        </p:sp>
+        <p:sp>
+          <p:nvSpPr>
+            <p:cNvPr id="27" name="Freeform 21">
+              <a:extLst>
+                <a:ext uri="{FF2B5EF4-FFF2-40B4-BE49-F238E27FC236}">
+                  <a16:creationId xmlns:a16="http://schemas.microsoft.com/office/drawing/2014/main" id="{10D539D8-C2C4-45F9-9778-440E8624863B}"/>
+                </a:ext>
+                <a:ext uri="{C183D7F6-B498-43B3-948B-1728B52AA6E4}">
+                  <adec:decorative xmlns:adec="http://schemas.microsoft.com/office/drawing/2017/decorative" val="1"/>
+                </a:ext>
+              </a:extLst>
+            </p:cNvPr>
+            <p:cNvSpPr/>
+            <p:nvPr>
+              <p:extLst>
+                <p:ext uri="{386F3935-93C4-4BCD-93E2-E3B085C9AB24}">
+                  <p16:designElem xmlns:p16="http://schemas.microsoft.com/office/powerpoint/2015/main" val="1"/>
+                </p:ext>
+              </p:extLst>
+            </p:nvPr>
+          </p:nvSpPr>
+          <p:spPr bwMode="auto">
+            <a:xfrm>
+              <a:off x="9235014" y="10367"/>
+              <a:ext cx="2951163" cy="2555325"/>
+            </a:xfrm>
+            <a:custGeom>
+              <a:avLst/>
+              <a:gdLst/>
+              <a:ahLst/>
+              <a:cxnLst/>
+              <a:rect l="0" t="0" r="r" b="b"/>
+              <a:pathLst>
+                <a:path w="620" h="536">
+                  <a:moveTo>
+                    <a:pt x="620" y="536"/>
+                  </a:moveTo>
+                  <a:cubicBezTo>
+                    <a:pt x="404" y="314"/>
+                    <a:pt x="196" y="138"/>
+                    <a:pt x="0" y="0"/>
+                  </a:cubicBezTo>
+                </a:path>
+              </a:pathLst>
+            </a:custGeom>
+            <a:noFill/>
+            <a:ln w="9525" cap="flat">
+              <a:solidFill>
+                <a:schemeClr val="tx1">
+                  <a:alpha val="10000"/>
+                </a:schemeClr>
+              </a:solidFill>
+              <a:prstDash val="solid"/>
+              <a:miter lim="800000"/>
+              <a:headEnd/>
+              <a:tailEnd/>
+            </a:ln>
+          </p:spPr>
+        </p:sp>
+        <p:sp>
+          <p:nvSpPr>
+            <p:cNvPr id="28" name="Freeform 22">
+              <a:extLst>
+                <a:ext uri="{FF2B5EF4-FFF2-40B4-BE49-F238E27FC236}">
+                  <a16:creationId xmlns:a16="http://schemas.microsoft.com/office/drawing/2014/main" id="{8B003199-95C6-4E08-9D5D-E53DAF421BCD}"/>
+                </a:ext>
+                <a:ext uri="{C183D7F6-B498-43B3-948B-1728B52AA6E4}">
+                  <adec:decorative xmlns:adec="http://schemas.microsoft.com/office/drawing/2017/decorative" val="1"/>
+                </a:ext>
+              </a:extLst>
+            </p:cNvPr>
+            <p:cNvSpPr/>
+            <p:nvPr>
+              <p:extLst>
+                <p:ext uri="{386F3935-93C4-4BCD-93E2-E3B085C9AB24}">
+                  <p16:designElem xmlns:p16="http://schemas.microsoft.com/office/powerpoint/2015/main" val="1"/>
+                </p:ext>
+              </p:extLst>
+            </p:nvPr>
+          </p:nvSpPr>
+          <p:spPr bwMode="auto">
+            <a:xfrm>
+              <a:off x="10020826" y="5579"/>
+              <a:ext cx="2165350" cy="1358265"/>
+            </a:xfrm>
+            <a:custGeom>
+              <a:avLst/>
+              <a:gdLst/>
+              <a:ahLst/>
+              <a:cxnLst/>
+              <a:rect l="0" t="0" r="r" b="b"/>
+              <a:pathLst>
+                <a:path w="455" h="285">
+                  <a:moveTo>
+                    <a:pt x="0" y="0"/>
+                  </a:moveTo>
+                  <a:cubicBezTo>
+                    <a:pt x="153" y="85"/>
+                    <a:pt x="308" y="180"/>
+                    <a:pt x="455" y="285"/>
+                  </a:cubicBezTo>
+                </a:path>
+              </a:pathLst>
+            </a:custGeom>
+            <a:noFill/>
+            <a:ln w="9525" cap="flat">
+              <a:solidFill>
+                <a:schemeClr val="tx1">
+                  <a:alpha val="10000"/>
+                </a:schemeClr>
+              </a:solidFill>
+              <a:prstDash val="dash"/>
+              <a:miter lim="800000"/>
+              <a:headEnd/>
+              <a:tailEnd/>
+            </a:ln>
+          </p:spPr>
+        </p:sp>
+        <p:sp>
+          <p:nvSpPr>
+            <p:cNvPr id="29" name="Freeform 23">
+              <a:extLst>
+                <a:ext uri="{FF2B5EF4-FFF2-40B4-BE49-F238E27FC236}">
+                  <a16:creationId xmlns:a16="http://schemas.microsoft.com/office/drawing/2014/main" id="{6A2507B4-2AA4-44A1-93B1-D65EC73AF544}"/>
+                </a:ext>
+                <a:ext uri="{C183D7F6-B498-43B3-948B-1728B52AA6E4}">
+                  <adec:decorative xmlns:adec="http://schemas.microsoft.com/office/drawing/2017/decorative" val="1"/>
+                </a:ext>
+              </a:extLst>
+            </p:cNvPr>
+            <p:cNvSpPr/>
+            <p:nvPr>
+              <p:extLst>
+                <p:ext uri="{386F3935-93C4-4BCD-93E2-E3B085C9AB24}">
+                  <p16:designElem xmlns:p16="http://schemas.microsoft.com/office/powerpoint/2015/main" val="1"/>
+                </p:ext>
+              </p:extLst>
+            </p:nvPr>
+          </p:nvSpPr>
+          <p:spPr bwMode="auto">
+            <a:xfrm>
+              <a:off x="11290826" y="5579"/>
+              <a:ext cx="895350" cy="534687"/>
+            </a:xfrm>
+            <a:custGeom>
+              <a:avLst/>
+              <a:gdLst/>
+              <a:ahLst/>
+              <a:cxnLst/>
+              <a:rect l="0" t="0" r="r" b="b"/>
+              <a:pathLst>
+                <a:path w="188" h="112">
+                  <a:moveTo>
+                    <a:pt x="0" y="0"/>
+                  </a:moveTo>
+                  <a:cubicBezTo>
+                    <a:pt x="63" y="36"/>
+                    <a:pt x="126" y="73"/>
+                    <a:pt x="188" y="112"/>
+                  </a:cubicBezTo>
+                </a:path>
+              </a:pathLst>
+            </a:custGeom>
+            <a:noFill/>
+            <a:ln w="9525" cap="flat">
+              <a:solidFill>
+                <a:schemeClr val="tx1">
+                  <a:alpha val="10000"/>
+                </a:schemeClr>
+              </a:solidFill>
+              <a:prstDash val="solid"/>
+              <a:miter lim="800000"/>
+              <a:headEnd/>
+              <a:tailEnd/>
+            </a:ln>
+          </p:spPr>
+        </p:sp>
+      </p:grpSp>
+      <p:sp>
+        <p:nvSpPr>
+          <p:cNvPr id="2" name="Title 1">
+            <a:extLst>
+              <a:ext uri="{FF2B5EF4-FFF2-40B4-BE49-F238E27FC236}">
+                <a16:creationId xmlns:a16="http://schemas.microsoft.com/office/drawing/2014/main" id="{5CE1D2AF-38A3-4321-9173-16C326F65EDB}"/>
+              </a:ext>
+            </a:extLst>
+          </p:cNvPr>
+          <p:cNvSpPr>
+            <a:spLocks noGrp="1"/>
+          </p:cNvSpPr>
+          <p:nvPr>
+            <p:ph type="title"/>
+          </p:nvPr>
+        </p:nvSpPr>
+        <p:spPr>
+          <a:xfrm>
+            <a:off x="2002536" y="1261872"/>
+            <a:ext cx="8238744" cy="3118104"/>
+          </a:xfrm>
+        </p:spPr>
+        <p:txBody>
+          <a:bodyPr vert="horz" lIns="91440" tIns="45720" rIns="91440" bIns="45720" rtlCol="0" anchor="b">
+            <a:normAutofit/>
+          </a:bodyPr>
+          <a:lstStyle/>
+          <a:p>
+            <a:r>
+              <a:rPr lang="en-SG" sz="6800" kern="1200" dirty="0">
+                <a:solidFill>
+                  <a:schemeClr val="tx1"/>
+                </a:solidFill>
+                <a:latin typeface="+mj-lt"/>
+                <a:ea typeface="+mj-ea"/>
+                <a:cs typeface="+mj-cs"/>
+              </a:rPr>
+              <a:t>Thank You</a:t>
+            </a:r>
+            <a:endParaRPr lang="en-US" sz="6800" kern="1200" dirty="0">
+              <a:solidFill>
+                <a:schemeClr val="tx1"/>
+              </a:solidFill>
+              <a:latin typeface="+mj-lt"/>
+              <a:ea typeface="+mj-ea"/>
+              <a:cs typeface="+mj-cs"/>
+            </a:endParaRPr>
+          </a:p>
+        </p:txBody>
+      </p:sp>
+      <p:sp>
+        <p:nvSpPr>
+          <p:cNvPr id="3" name="Text Placeholder 2">
+            <a:extLst>
+              <a:ext uri="{FF2B5EF4-FFF2-40B4-BE49-F238E27FC236}">
+                <a16:creationId xmlns:a16="http://schemas.microsoft.com/office/drawing/2014/main" id="{B9CA42B3-8484-4FA0-A5D9-DDC1C3343691}"/>
+              </a:ext>
+            </a:extLst>
+          </p:cNvPr>
+          <p:cNvSpPr>
+            <a:spLocks noGrp="1"/>
+          </p:cNvSpPr>
+          <p:nvPr>
+            <p:ph type="body" idx="1"/>
+          </p:nvPr>
+        </p:nvSpPr>
+        <p:spPr>
+          <a:xfrm>
+            <a:off x="2002536" y="4562856"/>
+            <a:ext cx="8238744" cy="1225296"/>
+          </a:xfrm>
+        </p:spPr>
+        <p:txBody>
+          <a:bodyPr vert="horz" lIns="91440" tIns="45720" rIns="91440" bIns="45720" rtlCol="0">
+            <a:normAutofit/>
+          </a:bodyPr>
+          <a:lstStyle/>
+          <a:p>
+            <a:endParaRPr lang="en-US" sz="2400" kern="1200">
+              <a:solidFill>
+                <a:schemeClr val="tx1"/>
+              </a:solidFill>
+              <a:latin typeface="+mn-lt"/>
+              <a:ea typeface="+mn-ea"/>
+              <a:cs typeface="+mn-cs"/>
+            </a:endParaRPr>
+          </a:p>
+        </p:txBody>
+      </p:sp>
+      <p:sp>
+        <p:nvSpPr>
+          <p:cNvPr id="31" name="Isosceles Triangle 30">
+            <a:extLst>
+              <a:ext uri="{FF2B5EF4-FFF2-40B4-BE49-F238E27FC236}">
+                <a16:creationId xmlns:a16="http://schemas.microsoft.com/office/drawing/2014/main" id="{83CB2632-0822-4E49-A707-FA1B8A4D0173}"/>
+              </a:ext>
+              <a:ext uri="{C183D7F6-B498-43B3-948B-1728B52AA6E4}">
+                <adec:decorative xmlns:adec="http://schemas.microsoft.com/office/drawing/2017/decorative" val="1"/>
+              </a:ext>
+            </a:extLst>
+          </p:cNvPr>
+          <p:cNvSpPr>
+            <a:spLocks noGrp="1" noRot="1" noChangeAspect="1" noMove="1" noResize="1" noEditPoints="1" noAdjustHandles="1" noChangeArrowheads="1" noChangeShapeType="1" noTextEdit="1"/>
+          </p:cNvSpPr>
+          <p:nvPr>
+            <p:extLst>
+              <p:ext uri="{386F3935-93C4-4BCD-93E2-E3B085C9AB24}">
+                <p16:designElem xmlns:p16="http://schemas.microsoft.com/office/powerpoint/2015/main" val="1"/>
+              </p:ext>
+            </p:extLst>
+          </p:nvPr>
+        </p:nvSpPr>
+        <p:spPr>
+          <a:xfrm rot="10800000">
+            <a:off x="1435823" y="3320139"/>
+            <a:ext cx="300774" cy="259288"/>
+          </a:xfrm>
+          <a:prstGeom prst="triangle">
+            <a:avLst/>
+          </a:prstGeom>
+          <a:solidFill>
+            <a:schemeClr val="tx1"/>
+          </a:solidFill>
+          <a:ln>
+            <a:noFill/>
+          </a:ln>
+        </p:spPr>
+        <p:style>
+          <a:lnRef idx="2">
+            <a:schemeClr val="accent1">
+              <a:shade val="50000"/>
+            </a:schemeClr>
+          </a:lnRef>
+          <a:fillRef idx="1">
+            <a:schemeClr val="accent1"/>
+          </a:fillRef>
+          <a:effectRef idx="0">
+            <a:schemeClr val="accent1"/>
+          </a:effectRef>
+          <a:fontRef idx="minor">
+            <a:schemeClr val="lt1"/>
+          </a:fontRef>
+        </p:style>
+        <p:txBody>
+          <a:bodyPr/>
+          <a:lstStyle/>
+          <a:p>
+            <a:endParaRPr lang="en-US" dirty="0">
+              <a:solidFill>
+                <a:schemeClr val="tx1"/>
+              </a:solidFill>
+            </a:endParaRPr>
+          </a:p>
+        </p:txBody>
+      </p:sp>
+    </p:spTree>
+    <p:extLst>
+      <p:ext uri="{BB962C8B-B14F-4D97-AF65-F5344CB8AC3E}">
+        <p14:creationId xmlns:p14="http://schemas.microsoft.com/office/powerpoint/2010/main" val="3774676792"/>
+      </p:ext>
+    </p:extLst>
+  </p:cSld>
+  <p:clrMapOvr>
+    <a:overrideClrMapping bg1="dk1" tx1="lt1" bg2="dk2" tx2="lt2" accent1="accent1" accent2="accent2" accent3="accent3" accent4="accent4" accent5="accent5" accent6="accent6" hlink="hlink" folHlink="folHlink"/>
   </p:clrMapOvr>
 </p:sld>
 </file>
